--- a/Other/NIMBioS_2019.pptx
+++ b/Other/NIMBioS_2019.pptx
@@ -5,32 +5,46 @@
     <p:sldMasterId id="2147483699" r:id="rId1"/>
   </p:sldMasterIdLst>
   <p:notesMasterIdLst>
-    <p:notesMasterId r:id="rId22"/>
+    <p:notesMasterId r:id="rId36"/>
   </p:notesMasterIdLst>
   <p:handoutMasterIdLst>
-    <p:handoutMasterId r:id="rId23"/>
+    <p:handoutMasterId r:id="rId37"/>
   </p:handoutMasterIdLst>
   <p:sldIdLst>
     <p:sldId id="259" r:id="rId2"/>
     <p:sldId id="269" r:id="rId3"/>
-    <p:sldId id="270" r:id="rId4"/>
-    <p:sldId id="271" r:id="rId5"/>
-    <p:sldId id="272" r:id="rId6"/>
-    <p:sldId id="276" r:id="rId7"/>
-    <p:sldId id="274" r:id="rId8"/>
-    <p:sldId id="275" r:id="rId9"/>
-    <p:sldId id="277" r:id="rId10"/>
-    <p:sldId id="278" r:id="rId11"/>
-    <p:sldId id="279" r:id="rId12"/>
-    <p:sldId id="280" r:id="rId13"/>
-    <p:sldId id="281" r:id="rId14"/>
-    <p:sldId id="285" r:id="rId15"/>
-    <p:sldId id="282" r:id="rId16"/>
-    <p:sldId id="283" r:id="rId17"/>
-    <p:sldId id="284" r:id="rId18"/>
-    <p:sldId id="287" r:id="rId19"/>
-    <p:sldId id="288" r:id="rId20"/>
-    <p:sldId id="286" r:id="rId21"/>
+    <p:sldId id="289" r:id="rId4"/>
+    <p:sldId id="270" r:id="rId5"/>
+    <p:sldId id="290" r:id="rId6"/>
+    <p:sldId id="271" r:id="rId7"/>
+    <p:sldId id="272" r:id="rId8"/>
+    <p:sldId id="276" r:id="rId9"/>
+    <p:sldId id="274" r:id="rId10"/>
+    <p:sldId id="291" r:id="rId11"/>
+    <p:sldId id="275" r:id="rId12"/>
+    <p:sldId id="292" r:id="rId13"/>
+    <p:sldId id="304" r:id="rId14"/>
+    <p:sldId id="295" r:id="rId15"/>
+    <p:sldId id="294" r:id="rId16"/>
+    <p:sldId id="278" r:id="rId17"/>
+    <p:sldId id="279" r:id="rId18"/>
+    <p:sldId id="280" r:id="rId19"/>
+    <p:sldId id="281" r:id="rId20"/>
+    <p:sldId id="285" r:id="rId21"/>
+    <p:sldId id="277" r:id="rId22"/>
+    <p:sldId id="293" r:id="rId23"/>
+    <p:sldId id="283" r:id="rId24"/>
+    <p:sldId id="284" r:id="rId25"/>
+    <p:sldId id="287" r:id="rId26"/>
+    <p:sldId id="297" r:id="rId27"/>
+    <p:sldId id="299" r:id="rId28"/>
+    <p:sldId id="300" r:id="rId29"/>
+    <p:sldId id="298" r:id="rId30"/>
+    <p:sldId id="296" r:id="rId31"/>
+    <p:sldId id="301" r:id="rId32"/>
+    <p:sldId id="303" r:id="rId33"/>
+    <p:sldId id="302" r:id="rId34"/>
+    <p:sldId id="286" r:id="rId35"/>
   </p:sldIdLst>
   <p:sldSz cx="9144000" cy="6858000" type="screen4x3"/>
   <p:notesSz cx="6858000" cy="9144000"/>
@@ -136,23 +150,37 @@
           <p14:sldIdLst>
             <p14:sldId id="259"/>
             <p14:sldId id="269"/>
+            <p14:sldId id="289"/>
             <p14:sldId id="270"/>
+            <p14:sldId id="290"/>
             <p14:sldId id="271"/>
             <p14:sldId id="272"/>
             <p14:sldId id="276"/>
             <p14:sldId id="274"/>
+            <p14:sldId id="291"/>
             <p14:sldId id="275"/>
-            <p14:sldId id="277"/>
+            <p14:sldId id="292"/>
+            <p14:sldId id="304"/>
+            <p14:sldId id="295"/>
+            <p14:sldId id="294"/>
             <p14:sldId id="278"/>
             <p14:sldId id="279"/>
             <p14:sldId id="280"/>
             <p14:sldId id="281"/>
             <p14:sldId id="285"/>
-            <p14:sldId id="282"/>
+            <p14:sldId id="277"/>
+            <p14:sldId id="293"/>
             <p14:sldId id="283"/>
             <p14:sldId id="284"/>
             <p14:sldId id="287"/>
-            <p14:sldId id="288"/>
+            <p14:sldId id="297"/>
+            <p14:sldId id="299"/>
+            <p14:sldId id="300"/>
+            <p14:sldId id="298"/>
+            <p14:sldId id="296"/>
+            <p14:sldId id="301"/>
+            <p14:sldId id="303"/>
+            <p14:sldId id="302"/>
           </p14:sldIdLst>
         </p14:section>
         <p14:section name="Scratch" id="{DF376940-7487-44C8-9C52-C88976DEF3BE}">
@@ -784,6 +812,98 @@
     <p:extLst>
       <p:ext uri="{BB962C8B-B14F-4D97-AF65-F5344CB8AC3E}">
         <p14:creationId xmlns:p14="http://schemas.microsoft.com/office/powerpoint/2010/main" val="240878256"/>
+      </p:ext>
+    </p:extLst>
+  </p:cSld>
+  <p:clrMapOvr>
+    <a:masterClrMapping/>
+  </p:clrMapOvr>
+</p:notes>
+</file>
+
+<file path=ppt/notesSlides/notesSlide2.xml><?xml version="1.0" encoding="utf-8"?>
+<p:notes xmlns:a="http://schemas.openxmlformats.org/drawingml/2006/main" xmlns:r="http://schemas.openxmlformats.org/officeDocument/2006/relationships" xmlns:p="http://schemas.openxmlformats.org/presentationml/2006/main">
+  <p:cSld>
+    <p:spTree>
+      <p:nvGrpSpPr>
+        <p:cNvPr id="1" name=""/>
+        <p:cNvGrpSpPr/>
+        <p:nvPr/>
+      </p:nvGrpSpPr>
+      <p:grpSpPr>
+        <a:xfrm>
+          <a:off x="0" y="0"/>
+          <a:ext cx="0" cy="0"/>
+          <a:chOff x="0" y="0"/>
+          <a:chExt cx="0" cy="0"/>
+        </a:xfrm>
+      </p:grpSpPr>
+      <p:sp>
+        <p:nvSpPr>
+          <p:cNvPr id="2" name="Slide Image Placeholder 1"/>
+          <p:cNvSpPr>
+            <a:spLocks noGrp="1" noRot="1" noChangeAspect="1"/>
+          </p:cNvSpPr>
+          <p:nvPr>
+            <p:ph type="sldImg"/>
+          </p:nvPr>
+        </p:nvSpPr>
+        <p:spPr/>
+      </p:sp>
+      <p:sp>
+        <p:nvSpPr>
+          <p:cNvPr id="3" name="Notes Placeholder 2"/>
+          <p:cNvSpPr>
+            <a:spLocks noGrp="1"/>
+          </p:cNvSpPr>
+          <p:nvPr>
+            <p:ph type="body" idx="1"/>
+          </p:nvPr>
+        </p:nvSpPr>
+        <p:spPr/>
+        <p:txBody>
+          <a:bodyPr/>
+          <a:lstStyle/>
+          <a:p>
+            <a:r>
+              <a:rPr lang="en-US" dirty="0" smtClean="0"/>
+              <a:t>Frame question in terms of which is cheaper: increased coverage, increased frequency,</a:t>
+            </a:r>
+            <a:r>
+              <a:rPr lang="en-US" baseline="0" dirty="0" smtClean="0"/>
+              <a:t> or alternative interventions?</a:t>
+            </a:r>
+            <a:endParaRPr lang="en-US" dirty="0"/>
+          </a:p>
+        </p:txBody>
+      </p:sp>
+      <p:sp>
+        <p:nvSpPr>
+          <p:cNvPr id="4" name="Slide Number Placeholder 3"/>
+          <p:cNvSpPr>
+            <a:spLocks noGrp="1"/>
+          </p:cNvSpPr>
+          <p:nvPr>
+            <p:ph type="sldNum" sz="quarter" idx="10"/>
+          </p:nvPr>
+        </p:nvSpPr>
+        <p:spPr/>
+        <p:txBody>
+          <a:bodyPr/>
+          <a:lstStyle/>
+          <a:p>
+            <a:fld id="{B73E644B-9D12-D440-B002-B1721AD7B1C7}" type="slidenum">
+              <a:rPr lang="en-US" smtClean="0"/>
+              <a:t>9</a:t>
+            </a:fld>
+            <a:endParaRPr lang="en-US"/>
+          </a:p>
+        </p:txBody>
+      </p:sp>
+    </p:spTree>
+    <p:extLst>
+      <p:ext uri="{BB962C8B-B14F-4D97-AF65-F5344CB8AC3E}">
+        <p14:creationId xmlns:p14="http://schemas.microsoft.com/office/powerpoint/2010/main" val="3905890497"/>
       </p:ext>
     </p:extLst>
   </p:cSld>
@@ -2569,7 +2689,6 @@
               <a:rPr lang="en-US" dirty="0"/>
               <a:t>Optimal Control of NTDs</a:t>
             </a:r>
-            <a:endParaRPr lang="en-US" dirty="0"/>
           </a:p>
         </p:txBody>
       </p:sp>
@@ -2650,6 +2769,644 @@
 </file>
 
 <file path=ppt/slides/slide10.xml><?xml version="1.0" encoding="utf-8"?>
+<p:sld xmlns:a="http://schemas.openxmlformats.org/drawingml/2006/main" xmlns:r="http://schemas.openxmlformats.org/officeDocument/2006/relationships" xmlns:p="http://schemas.openxmlformats.org/presentationml/2006/main">
+  <p:cSld>
+    <p:spTree>
+      <p:nvGrpSpPr>
+        <p:cNvPr id="1" name=""/>
+        <p:cNvGrpSpPr/>
+        <p:nvPr/>
+      </p:nvGrpSpPr>
+      <p:grpSpPr>
+        <a:xfrm>
+          <a:off x="0" y="0"/>
+          <a:ext cx="0" cy="0"/>
+          <a:chOff x="0" y="0"/>
+          <a:chExt cx="0" cy="0"/>
+        </a:xfrm>
+      </p:grpSpPr>
+      <p:pic>
+        <p:nvPicPr>
+          <p:cNvPr id="6" name="Picture 2" descr="https://github.com/cmhoove14/DDNTD/raw/master/Analysis/Model_animations_files/figure-markdown_github/both_through_time-1.gif"/>
+          <p:cNvPicPr>
+            <a:picLocks noChangeAspect="1" noChangeArrowheads="1" noCrop="1"/>
+          </p:cNvPicPr>
+          <p:nvPr/>
+        </p:nvPicPr>
+        <p:blipFill>
+          <a:blip r:embed="rId2">
+            <a:extLst>
+              <a:ext uri="{28A0092B-C50C-407E-A947-70E740481C1C}">
+                <a14:useLocalDpi xmlns:a14="http://schemas.microsoft.com/office/drawing/2010/main" val="0"/>
+              </a:ext>
+            </a:extLst>
+          </a:blip>
+          <a:srcRect/>
+          <a:stretch>
+            <a:fillRect/>
+          </a:stretch>
+        </p:blipFill>
+        <p:spPr bwMode="auto">
+          <a:xfrm>
+            <a:off x="3669030" y="809244"/>
+            <a:ext cx="5292090" cy="5292091"/>
+          </a:xfrm>
+          <a:prstGeom prst="rect">
+            <a:avLst/>
+          </a:prstGeom>
+          <a:noFill/>
+          <a:extLst>
+            <a:ext uri="{909E8E84-426E-40DD-AFC4-6F175D3DCCD1}">
+              <a14:hiddenFill xmlns:a14="http://schemas.microsoft.com/office/drawing/2010/main">
+                <a:solidFill>
+                  <a:srgbClr val="FFFFFF"/>
+                </a:solidFill>
+              </a14:hiddenFill>
+            </a:ext>
+          </a:extLst>
+        </p:spPr>
+      </p:pic>
+      <p:sp>
+        <p:nvSpPr>
+          <p:cNvPr id="4" name="Content Placeholder 3"/>
+          <p:cNvSpPr>
+            <a:spLocks noGrp="1"/>
+          </p:cNvSpPr>
+          <p:nvPr>
+            <p:ph idx="13"/>
+          </p:nvPr>
+        </p:nvSpPr>
+        <p:spPr>
+          <a:xfrm>
+            <a:off x="457200" y="316782"/>
+            <a:ext cx="4503420" cy="488017"/>
+          </a:xfrm>
+        </p:spPr>
+        <p:txBody>
+          <a:bodyPr>
+            <a:noAutofit/>
+          </a:bodyPr>
+          <a:lstStyle/>
+          <a:p>
+            <a:r>
+              <a:rPr lang="en-US" sz="2000" dirty="0" smtClean="0"/>
+              <a:t>Theory | </a:t>
+            </a:r>
+            <a:r>
+              <a:rPr lang="en-US" sz="2000" dirty="0" smtClean="0">
+                <a:solidFill>
+                  <a:schemeClr val="bg1"/>
+                </a:solidFill>
+              </a:rPr>
+              <a:t>Reff &amp; Breakpoints</a:t>
+            </a:r>
+            <a:endParaRPr lang="en-US" sz="2000" dirty="0">
+              <a:solidFill>
+                <a:schemeClr val="bg1"/>
+              </a:solidFill>
+            </a:endParaRPr>
+          </a:p>
+        </p:txBody>
+      </p:sp>
+      <p:pic>
+        <p:nvPicPr>
+          <p:cNvPr id="6146" name="Picture 2" descr="https://github.com/cmhoove14/DDNTD/raw/master/Analysis/Model_animations_files/figure-markdown_github/reff_snail_int-1.png"/>
+          <p:cNvPicPr>
+            <a:picLocks noChangeAspect="1" noChangeArrowheads="1"/>
+          </p:cNvPicPr>
+          <p:nvPr/>
+        </p:nvPicPr>
+        <p:blipFill>
+          <a:blip r:embed="rId3">
+            <a:extLst>
+              <a:ext uri="{28A0092B-C50C-407E-A947-70E740481C1C}">
+                <a14:useLocalDpi xmlns:a14="http://schemas.microsoft.com/office/drawing/2010/main" val="0"/>
+              </a:ext>
+            </a:extLst>
+          </a:blip>
+          <a:srcRect/>
+          <a:stretch>
+            <a:fillRect/>
+          </a:stretch>
+        </p:blipFill>
+        <p:spPr bwMode="auto">
+          <a:xfrm>
+            <a:off x="0" y="3362684"/>
+            <a:ext cx="3619712" cy="2585509"/>
+          </a:xfrm>
+          <a:prstGeom prst="rect">
+            <a:avLst/>
+          </a:prstGeom>
+          <a:noFill/>
+          <a:extLst>
+            <a:ext uri="{909E8E84-426E-40DD-AFC4-6F175D3DCCD1}">
+              <a14:hiddenFill xmlns:a14="http://schemas.microsoft.com/office/drawing/2010/main">
+                <a:solidFill>
+                  <a:srgbClr val="FFFFFF"/>
+                </a:solidFill>
+              </a14:hiddenFill>
+            </a:ext>
+          </a:extLst>
+        </p:spPr>
+      </p:pic>
+      <p:sp>
+        <p:nvSpPr>
+          <p:cNvPr id="8" name="Content Placeholder 3"/>
+          <p:cNvSpPr>
+            <a:spLocks noGrp="1"/>
+          </p:cNvSpPr>
+          <p:nvPr>
+            <p:ph idx="13"/>
+          </p:nvPr>
+        </p:nvSpPr>
+        <p:spPr>
+          <a:xfrm>
+            <a:off x="-1" y="804799"/>
+            <a:ext cx="3533775" cy="2443226"/>
+          </a:xfrm>
+        </p:spPr>
+        <p:txBody>
+          <a:bodyPr>
+            <a:noAutofit/>
+          </a:bodyPr>
+          <a:lstStyle/>
+          <a:p>
+            <a:r>
+              <a:rPr lang="en-US" sz="2400" dirty="0" smtClean="0"/>
+              <a:t>What’s the right combination of MDA and other interventions? </a:t>
+            </a:r>
+            <a:endParaRPr lang="en-US" sz="2000" dirty="0" smtClean="0">
+              <a:solidFill>
+                <a:schemeClr val="bg1"/>
+              </a:solidFill>
+            </a:endParaRPr>
+          </a:p>
+          <a:p>
+            <a:pPr marL="342900" indent="-342900">
+              <a:buFont typeface="Arial" panose="020B0604020202020204" pitchFamily="34" charset="0"/>
+              <a:buChar char="•"/>
+            </a:pPr>
+            <a:endParaRPr lang="en-US" sz="2000" dirty="0">
+              <a:solidFill>
+                <a:schemeClr val="bg1"/>
+              </a:solidFill>
+            </a:endParaRPr>
+          </a:p>
+        </p:txBody>
+      </p:sp>
+    </p:spTree>
+    <p:extLst>
+      <p:ext uri="{BB962C8B-B14F-4D97-AF65-F5344CB8AC3E}">
+        <p14:creationId xmlns:p14="http://schemas.microsoft.com/office/powerpoint/2010/main" val="2994331828"/>
+      </p:ext>
+    </p:extLst>
+  </p:cSld>
+  <p:clrMapOvr>
+    <a:masterClrMapping/>
+  </p:clrMapOvr>
+  <p:timing>
+    <p:tnLst>
+      <p:par>
+        <p:cTn id="1" dur="indefinite" restart="never" nodeType="tmRoot"/>
+      </p:par>
+    </p:tnLst>
+  </p:timing>
+</p:sld>
+</file>
+
+<file path=ppt/slides/slide11.xml><?xml version="1.0" encoding="utf-8"?>
+<p:sld xmlns:a="http://schemas.openxmlformats.org/drawingml/2006/main" xmlns:r="http://schemas.openxmlformats.org/officeDocument/2006/relationships" xmlns:p="http://schemas.openxmlformats.org/presentationml/2006/main">
+  <p:cSld>
+    <p:spTree>
+      <p:nvGrpSpPr>
+        <p:cNvPr id="1" name=""/>
+        <p:cNvGrpSpPr/>
+        <p:nvPr/>
+      </p:nvGrpSpPr>
+      <p:grpSpPr>
+        <a:xfrm>
+          <a:off x="0" y="0"/>
+          <a:ext cx="0" cy="0"/>
+          <a:chOff x="0" y="0"/>
+          <a:chExt cx="0" cy="0"/>
+        </a:xfrm>
+      </p:grpSpPr>
+      <p:sp>
+        <p:nvSpPr>
+          <p:cNvPr id="4" name="Content Placeholder 3"/>
+          <p:cNvSpPr>
+            <a:spLocks noGrp="1"/>
+          </p:cNvSpPr>
+          <p:nvPr>
+            <p:ph idx="13"/>
+          </p:nvPr>
+        </p:nvSpPr>
+        <p:spPr>
+          <a:xfrm>
+            <a:off x="457200" y="1825542"/>
+            <a:ext cx="7440930" cy="2815038"/>
+          </a:xfrm>
+        </p:spPr>
+        <p:txBody>
+          <a:bodyPr>
+            <a:noAutofit/>
+          </a:bodyPr>
+          <a:lstStyle/>
+          <a:p>
+            <a:r>
+              <a:rPr lang="en-US" sz="2400" dirty="0" smtClean="0"/>
+              <a:t>How do we optimally allocate resources given:</a:t>
+            </a:r>
+          </a:p>
+          <a:p>
+            <a:pPr marL="342900" indent="-342900">
+              <a:buFont typeface="Arial" panose="020B0604020202020204" pitchFamily="34" charset="0"/>
+              <a:buChar char="•"/>
+            </a:pPr>
+            <a:r>
+              <a:rPr lang="en-US" sz="2000" dirty="0" smtClean="0">
+                <a:solidFill>
+                  <a:schemeClr val="bg1"/>
+                </a:solidFill>
+              </a:rPr>
+              <a:t>Transmission intensity</a:t>
+            </a:r>
+          </a:p>
+          <a:p>
+            <a:pPr marL="342900" indent="-342900">
+              <a:buFont typeface="Arial" panose="020B0604020202020204" pitchFamily="34" charset="0"/>
+              <a:buChar char="•"/>
+            </a:pPr>
+            <a:r>
+              <a:rPr lang="en-US" sz="2000" dirty="0" smtClean="0">
+                <a:solidFill>
+                  <a:schemeClr val="bg1"/>
+                </a:solidFill>
+              </a:rPr>
+              <a:t>Transmission network</a:t>
+            </a:r>
+          </a:p>
+          <a:p>
+            <a:pPr marL="342900" indent="-342900">
+              <a:buFont typeface="Arial" panose="020B0604020202020204" pitchFamily="34" charset="0"/>
+              <a:buChar char="•"/>
+            </a:pPr>
+            <a:r>
+              <a:rPr lang="en-US" sz="2000" dirty="0" smtClean="0">
+                <a:solidFill>
+                  <a:schemeClr val="bg1"/>
+                </a:solidFill>
+              </a:rPr>
+              <a:t>Rate of development</a:t>
+            </a:r>
+          </a:p>
+          <a:p>
+            <a:pPr marL="342900" indent="-342900">
+              <a:buFont typeface="Arial" panose="020B0604020202020204" pitchFamily="34" charset="0"/>
+              <a:buChar char="•"/>
+            </a:pPr>
+            <a:r>
+              <a:rPr lang="en-US" sz="2000" dirty="0" smtClean="0">
+                <a:solidFill>
+                  <a:schemeClr val="bg1"/>
+                </a:solidFill>
+              </a:rPr>
+              <a:t>Time frame and goal</a:t>
+            </a:r>
+          </a:p>
+          <a:p>
+            <a:pPr marL="342900" indent="-342900">
+              <a:buFont typeface="Arial" panose="020B0604020202020204" pitchFamily="34" charset="0"/>
+              <a:buChar char="•"/>
+            </a:pPr>
+            <a:r>
+              <a:rPr lang="en-US" sz="2000" dirty="0" smtClean="0">
+                <a:solidFill>
+                  <a:schemeClr val="bg1"/>
+                </a:solidFill>
+              </a:rPr>
+              <a:t>Uncertainty</a:t>
+            </a:r>
+          </a:p>
+          <a:p>
+            <a:pPr marL="342900" indent="-342900">
+              <a:buFont typeface="Arial" panose="020B0604020202020204" pitchFamily="34" charset="0"/>
+              <a:buChar char="•"/>
+            </a:pPr>
+            <a:endParaRPr lang="en-US" sz="2000" dirty="0">
+              <a:solidFill>
+                <a:schemeClr val="bg1"/>
+              </a:solidFill>
+            </a:endParaRPr>
+          </a:p>
+        </p:txBody>
+      </p:sp>
+    </p:spTree>
+    <p:extLst>
+      <p:ext uri="{BB962C8B-B14F-4D97-AF65-F5344CB8AC3E}">
+        <p14:creationId xmlns:p14="http://schemas.microsoft.com/office/powerpoint/2010/main" val="2508750540"/>
+      </p:ext>
+    </p:extLst>
+  </p:cSld>
+  <p:clrMapOvr>
+    <a:masterClrMapping/>
+  </p:clrMapOvr>
+  <p:timing>
+    <p:tnLst>
+      <p:par>
+        <p:cTn id="1" dur="indefinite" restart="never" nodeType="tmRoot"/>
+      </p:par>
+    </p:tnLst>
+  </p:timing>
+</p:sld>
+</file>
+
+<file path=ppt/slides/slide12.xml><?xml version="1.0" encoding="utf-8"?>
+<p:sld xmlns:a="http://schemas.openxmlformats.org/drawingml/2006/main" xmlns:r="http://schemas.openxmlformats.org/officeDocument/2006/relationships" xmlns:p="http://schemas.openxmlformats.org/presentationml/2006/main">
+  <p:cSld>
+    <p:spTree>
+      <p:nvGrpSpPr>
+        <p:cNvPr id="1" name=""/>
+        <p:cNvGrpSpPr/>
+        <p:nvPr/>
+      </p:nvGrpSpPr>
+      <p:grpSpPr>
+        <a:xfrm>
+          <a:off x="0" y="0"/>
+          <a:ext cx="0" cy="0"/>
+          <a:chOff x="0" y="0"/>
+          <a:chExt cx="0" cy="0"/>
+        </a:xfrm>
+      </p:grpSpPr>
+      <p:sp>
+        <p:nvSpPr>
+          <p:cNvPr id="4" name="Content Placeholder 3"/>
+          <p:cNvSpPr>
+            <a:spLocks noGrp="1"/>
+          </p:cNvSpPr>
+          <p:nvPr>
+            <p:ph idx="13"/>
+          </p:nvPr>
+        </p:nvSpPr>
+        <p:spPr>
+          <a:xfrm>
+            <a:off x="457199" y="316782"/>
+            <a:ext cx="6956643" cy="488017"/>
+          </a:xfrm>
+        </p:spPr>
+        <p:txBody>
+          <a:bodyPr>
+            <a:noAutofit/>
+          </a:bodyPr>
+          <a:lstStyle/>
+          <a:p>
+            <a:r>
+              <a:rPr lang="en-US" sz="2000" dirty="0" smtClean="0"/>
+              <a:t>Framework| </a:t>
+            </a:r>
+            <a:r>
+              <a:rPr lang="en-US" sz="2000" dirty="0" smtClean="0">
+                <a:solidFill>
+                  <a:schemeClr val="bg1"/>
+                </a:solidFill>
+              </a:rPr>
+              <a:t>Stochastic Dynamic Programming</a:t>
+            </a:r>
+            <a:endParaRPr lang="en-US" sz="2000" dirty="0">
+              <a:solidFill>
+                <a:schemeClr val="bg1"/>
+              </a:solidFill>
+            </a:endParaRPr>
+          </a:p>
+        </p:txBody>
+      </p:sp>
+      <p:sp>
+        <p:nvSpPr>
+          <p:cNvPr id="3" name="Content Placeholder 2"/>
+          <p:cNvSpPr>
+            <a:spLocks noGrp="1"/>
+          </p:cNvSpPr>
+          <p:nvPr>
+            <p:ph idx="1"/>
+          </p:nvPr>
+        </p:nvSpPr>
+        <p:spPr>
+          <a:xfrm>
+            <a:off x="457200" y="1223010"/>
+            <a:ext cx="8229600" cy="3758213"/>
+          </a:xfrm>
+        </p:spPr>
+        <p:txBody>
+          <a:bodyPr/>
+          <a:lstStyle/>
+          <a:p>
+            <a:r>
+              <a:rPr lang="en-US" dirty="0" smtClean="0"/>
+              <a:t>Solve optimization problems in the context of uncertainty</a:t>
+            </a:r>
+          </a:p>
+          <a:p>
+            <a:r>
+              <a:rPr lang="en-US" dirty="0" smtClean="0"/>
+              <a:t>Determines state-dependent optimal decisions </a:t>
+            </a:r>
+            <a:r>
+              <a:rPr lang="en-US" dirty="0" smtClean="0">
+                <a:sym typeface="Wingdings" panose="05000000000000000000" pitchFamily="2" charset="2"/>
+              </a:rPr>
+              <a:t> adaptive policies through time</a:t>
+            </a:r>
+            <a:endParaRPr lang="en-US" dirty="0"/>
+          </a:p>
+        </p:txBody>
+      </p:sp>
+      <p:sp>
+        <p:nvSpPr>
+          <p:cNvPr id="5" name="Rectangle 4"/>
+          <p:cNvSpPr/>
+          <p:nvPr/>
+        </p:nvSpPr>
+        <p:spPr>
+          <a:xfrm>
+            <a:off x="2434590" y="6123398"/>
+            <a:ext cx="4572000" cy="507831"/>
+          </a:xfrm>
+          <a:prstGeom prst="rect">
+            <a:avLst/>
+          </a:prstGeom>
+        </p:spPr>
+        <p:txBody>
+          <a:bodyPr>
+            <a:spAutoFit/>
+          </a:bodyPr>
+          <a:lstStyle/>
+          <a:p>
+            <a:r>
+              <a:rPr lang="en-US" sz="900" dirty="0" err="1">
+                <a:solidFill>
+                  <a:schemeClr val="bg1"/>
+                </a:solidFill>
+                <a:latin typeface="Arial" panose="020B0604020202020204" pitchFamily="34" charset="0"/>
+              </a:rPr>
+              <a:t>Marescot</a:t>
+            </a:r>
+            <a:r>
+              <a:rPr lang="en-US" sz="900" dirty="0">
+                <a:solidFill>
+                  <a:schemeClr val="bg1"/>
+                </a:solidFill>
+                <a:latin typeface="Arial" panose="020B0604020202020204" pitchFamily="34" charset="0"/>
+              </a:rPr>
+              <a:t>, L., </a:t>
+            </a:r>
+            <a:r>
+              <a:rPr lang="en-US" sz="900" dirty="0" err="1">
+                <a:solidFill>
+                  <a:schemeClr val="bg1"/>
+                </a:solidFill>
+                <a:latin typeface="Arial" panose="020B0604020202020204" pitchFamily="34" charset="0"/>
+              </a:rPr>
+              <a:t>Chapron</a:t>
+            </a:r>
+            <a:r>
+              <a:rPr lang="en-US" sz="900" dirty="0">
+                <a:solidFill>
+                  <a:schemeClr val="bg1"/>
+                </a:solidFill>
+                <a:latin typeface="Arial" panose="020B0604020202020204" pitchFamily="34" charset="0"/>
+              </a:rPr>
+              <a:t>, G., </a:t>
+            </a:r>
+            <a:r>
+              <a:rPr lang="en-US" sz="900" dirty="0" err="1">
+                <a:solidFill>
+                  <a:schemeClr val="bg1"/>
+                </a:solidFill>
+                <a:latin typeface="Arial" panose="020B0604020202020204" pitchFamily="34" charset="0"/>
+              </a:rPr>
+              <a:t>Chadès</a:t>
+            </a:r>
+            <a:r>
+              <a:rPr lang="en-US" sz="900" dirty="0">
+                <a:solidFill>
+                  <a:schemeClr val="bg1"/>
+                </a:solidFill>
+                <a:latin typeface="Arial" panose="020B0604020202020204" pitchFamily="34" charset="0"/>
+              </a:rPr>
+              <a:t>, I., </a:t>
+            </a:r>
+            <a:r>
+              <a:rPr lang="en-US" sz="900" dirty="0" err="1">
+                <a:solidFill>
+                  <a:schemeClr val="bg1"/>
+                </a:solidFill>
+                <a:latin typeface="Arial" panose="020B0604020202020204" pitchFamily="34" charset="0"/>
+              </a:rPr>
+              <a:t>Fackler</a:t>
+            </a:r>
+            <a:r>
+              <a:rPr lang="en-US" sz="900" dirty="0">
+                <a:solidFill>
+                  <a:schemeClr val="bg1"/>
+                </a:solidFill>
+                <a:latin typeface="Arial" panose="020B0604020202020204" pitchFamily="34" charset="0"/>
+              </a:rPr>
+              <a:t>, P. L., Duchamp, C., </a:t>
+            </a:r>
+            <a:r>
+              <a:rPr lang="en-US" sz="900" dirty="0" err="1">
+                <a:solidFill>
+                  <a:schemeClr val="bg1"/>
+                </a:solidFill>
+                <a:latin typeface="Arial" panose="020B0604020202020204" pitchFamily="34" charset="0"/>
+              </a:rPr>
+              <a:t>Marboutin</a:t>
+            </a:r>
+            <a:r>
+              <a:rPr lang="en-US" sz="900" dirty="0">
+                <a:solidFill>
+                  <a:schemeClr val="bg1"/>
+                </a:solidFill>
+                <a:latin typeface="Arial" panose="020B0604020202020204" pitchFamily="34" charset="0"/>
+              </a:rPr>
+              <a:t>, E., &amp; </a:t>
+            </a:r>
+            <a:r>
+              <a:rPr lang="en-US" sz="900" dirty="0" err="1">
+                <a:solidFill>
+                  <a:schemeClr val="bg1"/>
+                </a:solidFill>
+                <a:latin typeface="Arial" panose="020B0604020202020204" pitchFamily="34" charset="0"/>
+              </a:rPr>
+              <a:t>Gimenez</a:t>
+            </a:r>
+            <a:r>
+              <a:rPr lang="en-US" sz="900" dirty="0">
+                <a:solidFill>
+                  <a:schemeClr val="bg1"/>
+                </a:solidFill>
+                <a:latin typeface="Arial" panose="020B0604020202020204" pitchFamily="34" charset="0"/>
+              </a:rPr>
+              <a:t>, O. (2013). Complex decisions made simple: a primer on stochastic dynamic programming. </a:t>
+            </a:r>
+            <a:r>
+              <a:rPr lang="en-US" sz="900" i="1" dirty="0">
+                <a:solidFill>
+                  <a:schemeClr val="bg1"/>
+                </a:solidFill>
+                <a:latin typeface="Arial" panose="020B0604020202020204" pitchFamily="34" charset="0"/>
+              </a:rPr>
+              <a:t>Methods in Ecology and Evolution</a:t>
+            </a:r>
+            <a:r>
+              <a:rPr lang="en-US" sz="900" dirty="0">
+                <a:solidFill>
+                  <a:schemeClr val="bg1"/>
+                </a:solidFill>
+                <a:latin typeface="Arial" panose="020B0604020202020204" pitchFamily="34" charset="0"/>
+              </a:rPr>
+              <a:t>, </a:t>
+            </a:r>
+            <a:r>
+              <a:rPr lang="en-US" sz="900" i="1" dirty="0">
+                <a:solidFill>
+                  <a:schemeClr val="bg1"/>
+                </a:solidFill>
+                <a:latin typeface="Arial" panose="020B0604020202020204" pitchFamily="34" charset="0"/>
+              </a:rPr>
+              <a:t>4</a:t>
+            </a:r>
+            <a:r>
+              <a:rPr lang="en-US" sz="900" dirty="0">
+                <a:solidFill>
+                  <a:schemeClr val="bg1"/>
+                </a:solidFill>
+                <a:latin typeface="Arial" panose="020B0604020202020204" pitchFamily="34" charset="0"/>
+              </a:rPr>
+              <a:t>(9), 872-884.</a:t>
+            </a:r>
+            <a:endParaRPr lang="en-US" sz="900" dirty="0">
+              <a:solidFill>
+                <a:schemeClr val="bg1"/>
+              </a:solidFill>
+            </a:endParaRPr>
+          </a:p>
+        </p:txBody>
+      </p:sp>
+    </p:spTree>
+    <p:extLst>
+      <p:ext uri="{BB962C8B-B14F-4D97-AF65-F5344CB8AC3E}">
+        <p14:creationId xmlns:p14="http://schemas.microsoft.com/office/powerpoint/2010/main" val="366695387"/>
+      </p:ext>
+    </p:extLst>
+  </p:cSld>
+  <p:clrMapOvr>
+    <a:masterClrMapping/>
+  </p:clrMapOvr>
+</p:sld>
+</file>
+
+<file path=ppt/slides/slide13.xml><?xml version="1.0" encoding="utf-8"?>
 <p:sld xmlns:a="http://schemas.openxmlformats.org/drawingml/2006/main" xmlns:r="http://schemas.openxmlformats.org/officeDocument/2006/relationships" xmlns:p="http://schemas.openxmlformats.org/presentationml/2006/main">
   <p:cSld>
     <p:spTree>
@@ -2780,24 +3537,345 @@
                 <a:endParaRPr lang="en-US" dirty="0" smtClean="0"/>
               </a:p>
               <a:p>
-                <a:pPr lvl="1"/>
                 <a:r>
                   <a:rPr lang="en-US" dirty="0" smtClean="0"/>
-                  <a:t>Mean worm burden</a:t>
+                  <a:t>Decision at time </a:t>
                 </a:r>
+                <a14:m>
+                  <m:oMath xmlns:m="http://schemas.openxmlformats.org/officeDocument/2006/math">
+                    <m:r>
+                      <a:rPr lang="en-US" b="0" i="1" smtClean="0">
+                        <a:latin typeface="Cambria Math" panose="02040503050406030204" pitchFamily="18" charset="0"/>
+                      </a:rPr>
+                      <m:t>𝑡</m:t>
+                    </m:r>
+                  </m:oMath>
+                </a14:m>
+                <a:r>
+                  <a:rPr lang="en-US" dirty="0" smtClean="0"/>
+                  <a:t>, </a:t>
+                </a:r>
+                <a14:m>
+                  <m:oMath xmlns:m="http://schemas.openxmlformats.org/officeDocument/2006/math">
+                    <m:sSub>
+                      <m:sSubPr>
+                        <m:ctrlPr>
+                          <a:rPr lang="en-US" b="0" i="1" smtClean="0">
+                            <a:latin typeface="Cambria Math" panose="02040503050406030204" pitchFamily="18" charset="0"/>
+                          </a:rPr>
+                        </m:ctrlPr>
+                      </m:sSubPr>
+                      <m:e>
+                        <m:r>
+                          <a:rPr lang="en-US" b="0" i="1" smtClean="0">
+                            <a:latin typeface="Cambria Math" panose="02040503050406030204" pitchFamily="18" charset="0"/>
+                          </a:rPr>
+                          <m:t>𝐴</m:t>
+                        </m:r>
+                      </m:e>
+                      <m:sub>
+                        <m:r>
+                          <a:rPr lang="en-US" b="0" i="1" smtClean="0">
+                            <a:latin typeface="Cambria Math" panose="02040503050406030204" pitchFamily="18" charset="0"/>
+                          </a:rPr>
+                          <m:t>𝑡</m:t>
+                        </m:r>
+                      </m:sub>
+                    </m:sSub>
+                  </m:oMath>
+                </a14:m>
+                <a:endParaRPr lang="en-US" dirty="0" smtClean="0"/>
               </a:p>
               <a:p>
-                <a:pPr lvl="1"/>
                 <a:r>
                   <a:rPr lang="en-US" dirty="0" smtClean="0"/>
-                  <a:t>Prevalence</a:t>
+                  <a:t>Transition model, </a:t>
                 </a:r>
+                <a14:m>
+                  <m:oMath xmlns:m="http://schemas.openxmlformats.org/officeDocument/2006/math">
+                    <m:r>
+                      <a:rPr lang="en-US" b="0" i="1" smtClean="0">
+                        <a:latin typeface="Cambria Math" panose="02040503050406030204" pitchFamily="18" charset="0"/>
+                      </a:rPr>
+                      <m:t>ℳ</m:t>
+                    </m:r>
+                  </m:oMath>
+                </a14:m>
+                <a:r>
+                  <a:rPr lang="en-US" dirty="0" smtClean="0"/>
+                  <a:t>, that gives </a:t>
+                </a:r>
+                <a14:m>
+                  <m:oMath xmlns:m="http://schemas.openxmlformats.org/officeDocument/2006/math">
+                    <m:sSub>
+                      <m:sSubPr>
+                        <m:ctrlPr>
+                          <a:rPr lang="en-US" b="0" i="1" smtClean="0">
+                            <a:latin typeface="Cambria Math" panose="02040503050406030204" pitchFamily="18" charset="0"/>
+                          </a:rPr>
+                        </m:ctrlPr>
+                      </m:sSubPr>
+                      <m:e>
+                        <m:r>
+                          <a:rPr lang="en-US" b="0" i="1" smtClean="0">
+                            <a:latin typeface="Cambria Math" panose="02040503050406030204" pitchFamily="18" charset="0"/>
+                          </a:rPr>
+                          <m:t>𝑆</m:t>
+                        </m:r>
+                      </m:e>
+                      <m:sub>
+                        <m:r>
+                          <a:rPr lang="en-US" b="0" i="1" smtClean="0">
+                            <a:latin typeface="Cambria Math" panose="02040503050406030204" pitchFamily="18" charset="0"/>
+                          </a:rPr>
+                          <m:t>𝑡</m:t>
+                        </m:r>
+                        <m:r>
+                          <a:rPr lang="en-US" b="0" i="1" smtClean="0">
+                            <a:latin typeface="Cambria Math" panose="02040503050406030204" pitchFamily="18" charset="0"/>
+                          </a:rPr>
+                          <m:t>+1</m:t>
+                        </m:r>
+                      </m:sub>
+                    </m:sSub>
+                    <m:r>
+                      <a:rPr lang="en-US" b="0" i="1" smtClean="0">
+                        <a:latin typeface="Cambria Math" panose="02040503050406030204" pitchFamily="18" charset="0"/>
+                      </a:rPr>
+                      <m:t>|</m:t>
+                    </m:r>
+                    <m:sSub>
+                      <m:sSubPr>
+                        <m:ctrlPr>
+                          <a:rPr lang="en-US" b="0" i="1" smtClean="0">
+                            <a:latin typeface="Cambria Math" panose="02040503050406030204" pitchFamily="18" charset="0"/>
+                          </a:rPr>
+                        </m:ctrlPr>
+                      </m:sSubPr>
+                      <m:e>
+                        <m:r>
+                          <a:rPr lang="en-US" b="0" i="1" smtClean="0">
+                            <a:latin typeface="Cambria Math" panose="02040503050406030204" pitchFamily="18" charset="0"/>
+                          </a:rPr>
+                          <m:t>𝑆</m:t>
+                        </m:r>
+                      </m:e>
+                      <m:sub>
+                        <m:r>
+                          <a:rPr lang="en-US" b="0" i="1" smtClean="0">
+                            <a:latin typeface="Cambria Math" panose="02040503050406030204" pitchFamily="18" charset="0"/>
+                          </a:rPr>
+                          <m:t>𝑡</m:t>
+                        </m:r>
+                      </m:sub>
+                    </m:sSub>
+                    <m:r>
+                      <a:rPr lang="en-US" b="0" i="1" smtClean="0">
+                        <a:latin typeface="Cambria Math" panose="02040503050406030204" pitchFamily="18" charset="0"/>
+                      </a:rPr>
+                      <m:t>,</m:t>
+                    </m:r>
+                    <m:sSub>
+                      <m:sSubPr>
+                        <m:ctrlPr>
+                          <a:rPr lang="en-US" b="0" i="1" smtClean="0">
+                            <a:latin typeface="Cambria Math" panose="02040503050406030204" pitchFamily="18" charset="0"/>
+                          </a:rPr>
+                        </m:ctrlPr>
+                      </m:sSubPr>
+                      <m:e>
+                        <m:r>
+                          <a:rPr lang="en-US" b="0" i="1" smtClean="0">
+                            <a:latin typeface="Cambria Math" panose="02040503050406030204" pitchFamily="18" charset="0"/>
+                          </a:rPr>
+                          <m:t>𝐴</m:t>
+                        </m:r>
+                      </m:e>
+                      <m:sub>
+                        <m:r>
+                          <a:rPr lang="en-US" b="0" i="1" smtClean="0">
+                            <a:latin typeface="Cambria Math" panose="02040503050406030204" pitchFamily="18" charset="0"/>
+                          </a:rPr>
+                          <m:t>𝑡</m:t>
+                        </m:r>
+                      </m:sub>
+                    </m:sSub>
+                  </m:oMath>
+                </a14:m>
+                <a:endParaRPr lang="en-US" dirty="0" smtClean="0"/>
               </a:p>
               <a:p>
-                <a:pPr lvl="1"/>
                 <a:r>
                   <a:rPr lang="en-US" dirty="0" smtClean="0"/>
-                  <a:t>Disability</a:t>
+                  <a:t>Utility function, </a:t>
+                </a:r>
+                <a14:m>
+                  <m:oMath xmlns:m="http://schemas.openxmlformats.org/officeDocument/2006/math">
+                    <m:sSub>
+                      <m:sSubPr>
+                        <m:ctrlPr>
+                          <a:rPr lang="en-US" b="0" i="1" smtClean="0">
+                            <a:latin typeface="Cambria Math" panose="02040503050406030204" pitchFamily="18" charset="0"/>
+                          </a:rPr>
+                        </m:ctrlPr>
+                      </m:sSubPr>
+                      <m:e>
+                        <m:r>
+                          <a:rPr lang="en-US" b="0" i="1" smtClean="0">
+                            <a:latin typeface="Cambria Math" panose="02040503050406030204" pitchFamily="18" charset="0"/>
+                          </a:rPr>
+                          <m:t>𝑈</m:t>
+                        </m:r>
+                      </m:e>
+                      <m:sub>
+                        <m:r>
+                          <a:rPr lang="en-US" b="0" i="1" smtClean="0">
+                            <a:latin typeface="Cambria Math" panose="02040503050406030204" pitchFamily="18" charset="0"/>
+                          </a:rPr>
+                          <m:t>𝑡</m:t>
+                        </m:r>
+                      </m:sub>
+                    </m:sSub>
+                    <m:r>
+                      <a:rPr lang="en-US" b="0" i="1" smtClean="0">
+                        <a:latin typeface="Cambria Math" panose="02040503050406030204" pitchFamily="18" charset="0"/>
+                      </a:rPr>
+                      <m:t>(</m:t>
+                    </m:r>
+                    <m:sSub>
+                      <m:sSubPr>
+                        <m:ctrlPr>
+                          <a:rPr lang="en-US" b="0" i="1" smtClean="0">
+                            <a:latin typeface="Cambria Math" panose="02040503050406030204" pitchFamily="18" charset="0"/>
+                          </a:rPr>
+                        </m:ctrlPr>
+                      </m:sSubPr>
+                      <m:e>
+                        <m:r>
+                          <a:rPr lang="en-US" b="0" i="1" smtClean="0">
+                            <a:latin typeface="Cambria Math" panose="02040503050406030204" pitchFamily="18" charset="0"/>
+                          </a:rPr>
+                          <m:t>𝑆</m:t>
+                        </m:r>
+                      </m:e>
+                      <m:sub>
+                        <m:r>
+                          <a:rPr lang="en-US" b="0" i="1" smtClean="0">
+                            <a:latin typeface="Cambria Math" panose="02040503050406030204" pitchFamily="18" charset="0"/>
+                          </a:rPr>
+                          <m:t>𝑡</m:t>
+                        </m:r>
+                      </m:sub>
+                    </m:sSub>
+                    <m:r>
+                      <a:rPr lang="en-US" b="0" i="1" smtClean="0">
+                        <a:latin typeface="Cambria Math" panose="02040503050406030204" pitchFamily="18" charset="0"/>
+                      </a:rPr>
+                      <m:t>,</m:t>
+                    </m:r>
+                    <m:sSub>
+                      <m:sSubPr>
+                        <m:ctrlPr>
+                          <a:rPr lang="en-US" b="0" i="1" smtClean="0">
+                            <a:latin typeface="Cambria Math" panose="02040503050406030204" pitchFamily="18" charset="0"/>
+                          </a:rPr>
+                        </m:ctrlPr>
+                      </m:sSubPr>
+                      <m:e>
+                        <m:r>
+                          <a:rPr lang="en-US" b="0" i="1" smtClean="0">
+                            <a:latin typeface="Cambria Math" panose="02040503050406030204" pitchFamily="18" charset="0"/>
+                          </a:rPr>
+                          <m:t>𝐴</m:t>
+                        </m:r>
+                      </m:e>
+                      <m:sub>
+                        <m:r>
+                          <a:rPr lang="en-US" b="0" i="1" smtClean="0">
+                            <a:latin typeface="Cambria Math" panose="02040503050406030204" pitchFamily="18" charset="0"/>
+                          </a:rPr>
+                          <m:t>𝑡</m:t>
+                        </m:r>
+                      </m:sub>
+                    </m:sSub>
+                    <m:r>
+                      <a:rPr lang="en-US" b="0" i="1" smtClean="0">
+                        <a:latin typeface="Cambria Math" panose="02040503050406030204" pitchFamily="18" charset="0"/>
+                      </a:rPr>
+                      <m:t>)</m:t>
+                    </m:r>
+                  </m:oMath>
+                </a14:m>
+                <a:r>
+                  <a:rPr lang="en-US" dirty="0" smtClean="0"/>
+                  <a:t>, that gives “reward” of </a:t>
+                </a:r>
+                <a14:m>
+                  <m:oMath xmlns:m="http://schemas.openxmlformats.org/officeDocument/2006/math">
+                    <m:sSub>
+                      <m:sSubPr>
+                        <m:ctrlPr>
+                          <a:rPr lang="en-US" b="0" i="1" smtClean="0">
+                            <a:latin typeface="Cambria Math" panose="02040503050406030204" pitchFamily="18" charset="0"/>
+                          </a:rPr>
+                        </m:ctrlPr>
+                      </m:sSubPr>
+                      <m:e>
+                        <m:r>
+                          <a:rPr lang="en-US" b="0" i="1" smtClean="0">
+                            <a:latin typeface="Cambria Math" panose="02040503050406030204" pitchFamily="18" charset="0"/>
+                          </a:rPr>
+                          <m:t>𝐴</m:t>
+                        </m:r>
+                      </m:e>
+                      <m:sub>
+                        <m:r>
+                          <a:rPr lang="en-US" b="0" i="1" smtClean="0">
+                            <a:latin typeface="Cambria Math" panose="02040503050406030204" pitchFamily="18" charset="0"/>
+                          </a:rPr>
+                          <m:t>𝑡</m:t>
+                        </m:r>
+                      </m:sub>
+                    </m:sSub>
+                    <m:r>
+                      <a:rPr lang="en-US" b="0" i="1" smtClean="0">
+                        <a:latin typeface="Cambria Math" panose="02040503050406030204" pitchFamily="18" charset="0"/>
+                      </a:rPr>
+                      <m:t>|</m:t>
+                    </m:r>
+                    <m:sSub>
+                      <m:sSubPr>
+                        <m:ctrlPr>
+                          <a:rPr lang="en-US" b="0" i="1" smtClean="0">
+                            <a:latin typeface="Cambria Math" panose="02040503050406030204" pitchFamily="18" charset="0"/>
+                          </a:rPr>
+                        </m:ctrlPr>
+                      </m:sSubPr>
+                      <m:e>
+                        <m:r>
+                          <a:rPr lang="en-US" b="0" i="1" smtClean="0">
+                            <a:latin typeface="Cambria Math" panose="02040503050406030204" pitchFamily="18" charset="0"/>
+                          </a:rPr>
+                          <m:t>𝑆</m:t>
+                        </m:r>
+                      </m:e>
+                      <m:sub>
+                        <m:r>
+                          <a:rPr lang="en-US" b="0" i="1" smtClean="0">
+                            <a:latin typeface="Cambria Math" panose="02040503050406030204" pitchFamily="18" charset="0"/>
+                          </a:rPr>
+                          <m:t>𝑡</m:t>
+                        </m:r>
+                      </m:sub>
+                    </m:sSub>
+                  </m:oMath>
+                </a14:m>
+                <a:endParaRPr lang="en-US" dirty="0" smtClean="0"/>
+              </a:p>
+              <a:p>
+                <a:r>
+                  <a:rPr lang="en-US" dirty="0" smtClean="0"/>
+                  <a:t>Optimal solution over desired time horizon</a:t>
                 </a:r>
                 <a:endParaRPr lang="en-US" dirty="0"/>
               </a:p>
@@ -3018,7 +4096,7 @@
     </p:spTree>
     <p:extLst>
       <p:ext uri="{BB962C8B-B14F-4D97-AF65-F5344CB8AC3E}">
-        <p14:creationId xmlns:p14="http://schemas.microsoft.com/office/powerpoint/2010/main" val="1872241295"/>
+        <p14:creationId xmlns:p14="http://schemas.microsoft.com/office/powerpoint/2010/main" val="1188026824"/>
       </p:ext>
     </p:extLst>
   </p:cSld>
@@ -3028,7 +4106,7 @@
 </p:sld>
 </file>
 
-<file path=ppt/slides/slide11.xml><?xml version="1.0" encoding="utf-8"?>
+<file path=ppt/slides/slide14.xml><?xml version="1.0" encoding="utf-8"?>
 <p:sld xmlns:a="http://schemas.openxmlformats.org/drawingml/2006/main" xmlns:r="http://schemas.openxmlformats.org/officeDocument/2006/relationships" xmlns:p="http://schemas.openxmlformats.org/presentationml/2006/main">
   <p:cSld>
     <p:spTree>
@@ -3087,8 +4165,1139 @@
           </a:p>
         </p:txBody>
       </p:sp>
-      <mc:AlternateContent xmlns:mc="http://schemas.openxmlformats.org/markup-compatibility/2006">
-        <mc:Choice xmlns:a14="http://schemas.microsoft.com/office/drawing/2010/main" Requires="a14">
+      <p:sp>
+        <p:nvSpPr>
+          <p:cNvPr id="2" name="Content Placeholder 1"/>
+          <p:cNvSpPr>
+            <a:spLocks noGrp="1"/>
+          </p:cNvSpPr>
+          <p:nvPr>
+            <p:ph idx="1"/>
+          </p:nvPr>
+        </p:nvSpPr>
+        <p:spPr/>
+        <p:txBody>
+          <a:bodyPr/>
+          <a:lstStyle/>
+          <a:p>
+            <a:endParaRPr lang="en-US"/>
+          </a:p>
+        </p:txBody>
+      </p:sp>
+      <p:pic>
+        <p:nvPicPr>
+          <p:cNvPr id="6" name="Picture 5"/>
+          <p:cNvPicPr>
+            <a:picLocks noChangeAspect="1"/>
+          </p:cNvPicPr>
+          <p:nvPr/>
+        </p:nvPicPr>
+        <p:blipFill>
+          <a:blip r:embed="rId2"/>
+          <a:stretch>
+            <a:fillRect/>
+          </a:stretch>
+        </p:blipFill>
+        <p:spPr>
+          <a:xfrm>
+            <a:off x="457199" y="1050841"/>
+            <a:ext cx="5153625" cy="896133"/>
+          </a:xfrm>
+          <a:prstGeom prst="rect">
+            <a:avLst/>
+          </a:prstGeom>
+        </p:spPr>
+      </p:pic>
+      <p:pic>
+        <p:nvPicPr>
+          <p:cNvPr id="7" name="Picture 6"/>
+          <p:cNvPicPr>
+            <a:picLocks noChangeAspect="1"/>
+          </p:cNvPicPr>
+          <p:nvPr/>
+        </p:nvPicPr>
+        <p:blipFill>
+          <a:blip r:embed="rId3"/>
+          <a:stretch>
+            <a:fillRect/>
+          </a:stretch>
+        </p:blipFill>
+        <p:spPr>
+          <a:xfrm>
+            <a:off x="1918837" y="2279900"/>
+            <a:ext cx="5306325" cy="3060200"/>
+          </a:xfrm>
+          <a:prstGeom prst="rect">
+            <a:avLst/>
+          </a:prstGeom>
+        </p:spPr>
+      </p:pic>
+    </p:spTree>
+    <p:extLst>
+      <p:ext uri="{BB962C8B-B14F-4D97-AF65-F5344CB8AC3E}">
+        <p14:creationId xmlns:p14="http://schemas.microsoft.com/office/powerpoint/2010/main" val="572136669"/>
+      </p:ext>
+    </p:extLst>
+  </p:cSld>
+  <p:clrMapOvr>
+    <a:masterClrMapping/>
+  </p:clrMapOvr>
+</p:sld>
+</file>
+
+<file path=ppt/slides/slide15.xml><?xml version="1.0" encoding="utf-8"?>
+<p:sld xmlns:a="http://schemas.openxmlformats.org/drawingml/2006/main" xmlns:r="http://schemas.openxmlformats.org/officeDocument/2006/relationships" xmlns:p="http://schemas.openxmlformats.org/presentationml/2006/main">
+  <p:cSld>
+    <p:spTree>
+      <p:nvGrpSpPr>
+        <p:cNvPr id="1" name=""/>
+        <p:cNvGrpSpPr/>
+        <p:nvPr/>
+      </p:nvGrpSpPr>
+      <p:grpSpPr>
+        <a:xfrm>
+          <a:off x="0" y="0"/>
+          <a:ext cx="0" cy="0"/>
+          <a:chOff x="0" y="0"/>
+          <a:chExt cx="0" cy="0"/>
+        </a:xfrm>
+      </p:grpSpPr>
+      <p:sp>
+        <p:nvSpPr>
+          <p:cNvPr id="4" name="Content Placeholder 3"/>
+          <p:cNvSpPr>
+            <a:spLocks noGrp="1"/>
+          </p:cNvSpPr>
+          <p:nvPr>
+            <p:ph idx="13"/>
+          </p:nvPr>
+        </p:nvSpPr>
+        <p:spPr>
+          <a:xfrm>
+            <a:off x="457199" y="316782"/>
+            <a:ext cx="6956643" cy="488017"/>
+          </a:xfrm>
+        </p:spPr>
+        <p:txBody>
+          <a:bodyPr>
+            <a:noAutofit/>
+          </a:bodyPr>
+          <a:lstStyle/>
+          <a:p>
+            <a:r>
+              <a:rPr lang="en-US" sz="2000" dirty="0" smtClean="0"/>
+              <a:t>Framework| </a:t>
+            </a:r>
+            <a:r>
+              <a:rPr lang="en-US" sz="2000" dirty="0" smtClean="0">
+                <a:solidFill>
+                  <a:schemeClr val="bg1"/>
+                </a:solidFill>
+              </a:rPr>
+              <a:t>Stochastic Dynamic Programming</a:t>
+            </a:r>
+            <a:endParaRPr lang="en-US" sz="2000" dirty="0">
+              <a:solidFill>
+                <a:schemeClr val="bg1"/>
+              </a:solidFill>
+            </a:endParaRPr>
+          </a:p>
+        </p:txBody>
+      </p:sp>
+      <mc:AlternateContent xmlns:mc="http://schemas.openxmlformats.org/markup-compatibility/2006" xmlns:a14="http://schemas.microsoft.com/office/drawing/2010/main">
+        <mc:Choice Requires="a14">
+          <p:sp>
+            <p:nvSpPr>
+              <p:cNvPr id="3" name="Content Placeholder 2"/>
+              <p:cNvSpPr>
+                <a:spLocks noGrp="1"/>
+              </p:cNvSpPr>
+              <p:nvPr>
+                <p:ph idx="1"/>
+              </p:nvPr>
+            </p:nvSpPr>
+            <p:spPr>
+              <a:xfrm>
+                <a:off x="457200" y="1223010"/>
+                <a:ext cx="8229600" cy="3758213"/>
+              </a:xfrm>
+            </p:spPr>
+            <p:txBody>
+              <a:bodyPr/>
+              <a:lstStyle/>
+              <a:p>
+                <a:r>
+                  <a:rPr lang="en-US" dirty="0" smtClean="0"/>
+                  <a:t>State at time </a:t>
+                </a:r>
+                <a14:m>
+                  <m:oMath xmlns:m="http://schemas.openxmlformats.org/officeDocument/2006/math">
+                    <m:r>
+                      <a:rPr lang="en-US" b="0" i="1" smtClean="0">
+                        <a:latin typeface="Cambria Math" panose="02040503050406030204" pitchFamily="18" charset="0"/>
+                      </a:rPr>
+                      <m:t>𝑡</m:t>
+                    </m:r>
+                  </m:oMath>
+                </a14:m>
+                <a:r>
+                  <a:rPr lang="en-US" dirty="0" smtClean="0"/>
+                  <a:t>, </a:t>
+                </a:r>
+                <a14:m>
+                  <m:oMath xmlns:m="http://schemas.openxmlformats.org/officeDocument/2006/math">
+                    <m:sSub>
+                      <m:sSubPr>
+                        <m:ctrlPr>
+                          <a:rPr lang="en-US" b="0" i="1" smtClean="0">
+                            <a:latin typeface="Cambria Math" panose="02040503050406030204" pitchFamily="18" charset="0"/>
+                          </a:rPr>
+                        </m:ctrlPr>
+                      </m:sSubPr>
+                      <m:e>
+                        <m:r>
+                          <a:rPr lang="en-US" b="0" i="1" smtClean="0">
+                            <a:latin typeface="Cambria Math" panose="02040503050406030204" pitchFamily="18" charset="0"/>
+                          </a:rPr>
+                          <m:t>𝑆</m:t>
+                        </m:r>
+                      </m:e>
+                      <m:sub>
+                        <m:r>
+                          <a:rPr lang="en-US" b="0" i="1" smtClean="0">
+                            <a:latin typeface="Cambria Math" panose="02040503050406030204" pitchFamily="18" charset="0"/>
+                          </a:rPr>
+                          <m:t>𝑡</m:t>
+                        </m:r>
+                      </m:sub>
+                    </m:sSub>
+                  </m:oMath>
+                </a14:m>
+                <a:endParaRPr lang="en-US" dirty="0" smtClean="0"/>
+              </a:p>
+              <a:p>
+                <a:r>
+                  <a:rPr lang="en-US" dirty="0" smtClean="0"/>
+                  <a:t>Decision at time </a:t>
+                </a:r>
+                <a14:m>
+                  <m:oMath xmlns:m="http://schemas.openxmlformats.org/officeDocument/2006/math">
+                    <m:r>
+                      <a:rPr lang="en-US" b="0" i="1" smtClean="0">
+                        <a:latin typeface="Cambria Math" panose="02040503050406030204" pitchFamily="18" charset="0"/>
+                      </a:rPr>
+                      <m:t>𝑡</m:t>
+                    </m:r>
+                  </m:oMath>
+                </a14:m>
+                <a:r>
+                  <a:rPr lang="en-US" dirty="0" smtClean="0"/>
+                  <a:t>, </a:t>
+                </a:r>
+                <a14:m>
+                  <m:oMath xmlns:m="http://schemas.openxmlformats.org/officeDocument/2006/math">
+                    <m:sSub>
+                      <m:sSubPr>
+                        <m:ctrlPr>
+                          <a:rPr lang="en-US" b="0" i="1" smtClean="0">
+                            <a:latin typeface="Cambria Math" panose="02040503050406030204" pitchFamily="18" charset="0"/>
+                          </a:rPr>
+                        </m:ctrlPr>
+                      </m:sSubPr>
+                      <m:e>
+                        <m:r>
+                          <a:rPr lang="en-US" b="0" i="1" smtClean="0">
+                            <a:latin typeface="Cambria Math" panose="02040503050406030204" pitchFamily="18" charset="0"/>
+                          </a:rPr>
+                          <m:t>𝐴</m:t>
+                        </m:r>
+                      </m:e>
+                      <m:sub>
+                        <m:r>
+                          <a:rPr lang="en-US" b="0" i="1" smtClean="0">
+                            <a:latin typeface="Cambria Math" panose="02040503050406030204" pitchFamily="18" charset="0"/>
+                          </a:rPr>
+                          <m:t>𝑡</m:t>
+                        </m:r>
+                      </m:sub>
+                    </m:sSub>
+                  </m:oMath>
+                </a14:m>
+                <a:endParaRPr lang="en-US" dirty="0" smtClean="0"/>
+              </a:p>
+              <a:p>
+                <a:r>
+                  <a:rPr lang="en-US" dirty="0" smtClean="0"/>
+                  <a:t>Transition model, </a:t>
+                </a:r>
+                <a14:m>
+                  <m:oMath xmlns:m="http://schemas.openxmlformats.org/officeDocument/2006/math">
+                    <m:r>
+                      <a:rPr lang="en-US" b="0" i="1" smtClean="0">
+                        <a:latin typeface="Cambria Math" panose="02040503050406030204" pitchFamily="18" charset="0"/>
+                      </a:rPr>
+                      <m:t>ℳ</m:t>
+                    </m:r>
+                  </m:oMath>
+                </a14:m>
+                <a:r>
+                  <a:rPr lang="en-US" dirty="0" smtClean="0"/>
+                  <a:t>, that gives </a:t>
+                </a:r>
+                <a14:m>
+                  <m:oMath xmlns:m="http://schemas.openxmlformats.org/officeDocument/2006/math">
+                    <m:sSub>
+                      <m:sSubPr>
+                        <m:ctrlPr>
+                          <a:rPr lang="en-US" b="0" i="1" smtClean="0">
+                            <a:latin typeface="Cambria Math" panose="02040503050406030204" pitchFamily="18" charset="0"/>
+                          </a:rPr>
+                        </m:ctrlPr>
+                      </m:sSubPr>
+                      <m:e>
+                        <m:r>
+                          <a:rPr lang="en-US" b="0" i="1" smtClean="0">
+                            <a:latin typeface="Cambria Math" panose="02040503050406030204" pitchFamily="18" charset="0"/>
+                          </a:rPr>
+                          <m:t>𝑆</m:t>
+                        </m:r>
+                      </m:e>
+                      <m:sub>
+                        <m:r>
+                          <a:rPr lang="en-US" b="0" i="1" smtClean="0">
+                            <a:latin typeface="Cambria Math" panose="02040503050406030204" pitchFamily="18" charset="0"/>
+                          </a:rPr>
+                          <m:t>𝑡</m:t>
+                        </m:r>
+                        <m:r>
+                          <a:rPr lang="en-US" b="0" i="1" smtClean="0">
+                            <a:latin typeface="Cambria Math" panose="02040503050406030204" pitchFamily="18" charset="0"/>
+                          </a:rPr>
+                          <m:t>+1</m:t>
+                        </m:r>
+                      </m:sub>
+                    </m:sSub>
+                    <m:r>
+                      <a:rPr lang="en-US" b="0" i="1" smtClean="0">
+                        <a:latin typeface="Cambria Math" panose="02040503050406030204" pitchFamily="18" charset="0"/>
+                      </a:rPr>
+                      <m:t>|</m:t>
+                    </m:r>
+                    <m:sSub>
+                      <m:sSubPr>
+                        <m:ctrlPr>
+                          <a:rPr lang="en-US" b="0" i="1" smtClean="0">
+                            <a:latin typeface="Cambria Math" panose="02040503050406030204" pitchFamily="18" charset="0"/>
+                          </a:rPr>
+                        </m:ctrlPr>
+                      </m:sSubPr>
+                      <m:e>
+                        <m:r>
+                          <a:rPr lang="en-US" b="0" i="1" smtClean="0">
+                            <a:latin typeface="Cambria Math" panose="02040503050406030204" pitchFamily="18" charset="0"/>
+                          </a:rPr>
+                          <m:t>𝑆</m:t>
+                        </m:r>
+                      </m:e>
+                      <m:sub>
+                        <m:r>
+                          <a:rPr lang="en-US" b="0" i="1" smtClean="0">
+                            <a:latin typeface="Cambria Math" panose="02040503050406030204" pitchFamily="18" charset="0"/>
+                          </a:rPr>
+                          <m:t>𝑡</m:t>
+                        </m:r>
+                      </m:sub>
+                    </m:sSub>
+                    <m:r>
+                      <a:rPr lang="en-US" b="0" i="1" smtClean="0">
+                        <a:latin typeface="Cambria Math" panose="02040503050406030204" pitchFamily="18" charset="0"/>
+                      </a:rPr>
+                      <m:t>,</m:t>
+                    </m:r>
+                    <m:sSub>
+                      <m:sSubPr>
+                        <m:ctrlPr>
+                          <a:rPr lang="en-US" b="0" i="1" smtClean="0">
+                            <a:latin typeface="Cambria Math" panose="02040503050406030204" pitchFamily="18" charset="0"/>
+                          </a:rPr>
+                        </m:ctrlPr>
+                      </m:sSubPr>
+                      <m:e>
+                        <m:r>
+                          <a:rPr lang="en-US" b="0" i="1" smtClean="0">
+                            <a:latin typeface="Cambria Math" panose="02040503050406030204" pitchFamily="18" charset="0"/>
+                          </a:rPr>
+                          <m:t>𝐴</m:t>
+                        </m:r>
+                      </m:e>
+                      <m:sub>
+                        <m:r>
+                          <a:rPr lang="en-US" b="0" i="1" smtClean="0">
+                            <a:latin typeface="Cambria Math" panose="02040503050406030204" pitchFamily="18" charset="0"/>
+                          </a:rPr>
+                          <m:t>𝑡</m:t>
+                        </m:r>
+                      </m:sub>
+                    </m:sSub>
+                  </m:oMath>
+                </a14:m>
+                <a:endParaRPr lang="en-US" dirty="0" smtClean="0"/>
+              </a:p>
+              <a:p>
+                <a:r>
+                  <a:rPr lang="en-US" dirty="0" smtClean="0"/>
+                  <a:t>Utility function, </a:t>
+                </a:r>
+                <a14:m>
+                  <m:oMath xmlns:m="http://schemas.openxmlformats.org/officeDocument/2006/math">
+                    <m:r>
+                      <a:rPr lang="en-US" b="0" i="1" smtClean="0">
+                        <a:latin typeface="Cambria Math" panose="02040503050406030204" pitchFamily="18" charset="0"/>
+                      </a:rPr>
+                      <m:t>𝑈</m:t>
+                    </m:r>
+                  </m:oMath>
+                </a14:m>
+                <a:r>
+                  <a:rPr lang="en-US" dirty="0" smtClean="0"/>
+                  <a:t>, that gives “reward” of </a:t>
+                </a:r>
+                <a14:m>
+                  <m:oMath xmlns:m="http://schemas.openxmlformats.org/officeDocument/2006/math">
+                    <m:sSub>
+                      <m:sSubPr>
+                        <m:ctrlPr>
+                          <a:rPr lang="en-US" b="0" i="1" smtClean="0">
+                            <a:latin typeface="Cambria Math" panose="02040503050406030204" pitchFamily="18" charset="0"/>
+                          </a:rPr>
+                        </m:ctrlPr>
+                      </m:sSubPr>
+                      <m:e>
+                        <m:r>
+                          <a:rPr lang="en-US" b="0" i="1" smtClean="0">
+                            <a:latin typeface="Cambria Math" panose="02040503050406030204" pitchFamily="18" charset="0"/>
+                          </a:rPr>
+                          <m:t>𝐴</m:t>
+                        </m:r>
+                      </m:e>
+                      <m:sub>
+                        <m:r>
+                          <a:rPr lang="en-US" b="0" i="1" smtClean="0">
+                            <a:latin typeface="Cambria Math" panose="02040503050406030204" pitchFamily="18" charset="0"/>
+                          </a:rPr>
+                          <m:t>𝑡</m:t>
+                        </m:r>
+                      </m:sub>
+                    </m:sSub>
+                    <m:r>
+                      <a:rPr lang="en-US" b="0" i="1" smtClean="0">
+                        <a:latin typeface="Cambria Math" panose="02040503050406030204" pitchFamily="18" charset="0"/>
+                      </a:rPr>
+                      <m:t>|</m:t>
+                    </m:r>
+                    <m:sSub>
+                      <m:sSubPr>
+                        <m:ctrlPr>
+                          <a:rPr lang="en-US" b="0" i="1" smtClean="0">
+                            <a:latin typeface="Cambria Math" panose="02040503050406030204" pitchFamily="18" charset="0"/>
+                          </a:rPr>
+                        </m:ctrlPr>
+                      </m:sSubPr>
+                      <m:e>
+                        <m:r>
+                          <a:rPr lang="en-US" b="0" i="1" smtClean="0">
+                            <a:latin typeface="Cambria Math" panose="02040503050406030204" pitchFamily="18" charset="0"/>
+                          </a:rPr>
+                          <m:t>𝑆</m:t>
+                        </m:r>
+                      </m:e>
+                      <m:sub>
+                        <m:r>
+                          <a:rPr lang="en-US" b="0" i="1" smtClean="0">
+                            <a:latin typeface="Cambria Math" panose="02040503050406030204" pitchFamily="18" charset="0"/>
+                          </a:rPr>
+                          <m:t>𝑡</m:t>
+                        </m:r>
+                      </m:sub>
+                    </m:sSub>
+                  </m:oMath>
+                </a14:m>
+                <a:endParaRPr lang="en-US" dirty="0" smtClean="0"/>
+              </a:p>
+              <a:p>
+                <a:r>
+                  <a:rPr lang="en-US" dirty="0" smtClean="0"/>
+                  <a:t>Optimal solution over desired time horizon</a:t>
+                </a:r>
+                <a:endParaRPr lang="en-US" dirty="0"/>
+              </a:p>
+            </p:txBody>
+          </p:sp>
+        </mc:Choice>
+        <mc:Fallback xmlns="">
+          <p:sp>
+            <p:nvSpPr>
+              <p:cNvPr id="3" name="Content Placeholder 2"/>
+              <p:cNvSpPr>
+                <a:spLocks noGrp="1" noRot="1" noChangeAspect="1" noMove="1" noResize="1" noEditPoints="1" noAdjustHandles="1" noChangeArrowheads="1" noChangeShapeType="1" noTextEdit="1"/>
+              </p:cNvSpPr>
+              <p:nvPr>
+                <p:ph idx="1"/>
+              </p:nvPr>
+            </p:nvSpPr>
+            <p:spPr>
+              <a:xfrm>
+                <a:off x="457200" y="1223010"/>
+                <a:ext cx="8229600" cy="3758213"/>
+              </a:xfrm>
+              <a:blipFill rotWithShape="0">
+                <a:blip r:embed="rId2"/>
+                <a:stretch>
+                  <a:fillRect l="-667" t="-812"/>
+                </a:stretch>
+              </a:blipFill>
+            </p:spPr>
+            <p:txBody>
+              <a:bodyPr/>
+              <a:lstStyle/>
+              <a:p>
+                <a:r>
+                  <a:rPr lang="en-US">
+                    <a:noFill/>
+                  </a:rPr>
+                  <a:t> </a:t>
+                </a:r>
+              </a:p>
+            </p:txBody>
+          </p:sp>
+        </mc:Fallback>
+      </mc:AlternateContent>
+      <p:sp>
+        <p:nvSpPr>
+          <p:cNvPr id="5" name="Rectangle 4"/>
+          <p:cNvSpPr/>
+          <p:nvPr/>
+        </p:nvSpPr>
+        <p:spPr>
+          <a:xfrm>
+            <a:off x="2434590" y="6123398"/>
+            <a:ext cx="4572000" cy="507831"/>
+          </a:xfrm>
+          <a:prstGeom prst="rect">
+            <a:avLst/>
+          </a:prstGeom>
+        </p:spPr>
+        <p:txBody>
+          <a:bodyPr>
+            <a:spAutoFit/>
+          </a:bodyPr>
+          <a:lstStyle/>
+          <a:p>
+            <a:r>
+              <a:rPr lang="en-US" sz="900" dirty="0" err="1">
+                <a:solidFill>
+                  <a:schemeClr val="bg1"/>
+                </a:solidFill>
+                <a:latin typeface="Arial" panose="020B0604020202020204" pitchFamily="34" charset="0"/>
+              </a:rPr>
+              <a:t>Marescot</a:t>
+            </a:r>
+            <a:r>
+              <a:rPr lang="en-US" sz="900" dirty="0">
+                <a:solidFill>
+                  <a:schemeClr val="bg1"/>
+                </a:solidFill>
+                <a:latin typeface="Arial" panose="020B0604020202020204" pitchFamily="34" charset="0"/>
+              </a:rPr>
+              <a:t>, L., </a:t>
+            </a:r>
+            <a:r>
+              <a:rPr lang="en-US" sz="900" dirty="0" err="1">
+                <a:solidFill>
+                  <a:schemeClr val="bg1"/>
+                </a:solidFill>
+                <a:latin typeface="Arial" panose="020B0604020202020204" pitchFamily="34" charset="0"/>
+              </a:rPr>
+              <a:t>Chapron</a:t>
+            </a:r>
+            <a:r>
+              <a:rPr lang="en-US" sz="900" dirty="0">
+                <a:solidFill>
+                  <a:schemeClr val="bg1"/>
+                </a:solidFill>
+                <a:latin typeface="Arial" panose="020B0604020202020204" pitchFamily="34" charset="0"/>
+              </a:rPr>
+              <a:t>, G., </a:t>
+            </a:r>
+            <a:r>
+              <a:rPr lang="en-US" sz="900" dirty="0" err="1">
+                <a:solidFill>
+                  <a:schemeClr val="bg1"/>
+                </a:solidFill>
+                <a:latin typeface="Arial" panose="020B0604020202020204" pitchFamily="34" charset="0"/>
+              </a:rPr>
+              <a:t>Chadès</a:t>
+            </a:r>
+            <a:r>
+              <a:rPr lang="en-US" sz="900" dirty="0">
+                <a:solidFill>
+                  <a:schemeClr val="bg1"/>
+                </a:solidFill>
+                <a:latin typeface="Arial" panose="020B0604020202020204" pitchFamily="34" charset="0"/>
+              </a:rPr>
+              <a:t>, I., </a:t>
+            </a:r>
+            <a:r>
+              <a:rPr lang="en-US" sz="900" dirty="0" err="1">
+                <a:solidFill>
+                  <a:schemeClr val="bg1"/>
+                </a:solidFill>
+                <a:latin typeface="Arial" panose="020B0604020202020204" pitchFamily="34" charset="0"/>
+              </a:rPr>
+              <a:t>Fackler</a:t>
+            </a:r>
+            <a:r>
+              <a:rPr lang="en-US" sz="900" dirty="0">
+                <a:solidFill>
+                  <a:schemeClr val="bg1"/>
+                </a:solidFill>
+                <a:latin typeface="Arial" panose="020B0604020202020204" pitchFamily="34" charset="0"/>
+              </a:rPr>
+              <a:t>, P. L., Duchamp, C., </a:t>
+            </a:r>
+            <a:r>
+              <a:rPr lang="en-US" sz="900" dirty="0" err="1">
+                <a:solidFill>
+                  <a:schemeClr val="bg1"/>
+                </a:solidFill>
+                <a:latin typeface="Arial" panose="020B0604020202020204" pitchFamily="34" charset="0"/>
+              </a:rPr>
+              <a:t>Marboutin</a:t>
+            </a:r>
+            <a:r>
+              <a:rPr lang="en-US" sz="900" dirty="0">
+                <a:solidFill>
+                  <a:schemeClr val="bg1"/>
+                </a:solidFill>
+                <a:latin typeface="Arial" panose="020B0604020202020204" pitchFamily="34" charset="0"/>
+              </a:rPr>
+              <a:t>, E., &amp; </a:t>
+            </a:r>
+            <a:r>
+              <a:rPr lang="en-US" sz="900" dirty="0" err="1">
+                <a:solidFill>
+                  <a:schemeClr val="bg1"/>
+                </a:solidFill>
+                <a:latin typeface="Arial" panose="020B0604020202020204" pitchFamily="34" charset="0"/>
+              </a:rPr>
+              <a:t>Gimenez</a:t>
+            </a:r>
+            <a:r>
+              <a:rPr lang="en-US" sz="900" dirty="0">
+                <a:solidFill>
+                  <a:schemeClr val="bg1"/>
+                </a:solidFill>
+                <a:latin typeface="Arial" panose="020B0604020202020204" pitchFamily="34" charset="0"/>
+              </a:rPr>
+              <a:t>, O. (2013). Complex decisions made simple: a primer on stochastic dynamic programming. </a:t>
+            </a:r>
+            <a:r>
+              <a:rPr lang="en-US" sz="900" i="1" dirty="0">
+                <a:solidFill>
+                  <a:schemeClr val="bg1"/>
+                </a:solidFill>
+                <a:latin typeface="Arial" panose="020B0604020202020204" pitchFamily="34" charset="0"/>
+              </a:rPr>
+              <a:t>Methods in Ecology and Evolution</a:t>
+            </a:r>
+            <a:r>
+              <a:rPr lang="en-US" sz="900" dirty="0">
+                <a:solidFill>
+                  <a:schemeClr val="bg1"/>
+                </a:solidFill>
+                <a:latin typeface="Arial" panose="020B0604020202020204" pitchFamily="34" charset="0"/>
+              </a:rPr>
+              <a:t>, </a:t>
+            </a:r>
+            <a:r>
+              <a:rPr lang="en-US" sz="900" i="1" dirty="0">
+                <a:solidFill>
+                  <a:schemeClr val="bg1"/>
+                </a:solidFill>
+                <a:latin typeface="Arial" panose="020B0604020202020204" pitchFamily="34" charset="0"/>
+              </a:rPr>
+              <a:t>4</a:t>
+            </a:r>
+            <a:r>
+              <a:rPr lang="en-US" sz="900" dirty="0">
+                <a:solidFill>
+                  <a:schemeClr val="bg1"/>
+                </a:solidFill>
+                <a:latin typeface="Arial" panose="020B0604020202020204" pitchFamily="34" charset="0"/>
+              </a:rPr>
+              <a:t>(9), 872-884.</a:t>
+            </a:r>
+            <a:endParaRPr lang="en-US" sz="900" dirty="0">
+              <a:solidFill>
+                <a:schemeClr val="bg1"/>
+              </a:solidFill>
+            </a:endParaRPr>
+          </a:p>
+        </p:txBody>
+      </p:sp>
+    </p:spTree>
+    <p:extLst>
+      <p:ext uri="{BB962C8B-B14F-4D97-AF65-F5344CB8AC3E}">
+        <p14:creationId xmlns:p14="http://schemas.microsoft.com/office/powerpoint/2010/main" val="2085031104"/>
+      </p:ext>
+    </p:extLst>
+  </p:cSld>
+  <p:clrMapOvr>
+    <a:masterClrMapping/>
+  </p:clrMapOvr>
+</p:sld>
+</file>
+
+<file path=ppt/slides/slide16.xml><?xml version="1.0" encoding="utf-8"?>
+<p:sld xmlns:a="http://schemas.openxmlformats.org/drawingml/2006/main" xmlns:r="http://schemas.openxmlformats.org/officeDocument/2006/relationships" xmlns:p="http://schemas.openxmlformats.org/presentationml/2006/main">
+  <p:cSld>
+    <p:spTree>
+      <p:nvGrpSpPr>
+        <p:cNvPr id="1" name=""/>
+        <p:cNvGrpSpPr/>
+        <p:nvPr/>
+      </p:nvGrpSpPr>
+      <p:grpSpPr>
+        <a:xfrm>
+          <a:off x="0" y="0"/>
+          <a:ext cx="0" cy="0"/>
+          <a:chOff x="0" y="0"/>
+          <a:chExt cx="0" cy="0"/>
+        </a:xfrm>
+      </p:grpSpPr>
+      <p:sp>
+        <p:nvSpPr>
+          <p:cNvPr id="4" name="Content Placeholder 3"/>
+          <p:cNvSpPr>
+            <a:spLocks noGrp="1"/>
+          </p:cNvSpPr>
+          <p:nvPr>
+            <p:ph idx="13"/>
+          </p:nvPr>
+        </p:nvSpPr>
+        <p:spPr>
+          <a:xfrm>
+            <a:off x="457199" y="316782"/>
+            <a:ext cx="6956643" cy="488017"/>
+          </a:xfrm>
+        </p:spPr>
+        <p:txBody>
+          <a:bodyPr>
+            <a:noAutofit/>
+          </a:bodyPr>
+          <a:lstStyle/>
+          <a:p>
+            <a:r>
+              <a:rPr lang="en-US" sz="2000" dirty="0" smtClean="0"/>
+              <a:t>Framework| </a:t>
+            </a:r>
+            <a:r>
+              <a:rPr lang="en-US" sz="2000" dirty="0" smtClean="0">
+                <a:solidFill>
+                  <a:schemeClr val="bg1"/>
+                </a:solidFill>
+              </a:rPr>
+              <a:t>Stochastic Dynamic Programming</a:t>
+            </a:r>
+            <a:endParaRPr lang="en-US" sz="2000" dirty="0">
+              <a:solidFill>
+                <a:schemeClr val="bg1"/>
+              </a:solidFill>
+            </a:endParaRPr>
+          </a:p>
+        </p:txBody>
+      </p:sp>
+      <mc:AlternateContent xmlns:mc="http://schemas.openxmlformats.org/markup-compatibility/2006" xmlns:a14="http://schemas.microsoft.com/office/drawing/2010/main">
+        <mc:Choice Requires="a14">
+          <p:sp>
+            <p:nvSpPr>
+              <p:cNvPr id="3" name="Content Placeholder 2"/>
+              <p:cNvSpPr>
+                <a:spLocks noGrp="1"/>
+              </p:cNvSpPr>
+              <p:nvPr>
+                <p:ph idx="1"/>
+              </p:nvPr>
+            </p:nvSpPr>
+            <p:spPr>
+              <a:xfrm>
+                <a:off x="457200" y="1223010"/>
+                <a:ext cx="8229600" cy="3758213"/>
+              </a:xfrm>
+            </p:spPr>
+            <p:txBody>
+              <a:bodyPr/>
+              <a:lstStyle/>
+              <a:p>
+                <a:r>
+                  <a:rPr lang="en-US" dirty="0" smtClean="0"/>
+                  <a:t>State at time </a:t>
+                </a:r>
+                <a14:m>
+                  <m:oMath xmlns:m="http://schemas.openxmlformats.org/officeDocument/2006/math">
+                    <m:r>
+                      <a:rPr lang="en-US" b="0" i="1" smtClean="0">
+                        <a:latin typeface="Cambria Math" panose="02040503050406030204" pitchFamily="18" charset="0"/>
+                      </a:rPr>
+                      <m:t>𝑡</m:t>
+                    </m:r>
+                  </m:oMath>
+                </a14:m>
+                <a:r>
+                  <a:rPr lang="en-US" dirty="0" smtClean="0"/>
+                  <a:t>, </a:t>
+                </a:r>
+                <a14:m>
+                  <m:oMath xmlns:m="http://schemas.openxmlformats.org/officeDocument/2006/math">
+                    <m:sSub>
+                      <m:sSubPr>
+                        <m:ctrlPr>
+                          <a:rPr lang="en-US" b="0" i="1" smtClean="0">
+                            <a:latin typeface="Cambria Math" panose="02040503050406030204" pitchFamily="18" charset="0"/>
+                          </a:rPr>
+                        </m:ctrlPr>
+                      </m:sSubPr>
+                      <m:e>
+                        <m:r>
+                          <a:rPr lang="en-US" b="0" i="1" smtClean="0">
+                            <a:latin typeface="Cambria Math" panose="02040503050406030204" pitchFamily="18" charset="0"/>
+                          </a:rPr>
+                          <m:t>𝑆</m:t>
+                        </m:r>
+                      </m:e>
+                      <m:sub>
+                        <m:r>
+                          <a:rPr lang="en-US" b="0" i="1" smtClean="0">
+                            <a:latin typeface="Cambria Math" panose="02040503050406030204" pitchFamily="18" charset="0"/>
+                          </a:rPr>
+                          <m:t>𝑡</m:t>
+                        </m:r>
+                      </m:sub>
+                    </m:sSub>
+                  </m:oMath>
+                </a14:m>
+                <a:endParaRPr lang="en-US" dirty="0" smtClean="0"/>
+              </a:p>
+              <a:p>
+                <a:pPr lvl="1"/>
+                <a:r>
+                  <a:rPr lang="en-US" dirty="0" smtClean="0"/>
+                  <a:t>Mean worm burden</a:t>
+                </a:r>
+              </a:p>
+              <a:p>
+                <a:pPr lvl="1"/>
+                <a:r>
+                  <a:rPr lang="en-US" dirty="0" smtClean="0"/>
+                  <a:t>Prevalence</a:t>
+                </a:r>
+              </a:p>
+              <a:p>
+                <a:pPr lvl="1"/>
+                <a:r>
+                  <a:rPr lang="en-US" dirty="0" smtClean="0"/>
+                  <a:t>Disability</a:t>
+                </a:r>
+                <a:endParaRPr lang="en-US" dirty="0"/>
+              </a:p>
+            </p:txBody>
+          </p:sp>
+        </mc:Choice>
+        <mc:Fallback xmlns="">
+          <p:sp>
+            <p:nvSpPr>
+              <p:cNvPr id="3" name="Content Placeholder 2"/>
+              <p:cNvSpPr>
+                <a:spLocks noGrp="1" noRot="1" noChangeAspect="1" noMove="1" noResize="1" noEditPoints="1" noAdjustHandles="1" noChangeArrowheads="1" noChangeShapeType="1" noTextEdit="1"/>
+              </p:cNvSpPr>
+              <p:nvPr>
+                <p:ph idx="1"/>
+              </p:nvPr>
+            </p:nvSpPr>
+            <p:spPr>
+              <a:xfrm>
+                <a:off x="457200" y="1223010"/>
+                <a:ext cx="8229600" cy="3758213"/>
+              </a:xfrm>
+              <a:blipFill rotWithShape="0">
+                <a:blip r:embed="rId2"/>
+                <a:stretch>
+                  <a:fillRect l="-667" t="-812"/>
+                </a:stretch>
+              </a:blipFill>
+            </p:spPr>
+            <p:txBody>
+              <a:bodyPr/>
+              <a:lstStyle/>
+              <a:p>
+                <a:r>
+                  <a:rPr lang="en-US">
+                    <a:noFill/>
+                  </a:rPr>
+                  <a:t> </a:t>
+                </a:r>
+              </a:p>
+            </p:txBody>
+          </p:sp>
+        </mc:Fallback>
+      </mc:AlternateContent>
+      <p:sp>
+        <p:nvSpPr>
+          <p:cNvPr id="5" name="Rectangle 4"/>
+          <p:cNvSpPr/>
+          <p:nvPr/>
+        </p:nvSpPr>
+        <p:spPr>
+          <a:xfrm>
+            <a:off x="2434590" y="6123398"/>
+            <a:ext cx="4572000" cy="507831"/>
+          </a:xfrm>
+          <a:prstGeom prst="rect">
+            <a:avLst/>
+          </a:prstGeom>
+        </p:spPr>
+        <p:txBody>
+          <a:bodyPr>
+            <a:spAutoFit/>
+          </a:bodyPr>
+          <a:lstStyle/>
+          <a:p>
+            <a:r>
+              <a:rPr lang="en-US" sz="900" dirty="0" err="1">
+                <a:solidFill>
+                  <a:schemeClr val="bg1"/>
+                </a:solidFill>
+                <a:latin typeface="Arial" panose="020B0604020202020204" pitchFamily="34" charset="0"/>
+              </a:rPr>
+              <a:t>Marescot</a:t>
+            </a:r>
+            <a:r>
+              <a:rPr lang="en-US" sz="900" dirty="0">
+                <a:solidFill>
+                  <a:schemeClr val="bg1"/>
+                </a:solidFill>
+                <a:latin typeface="Arial" panose="020B0604020202020204" pitchFamily="34" charset="0"/>
+              </a:rPr>
+              <a:t>, L., </a:t>
+            </a:r>
+            <a:r>
+              <a:rPr lang="en-US" sz="900" dirty="0" err="1">
+                <a:solidFill>
+                  <a:schemeClr val="bg1"/>
+                </a:solidFill>
+                <a:latin typeface="Arial" panose="020B0604020202020204" pitchFamily="34" charset="0"/>
+              </a:rPr>
+              <a:t>Chapron</a:t>
+            </a:r>
+            <a:r>
+              <a:rPr lang="en-US" sz="900" dirty="0">
+                <a:solidFill>
+                  <a:schemeClr val="bg1"/>
+                </a:solidFill>
+                <a:latin typeface="Arial" panose="020B0604020202020204" pitchFamily="34" charset="0"/>
+              </a:rPr>
+              <a:t>, G., </a:t>
+            </a:r>
+            <a:r>
+              <a:rPr lang="en-US" sz="900" dirty="0" err="1">
+                <a:solidFill>
+                  <a:schemeClr val="bg1"/>
+                </a:solidFill>
+                <a:latin typeface="Arial" panose="020B0604020202020204" pitchFamily="34" charset="0"/>
+              </a:rPr>
+              <a:t>Chadès</a:t>
+            </a:r>
+            <a:r>
+              <a:rPr lang="en-US" sz="900" dirty="0">
+                <a:solidFill>
+                  <a:schemeClr val="bg1"/>
+                </a:solidFill>
+                <a:latin typeface="Arial" panose="020B0604020202020204" pitchFamily="34" charset="0"/>
+              </a:rPr>
+              <a:t>, I., </a:t>
+            </a:r>
+            <a:r>
+              <a:rPr lang="en-US" sz="900" dirty="0" err="1">
+                <a:solidFill>
+                  <a:schemeClr val="bg1"/>
+                </a:solidFill>
+                <a:latin typeface="Arial" panose="020B0604020202020204" pitchFamily="34" charset="0"/>
+              </a:rPr>
+              <a:t>Fackler</a:t>
+            </a:r>
+            <a:r>
+              <a:rPr lang="en-US" sz="900" dirty="0">
+                <a:solidFill>
+                  <a:schemeClr val="bg1"/>
+                </a:solidFill>
+                <a:latin typeface="Arial" panose="020B0604020202020204" pitchFamily="34" charset="0"/>
+              </a:rPr>
+              <a:t>, P. L., Duchamp, C., </a:t>
+            </a:r>
+            <a:r>
+              <a:rPr lang="en-US" sz="900" dirty="0" err="1">
+                <a:solidFill>
+                  <a:schemeClr val="bg1"/>
+                </a:solidFill>
+                <a:latin typeface="Arial" panose="020B0604020202020204" pitchFamily="34" charset="0"/>
+              </a:rPr>
+              <a:t>Marboutin</a:t>
+            </a:r>
+            <a:r>
+              <a:rPr lang="en-US" sz="900" dirty="0">
+                <a:solidFill>
+                  <a:schemeClr val="bg1"/>
+                </a:solidFill>
+                <a:latin typeface="Arial" panose="020B0604020202020204" pitchFamily="34" charset="0"/>
+              </a:rPr>
+              <a:t>, E., &amp; </a:t>
+            </a:r>
+            <a:r>
+              <a:rPr lang="en-US" sz="900" dirty="0" err="1">
+                <a:solidFill>
+                  <a:schemeClr val="bg1"/>
+                </a:solidFill>
+                <a:latin typeface="Arial" panose="020B0604020202020204" pitchFamily="34" charset="0"/>
+              </a:rPr>
+              <a:t>Gimenez</a:t>
+            </a:r>
+            <a:r>
+              <a:rPr lang="en-US" sz="900" dirty="0">
+                <a:solidFill>
+                  <a:schemeClr val="bg1"/>
+                </a:solidFill>
+                <a:latin typeface="Arial" panose="020B0604020202020204" pitchFamily="34" charset="0"/>
+              </a:rPr>
+              <a:t>, O. (2013). Complex decisions made simple: a primer on stochastic dynamic programming. </a:t>
+            </a:r>
+            <a:r>
+              <a:rPr lang="en-US" sz="900" i="1" dirty="0">
+                <a:solidFill>
+                  <a:schemeClr val="bg1"/>
+                </a:solidFill>
+                <a:latin typeface="Arial" panose="020B0604020202020204" pitchFamily="34" charset="0"/>
+              </a:rPr>
+              <a:t>Methods in Ecology and Evolution</a:t>
+            </a:r>
+            <a:r>
+              <a:rPr lang="en-US" sz="900" dirty="0">
+                <a:solidFill>
+                  <a:schemeClr val="bg1"/>
+                </a:solidFill>
+                <a:latin typeface="Arial" panose="020B0604020202020204" pitchFamily="34" charset="0"/>
+              </a:rPr>
+              <a:t>, </a:t>
+            </a:r>
+            <a:r>
+              <a:rPr lang="en-US" sz="900" i="1" dirty="0">
+                <a:solidFill>
+                  <a:schemeClr val="bg1"/>
+                </a:solidFill>
+                <a:latin typeface="Arial" panose="020B0604020202020204" pitchFamily="34" charset="0"/>
+              </a:rPr>
+              <a:t>4</a:t>
+            </a:r>
+            <a:r>
+              <a:rPr lang="en-US" sz="900" dirty="0">
+                <a:solidFill>
+                  <a:schemeClr val="bg1"/>
+                </a:solidFill>
+                <a:latin typeface="Arial" panose="020B0604020202020204" pitchFamily="34" charset="0"/>
+              </a:rPr>
+              <a:t>(9), 872-884.</a:t>
+            </a:r>
+            <a:endParaRPr lang="en-US" sz="900" dirty="0">
+              <a:solidFill>
+                <a:schemeClr val="bg1"/>
+              </a:solidFill>
+            </a:endParaRPr>
+          </a:p>
+        </p:txBody>
+      </p:sp>
+    </p:spTree>
+    <p:extLst>
+      <p:ext uri="{BB962C8B-B14F-4D97-AF65-F5344CB8AC3E}">
+        <p14:creationId xmlns:p14="http://schemas.microsoft.com/office/powerpoint/2010/main" val="1872241295"/>
+      </p:ext>
+    </p:extLst>
+  </p:cSld>
+  <p:clrMapOvr>
+    <a:masterClrMapping/>
+  </p:clrMapOvr>
+</p:sld>
+</file>
+
+<file path=ppt/slides/slide17.xml><?xml version="1.0" encoding="utf-8"?>
+<p:sld xmlns:a="http://schemas.openxmlformats.org/drawingml/2006/main" xmlns:r="http://schemas.openxmlformats.org/officeDocument/2006/relationships" xmlns:p="http://schemas.openxmlformats.org/presentationml/2006/main">
+  <p:cSld>
+    <p:spTree>
+      <p:nvGrpSpPr>
+        <p:cNvPr id="1" name=""/>
+        <p:cNvGrpSpPr/>
+        <p:nvPr/>
+      </p:nvGrpSpPr>
+      <p:grpSpPr>
+        <a:xfrm>
+          <a:off x="0" y="0"/>
+          <a:ext cx="0" cy="0"/>
+          <a:chOff x="0" y="0"/>
+          <a:chExt cx="0" cy="0"/>
+        </a:xfrm>
+      </p:grpSpPr>
+      <p:sp>
+        <p:nvSpPr>
+          <p:cNvPr id="4" name="Content Placeholder 3"/>
+          <p:cNvSpPr>
+            <a:spLocks noGrp="1"/>
+          </p:cNvSpPr>
+          <p:nvPr>
+            <p:ph idx="13"/>
+          </p:nvPr>
+        </p:nvSpPr>
+        <p:spPr>
+          <a:xfrm>
+            <a:off x="457199" y="316782"/>
+            <a:ext cx="6956643" cy="488017"/>
+          </a:xfrm>
+        </p:spPr>
+        <p:txBody>
+          <a:bodyPr>
+            <a:noAutofit/>
+          </a:bodyPr>
+          <a:lstStyle/>
+          <a:p>
+            <a:r>
+              <a:rPr lang="en-US" sz="2000" dirty="0" smtClean="0"/>
+              <a:t>Framework| </a:t>
+            </a:r>
+            <a:r>
+              <a:rPr lang="en-US" sz="2000" dirty="0" smtClean="0">
+                <a:solidFill>
+                  <a:schemeClr val="bg1"/>
+                </a:solidFill>
+              </a:rPr>
+              <a:t>Stochastic Dynamic Programming</a:t>
+            </a:r>
+            <a:endParaRPr lang="en-US" sz="2000" dirty="0">
+              <a:solidFill>
+                <a:schemeClr val="bg1"/>
+              </a:solidFill>
+            </a:endParaRPr>
+          </a:p>
+        </p:txBody>
+      </p:sp>
+      <mc:AlternateContent xmlns:mc="http://schemas.openxmlformats.org/markup-compatibility/2006" xmlns:a14="http://schemas.microsoft.com/office/drawing/2010/main">
+        <mc:Choice Requires="a14">
           <p:sp>
             <p:nvSpPr>
               <p:cNvPr id="3" name="Content Placeholder 2"/>
@@ -3186,7 +5395,7 @@
             </p:txBody>
           </p:sp>
         </mc:Choice>
-        <mc:Fallback>
+        <mc:Fallback xmlns="">
           <p:sp>
             <p:nvSpPr>
               <p:cNvPr id="3" name="Content Placeholder 2"/>
@@ -3410,7 +5619,7 @@
 </p:sld>
 </file>
 
-<file path=ppt/slides/slide12.xml><?xml version="1.0" encoding="utf-8"?>
+<file path=ppt/slides/slide18.xml><?xml version="1.0" encoding="utf-8"?>
 <p:sld xmlns:a="http://schemas.openxmlformats.org/drawingml/2006/main" xmlns:r="http://schemas.openxmlformats.org/officeDocument/2006/relationships" xmlns:p="http://schemas.openxmlformats.org/presentationml/2006/main">
   <p:cSld>
     <p:spTree>
@@ -3469,8 +5678,8 @@
           </a:p>
         </p:txBody>
       </p:sp>
-      <mc:AlternateContent xmlns:mc="http://schemas.openxmlformats.org/markup-compatibility/2006">
-        <mc:Choice xmlns:a14="http://schemas.microsoft.com/office/drawing/2010/main" Requires="a14">
+      <mc:AlternateContent xmlns:mc="http://schemas.openxmlformats.org/markup-compatibility/2006" xmlns:a14="http://schemas.microsoft.com/office/drawing/2010/main">
+        <mc:Choice Requires="a14">
           <p:sp>
             <p:nvSpPr>
               <p:cNvPr id="3" name="Content Placeholder 2"/>
@@ -3625,7 +5834,7 @@
             </p:txBody>
           </p:sp>
         </mc:Choice>
-        <mc:Fallback>
+        <mc:Fallback xmlns="">
           <p:sp>
             <p:nvSpPr>
               <p:cNvPr id="3" name="Content Placeholder 2"/>
@@ -3849,7 +6058,7 @@
 </p:sld>
 </file>
 
-<file path=ppt/slides/slide13.xml><?xml version="1.0" encoding="utf-8"?>
+<file path=ppt/slides/slide19.xml><?xml version="1.0" encoding="utf-8"?>
 <p:sld xmlns:a="http://schemas.openxmlformats.org/drawingml/2006/main" xmlns:r="http://schemas.openxmlformats.org/officeDocument/2006/relationships" xmlns:p="http://schemas.openxmlformats.org/presentationml/2006/main">
   <p:cSld>
     <p:spTree>
@@ -3908,8 +6117,8 @@
           </a:p>
         </p:txBody>
       </p:sp>
-      <mc:AlternateContent xmlns:mc="http://schemas.openxmlformats.org/markup-compatibility/2006">
-        <mc:Choice xmlns:a14="http://schemas.microsoft.com/office/drawing/2010/main" Requires="a14">
+      <mc:AlternateContent xmlns:mc="http://schemas.openxmlformats.org/markup-compatibility/2006" xmlns:a14="http://schemas.microsoft.com/office/drawing/2010/main">
+        <mc:Choice Requires="a14">
           <p:sp>
             <p:nvSpPr>
               <p:cNvPr id="3" name="Content Placeholder 2"/>
@@ -4066,7 +6275,7 @@
             </p:txBody>
           </p:sp>
         </mc:Choice>
-        <mc:Fallback>
+        <mc:Fallback xmlns="">
           <p:sp>
             <p:nvSpPr>
               <p:cNvPr id="3" name="Content Placeholder 2"/>
@@ -4290,7 +6499,179 @@
 </p:sld>
 </file>
 
-<file path=ppt/slides/slide14.xml><?xml version="1.0" encoding="utf-8"?>
+<file path=ppt/slides/slide2.xml><?xml version="1.0" encoding="utf-8"?>
+<p:sld xmlns:a="http://schemas.openxmlformats.org/drawingml/2006/main" xmlns:r="http://schemas.openxmlformats.org/officeDocument/2006/relationships" xmlns:p="http://schemas.openxmlformats.org/presentationml/2006/main">
+  <p:cSld>
+    <p:spTree>
+      <p:nvGrpSpPr>
+        <p:cNvPr id="1" name=""/>
+        <p:cNvGrpSpPr/>
+        <p:nvPr/>
+      </p:nvGrpSpPr>
+      <p:grpSpPr>
+        <a:xfrm>
+          <a:off x="0" y="0"/>
+          <a:ext cx="0" cy="0"/>
+          <a:chOff x="0" y="0"/>
+          <a:chExt cx="0" cy="0"/>
+        </a:xfrm>
+      </p:grpSpPr>
+      <p:sp>
+        <p:nvSpPr>
+          <p:cNvPr id="2" name="Title 1"/>
+          <p:cNvSpPr>
+            <a:spLocks noGrp="1"/>
+          </p:cNvSpPr>
+          <p:nvPr>
+            <p:ph type="title"/>
+          </p:nvPr>
+        </p:nvSpPr>
+        <p:spPr/>
+        <p:txBody>
+          <a:bodyPr/>
+          <a:lstStyle/>
+          <a:p>
+            <a:r>
+              <a:rPr lang="en-US" dirty="0" smtClean="0"/>
+              <a:t>Goals</a:t>
+            </a:r>
+            <a:endParaRPr lang="en-US" dirty="0"/>
+          </a:p>
+        </p:txBody>
+      </p:sp>
+      <p:sp>
+        <p:nvSpPr>
+          <p:cNvPr id="3" name="Content Placeholder 2"/>
+          <p:cNvSpPr>
+            <a:spLocks noGrp="1"/>
+          </p:cNvSpPr>
+          <p:nvPr>
+            <p:ph idx="1"/>
+          </p:nvPr>
+        </p:nvSpPr>
+        <p:spPr>
+          <a:xfrm>
+            <a:off x="457200" y="2454805"/>
+            <a:ext cx="8229600" cy="2715506"/>
+          </a:xfrm>
+        </p:spPr>
+        <p:txBody>
+          <a:bodyPr/>
+          <a:lstStyle/>
+          <a:p>
+            <a:pPr>
+              <a:buFont typeface="Arial" panose="020B0604020202020204" pitchFamily="34" charset="0"/>
+              <a:buChar char="•"/>
+            </a:pPr>
+            <a:r>
+              <a:rPr lang="en-US" b="1" dirty="0" smtClean="0">
+                <a:solidFill>
+                  <a:srgbClr val="FDB515"/>
+                </a:solidFill>
+              </a:rPr>
+              <a:t>Expand theoretical understanding of the dynamics of NTD elimination</a:t>
+            </a:r>
+          </a:p>
+          <a:p>
+            <a:pPr>
+              <a:buFont typeface="Arial" panose="020B0604020202020204" pitchFamily="34" charset="0"/>
+              <a:buChar char="•"/>
+            </a:pPr>
+            <a:r>
+              <a:rPr lang="en-US" b="1" dirty="0" smtClean="0">
+                <a:solidFill>
+                  <a:srgbClr val="FDB515"/>
+                </a:solidFill>
+              </a:rPr>
+              <a:t>Investigate cost-effective NTD control and elimination strategies</a:t>
+            </a:r>
+          </a:p>
+          <a:p>
+            <a:pPr>
+              <a:buFont typeface="Arial" panose="020B0604020202020204" pitchFamily="34" charset="0"/>
+              <a:buChar char="•"/>
+            </a:pPr>
+            <a:r>
+              <a:rPr lang="en-US" b="1" dirty="0" smtClean="0">
+                <a:solidFill>
+                  <a:srgbClr val="FDB515"/>
+                </a:solidFill>
+              </a:rPr>
+              <a:t>Assess innovative and novel control strategies</a:t>
+            </a:r>
+          </a:p>
+          <a:p>
+            <a:pPr>
+              <a:buFont typeface="Arial" panose="020B0604020202020204" pitchFamily="34" charset="0"/>
+              <a:buChar char="•"/>
+            </a:pPr>
+            <a:r>
+              <a:rPr lang="en-US" b="1" dirty="0" smtClean="0">
+                <a:solidFill>
+                  <a:srgbClr val="FDB515"/>
+                </a:solidFill>
+              </a:rPr>
+              <a:t>Identify optimal combinations of interventions in different scenarios</a:t>
+            </a:r>
+            <a:endParaRPr lang="en-US" dirty="0"/>
+          </a:p>
+          <a:p>
+            <a:endParaRPr lang="en-US" dirty="0"/>
+          </a:p>
+        </p:txBody>
+      </p:sp>
+      <p:sp>
+        <p:nvSpPr>
+          <p:cNvPr id="4" name="Content Placeholder 3"/>
+          <p:cNvSpPr>
+            <a:spLocks noGrp="1"/>
+          </p:cNvSpPr>
+          <p:nvPr>
+            <p:ph idx="13"/>
+          </p:nvPr>
+        </p:nvSpPr>
+        <p:spPr/>
+        <p:txBody>
+          <a:bodyPr/>
+          <a:lstStyle/>
+          <a:p>
+            <a:endParaRPr lang="en-US"/>
+          </a:p>
+        </p:txBody>
+      </p:sp>
+      <p:sp>
+        <p:nvSpPr>
+          <p:cNvPr id="5" name="Content Placeholder 4"/>
+          <p:cNvSpPr>
+            <a:spLocks noGrp="1"/>
+          </p:cNvSpPr>
+          <p:nvPr>
+            <p:ph idx="14"/>
+          </p:nvPr>
+        </p:nvSpPr>
+        <p:spPr/>
+        <p:txBody>
+          <a:bodyPr/>
+          <a:lstStyle/>
+          <a:p>
+            <a:endParaRPr lang="en-US"/>
+          </a:p>
+        </p:txBody>
+      </p:sp>
+    </p:spTree>
+    <p:extLst>
+      <p:ext uri="{BB962C8B-B14F-4D97-AF65-F5344CB8AC3E}">
+        <p14:creationId xmlns:p14="http://schemas.microsoft.com/office/powerpoint/2010/main" val="3184446357"/>
+      </p:ext>
+    </p:extLst>
+  </p:cSld>
+  <p:clrMapOvr>
+    <a:masterClrMapping/>
+  </p:clrMapOvr>
+</p:sld>
+</file>
+
+<file path=ppt/slides/slide20.xml><?xml version="1.0" encoding="utf-8"?>
 <p:sld xmlns:a="http://schemas.openxmlformats.org/drawingml/2006/main" xmlns:r="http://schemas.openxmlformats.org/officeDocument/2006/relationships" xmlns:p="http://schemas.openxmlformats.org/presentationml/2006/main">
   <p:cSld>
     <p:spTree>
@@ -4600,7 +6981,7 @@
 </p:sld>
 </file>
 
-<file path=ppt/slides/slide15.xml><?xml version="1.0" encoding="utf-8"?>
+<file path=ppt/slides/slide21.xml><?xml version="1.0" encoding="utf-8"?>
 <p:sld xmlns:a="http://schemas.openxmlformats.org/drawingml/2006/main" xmlns:r="http://schemas.openxmlformats.org/officeDocument/2006/relationships" xmlns:p="http://schemas.openxmlformats.org/presentationml/2006/main">
   <p:cSld>
     <p:spTree>
@@ -4641,7 +7022,7 @@
           <a:p>
             <a:r>
               <a:rPr lang="en-US" sz="2000" dirty="0" smtClean="0"/>
-              <a:t>Implementation| </a:t>
+              <a:t>Framework| </a:t>
             </a:r>
             <a:r>
               <a:rPr lang="en-US" sz="2000" dirty="0" err="1" smtClean="0">
@@ -4657,7 +7038,7 @@
                   <a:schemeClr val="bg1"/>
                 </a:solidFill>
               </a:rPr>
-              <a:t> et al</a:t>
+              <a:t> et al model</a:t>
             </a:r>
             <a:endParaRPr lang="en-US" sz="2000" dirty="0">
               <a:solidFill>
@@ -4671,862 +7052,7 @@
         <mc:Choice xmlns:a14="http://schemas.microsoft.com/office/drawing/2010/main" Requires="a14">
           <p:sp>
             <p:nvSpPr>
-              <p:cNvPr id="7" name="Content Placeholder 6"/>
-              <p:cNvSpPr>
-                <a:spLocks noGrp="1"/>
-              </p:cNvSpPr>
-              <p:nvPr>
-                <p:ph idx="1"/>
-              </p:nvPr>
-            </p:nvSpPr>
-            <p:spPr>
-              <a:xfrm>
-                <a:off x="457200" y="2454804"/>
-                <a:ext cx="8229600" cy="3351635"/>
-              </a:xfrm>
-            </p:spPr>
-            <p:txBody>
-              <a:bodyPr>
-                <a:normAutofit lnSpcReduction="10000"/>
-              </a:bodyPr>
-              <a:lstStyle/>
-              <a:p>
-                <a:r>
-                  <a:rPr lang="en-US" dirty="0" smtClean="0"/>
-                  <a:t>Assume all transmission is environment-human (</a:t>
-                </a:r>
-                <a14:m>
-                  <m:oMath xmlns:m="http://schemas.openxmlformats.org/officeDocument/2006/math">
-                    <m:sSub>
-                      <m:sSubPr>
-                        <m:ctrlPr>
-                          <a:rPr lang="en-US" b="0" i="1" smtClean="0">
-                            <a:latin typeface="Cambria Math" panose="02040503050406030204" pitchFamily="18" charset="0"/>
-                          </a:rPr>
-                        </m:ctrlPr>
-                      </m:sSubPr>
-                      <m:e>
-                        <m:r>
-                          <a:rPr lang="en-US" b="0" i="1" smtClean="0">
-                            <a:latin typeface="Cambria Math" panose="02040503050406030204" pitchFamily="18" charset="0"/>
-                          </a:rPr>
-                          <m:t>𝛽</m:t>
-                        </m:r>
-                      </m:e>
-                      <m:sub>
-                        <m:r>
-                          <a:rPr lang="en-US" b="0" i="1" smtClean="0">
-                            <a:latin typeface="Cambria Math" panose="02040503050406030204" pitchFamily="18" charset="0"/>
-                          </a:rPr>
-                          <m:t>𝐷</m:t>
-                        </m:r>
-                      </m:sub>
-                    </m:sSub>
-                    <m:r>
-                      <a:rPr lang="en-US" b="0" i="1" smtClean="0">
-                        <a:latin typeface="Cambria Math" panose="02040503050406030204" pitchFamily="18" charset="0"/>
-                      </a:rPr>
-                      <m:t>=0</m:t>
-                    </m:r>
-                  </m:oMath>
-                </a14:m>
-                <a:r>
-                  <a:rPr lang="en-US" dirty="0" smtClean="0"/>
-                  <a:t>)</a:t>
-                </a:r>
-              </a:p>
-              <a:p>
-                <a:r>
-                  <a:rPr lang="en-US" dirty="0" smtClean="0"/>
-                  <a:t>Assume no exogenous propagule production (</a:t>
-                </a:r>
-                <a14:m>
-                  <m:oMath xmlns:m="http://schemas.openxmlformats.org/officeDocument/2006/math">
-                    <m:r>
-                      <m:rPr>
-                        <m:sty m:val="p"/>
-                      </m:rPr>
-                      <a:rPr lang="en-US" b="0" i="0" smtClean="0">
-                        <a:latin typeface="Cambria Math" panose="02040503050406030204" pitchFamily="18" charset="0"/>
-                      </a:rPr>
-                      <m:t>Ω</m:t>
-                    </m:r>
-                    <m:r>
-                      <a:rPr lang="en-US" b="0" i="1" smtClean="0">
-                        <a:latin typeface="Cambria Math" panose="02040503050406030204" pitchFamily="18" charset="0"/>
-                      </a:rPr>
-                      <m:t>=0</m:t>
-                    </m:r>
-                  </m:oMath>
-                </a14:m>
-                <a:r>
-                  <a:rPr lang="en-US" dirty="0" smtClean="0"/>
-                  <a:t>)</a:t>
-                </a:r>
-              </a:p>
-              <a:p>
-                <a:r>
-                  <a:rPr lang="en-US" dirty="0" smtClean="0"/>
-                  <a:t>Model prevalence with no recovered (</a:t>
-                </a:r>
-                <a14:m>
-                  <m:oMath xmlns:m="http://schemas.openxmlformats.org/officeDocument/2006/math">
-                    <m:r>
-                      <a:rPr lang="en-US" b="0" i="1" smtClean="0">
-                        <a:latin typeface="Cambria Math" panose="02040503050406030204" pitchFamily="18" charset="0"/>
-                      </a:rPr>
-                      <m:t>𝑅</m:t>
-                    </m:r>
-                  </m:oMath>
-                </a14:m>
-                <a:r>
-                  <a:rPr lang="en-US" dirty="0" smtClean="0"/>
-                  <a:t>) state (</a:t>
-                </a:r>
-                <a14:m>
-                  <m:oMath xmlns:m="http://schemas.openxmlformats.org/officeDocument/2006/math">
-                    <m:r>
-                      <a:rPr lang="en-US" b="0" i="1" smtClean="0">
-                        <a:latin typeface="Cambria Math" panose="02040503050406030204" pitchFamily="18" charset="0"/>
-                      </a:rPr>
-                      <m:t>𝑆</m:t>
-                    </m:r>
-                    <m:r>
-                      <a:rPr lang="en-US" b="0" i="1" smtClean="0">
-                        <a:latin typeface="Cambria Math" panose="02040503050406030204" pitchFamily="18" charset="0"/>
-                      </a:rPr>
-                      <m:t>=1−</m:t>
-                    </m:r>
-                    <m:r>
-                      <a:rPr lang="en-US" b="0" i="1" smtClean="0">
-                        <a:latin typeface="Cambria Math" panose="02040503050406030204" pitchFamily="18" charset="0"/>
-                      </a:rPr>
-                      <m:t>𝐼</m:t>
-                    </m:r>
-                  </m:oMath>
-                </a14:m>
-                <a:r>
-                  <a:rPr lang="en-US" dirty="0" smtClean="0"/>
-                  <a:t>)</a:t>
-                </a:r>
-              </a:p>
-              <a:p>
-                <a:pPr marL="0" indent="0">
-                  <a:buNone/>
-                </a:pPr>
-                <a:endParaRPr lang="en-US" dirty="0" smtClean="0"/>
-              </a:p>
-              <a:p>
-                <a:pPr marL="0" indent="0">
-                  <a:buNone/>
-                </a:pPr>
-                <a14:m>
-                  <m:oMathPara xmlns:m="http://schemas.openxmlformats.org/officeDocument/2006/math">
-                    <m:oMathParaPr>
-                      <m:jc m:val="centerGroup"/>
-                    </m:oMathParaPr>
-                    <m:oMath xmlns:m="http://schemas.openxmlformats.org/officeDocument/2006/math">
-                      <m:acc>
-                        <m:accPr>
-                          <m:chr m:val="̇"/>
-                          <m:ctrlPr>
-                            <a:rPr lang="en-US" sz="2400" b="0" i="1" smtClean="0">
-                              <a:solidFill>
-                                <a:schemeClr val="tx1">
-                                  <a:lumMod val="60000"/>
-                                  <a:lumOff val="40000"/>
-                                </a:schemeClr>
-                              </a:solidFill>
-                              <a:latin typeface="Cambria Math" panose="02040503050406030204" pitchFamily="18" charset="0"/>
-                            </a:rPr>
-                          </m:ctrlPr>
-                        </m:accPr>
-                        <m:e>
-                          <m:r>
-                            <a:rPr lang="en-US" sz="2400" b="0" i="1" smtClean="0">
-                              <a:solidFill>
-                                <a:schemeClr val="tx1">
-                                  <a:lumMod val="60000"/>
-                                  <a:lumOff val="40000"/>
-                                </a:schemeClr>
-                              </a:solidFill>
-                              <a:latin typeface="Cambria Math" panose="02040503050406030204" pitchFamily="18" charset="0"/>
-                            </a:rPr>
-                            <m:t>𝐼</m:t>
-                          </m:r>
-                        </m:e>
-                      </m:acc>
-                      <m:r>
-                        <m:rPr>
-                          <m:lit/>
-                        </m:rPr>
-                        <a:rPr lang="en-US" sz="2400" b="0" i="1" dirty="0" smtClean="0">
-                          <a:solidFill>
-                            <a:schemeClr val="tx1">
-                              <a:lumMod val="60000"/>
-                              <a:lumOff val="40000"/>
-                            </a:schemeClr>
-                          </a:solidFill>
-                          <a:latin typeface="Cambria Math" panose="02040503050406030204" pitchFamily="18" charset="0"/>
-                        </a:rPr>
-                        <m:t> </m:t>
-                      </m:r>
-                      <m:r>
-                        <a:rPr lang="en-US" sz="2400" b="0" i="1" dirty="0" smtClean="0">
-                          <a:solidFill>
-                            <a:schemeClr val="tx1">
-                              <a:lumMod val="60000"/>
-                              <a:lumOff val="40000"/>
-                            </a:schemeClr>
-                          </a:solidFill>
-                          <a:latin typeface="Cambria Math" panose="02040503050406030204" pitchFamily="18" charset="0"/>
-                        </a:rPr>
-                        <m:t>=</m:t>
-                      </m:r>
-                      <m:sSub>
-                        <m:sSubPr>
-                          <m:ctrlPr>
-                            <a:rPr lang="en-US" sz="2400" b="0" i="1" dirty="0" smtClean="0">
-                              <a:solidFill>
-                                <a:schemeClr val="tx1">
-                                  <a:lumMod val="60000"/>
-                                  <a:lumOff val="40000"/>
-                                </a:schemeClr>
-                              </a:solidFill>
-                              <a:latin typeface="Cambria Math" panose="02040503050406030204" pitchFamily="18" charset="0"/>
-                            </a:rPr>
-                          </m:ctrlPr>
-                        </m:sSubPr>
-                        <m:e>
-                          <m:r>
-                            <a:rPr lang="en-US" sz="2400" b="0" i="1" dirty="0" smtClean="0">
-                              <a:solidFill>
-                                <a:schemeClr val="tx1">
-                                  <a:lumMod val="60000"/>
-                                  <a:lumOff val="40000"/>
-                                </a:schemeClr>
-                              </a:solidFill>
-                              <a:latin typeface="Cambria Math" panose="02040503050406030204" pitchFamily="18" charset="0"/>
-                            </a:rPr>
-                            <m:t>𝛽</m:t>
-                          </m:r>
-                        </m:e>
-                        <m:sub>
-                          <m:r>
-                            <a:rPr lang="en-US" sz="2400" b="0" i="1" dirty="0" smtClean="0">
-                              <a:solidFill>
-                                <a:schemeClr val="tx1">
-                                  <a:lumMod val="60000"/>
-                                  <a:lumOff val="40000"/>
-                                </a:schemeClr>
-                              </a:solidFill>
-                              <a:latin typeface="Cambria Math" panose="02040503050406030204" pitchFamily="18" charset="0"/>
-                            </a:rPr>
-                            <m:t>𝐸</m:t>
-                          </m:r>
-                        </m:sub>
-                      </m:sSub>
-                      <m:r>
-                        <a:rPr lang="en-US" sz="2400" b="0" i="1" dirty="0" smtClean="0">
-                          <a:solidFill>
-                            <a:schemeClr val="tx1">
-                              <a:lumMod val="60000"/>
-                              <a:lumOff val="40000"/>
-                            </a:schemeClr>
-                          </a:solidFill>
-                          <a:latin typeface="Cambria Math" panose="02040503050406030204" pitchFamily="18" charset="0"/>
-                        </a:rPr>
-                        <m:t>𝑊</m:t>
-                      </m:r>
-                      <m:d>
-                        <m:dPr>
-                          <m:ctrlPr>
-                            <a:rPr lang="en-US" sz="2400" b="0" i="1" dirty="0" smtClean="0">
-                              <a:solidFill>
-                                <a:schemeClr val="tx1">
-                                  <a:lumMod val="60000"/>
-                                  <a:lumOff val="40000"/>
-                                </a:schemeClr>
-                              </a:solidFill>
-                              <a:latin typeface="Cambria Math" panose="02040503050406030204" pitchFamily="18" charset="0"/>
-                            </a:rPr>
-                          </m:ctrlPr>
-                        </m:dPr>
-                        <m:e>
-                          <m:r>
-                            <a:rPr lang="en-US" sz="2400" b="0" i="1" dirty="0" smtClean="0">
-                              <a:solidFill>
-                                <a:schemeClr val="tx1">
-                                  <a:lumMod val="60000"/>
-                                  <a:lumOff val="40000"/>
-                                </a:schemeClr>
-                              </a:solidFill>
-                              <a:latin typeface="Cambria Math" panose="02040503050406030204" pitchFamily="18" charset="0"/>
-                            </a:rPr>
-                            <m:t>1−</m:t>
-                          </m:r>
-                          <m:r>
-                            <a:rPr lang="en-US" sz="2400" b="0" i="1" dirty="0" smtClean="0">
-                              <a:solidFill>
-                                <a:schemeClr val="tx1">
-                                  <a:lumMod val="60000"/>
-                                  <a:lumOff val="40000"/>
-                                </a:schemeClr>
-                              </a:solidFill>
-                              <a:latin typeface="Cambria Math" panose="02040503050406030204" pitchFamily="18" charset="0"/>
-                            </a:rPr>
-                            <m:t>𝐼</m:t>
-                          </m:r>
-                        </m:e>
-                      </m:d>
-                      <m:r>
-                        <a:rPr lang="en-US" sz="2400" b="0" i="1" dirty="0" smtClean="0">
-                          <a:solidFill>
-                            <a:schemeClr val="tx1">
-                              <a:lumMod val="60000"/>
-                              <a:lumOff val="40000"/>
-                            </a:schemeClr>
-                          </a:solidFill>
-                          <a:latin typeface="Cambria Math" panose="02040503050406030204" pitchFamily="18" charset="0"/>
-                        </a:rPr>
-                        <m:t>−</m:t>
-                      </m:r>
-                      <m:r>
-                        <a:rPr lang="en-US" sz="2400" b="0" i="1" dirty="0" smtClean="0">
-                          <a:solidFill>
-                            <a:schemeClr val="tx1">
-                              <a:lumMod val="60000"/>
-                              <a:lumOff val="40000"/>
-                            </a:schemeClr>
-                          </a:solidFill>
-                          <a:latin typeface="Cambria Math" panose="02040503050406030204" pitchFamily="18" charset="0"/>
-                        </a:rPr>
-                        <m:t>𝛾</m:t>
-                      </m:r>
-                      <m:r>
-                        <a:rPr lang="en-US" sz="2400" b="0" i="1" dirty="0" smtClean="0">
-                          <a:solidFill>
-                            <a:schemeClr val="tx1">
-                              <a:lumMod val="60000"/>
-                              <a:lumOff val="40000"/>
-                            </a:schemeClr>
-                          </a:solidFill>
-                          <a:latin typeface="Cambria Math" panose="02040503050406030204" pitchFamily="18" charset="0"/>
-                        </a:rPr>
-                        <m:t>𝐼</m:t>
-                      </m:r>
-                    </m:oMath>
-                    <m:oMath xmlns:m="http://schemas.openxmlformats.org/officeDocument/2006/math">
-                      <m:acc>
-                        <m:accPr>
-                          <m:chr m:val="̇"/>
-                          <m:ctrlPr>
-                            <a:rPr lang="en-US" sz="2400" b="0" i="1" smtClean="0">
-                              <a:solidFill>
-                                <a:schemeClr val="tx1">
-                                  <a:lumMod val="60000"/>
-                                  <a:lumOff val="40000"/>
-                                </a:schemeClr>
-                              </a:solidFill>
-                              <a:latin typeface="Cambria Math" panose="02040503050406030204" pitchFamily="18" charset="0"/>
-                            </a:rPr>
-                          </m:ctrlPr>
-                        </m:accPr>
-                        <m:e>
-                          <m:r>
-                            <a:rPr lang="en-US" sz="2400" b="0" i="1" smtClean="0">
-                              <a:solidFill>
-                                <a:schemeClr val="tx1">
-                                  <a:lumMod val="60000"/>
-                                  <a:lumOff val="40000"/>
-                                </a:schemeClr>
-                              </a:solidFill>
-                              <a:latin typeface="Cambria Math" panose="02040503050406030204" pitchFamily="18" charset="0"/>
-                            </a:rPr>
-                            <m:t>𝑊</m:t>
-                          </m:r>
-                        </m:e>
-                      </m:acc>
-                      <m:r>
-                        <a:rPr lang="en-US" sz="2400" b="0" i="1" dirty="0" smtClean="0">
-                          <a:solidFill>
-                            <a:schemeClr val="tx1">
-                              <a:lumMod val="60000"/>
-                              <a:lumOff val="40000"/>
-                            </a:schemeClr>
-                          </a:solidFill>
-                          <a:latin typeface="Cambria Math" panose="02040503050406030204" pitchFamily="18" charset="0"/>
-                        </a:rPr>
-                        <m:t>=</m:t>
-                      </m:r>
-                      <m:r>
-                        <a:rPr lang="en-US" sz="2400" b="0" i="1" dirty="0" smtClean="0">
-                          <a:solidFill>
-                            <a:schemeClr val="tx1">
-                              <a:lumMod val="60000"/>
-                              <a:lumOff val="40000"/>
-                            </a:schemeClr>
-                          </a:solidFill>
-                          <a:latin typeface="Cambria Math" panose="02040503050406030204" pitchFamily="18" charset="0"/>
-                        </a:rPr>
-                        <m:t>𝑉</m:t>
-                      </m:r>
-                      <m:r>
-                        <a:rPr lang="en-US" sz="2400" b="0" i="1" dirty="0" smtClean="0">
-                          <a:solidFill>
-                            <a:schemeClr val="tx1">
-                              <a:lumMod val="60000"/>
-                              <a:lumOff val="40000"/>
-                            </a:schemeClr>
-                          </a:solidFill>
-                          <a:latin typeface="Cambria Math" panose="02040503050406030204" pitchFamily="18" charset="0"/>
-                        </a:rPr>
-                        <m:t>𝜎𝜆</m:t>
-                      </m:r>
-                      <m:r>
-                        <a:rPr lang="en-US" sz="2400" b="0" i="1" dirty="0" smtClean="0">
-                          <a:solidFill>
-                            <a:schemeClr val="tx1">
-                              <a:lumMod val="60000"/>
-                              <a:lumOff val="40000"/>
-                            </a:schemeClr>
-                          </a:solidFill>
-                          <a:latin typeface="Cambria Math" panose="02040503050406030204" pitchFamily="18" charset="0"/>
-                        </a:rPr>
-                        <m:t>𝐼</m:t>
-                      </m:r>
-                      <m:r>
-                        <a:rPr lang="en-US" sz="2400" b="0" i="1" dirty="0" smtClean="0">
-                          <a:solidFill>
-                            <a:schemeClr val="tx1">
-                              <a:lumMod val="60000"/>
-                              <a:lumOff val="40000"/>
-                            </a:schemeClr>
-                          </a:solidFill>
-                          <a:latin typeface="Cambria Math" panose="02040503050406030204" pitchFamily="18" charset="0"/>
-                        </a:rPr>
-                        <m:t>−</m:t>
-                      </m:r>
-                      <m:r>
-                        <a:rPr lang="en-US" sz="2400" b="0" i="1" dirty="0" smtClean="0">
-                          <a:solidFill>
-                            <a:schemeClr val="tx1">
-                              <a:lumMod val="60000"/>
-                              <a:lumOff val="40000"/>
-                            </a:schemeClr>
-                          </a:solidFill>
-                          <a:latin typeface="Cambria Math" panose="02040503050406030204" pitchFamily="18" charset="0"/>
-                        </a:rPr>
-                        <m:t>𝜌</m:t>
-                      </m:r>
-                      <m:r>
-                        <a:rPr lang="en-US" sz="2400" b="0" i="1" dirty="0" smtClean="0">
-                          <a:solidFill>
-                            <a:schemeClr val="tx1">
-                              <a:lumMod val="60000"/>
-                              <a:lumOff val="40000"/>
-                            </a:schemeClr>
-                          </a:solidFill>
-                          <a:latin typeface="Cambria Math" panose="02040503050406030204" pitchFamily="18" charset="0"/>
-                        </a:rPr>
-                        <m:t>𝑊</m:t>
-                      </m:r>
-                    </m:oMath>
-                  </m:oMathPara>
-                </a14:m>
-                <a:endParaRPr lang="en-US" sz="2400" dirty="0" smtClean="0">
-                  <a:solidFill>
-                    <a:schemeClr val="tx1">
-                      <a:lumMod val="60000"/>
-                      <a:lumOff val="40000"/>
-                    </a:schemeClr>
-                  </a:solidFill>
-                </a:endParaRPr>
-              </a:p>
-              <a:p>
-                <a:pPr marL="0" indent="0">
-                  <a:buNone/>
-                </a:pPr>
-                <a:endParaRPr lang="en-US" sz="2400" dirty="0" smtClean="0">
-                  <a:solidFill>
-                    <a:schemeClr val="tx1">
-                      <a:lumMod val="60000"/>
-                      <a:lumOff val="40000"/>
-                    </a:schemeClr>
-                  </a:solidFill>
-                </a:endParaRPr>
-              </a:p>
-              <a:p>
-                <a:pPr marL="0" indent="0">
-                  <a:buNone/>
-                </a:pPr>
-                <a14:m>
-                  <m:oMathPara xmlns:m="http://schemas.openxmlformats.org/officeDocument/2006/math">
-                    <m:oMathParaPr>
-                      <m:jc m:val="centerGroup"/>
-                    </m:oMathParaPr>
-                    <m:oMath xmlns:m="http://schemas.openxmlformats.org/officeDocument/2006/math">
-                      <m:sSub>
-                        <m:sSubPr>
-                          <m:ctrlPr>
-                            <a:rPr lang="en-US" sz="2400" b="0" i="1" smtClean="0">
-                              <a:solidFill>
-                                <a:schemeClr val="tx1">
-                                  <a:lumMod val="60000"/>
-                                  <a:lumOff val="40000"/>
-                                </a:schemeClr>
-                              </a:solidFill>
-                              <a:latin typeface="Cambria Math" panose="02040503050406030204" pitchFamily="18" charset="0"/>
-                            </a:rPr>
-                          </m:ctrlPr>
-                        </m:sSubPr>
-                        <m:e>
-                          <m:r>
-                            <a:rPr lang="en-US" sz="2400" b="0" i="1" smtClean="0">
-                              <a:solidFill>
-                                <a:schemeClr val="tx1">
-                                  <a:lumMod val="60000"/>
-                                  <a:lumOff val="40000"/>
-                                </a:schemeClr>
-                              </a:solidFill>
-                              <a:latin typeface="Cambria Math" panose="02040503050406030204" pitchFamily="18" charset="0"/>
-                            </a:rPr>
-                            <m:t>𝑅</m:t>
-                          </m:r>
-                        </m:e>
-                        <m:sub>
-                          <m:r>
-                            <a:rPr lang="en-US" sz="2400" b="0" i="1" smtClean="0">
-                              <a:solidFill>
-                                <a:schemeClr val="tx1">
-                                  <a:lumMod val="60000"/>
-                                  <a:lumOff val="40000"/>
-                                </a:schemeClr>
-                              </a:solidFill>
-                              <a:latin typeface="Cambria Math" panose="02040503050406030204" pitchFamily="18" charset="0"/>
-                            </a:rPr>
-                            <m:t>0</m:t>
-                          </m:r>
-                        </m:sub>
-                      </m:sSub>
-                      <m:r>
-                        <a:rPr lang="en-US" sz="2400" i="1" dirty="0">
-                          <a:solidFill>
-                            <a:schemeClr val="tx1">
-                              <a:lumMod val="60000"/>
-                              <a:lumOff val="40000"/>
-                            </a:schemeClr>
-                          </a:solidFill>
-                          <a:latin typeface="Cambria Math" panose="02040503050406030204" pitchFamily="18" charset="0"/>
-                        </a:rPr>
-                        <m:t>=</m:t>
-                      </m:r>
-                      <m:f>
-                        <m:fPr>
-                          <m:ctrlPr>
-                            <a:rPr lang="en-US" sz="2400" b="0" i="1" dirty="0" smtClean="0">
-                              <a:solidFill>
-                                <a:schemeClr val="tx1">
-                                  <a:lumMod val="60000"/>
-                                  <a:lumOff val="40000"/>
-                                </a:schemeClr>
-                              </a:solidFill>
-                              <a:latin typeface="Cambria Math" panose="02040503050406030204" pitchFamily="18" charset="0"/>
-                            </a:rPr>
-                          </m:ctrlPr>
-                        </m:fPr>
-                        <m:num>
-                          <m:r>
-                            <a:rPr lang="en-US" sz="2400" i="1" dirty="0">
-                              <a:solidFill>
-                                <a:schemeClr val="tx1">
-                                  <a:lumMod val="60000"/>
-                                  <a:lumOff val="40000"/>
-                                </a:schemeClr>
-                              </a:solidFill>
-                              <a:latin typeface="Cambria Math" panose="02040503050406030204" pitchFamily="18" charset="0"/>
-                            </a:rPr>
-                            <m:t>𝑉</m:t>
-                          </m:r>
-                          <m:r>
-                            <a:rPr lang="en-US" sz="2400" i="1" dirty="0">
-                              <a:solidFill>
-                                <a:schemeClr val="tx1">
-                                  <a:lumMod val="60000"/>
-                                  <a:lumOff val="40000"/>
-                                </a:schemeClr>
-                              </a:solidFill>
-                              <a:latin typeface="Cambria Math" panose="02040503050406030204" pitchFamily="18" charset="0"/>
-                            </a:rPr>
-                            <m:t>𝜎𝜆</m:t>
-                          </m:r>
-                          <m:sSub>
-                            <m:sSubPr>
-                              <m:ctrlPr>
-                                <a:rPr lang="en-US" sz="2400" b="0" i="1" dirty="0" smtClean="0">
-                                  <a:solidFill>
-                                    <a:schemeClr val="tx1">
-                                      <a:lumMod val="60000"/>
-                                      <a:lumOff val="40000"/>
-                                    </a:schemeClr>
-                                  </a:solidFill>
-                                  <a:latin typeface="Cambria Math" panose="02040503050406030204" pitchFamily="18" charset="0"/>
-                                </a:rPr>
-                              </m:ctrlPr>
-                            </m:sSubPr>
-                            <m:e>
-                              <m:r>
-                                <a:rPr lang="en-US" sz="2400" b="0" i="1" dirty="0" smtClean="0">
-                                  <a:solidFill>
-                                    <a:schemeClr val="tx1">
-                                      <a:lumMod val="60000"/>
-                                      <a:lumOff val="40000"/>
-                                    </a:schemeClr>
-                                  </a:solidFill>
-                                  <a:latin typeface="Cambria Math" panose="02040503050406030204" pitchFamily="18" charset="0"/>
-                                </a:rPr>
-                                <m:t>𝛽</m:t>
-                              </m:r>
-                            </m:e>
-                            <m:sub>
-                              <m:r>
-                                <a:rPr lang="en-US" sz="2400" b="0" i="1" dirty="0" smtClean="0">
-                                  <a:solidFill>
-                                    <a:schemeClr val="tx1">
-                                      <a:lumMod val="60000"/>
-                                      <a:lumOff val="40000"/>
-                                    </a:schemeClr>
-                                  </a:solidFill>
-                                  <a:latin typeface="Cambria Math" panose="02040503050406030204" pitchFamily="18" charset="0"/>
-                                </a:rPr>
-                                <m:t>𝐸</m:t>
-                              </m:r>
-                            </m:sub>
-                          </m:sSub>
-                        </m:num>
-                        <m:den>
-                          <m:r>
-                            <a:rPr lang="en-US" sz="2400" b="0" i="1" dirty="0" smtClean="0">
-                              <a:solidFill>
-                                <a:schemeClr val="tx1">
-                                  <a:lumMod val="60000"/>
-                                  <a:lumOff val="40000"/>
-                                </a:schemeClr>
-                              </a:solidFill>
-                              <a:latin typeface="Cambria Math" panose="02040503050406030204" pitchFamily="18" charset="0"/>
-                            </a:rPr>
-                            <m:t>𝛾𝜌</m:t>
-                          </m:r>
-                        </m:den>
-                      </m:f>
-                    </m:oMath>
-                  </m:oMathPara>
-                </a14:m>
-                <a:endParaRPr lang="en-US" sz="2400" dirty="0">
-                  <a:solidFill>
-                    <a:schemeClr val="tx1">
-                      <a:lumMod val="60000"/>
-                      <a:lumOff val="40000"/>
-                    </a:schemeClr>
-                  </a:solidFill>
-                </a:endParaRPr>
-              </a:p>
-              <a:p>
-                <a:pPr marL="0" indent="0">
-                  <a:buNone/>
-                </a:pPr>
-                <a:endParaRPr lang="en-US" sz="2400" dirty="0">
-                  <a:solidFill>
-                    <a:schemeClr val="tx1">
-                      <a:lumMod val="60000"/>
-                      <a:lumOff val="40000"/>
-                    </a:schemeClr>
-                  </a:solidFill>
-                </a:endParaRPr>
-              </a:p>
-            </p:txBody>
-          </p:sp>
-        </mc:Choice>
-        <mc:Fallback>
-          <p:sp>
-            <p:nvSpPr>
-              <p:cNvPr id="7" name="Content Placeholder 6"/>
-              <p:cNvSpPr>
-                <a:spLocks noGrp="1" noRot="1" noChangeAspect="1" noMove="1" noResize="1" noEditPoints="1" noAdjustHandles="1" noChangeArrowheads="1" noChangeShapeType="1" noTextEdit="1"/>
-              </p:cNvSpPr>
-              <p:nvPr>
-                <p:ph idx="1"/>
-              </p:nvPr>
-            </p:nvSpPr>
-            <p:spPr>
-              <a:xfrm>
-                <a:off x="457200" y="2454804"/>
-                <a:ext cx="8229600" cy="3351635"/>
-              </a:xfrm>
-              <a:blipFill rotWithShape="0">
-                <a:blip r:embed="rId2"/>
-                <a:stretch>
-                  <a:fillRect l="-667" t="-1821"/>
-                </a:stretch>
-              </a:blipFill>
-            </p:spPr>
-            <p:txBody>
-              <a:bodyPr/>
-              <a:lstStyle/>
-              <a:p>
-                <a:r>
-                  <a:rPr lang="en-US">
-                    <a:noFill/>
-                  </a:rPr>
-                  <a:t> </a:t>
-                </a:r>
-              </a:p>
-            </p:txBody>
-          </p:sp>
-        </mc:Fallback>
-      </mc:AlternateContent>
-      <p:sp>
-        <p:nvSpPr>
-          <p:cNvPr id="8" name="Rectangle 7"/>
-          <p:cNvSpPr/>
-          <p:nvPr/>
-        </p:nvSpPr>
-        <p:spPr>
-          <a:xfrm>
-            <a:off x="2331720" y="6079689"/>
-            <a:ext cx="5612130" cy="646331"/>
-          </a:xfrm>
-          <a:prstGeom prst="rect">
-            <a:avLst/>
-          </a:prstGeom>
-        </p:spPr>
-        <p:txBody>
-          <a:bodyPr wrap="square">
-            <a:spAutoFit/>
-          </a:bodyPr>
-          <a:lstStyle/>
-          <a:p>
-            <a:r>
-              <a:rPr lang="en-US" sz="900" dirty="0" err="1">
-                <a:solidFill>
-                  <a:schemeClr val="bg1"/>
-                </a:solidFill>
-                <a:latin typeface="Arial" panose="020B0604020202020204" pitchFamily="34" charset="0"/>
-              </a:rPr>
-              <a:t>Garchitorena</a:t>
-            </a:r>
-            <a:r>
-              <a:rPr lang="en-US" sz="900" dirty="0">
-                <a:solidFill>
-                  <a:schemeClr val="bg1"/>
-                </a:solidFill>
-                <a:latin typeface="Arial" panose="020B0604020202020204" pitchFamily="34" charset="0"/>
-              </a:rPr>
-              <a:t>, A., </a:t>
-            </a:r>
-            <a:r>
-              <a:rPr lang="en-US" sz="900" dirty="0" err="1">
-                <a:solidFill>
-                  <a:schemeClr val="bg1"/>
-                </a:solidFill>
-                <a:latin typeface="Arial" panose="020B0604020202020204" pitchFamily="34" charset="0"/>
-              </a:rPr>
-              <a:t>Sokolow</a:t>
-            </a:r>
-            <a:r>
-              <a:rPr lang="en-US" sz="900" dirty="0">
-                <a:solidFill>
-                  <a:schemeClr val="bg1"/>
-                </a:solidFill>
-                <a:latin typeface="Arial" panose="020B0604020202020204" pitchFamily="34" charset="0"/>
-              </a:rPr>
-              <a:t>, S. H., Roche, B., </a:t>
-            </a:r>
-            <a:r>
-              <a:rPr lang="en-US" sz="900" dirty="0" err="1">
-                <a:solidFill>
-                  <a:schemeClr val="bg1"/>
-                </a:solidFill>
-                <a:latin typeface="Arial" panose="020B0604020202020204" pitchFamily="34" charset="0"/>
-              </a:rPr>
-              <a:t>Ngonghala</a:t>
-            </a:r>
-            <a:r>
-              <a:rPr lang="en-US" sz="900" dirty="0">
-                <a:solidFill>
-                  <a:schemeClr val="bg1"/>
-                </a:solidFill>
-                <a:latin typeface="Arial" panose="020B0604020202020204" pitchFamily="34" charset="0"/>
-              </a:rPr>
-              <a:t>, C. N., </a:t>
-            </a:r>
-            <a:r>
-              <a:rPr lang="en-US" sz="900" dirty="0" err="1">
-                <a:solidFill>
-                  <a:schemeClr val="bg1"/>
-                </a:solidFill>
-                <a:latin typeface="Arial" panose="020B0604020202020204" pitchFamily="34" charset="0"/>
-              </a:rPr>
-              <a:t>Jocque</a:t>
-            </a:r>
-            <a:r>
-              <a:rPr lang="en-US" sz="900" dirty="0">
-                <a:solidFill>
-                  <a:schemeClr val="bg1"/>
-                </a:solidFill>
-                <a:latin typeface="Arial" panose="020B0604020202020204" pitchFamily="34" charset="0"/>
-              </a:rPr>
-              <a:t>, M., Lund, A., ... &amp; Andrews, J. R. (2017). Disease ecology, health and the environment: a framework to account for ecological and socio-economic drivers in the control of neglected tropical diseases. </a:t>
-            </a:r>
-            <a:r>
-              <a:rPr lang="en-US" sz="900" i="1" dirty="0">
-                <a:solidFill>
-                  <a:schemeClr val="bg1"/>
-                </a:solidFill>
-                <a:latin typeface="Arial" panose="020B0604020202020204" pitchFamily="34" charset="0"/>
-              </a:rPr>
-              <a:t>Philosophical Transactions of the Royal Society B: Biological Sciences</a:t>
-            </a:r>
-            <a:r>
-              <a:rPr lang="en-US" sz="900" dirty="0">
-                <a:solidFill>
-                  <a:schemeClr val="bg1"/>
-                </a:solidFill>
-                <a:latin typeface="Arial" panose="020B0604020202020204" pitchFamily="34" charset="0"/>
-              </a:rPr>
-              <a:t>, </a:t>
-            </a:r>
-            <a:r>
-              <a:rPr lang="en-US" sz="900" i="1" dirty="0">
-                <a:solidFill>
-                  <a:schemeClr val="bg1"/>
-                </a:solidFill>
-                <a:latin typeface="Arial" panose="020B0604020202020204" pitchFamily="34" charset="0"/>
-              </a:rPr>
-              <a:t>372</a:t>
-            </a:r>
-            <a:r>
-              <a:rPr lang="en-US" sz="900" dirty="0">
-                <a:solidFill>
-                  <a:schemeClr val="bg1"/>
-                </a:solidFill>
-                <a:latin typeface="Arial" panose="020B0604020202020204" pitchFamily="34" charset="0"/>
-              </a:rPr>
-              <a:t>(1722), 20160128.</a:t>
-            </a:r>
-            <a:endParaRPr lang="en-US" sz="900" dirty="0">
-              <a:solidFill>
-                <a:schemeClr val="bg1"/>
-              </a:solidFill>
-            </a:endParaRPr>
-          </a:p>
-        </p:txBody>
-      </p:sp>
-      <mc:AlternateContent xmlns:mc="http://schemas.openxmlformats.org/markup-compatibility/2006">
-        <mc:Choice xmlns:a14="http://schemas.microsoft.com/office/drawing/2010/main" Requires="a14">
-          <p:sp>
-            <p:nvSpPr>
-              <p:cNvPr id="10" name="Rectangle 9"/>
+              <p:cNvPr id="7" name="Rectangle 6"/>
               <p:cNvSpPr/>
               <p:nvPr/>
             </p:nvSpPr>
@@ -5957,7 +7483,7 @@
         <mc:Fallback>
           <p:sp>
             <p:nvSpPr>
-              <p:cNvPr id="10" name="Rectangle 9"/>
+              <p:cNvPr id="7" name="Rectangle 6"/>
               <p:cNvSpPr>
                 <a:spLocks noRot="1" noChangeAspect="1" noMove="1" noResize="1" noEditPoints="1" noAdjustHandles="1" noChangeArrowheads="1" noChangeShapeType="1" noTextEdit="1"/>
               </p:cNvSpPr>
@@ -5972,7 +7498,7 @@
                 <a:avLst/>
               </a:prstGeom>
               <a:blipFill rotWithShape="0">
-                <a:blip r:embed="rId3"/>
+                <a:blip r:embed="rId2"/>
                 <a:stretch>
                   <a:fillRect b="-9286"/>
                 </a:stretch>
@@ -5993,10 +7519,170 @@
           </p:sp>
         </mc:Fallback>
       </mc:AlternateContent>
+      <p:sp>
+        <p:nvSpPr>
+          <p:cNvPr id="8" name="Rectangle 7"/>
+          <p:cNvSpPr/>
+          <p:nvPr/>
+        </p:nvSpPr>
+        <p:spPr>
+          <a:xfrm>
+            <a:off x="2331720" y="6079689"/>
+            <a:ext cx="5612130" cy="646331"/>
+          </a:xfrm>
+          <a:prstGeom prst="rect">
+            <a:avLst/>
+          </a:prstGeom>
+        </p:spPr>
+        <p:txBody>
+          <a:bodyPr wrap="square">
+            <a:spAutoFit/>
+          </a:bodyPr>
+          <a:lstStyle/>
+          <a:p>
+            <a:r>
+              <a:rPr lang="en-US" sz="900" dirty="0" err="1">
+                <a:solidFill>
+                  <a:schemeClr val="bg1"/>
+                </a:solidFill>
+                <a:latin typeface="Arial" panose="020B0604020202020204" pitchFamily="34" charset="0"/>
+              </a:rPr>
+              <a:t>Garchitorena</a:t>
+            </a:r>
+            <a:r>
+              <a:rPr lang="en-US" sz="900" dirty="0">
+                <a:solidFill>
+                  <a:schemeClr val="bg1"/>
+                </a:solidFill>
+                <a:latin typeface="Arial" panose="020B0604020202020204" pitchFamily="34" charset="0"/>
+              </a:rPr>
+              <a:t>, A., </a:t>
+            </a:r>
+            <a:r>
+              <a:rPr lang="en-US" sz="900" dirty="0" err="1">
+                <a:solidFill>
+                  <a:schemeClr val="bg1"/>
+                </a:solidFill>
+                <a:latin typeface="Arial" panose="020B0604020202020204" pitchFamily="34" charset="0"/>
+              </a:rPr>
+              <a:t>Sokolow</a:t>
+            </a:r>
+            <a:r>
+              <a:rPr lang="en-US" sz="900" dirty="0">
+                <a:solidFill>
+                  <a:schemeClr val="bg1"/>
+                </a:solidFill>
+                <a:latin typeface="Arial" panose="020B0604020202020204" pitchFamily="34" charset="0"/>
+              </a:rPr>
+              <a:t>, S. H., Roche, B., </a:t>
+            </a:r>
+            <a:r>
+              <a:rPr lang="en-US" sz="900" dirty="0" err="1">
+                <a:solidFill>
+                  <a:schemeClr val="bg1"/>
+                </a:solidFill>
+                <a:latin typeface="Arial" panose="020B0604020202020204" pitchFamily="34" charset="0"/>
+              </a:rPr>
+              <a:t>Ngonghala</a:t>
+            </a:r>
+            <a:r>
+              <a:rPr lang="en-US" sz="900" dirty="0">
+                <a:solidFill>
+                  <a:schemeClr val="bg1"/>
+                </a:solidFill>
+                <a:latin typeface="Arial" panose="020B0604020202020204" pitchFamily="34" charset="0"/>
+              </a:rPr>
+              <a:t>, C. N., </a:t>
+            </a:r>
+            <a:r>
+              <a:rPr lang="en-US" sz="900" dirty="0" err="1">
+                <a:solidFill>
+                  <a:schemeClr val="bg1"/>
+                </a:solidFill>
+                <a:latin typeface="Arial" panose="020B0604020202020204" pitchFamily="34" charset="0"/>
+              </a:rPr>
+              <a:t>Jocque</a:t>
+            </a:r>
+            <a:r>
+              <a:rPr lang="en-US" sz="900" dirty="0">
+                <a:solidFill>
+                  <a:schemeClr val="bg1"/>
+                </a:solidFill>
+                <a:latin typeface="Arial" panose="020B0604020202020204" pitchFamily="34" charset="0"/>
+              </a:rPr>
+              <a:t>, M., Lund, A., ... &amp; Andrews, J. R. (2017). Disease ecology, health and the environment: a framework to account for ecological and socio-economic drivers in the control of neglected tropical diseases. </a:t>
+            </a:r>
+            <a:r>
+              <a:rPr lang="en-US" sz="900" i="1" dirty="0">
+                <a:solidFill>
+                  <a:schemeClr val="bg1"/>
+                </a:solidFill>
+                <a:latin typeface="Arial" panose="020B0604020202020204" pitchFamily="34" charset="0"/>
+              </a:rPr>
+              <a:t>Philosophical Transactions of the Royal Society B: Biological Sciences</a:t>
+            </a:r>
+            <a:r>
+              <a:rPr lang="en-US" sz="900" dirty="0">
+                <a:solidFill>
+                  <a:schemeClr val="bg1"/>
+                </a:solidFill>
+                <a:latin typeface="Arial" panose="020B0604020202020204" pitchFamily="34" charset="0"/>
+              </a:rPr>
+              <a:t>, </a:t>
+            </a:r>
+            <a:r>
+              <a:rPr lang="en-US" sz="900" i="1" dirty="0">
+                <a:solidFill>
+                  <a:schemeClr val="bg1"/>
+                </a:solidFill>
+                <a:latin typeface="Arial" panose="020B0604020202020204" pitchFamily="34" charset="0"/>
+              </a:rPr>
+              <a:t>372</a:t>
+            </a:r>
+            <a:r>
+              <a:rPr lang="en-US" sz="900" dirty="0">
+                <a:solidFill>
+                  <a:schemeClr val="bg1"/>
+                </a:solidFill>
+                <a:latin typeface="Arial" panose="020B0604020202020204" pitchFamily="34" charset="0"/>
+              </a:rPr>
+              <a:t>(1722), 20160128.</a:t>
+            </a:r>
+            <a:endParaRPr lang="en-US" sz="900" dirty="0">
+              <a:solidFill>
+                <a:schemeClr val="bg1"/>
+              </a:solidFill>
+            </a:endParaRPr>
+          </a:p>
+        </p:txBody>
+      </p:sp>
+      <p:sp>
+        <p:nvSpPr>
+          <p:cNvPr id="9" name="Content Placeholder 8"/>
+          <p:cNvSpPr>
+            <a:spLocks noGrp="1"/>
+          </p:cNvSpPr>
+          <p:nvPr>
+            <p:ph idx="1"/>
+          </p:nvPr>
+        </p:nvSpPr>
+        <p:spPr/>
+        <p:txBody>
+          <a:bodyPr/>
+          <a:lstStyle/>
+          <a:p>
+            <a:r>
+              <a:rPr lang="en-US" dirty="0" smtClean="0"/>
+              <a:t>PARAMETER TABLE</a:t>
+            </a:r>
+            <a:endParaRPr lang="en-US" dirty="0"/>
+          </a:p>
+        </p:txBody>
+      </p:sp>
     </p:spTree>
     <p:extLst>
       <p:ext uri="{BB962C8B-B14F-4D97-AF65-F5344CB8AC3E}">
-        <p14:creationId xmlns:p14="http://schemas.microsoft.com/office/powerpoint/2010/main" val="51655865"/>
+        <p14:creationId xmlns:p14="http://schemas.microsoft.com/office/powerpoint/2010/main" val="1318385924"/>
       </p:ext>
     </p:extLst>
   </p:cSld>
@@ -6006,7 +7692,718 @@
 </p:sld>
 </file>
 
-<file path=ppt/slides/slide16.xml><?xml version="1.0" encoding="utf-8"?>
+<file path=ppt/slides/slide22.xml><?xml version="1.0" encoding="utf-8"?>
+<p:sld xmlns:a="http://schemas.openxmlformats.org/drawingml/2006/main" xmlns:r="http://schemas.openxmlformats.org/officeDocument/2006/relationships" xmlns:p="http://schemas.openxmlformats.org/presentationml/2006/main">
+  <p:cSld>
+    <p:spTree>
+      <p:nvGrpSpPr>
+        <p:cNvPr id="1" name=""/>
+        <p:cNvGrpSpPr/>
+        <p:nvPr/>
+      </p:nvGrpSpPr>
+      <p:grpSpPr>
+        <a:xfrm>
+          <a:off x="0" y="0"/>
+          <a:ext cx="0" cy="0"/>
+          <a:chOff x="0" y="0"/>
+          <a:chExt cx="0" cy="0"/>
+        </a:xfrm>
+      </p:grpSpPr>
+      <p:sp>
+        <p:nvSpPr>
+          <p:cNvPr id="4" name="Content Placeholder 3"/>
+          <p:cNvSpPr>
+            <a:spLocks noGrp="1"/>
+          </p:cNvSpPr>
+          <p:nvPr>
+            <p:ph idx="13"/>
+          </p:nvPr>
+        </p:nvSpPr>
+        <p:spPr>
+          <a:xfrm>
+            <a:off x="457199" y="316782"/>
+            <a:ext cx="6956643" cy="488017"/>
+          </a:xfrm>
+        </p:spPr>
+        <p:txBody>
+          <a:bodyPr>
+            <a:noAutofit/>
+          </a:bodyPr>
+          <a:lstStyle/>
+          <a:p>
+            <a:r>
+              <a:rPr lang="en-US" sz="2000" dirty="0" smtClean="0"/>
+              <a:t>Framework| </a:t>
+            </a:r>
+            <a:r>
+              <a:rPr lang="en-US" sz="2000" dirty="0" err="1">
+                <a:solidFill>
+                  <a:schemeClr val="bg1"/>
+                </a:solidFill>
+              </a:rPr>
+              <a:t>Garchitorena</a:t>
+            </a:r>
+            <a:r>
+              <a:rPr lang="en-US" sz="2000" dirty="0">
+                <a:solidFill>
+                  <a:schemeClr val="bg1"/>
+                </a:solidFill>
+              </a:rPr>
+              <a:t> et al model</a:t>
+            </a:r>
+            <a:endParaRPr lang="en-US" sz="2000" dirty="0">
+              <a:solidFill>
+                <a:schemeClr val="bg1"/>
+              </a:solidFill>
+            </a:endParaRPr>
+          </a:p>
+        </p:txBody>
+      </p:sp>
+      <mc:AlternateContent xmlns:mc="http://schemas.openxmlformats.org/markup-compatibility/2006">
+        <mc:Choice xmlns:a14="http://schemas.microsoft.com/office/drawing/2010/main" Requires="a14">
+          <p:sp>
+            <p:nvSpPr>
+              <p:cNvPr id="7" name="Rectangle 6"/>
+              <p:cNvSpPr/>
+              <p:nvPr/>
+            </p:nvSpPr>
+            <p:spPr>
+              <a:xfrm>
+                <a:off x="457199" y="1202761"/>
+                <a:ext cx="8229601" cy="854080"/>
+              </a:xfrm>
+              <a:prstGeom prst="rect">
+                <a:avLst/>
+              </a:prstGeom>
+            </p:spPr>
+            <p:txBody>
+              <a:bodyPr wrap="square">
+                <a:spAutoFit/>
+              </a:bodyPr>
+              <a:lstStyle/>
+              <a:p>
+                <a:pPr algn="ctr"/>
+                <a14:m>
+                  <m:oMathPara xmlns:m="http://schemas.openxmlformats.org/officeDocument/2006/math">
+                    <m:oMathParaPr>
+                      <m:jc m:val="centerGroup"/>
+                    </m:oMathParaPr>
+                    <m:oMath xmlns:m="http://schemas.openxmlformats.org/officeDocument/2006/math">
+                      <m:acc>
+                        <m:accPr>
+                          <m:chr m:val="̇"/>
+                          <m:ctrlPr>
+                            <a:rPr lang="en-US" sz="2400" i="1" smtClean="0">
+                              <a:solidFill>
+                                <a:schemeClr val="tx1">
+                                  <a:lumMod val="60000"/>
+                                  <a:lumOff val="40000"/>
+                                </a:schemeClr>
+                              </a:solidFill>
+                              <a:latin typeface="Cambria Math" panose="02040503050406030204" pitchFamily="18" charset="0"/>
+                            </a:rPr>
+                          </m:ctrlPr>
+                        </m:accPr>
+                        <m:e>
+                          <m:r>
+                            <a:rPr lang="en-US" sz="2400" i="1">
+                              <a:solidFill>
+                                <a:schemeClr val="tx1">
+                                  <a:lumMod val="60000"/>
+                                  <a:lumOff val="40000"/>
+                                </a:schemeClr>
+                              </a:solidFill>
+                              <a:latin typeface="Cambria Math" panose="02040503050406030204" pitchFamily="18" charset="0"/>
+                            </a:rPr>
+                            <m:t>𝐼</m:t>
+                          </m:r>
+                        </m:e>
+                      </m:acc>
+                      <m:r>
+                        <m:rPr>
+                          <m:lit/>
+                        </m:rPr>
+                        <a:rPr lang="en-US" sz="2400" i="1" dirty="0">
+                          <a:solidFill>
+                            <a:schemeClr val="tx1">
+                              <a:lumMod val="60000"/>
+                              <a:lumOff val="40000"/>
+                            </a:schemeClr>
+                          </a:solidFill>
+                          <a:latin typeface="Cambria Math" panose="02040503050406030204" pitchFamily="18" charset="0"/>
+                        </a:rPr>
+                        <m:t> </m:t>
+                      </m:r>
+                      <m:r>
+                        <a:rPr lang="en-US" sz="2400" i="1" dirty="0">
+                          <a:solidFill>
+                            <a:schemeClr val="tx1">
+                              <a:lumMod val="60000"/>
+                              <a:lumOff val="40000"/>
+                            </a:schemeClr>
+                          </a:solidFill>
+                          <a:latin typeface="Cambria Math" panose="02040503050406030204" pitchFamily="18" charset="0"/>
+                        </a:rPr>
+                        <m:t>=</m:t>
+                      </m:r>
+                      <m:d>
+                        <m:dPr>
+                          <m:ctrlPr>
+                            <a:rPr lang="en-US" sz="2400" i="1" dirty="0" smtClean="0">
+                              <a:solidFill>
+                                <a:schemeClr val="tx1">
+                                  <a:lumMod val="60000"/>
+                                  <a:lumOff val="40000"/>
+                                </a:schemeClr>
+                              </a:solidFill>
+                              <a:latin typeface="Cambria Math" panose="02040503050406030204" pitchFamily="18" charset="0"/>
+                            </a:rPr>
+                          </m:ctrlPr>
+                        </m:dPr>
+                        <m:e>
+                          <m:sSub>
+                            <m:sSubPr>
+                              <m:ctrlPr>
+                                <a:rPr lang="en-US" sz="2400" i="1" dirty="0">
+                                  <a:solidFill>
+                                    <a:schemeClr val="tx1">
+                                      <a:lumMod val="60000"/>
+                                      <a:lumOff val="40000"/>
+                                    </a:schemeClr>
+                                  </a:solidFill>
+                                  <a:latin typeface="Cambria Math" panose="02040503050406030204" pitchFamily="18" charset="0"/>
+                                </a:rPr>
+                              </m:ctrlPr>
+                            </m:sSubPr>
+                            <m:e>
+                              <m:r>
+                                <a:rPr lang="en-US" sz="2400" i="1" dirty="0">
+                                  <a:solidFill>
+                                    <a:schemeClr val="tx1">
+                                      <a:lumMod val="60000"/>
+                                      <a:lumOff val="40000"/>
+                                    </a:schemeClr>
+                                  </a:solidFill>
+                                  <a:latin typeface="Cambria Math" panose="02040503050406030204" pitchFamily="18" charset="0"/>
+                                </a:rPr>
+                                <m:t>𝛽</m:t>
+                              </m:r>
+                            </m:e>
+                            <m:sub>
+                              <m:r>
+                                <a:rPr lang="en-US" sz="2400" i="1" dirty="0">
+                                  <a:solidFill>
+                                    <a:schemeClr val="tx1">
+                                      <a:lumMod val="60000"/>
+                                      <a:lumOff val="40000"/>
+                                    </a:schemeClr>
+                                  </a:solidFill>
+                                  <a:latin typeface="Cambria Math" panose="02040503050406030204" pitchFamily="18" charset="0"/>
+                                </a:rPr>
+                                <m:t>𝐷</m:t>
+                              </m:r>
+                            </m:sub>
+                          </m:sSub>
+                          <m:r>
+                            <a:rPr lang="en-US" sz="2400" i="1" dirty="0">
+                              <a:solidFill>
+                                <a:schemeClr val="tx1">
+                                  <a:lumMod val="60000"/>
+                                  <a:lumOff val="40000"/>
+                                </a:schemeClr>
+                              </a:solidFill>
+                              <a:latin typeface="Cambria Math" panose="02040503050406030204" pitchFamily="18" charset="0"/>
+                            </a:rPr>
+                            <m:t>𝐼</m:t>
+                          </m:r>
+                          <m:r>
+                            <a:rPr lang="en-US" sz="2400" i="1" dirty="0">
+                              <a:solidFill>
+                                <a:schemeClr val="tx1">
+                                  <a:lumMod val="60000"/>
+                                  <a:lumOff val="40000"/>
+                                </a:schemeClr>
+                              </a:solidFill>
+                              <a:latin typeface="Cambria Math" panose="02040503050406030204" pitchFamily="18" charset="0"/>
+                            </a:rPr>
+                            <m:t>+</m:t>
+                          </m:r>
+                          <m:sSub>
+                            <m:sSubPr>
+                              <m:ctrlPr>
+                                <a:rPr lang="en-US" sz="2400" i="1" dirty="0">
+                                  <a:solidFill>
+                                    <a:schemeClr val="tx1">
+                                      <a:lumMod val="60000"/>
+                                      <a:lumOff val="40000"/>
+                                    </a:schemeClr>
+                                  </a:solidFill>
+                                  <a:latin typeface="Cambria Math" panose="02040503050406030204" pitchFamily="18" charset="0"/>
+                                </a:rPr>
+                              </m:ctrlPr>
+                            </m:sSubPr>
+                            <m:e>
+                              <m:r>
+                                <a:rPr lang="en-US" sz="2400" i="1" dirty="0">
+                                  <a:solidFill>
+                                    <a:schemeClr val="tx1">
+                                      <a:lumMod val="60000"/>
+                                      <a:lumOff val="40000"/>
+                                    </a:schemeClr>
+                                  </a:solidFill>
+                                  <a:latin typeface="Cambria Math" panose="02040503050406030204" pitchFamily="18" charset="0"/>
+                                </a:rPr>
+                                <m:t>𝛽</m:t>
+                              </m:r>
+                            </m:e>
+                            <m:sub>
+                              <m:r>
+                                <a:rPr lang="en-US" sz="2400" i="1" dirty="0">
+                                  <a:solidFill>
+                                    <a:schemeClr val="tx1">
+                                      <a:lumMod val="60000"/>
+                                      <a:lumOff val="40000"/>
+                                    </a:schemeClr>
+                                  </a:solidFill>
+                                  <a:latin typeface="Cambria Math" panose="02040503050406030204" pitchFamily="18" charset="0"/>
+                                </a:rPr>
+                                <m:t>𝐸</m:t>
+                              </m:r>
+                            </m:sub>
+                          </m:sSub>
+                          <m:r>
+                            <a:rPr lang="en-US" sz="2400" i="1" dirty="0">
+                              <a:solidFill>
+                                <a:schemeClr val="tx1">
+                                  <a:lumMod val="60000"/>
+                                  <a:lumOff val="40000"/>
+                                </a:schemeClr>
+                              </a:solidFill>
+                              <a:latin typeface="Cambria Math" panose="02040503050406030204" pitchFamily="18" charset="0"/>
+                            </a:rPr>
+                            <m:t>𝑊</m:t>
+                          </m:r>
+                        </m:e>
+                      </m:d>
+                      <m:r>
+                        <a:rPr lang="en-US" sz="2400" b="0" i="1" dirty="0" smtClean="0">
+                          <a:solidFill>
+                            <a:schemeClr val="tx1">
+                              <a:lumMod val="60000"/>
+                              <a:lumOff val="40000"/>
+                            </a:schemeClr>
+                          </a:solidFill>
+                          <a:latin typeface="Cambria Math" panose="02040503050406030204" pitchFamily="18" charset="0"/>
+                        </a:rPr>
+                        <m:t>𝑆</m:t>
+                      </m:r>
+                      <m:r>
+                        <a:rPr lang="en-US" sz="2400" i="1" dirty="0">
+                          <a:solidFill>
+                            <a:schemeClr val="tx1">
+                              <a:lumMod val="60000"/>
+                              <a:lumOff val="40000"/>
+                            </a:schemeClr>
+                          </a:solidFill>
+                          <a:latin typeface="Cambria Math" panose="02040503050406030204" pitchFamily="18" charset="0"/>
+                        </a:rPr>
+                        <m:t>−</m:t>
+                      </m:r>
+                      <m:r>
+                        <a:rPr lang="en-US" sz="2400" i="1" dirty="0">
+                          <a:solidFill>
+                            <a:schemeClr val="tx1">
+                              <a:lumMod val="60000"/>
+                              <a:lumOff val="40000"/>
+                            </a:schemeClr>
+                          </a:solidFill>
+                          <a:latin typeface="Cambria Math" panose="02040503050406030204" pitchFamily="18" charset="0"/>
+                        </a:rPr>
+                        <m:t>𝛾</m:t>
+                      </m:r>
+                      <m:r>
+                        <a:rPr lang="en-US" sz="2400" i="1" dirty="0">
+                          <a:solidFill>
+                            <a:schemeClr val="tx1">
+                              <a:lumMod val="60000"/>
+                              <a:lumOff val="40000"/>
+                            </a:schemeClr>
+                          </a:solidFill>
+                          <a:latin typeface="Cambria Math" panose="02040503050406030204" pitchFamily="18" charset="0"/>
+                        </a:rPr>
+                        <m:t>𝐼</m:t>
+                      </m:r>
+                    </m:oMath>
+                    <m:oMath xmlns:m="http://schemas.openxmlformats.org/officeDocument/2006/math">
+                      <m:acc>
+                        <m:accPr>
+                          <m:chr m:val="̇"/>
+                          <m:ctrlPr>
+                            <a:rPr lang="en-US" sz="2400" i="1">
+                              <a:solidFill>
+                                <a:schemeClr val="tx1">
+                                  <a:lumMod val="60000"/>
+                                  <a:lumOff val="40000"/>
+                                </a:schemeClr>
+                              </a:solidFill>
+                              <a:latin typeface="Cambria Math" panose="02040503050406030204" pitchFamily="18" charset="0"/>
+                            </a:rPr>
+                          </m:ctrlPr>
+                        </m:accPr>
+                        <m:e>
+                          <m:r>
+                            <a:rPr lang="en-US" sz="2400" i="1">
+                              <a:solidFill>
+                                <a:schemeClr val="tx1">
+                                  <a:lumMod val="60000"/>
+                                  <a:lumOff val="40000"/>
+                                </a:schemeClr>
+                              </a:solidFill>
+                              <a:latin typeface="Cambria Math" panose="02040503050406030204" pitchFamily="18" charset="0"/>
+                            </a:rPr>
+                            <m:t>𝑊</m:t>
+                          </m:r>
+                        </m:e>
+                      </m:acc>
+                      <m:r>
+                        <a:rPr lang="en-US" sz="2400" i="1" dirty="0">
+                          <a:solidFill>
+                            <a:schemeClr val="tx1">
+                              <a:lumMod val="60000"/>
+                              <a:lumOff val="40000"/>
+                            </a:schemeClr>
+                          </a:solidFill>
+                          <a:latin typeface="Cambria Math" panose="02040503050406030204" pitchFamily="18" charset="0"/>
+                        </a:rPr>
+                        <m:t>=</m:t>
+                      </m:r>
+                      <m:r>
+                        <m:rPr>
+                          <m:sty m:val="p"/>
+                        </m:rPr>
+                        <a:rPr lang="en-US" sz="2400" b="0" i="0" dirty="0" smtClean="0">
+                          <a:solidFill>
+                            <a:schemeClr val="tx1">
+                              <a:lumMod val="60000"/>
+                              <a:lumOff val="40000"/>
+                            </a:schemeClr>
+                          </a:solidFill>
+                          <a:latin typeface="Cambria Math" panose="02040503050406030204" pitchFamily="18" charset="0"/>
+                        </a:rPr>
+                        <m:t>Ω</m:t>
+                      </m:r>
+                      <m:r>
+                        <a:rPr lang="en-US" sz="2400" b="0" i="1" dirty="0" smtClean="0">
+                          <a:solidFill>
+                            <a:schemeClr val="tx1">
+                              <a:lumMod val="60000"/>
+                              <a:lumOff val="40000"/>
+                            </a:schemeClr>
+                          </a:solidFill>
+                          <a:latin typeface="Cambria Math" panose="02040503050406030204" pitchFamily="18" charset="0"/>
+                        </a:rPr>
+                        <m:t>+</m:t>
+                      </m:r>
+                      <m:r>
+                        <a:rPr lang="en-US" sz="2400" i="1" dirty="0">
+                          <a:solidFill>
+                            <a:schemeClr val="tx1">
+                              <a:lumMod val="60000"/>
+                              <a:lumOff val="40000"/>
+                            </a:schemeClr>
+                          </a:solidFill>
+                          <a:latin typeface="Cambria Math" panose="02040503050406030204" pitchFamily="18" charset="0"/>
+                        </a:rPr>
+                        <m:t>𝑉</m:t>
+                      </m:r>
+                      <m:r>
+                        <a:rPr lang="en-US" sz="2400" i="1" dirty="0">
+                          <a:solidFill>
+                            <a:schemeClr val="tx1">
+                              <a:lumMod val="60000"/>
+                              <a:lumOff val="40000"/>
+                            </a:schemeClr>
+                          </a:solidFill>
+                          <a:latin typeface="Cambria Math" panose="02040503050406030204" pitchFamily="18" charset="0"/>
+                        </a:rPr>
+                        <m:t>𝜎𝜆</m:t>
+                      </m:r>
+                      <m:r>
+                        <a:rPr lang="en-US" sz="2400" i="1" dirty="0">
+                          <a:solidFill>
+                            <a:schemeClr val="tx1">
+                              <a:lumMod val="60000"/>
+                              <a:lumOff val="40000"/>
+                            </a:schemeClr>
+                          </a:solidFill>
+                          <a:latin typeface="Cambria Math" panose="02040503050406030204" pitchFamily="18" charset="0"/>
+                        </a:rPr>
+                        <m:t>𝐼</m:t>
+                      </m:r>
+                      <m:r>
+                        <a:rPr lang="en-US" sz="2400" i="1" dirty="0">
+                          <a:solidFill>
+                            <a:schemeClr val="tx1">
+                              <a:lumMod val="60000"/>
+                              <a:lumOff val="40000"/>
+                            </a:schemeClr>
+                          </a:solidFill>
+                          <a:latin typeface="Cambria Math" panose="02040503050406030204" pitchFamily="18" charset="0"/>
+                        </a:rPr>
+                        <m:t>−</m:t>
+                      </m:r>
+                      <m:r>
+                        <a:rPr lang="en-US" sz="2400" i="1" dirty="0">
+                          <a:solidFill>
+                            <a:schemeClr val="tx1">
+                              <a:lumMod val="60000"/>
+                              <a:lumOff val="40000"/>
+                            </a:schemeClr>
+                          </a:solidFill>
+                          <a:latin typeface="Cambria Math" panose="02040503050406030204" pitchFamily="18" charset="0"/>
+                        </a:rPr>
+                        <m:t>𝜌</m:t>
+                      </m:r>
+                      <m:r>
+                        <a:rPr lang="en-US" sz="2400" i="1" dirty="0">
+                          <a:solidFill>
+                            <a:schemeClr val="tx1">
+                              <a:lumMod val="60000"/>
+                              <a:lumOff val="40000"/>
+                            </a:schemeClr>
+                          </a:solidFill>
+                          <a:latin typeface="Cambria Math" panose="02040503050406030204" pitchFamily="18" charset="0"/>
+                        </a:rPr>
+                        <m:t>𝑊</m:t>
+                      </m:r>
+                    </m:oMath>
+                  </m:oMathPara>
+                </a14:m>
+                <a:endParaRPr lang="en-US" sz="2400" dirty="0">
+                  <a:solidFill>
+                    <a:schemeClr val="tx1">
+                      <a:lumMod val="60000"/>
+                      <a:lumOff val="40000"/>
+                    </a:schemeClr>
+                  </a:solidFill>
+                </a:endParaRPr>
+              </a:p>
+            </p:txBody>
+          </p:sp>
+        </mc:Choice>
+        <mc:Fallback>
+          <p:sp>
+            <p:nvSpPr>
+              <p:cNvPr id="7" name="Rectangle 6"/>
+              <p:cNvSpPr>
+                <a:spLocks noRot="1" noChangeAspect="1" noMove="1" noResize="1" noEditPoints="1" noAdjustHandles="1" noChangeArrowheads="1" noChangeShapeType="1" noTextEdit="1"/>
+              </p:cNvSpPr>
+              <p:nvPr/>
+            </p:nvSpPr>
+            <p:spPr>
+              <a:xfrm>
+                <a:off x="457199" y="1202761"/>
+                <a:ext cx="8229601" cy="854080"/>
+              </a:xfrm>
+              <a:prstGeom prst="rect">
+                <a:avLst/>
+              </a:prstGeom>
+              <a:blipFill rotWithShape="0">
+                <a:blip r:embed="rId2"/>
+                <a:stretch>
+                  <a:fillRect b="-9286"/>
+                </a:stretch>
+              </a:blipFill>
+            </p:spPr>
+            <p:txBody>
+              <a:bodyPr/>
+              <a:lstStyle/>
+              <a:p>
+                <a:r>
+                  <a:rPr lang="en-US">
+                    <a:noFill/>
+                  </a:rPr>
+                  <a:t> </a:t>
+                </a:r>
+              </a:p>
+            </p:txBody>
+          </p:sp>
+        </mc:Fallback>
+      </mc:AlternateContent>
+      <p:sp>
+        <p:nvSpPr>
+          <p:cNvPr id="8" name="Rectangle 7"/>
+          <p:cNvSpPr/>
+          <p:nvPr/>
+        </p:nvSpPr>
+        <p:spPr>
+          <a:xfrm>
+            <a:off x="2331720" y="6079689"/>
+            <a:ext cx="5612130" cy="646331"/>
+          </a:xfrm>
+          <a:prstGeom prst="rect">
+            <a:avLst/>
+          </a:prstGeom>
+        </p:spPr>
+        <p:txBody>
+          <a:bodyPr wrap="square">
+            <a:spAutoFit/>
+          </a:bodyPr>
+          <a:lstStyle/>
+          <a:p>
+            <a:r>
+              <a:rPr lang="en-US" sz="900" dirty="0" err="1">
+                <a:solidFill>
+                  <a:schemeClr val="bg1"/>
+                </a:solidFill>
+                <a:latin typeface="Arial" panose="020B0604020202020204" pitchFamily="34" charset="0"/>
+              </a:rPr>
+              <a:t>Garchitorena</a:t>
+            </a:r>
+            <a:r>
+              <a:rPr lang="en-US" sz="900" dirty="0">
+                <a:solidFill>
+                  <a:schemeClr val="bg1"/>
+                </a:solidFill>
+                <a:latin typeface="Arial" panose="020B0604020202020204" pitchFamily="34" charset="0"/>
+              </a:rPr>
+              <a:t>, A., </a:t>
+            </a:r>
+            <a:r>
+              <a:rPr lang="en-US" sz="900" dirty="0" err="1">
+                <a:solidFill>
+                  <a:schemeClr val="bg1"/>
+                </a:solidFill>
+                <a:latin typeface="Arial" panose="020B0604020202020204" pitchFamily="34" charset="0"/>
+              </a:rPr>
+              <a:t>Sokolow</a:t>
+            </a:r>
+            <a:r>
+              <a:rPr lang="en-US" sz="900" dirty="0">
+                <a:solidFill>
+                  <a:schemeClr val="bg1"/>
+                </a:solidFill>
+                <a:latin typeface="Arial" panose="020B0604020202020204" pitchFamily="34" charset="0"/>
+              </a:rPr>
+              <a:t>, S. H., Roche, B., </a:t>
+            </a:r>
+            <a:r>
+              <a:rPr lang="en-US" sz="900" dirty="0" err="1">
+                <a:solidFill>
+                  <a:schemeClr val="bg1"/>
+                </a:solidFill>
+                <a:latin typeface="Arial" panose="020B0604020202020204" pitchFamily="34" charset="0"/>
+              </a:rPr>
+              <a:t>Ngonghala</a:t>
+            </a:r>
+            <a:r>
+              <a:rPr lang="en-US" sz="900" dirty="0">
+                <a:solidFill>
+                  <a:schemeClr val="bg1"/>
+                </a:solidFill>
+                <a:latin typeface="Arial" panose="020B0604020202020204" pitchFamily="34" charset="0"/>
+              </a:rPr>
+              <a:t>, C. N., </a:t>
+            </a:r>
+            <a:r>
+              <a:rPr lang="en-US" sz="900" dirty="0" err="1">
+                <a:solidFill>
+                  <a:schemeClr val="bg1"/>
+                </a:solidFill>
+                <a:latin typeface="Arial" panose="020B0604020202020204" pitchFamily="34" charset="0"/>
+              </a:rPr>
+              <a:t>Jocque</a:t>
+            </a:r>
+            <a:r>
+              <a:rPr lang="en-US" sz="900" dirty="0">
+                <a:solidFill>
+                  <a:schemeClr val="bg1"/>
+                </a:solidFill>
+                <a:latin typeface="Arial" panose="020B0604020202020204" pitchFamily="34" charset="0"/>
+              </a:rPr>
+              <a:t>, M., Lund, A., ... &amp; Andrews, J. R. (2017). Disease ecology, health and the environment: a framework to account for ecological and socio-economic drivers in the control of neglected tropical diseases. </a:t>
+            </a:r>
+            <a:r>
+              <a:rPr lang="en-US" sz="900" i="1" dirty="0">
+                <a:solidFill>
+                  <a:schemeClr val="bg1"/>
+                </a:solidFill>
+                <a:latin typeface="Arial" panose="020B0604020202020204" pitchFamily="34" charset="0"/>
+              </a:rPr>
+              <a:t>Philosophical Transactions of the Royal Society B: Biological Sciences</a:t>
+            </a:r>
+            <a:r>
+              <a:rPr lang="en-US" sz="900" dirty="0">
+                <a:solidFill>
+                  <a:schemeClr val="bg1"/>
+                </a:solidFill>
+                <a:latin typeface="Arial" panose="020B0604020202020204" pitchFamily="34" charset="0"/>
+              </a:rPr>
+              <a:t>, </a:t>
+            </a:r>
+            <a:r>
+              <a:rPr lang="en-US" sz="900" i="1" dirty="0">
+                <a:solidFill>
+                  <a:schemeClr val="bg1"/>
+                </a:solidFill>
+                <a:latin typeface="Arial" panose="020B0604020202020204" pitchFamily="34" charset="0"/>
+              </a:rPr>
+              <a:t>372</a:t>
+            </a:r>
+            <a:r>
+              <a:rPr lang="en-US" sz="900" dirty="0">
+                <a:solidFill>
+                  <a:schemeClr val="bg1"/>
+                </a:solidFill>
+                <a:latin typeface="Arial" panose="020B0604020202020204" pitchFamily="34" charset="0"/>
+              </a:rPr>
+              <a:t>(1722), 20160128.</a:t>
+            </a:r>
+            <a:endParaRPr lang="en-US" sz="900" dirty="0">
+              <a:solidFill>
+                <a:schemeClr val="bg1"/>
+              </a:solidFill>
+            </a:endParaRPr>
+          </a:p>
+        </p:txBody>
+      </p:sp>
+      <p:sp>
+        <p:nvSpPr>
+          <p:cNvPr id="2" name="Content Placeholder 1"/>
+          <p:cNvSpPr>
+            <a:spLocks noGrp="1"/>
+          </p:cNvSpPr>
+          <p:nvPr>
+            <p:ph idx="1"/>
+          </p:nvPr>
+        </p:nvSpPr>
+        <p:spPr/>
+        <p:txBody>
+          <a:bodyPr/>
+          <a:lstStyle/>
+          <a:p>
+            <a:r>
+              <a:rPr lang="en-US" dirty="0" smtClean="0"/>
+              <a:t>PARAMETER TABLE INTERVENTIONS</a:t>
+            </a:r>
+            <a:endParaRPr lang="en-US" dirty="0"/>
+          </a:p>
+        </p:txBody>
+      </p:sp>
+    </p:spTree>
+    <p:extLst>
+      <p:ext uri="{BB962C8B-B14F-4D97-AF65-F5344CB8AC3E}">
+        <p14:creationId xmlns:p14="http://schemas.microsoft.com/office/powerpoint/2010/main" val="1398767407"/>
+      </p:ext>
+    </p:extLst>
+  </p:cSld>
+  <p:clrMapOvr>
+    <a:masterClrMapping/>
+  </p:clrMapOvr>
+</p:sld>
+</file>
+
+<file path=ppt/slides/slide23.xml><?xml version="1.0" encoding="utf-8"?>
 <p:sld xmlns:a="http://schemas.openxmlformats.org/drawingml/2006/main" xmlns:r="http://schemas.openxmlformats.org/officeDocument/2006/relationships" xmlns:p="http://schemas.openxmlformats.org/presentationml/2006/main">
   <p:cSld>
     <p:spTree>
@@ -7484,10 +9881,10 @@
                         </a:solidFill>
                         <a:latin typeface="Cambria Math" panose="02040503050406030204" pitchFamily="18" charset="0"/>
                       </a:rPr>
-                      <m:t>~</m:t>
+                      <m:t>=</m:t>
                     </m:r>
-                    <m:sSub>
-                      <m:sSubPr>
+                    <m:sSup>
+                      <m:sSupPr>
                         <m:ctrlPr>
                           <a:rPr lang="en-US" b="0" i="1" smtClean="0">
                             <a:solidFill>
@@ -7499,7 +9896,7 @@
                             <a:latin typeface="Cambria Math" panose="02040503050406030204" pitchFamily="18" charset="0"/>
                           </a:rPr>
                         </m:ctrlPr>
-                      </m:sSubPr>
+                      </m:sSupPr>
                       <m:e>
                         <m:r>
                           <a:rPr lang="en-US" b="0" i="1" smtClean="0">
@@ -7511,10 +9908,82 @@
                             </a:solidFill>
                             <a:latin typeface="Cambria Math" panose="02040503050406030204" pitchFamily="18" charset="0"/>
                           </a:rPr>
-                          <m:t>𝐴</m:t>
+                          <m:t>−</m:t>
                         </m:r>
+                        <m:d>
+                          <m:dPr>
+                            <m:ctrlPr>
+                              <a:rPr lang="en-US" b="0" i="1" smtClean="0">
+                                <a:solidFill>
+                                  <a:schemeClr val="tx1">
+                                    <a:lumMod val="60000"/>
+                                    <a:lumOff val="40000"/>
+                                  </a:schemeClr>
+                                </a:solidFill>
+                                <a:latin typeface="Cambria Math" panose="02040503050406030204" pitchFamily="18" charset="0"/>
+                              </a:rPr>
+                            </m:ctrlPr>
+                          </m:dPr>
+                          <m:e>
+                            <m:r>
+                              <a:rPr lang="en-US" i="1">
+                                <a:solidFill>
+                                  <a:schemeClr val="tx1">
+                                    <a:lumMod val="60000"/>
+                                    <a:lumOff val="40000"/>
+                                  </a:schemeClr>
+                                </a:solidFill>
+                                <a:latin typeface="Cambria Math" panose="02040503050406030204" pitchFamily="18" charset="0"/>
+                              </a:rPr>
+                              <m:t>𝑚</m:t>
+                            </m:r>
+                            <m:sSub>
+                              <m:sSubPr>
+                                <m:ctrlPr>
+                                  <a:rPr lang="en-US" i="1">
+                                    <a:solidFill>
+                                      <a:schemeClr val="tx1">
+                                        <a:lumMod val="60000"/>
+                                        <a:lumOff val="40000"/>
+                                      </a:schemeClr>
+                                    </a:solidFill>
+                                    <a:latin typeface="Cambria Math" panose="02040503050406030204" pitchFamily="18" charset="0"/>
+                                  </a:rPr>
+                                </m:ctrlPr>
+                              </m:sSubPr>
+                              <m:e>
+                                <m:r>
+                                  <a:rPr lang="en-US" i="1">
+                                    <a:solidFill>
+                                      <a:schemeClr val="tx1">
+                                        <a:lumMod val="60000"/>
+                                        <a:lumOff val="40000"/>
+                                      </a:schemeClr>
+                                    </a:solidFill>
+                                    <a:latin typeface="Cambria Math" panose="02040503050406030204" pitchFamily="18" charset="0"/>
+                                  </a:rPr>
+                                  <m:t>𝐼</m:t>
+                                </m:r>
+                              </m:e>
+                              <m:sub>
+                                <m:r>
+                                  <a:rPr lang="en-US" i="1">
+                                    <a:solidFill>
+                                      <a:schemeClr val="tx1">
+                                        <a:lumMod val="60000"/>
+                                        <a:lumOff val="40000"/>
+                                      </a:schemeClr>
+                                    </a:solidFill>
+                                    <a:latin typeface="Cambria Math" panose="02040503050406030204" pitchFamily="18" charset="0"/>
+                                  </a:rPr>
+                                  <m:t>𝑡</m:t>
+                                </m:r>
+                              </m:sub>
+                            </m:sSub>
+                          </m:e>
+                        </m:d>
                       </m:e>
-                      <m:sub>
+                      <m:sup>
                         <m:r>
                           <a:rPr lang="en-US" b="0" i="1" smtClean="0">
                             <a:solidFill>
@@ -7525,67 +9994,51 @@
                             </a:solidFill>
                             <a:latin typeface="Cambria Math" panose="02040503050406030204" pitchFamily="18" charset="0"/>
                           </a:rPr>
-                          <m:t>𝑡</m:t>
+                          <m:t>𝑥</m:t>
                         </m:r>
-                      </m:sub>
-                    </m:sSub>
+                      </m:sup>
+                    </m:sSup>
+                  </m:oMath>
+                </a14:m>
+                <a:endParaRPr lang="en-US" dirty="0" smtClean="0"/>
+              </a:p>
+              <a:p>
+                <a:pPr lvl="2"/>
+                <a14:m>
+                  <m:oMath xmlns:m="http://schemas.openxmlformats.org/officeDocument/2006/math">
                     <m:r>
                       <a:rPr lang="en-US" b="0" i="1" smtClean="0">
-                        <a:solidFill>
-                          <a:schemeClr val="tx1">
-                            <a:lumMod val="60000"/>
-                            <a:lumOff val="40000"/>
-                          </a:schemeClr>
-                        </a:solidFill>
                         <a:latin typeface="Cambria Math" panose="02040503050406030204" pitchFamily="18" charset="0"/>
                       </a:rPr>
-                      <m:t>|</m:t>
+                      <m:t>𝑚</m:t>
                     </m:r>
-                    <m:sSub>
-                      <m:sSubPr>
-                        <m:ctrlPr>
-                          <a:rPr lang="en-US" b="0" i="1" smtClean="0">
-                            <a:solidFill>
-                              <a:schemeClr val="tx1">
-                                <a:lumMod val="60000"/>
-                                <a:lumOff val="40000"/>
-                              </a:schemeClr>
-                            </a:solidFill>
-                            <a:latin typeface="Cambria Math" panose="02040503050406030204" pitchFamily="18" charset="0"/>
-                          </a:rPr>
-                        </m:ctrlPr>
-                      </m:sSubPr>
-                      <m:e>
-                        <m:r>
-                          <a:rPr lang="en-US" b="0" i="1" smtClean="0">
-                            <a:solidFill>
-                              <a:schemeClr val="tx1">
-                                <a:lumMod val="60000"/>
-                                <a:lumOff val="40000"/>
-                              </a:schemeClr>
-                            </a:solidFill>
-                            <a:latin typeface="Cambria Math" panose="02040503050406030204" pitchFamily="18" charset="0"/>
-                          </a:rPr>
-                          <m:t>𝐼</m:t>
-                        </m:r>
-                      </m:e>
-                      <m:sub>
-                        <m:r>
-                          <a:rPr lang="en-US" b="0" i="1" smtClean="0">
-                            <a:solidFill>
-                              <a:schemeClr val="tx1">
-                                <a:lumMod val="60000"/>
-                                <a:lumOff val="40000"/>
-                              </a:schemeClr>
-                            </a:solidFill>
-                            <a:latin typeface="Cambria Math" panose="02040503050406030204" pitchFamily="18" charset="0"/>
-                          </a:rPr>
-                          <m:t>𝑡</m:t>
-                        </m:r>
-                      </m:sub>
-                    </m:sSub>
                   </m:oMath>
                 </a14:m>
+                <a:r>
+                  <a:rPr lang="en-US" dirty="0" smtClean="0"/>
+                  <a:t> is cost associated with prevalence</a:t>
+                </a:r>
+              </a:p>
+              <a:p>
+                <a:pPr lvl="2"/>
+                <a14:m>
+                  <m:oMath xmlns:m="http://schemas.openxmlformats.org/officeDocument/2006/math">
+                    <m:r>
+                      <a:rPr lang="en-US" b="0" i="1" smtClean="0">
+                        <a:latin typeface="Cambria Math" panose="02040503050406030204" pitchFamily="18" charset="0"/>
+                      </a:rPr>
+                      <m:t>𝑥</m:t>
+                    </m:r>
+                  </m:oMath>
+                </a14:m>
+                <a:r>
+                  <a:rPr lang="en-US" dirty="0" smtClean="0"/>
+                  <a:t> is an exponent that increasingly penalizes higher </a:t>
+                </a:r>
+                <a:r>
+                  <a:rPr lang="en-US" dirty="0" err="1" smtClean="0"/>
+                  <a:t>prevalences</a:t>
+                </a:r>
                 <a:endParaRPr lang="en-US" dirty="0" smtClean="0"/>
               </a:p>
             </p:txBody>
@@ -7642,7 +10095,7 @@
 </p:sld>
 </file>
 
-<file path=ppt/slides/slide17.xml><?xml version="1.0" encoding="utf-8"?>
+<file path=ppt/slides/slide24.xml><?xml version="1.0" encoding="utf-8"?>
 <p:sld xmlns:a="http://schemas.openxmlformats.org/drawingml/2006/main" xmlns:r="http://schemas.openxmlformats.org/officeDocument/2006/relationships" xmlns:p="http://schemas.openxmlformats.org/presentationml/2006/main">
   <p:cSld>
     <p:spTree>
@@ -7733,7 +10186,40 @@
               <a:p>
                 <a:r>
                   <a:rPr lang="en-US" dirty="0" smtClean="0"/>
-                  <a:t>Identify optimal solutions in </a:t>
+                  <a:t>Identify optimal intervention strategy, </a:t>
+                </a:r>
+                <a14:m>
+                  <m:oMath xmlns:m="http://schemas.openxmlformats.org/officeDocument/2006/math">
+                    <m:sSub>
+                      <m:sSubPr>
+                        <m:ctrlPr>
+                          <a:rPr lang="en-US" b="0" i="1" smtClean="0">
+                            <a:latin typeface="Cambria Math" panose="02040503050406030204" pitchFamily="18" charset="0"/>
+                          </a:rPr>
+                        </m:ctrlPr>
+                      </m:sSubPr>
+                      <m:e>
+                        <m:r>
+                          <a:rPr lang="en-US" b="0" i="1" smtClean="0">
+                            <a:latin typeface="Cambria Math" panose="02040503050406030204" pitchFamily="18" charset="0"/>
+                          </a:rPr>
+                          <m:t>𝐴</m:t>
+                        </m:r>
+                      </m:e>
+                      <m:sub>
+                        <m:r>
+                          <a:rPr lang="en-US" b="0" i="1" smtClean="0">
+                            <a:latin typeface="Cambria Math" panose="02040503050406030204" pitchFamily="18" charset="0"/>
+                          </a:rPr>
+                          <m:t>𝑡</m:t>
+                        </m:r>
+                      </m:sub>
+                    </m:sSub>
+                  </m:oMath>
+                </a14:m>
+                <a:r>
+                  <a:rPr lang="en-US" dirty="0" smtClean="0"/>
+                  <a:t>, in </a:t>
                 </a:r>
                 <a14:m>
                   <m:oMath xmlns:m="http://schemas.openxmlformats.org/officeDocument/2006/math">
@@ -7790,7 +10276,11 @@
                 </a14:m>
                 <a:r>
                   <a:rPr lang="en-US" dirty="0" smtClean="0"/>
-                  <a:t> parameter space and across </a:t>
+                  <a:t> parameter </a:t>
+                </a:r>
+                <a:r>
+                  <a:rPr lang="en-US" dirty="0" smtClean="0"/>
+                  <a:t>space; across </a:t>
                 </a:r>
                 <a:r>
                   <a:rPr lang="en-US" dirty="0"/>
@@ -7808,26 +10298,40 @@
                 </a14:m>
                 <a:r>
                   <a:rPr lang="en-US" dirty="0"/>
-                  <a:t>, of 5, 10, 20, </a:t>
+                  <a:t>, of </a:t>
                 </a:r>
                 <a:r>
-                  <a:rPr lang="en-US" dirty="0" err="1"/>
-                  <a:t>Inf</a:t>
+                  <a:rPr lang="en-US" dirty="0" smtClean="0"/>
+                  <a:t>2, </a:t>
                 </a:r>
                 <a:r>
                   <a:rPr lang="en-US" dirty="0"/>
-                  <a:t> </a:t>
+                  <a:t>10, </a:t>
+                </a:r>
+                <a:r>
+                  <a:rPr lang="en-US" dirty="0" smtClean="0"/>
+                  <a:t>20 years; and across different levels of available capital, </a:t>
+                </a:r>
+                <a14:m>
+                  <m:oMath xmlns:m="http://schemas.openxmlformats.org/officeDocument/2006/math">
+                    <m:r>
+                      <a:rPr lang="en-US" b="0" i="1" smtClean="0">
+                        <a:latin typeface="Cambria Math" panose="02040503050406030204" pitchFamily="18" charset="0"/>
+                      </a:rPr>
+                      <m:t>𝐶</m:t>
+                    </m:r>
+                  </m:oMath>
+                </a14:m>
+                <a:r>
+                  <a:rPr lang="en-US" dirty="0" smtClean="0"/>
+                  <a:t>, of 0.5, 1.00, 1.50 per person</a:t>
                 </a:r>
                 <a:endParaRPr lang="en-US" dirty="0" smtClean="0"/>
               </a:p>
               <a:p>
-                <a:endParaRPr lang="en-US" dirty="0"/>
-              </a:p>
-              <a:p>
-                <a:r>
-                  <a:rPr lang="en-US" dirty="0" smtClean="0"/>
-                  <a:t>[RESULTS]</a:t>
-                </a:r>
+                <a:pPr marL="0" indent="0">
+                  <a:buNone/>
+                </a:pPr>
                 <a:endParaRPr lang="en-US" dirty="0"/>
               </a:p>
             </p:txBody>
@@ -7852,7 +10356,7 @@
               <a:blipFill rotWithShape="0">
                 <a:blip r:embed="rId2"/>
                 <a:stretch>
-                  <a:fillRect l="-667" t="-812"/>
+                  <a:fillRect l="-667" t="-812" r="-963"/>
                 </a:stretch>
               </a:blipFill>
             </p:spPr>
@@ -7871,6 +10375,30 @@
           </p:sp>
         </mc:Fallback>
       </mc:AlternateContent>
+      <p:pic>
+        <p:nvPicPr>
+          <p:cNvPr id="5" name="Picture 4"/>
+          <p:cNvPicPr>
+            <a:picLocks noChangeAspect="1"/>
+          </p:cNvPicPr>
+          <p:nvPr/>
+        </p:nvPicPr>
+        <p:blipFill>
+          <a:blip r:embed="rId3"/>
+          <a:stretch>
+            <a:fillRect/>
+          </a:stretch>
+        </p:blipFill>
+        <p:spPr>
+          <a:xfrm>
+            <a:off x="1503026" y="2276732"/>
+            <a:ext cx="5910816" cy="3647818"/>
+          </a:xfrm>
+          <a:prstGeom prst="rect">
+            <a:avLst/>
+          </a:prstGeom>
+        </p:spPr>
+      </p:pic>
     </p:spTree>
     <p:extLst>
       <p:ext uri="{BB962C8B-B14F-4D97-AF65-F5344CB8AC3E}">
@@ -7884,7 +10412,7 @@
 </p:sld>
 </file>
 
-<file path=ppt/slides/slide18.xml><?xml version="1.0" encoding="utf-8"?>
+<file path=ppt/slides/slide25.xml><?xml version="1.0" encoding="utf-8"?>
 <p:sld xmlns:a="http://schemas.openxmlformats.org/drawingml/2006/main" xmlns:r="http://schemas.openxmlformats.org/officeDocument/2006/relationships" xmlns:p="http://schemas.openxmlformats.org/presentationml/2006/main">
   <p:cSld>
     <p:spTree>
@@ -7974,13 +10502,46 @@
               <a:lstStyle/>
               <a:p>
                 <a:r>
-                  <a:rPr lang="en-US" dirty="0" smtClean="0"/>
-                  <a:t>Identify optimal solutions in </a:t>
+                  <a:rPr lang="en-US" dirty="0"/>
+                  <a:t>Identify optimal intervention strategy, </a:t>
+                </a:r>
+                <a14:m>
+                  <m:oMath xmlns:m="http://schemas.openxmlformats.org/officeDocument/2006/math">
+                    <m:sSub>
+                      <m:sSubPr>
+                        <m:ctrlPr>
+                          <a:rPr lang="en-US" i="1">
+                            <a:latin typeface="Cambria Math" panose="02040503050406030204" pitchFamily="18" charset="0"/>
+                          </a:rPr>
+                        </m:ctrlPr>
+                      </m:sSubPr>
+                      <m:e>
+                        <m:r>
+                          <a:rPr lang="en-US" i="1">
+                            <a:latin typeface="Cambria Math" panose="02040503050406030204" pitchFamily="18" charset="0"/>
+                          </a:rPr>
+                          <m:t>𝐴</m:t>
+                        </m:r>
+                      </m:e>
+                      <m:sub>
+                        <m:r>
+                          <a:rPr lang="en-US" i="1">
+                            <a:latin typeface="Cambria Math" panose="02040503050406030204" pitchFamily="18" charset="0"/>
+                          </a:rPr>
+                          <m:t>𝑡</m:t>
+                        </m:r>
+                      </m:sub>
+                    </m:sSub>
+                  </m:oMath>
+                </a14:m>
+                <a:r>
+                  <a:rPr lang="en-US" dirty="0"/>
+                  <a:t>, in </a:t>
                 </a:r>
                 <a14:m>
                   <m:oMath xmlns:m="http://schemas.openxmlformats.org/officeDocument/2006/math">
                     <m:r>
-                      <a:rPr lang="en-US" b="0" i="1" smtClean="0">
+                      <a:rPr lang="en-US" i="1">
                         <a:latin typeface="Cambria Math" panose="02040503050406030204" pitchFamily="18" charset="0"/>
                       </a:rPr>
                       <m:t>{</m:t>
@@ -7988,14 +10549,14 @@
                     <m:sSub>
                       <m:sSubPr>
                         <m:ctrlPr>
-                          <a:rPr lang="en-US" b="0" i="1" smtClean="0">
+                          <a:rPr lang="en-US" i="1">
                             <a:latin typeface="Cambria Math" panose="02040503050406030204" pitchFamily="18" charset="0"/>
                           </a:rPr>
                         </m:ctrlPr>
                       </m:sSubPr>
                       <m:e>
                         <m:r>
-                          <a:rPr lang="en-US" b="0" i="1" smtClean="0">
+                          <a:rPr lang="en-US" i="1">
                             <a:latin typeface="Cambria Math" panose="02040503050406030204" pitchFamily="18" charset="0"/>
                           </a:rPr>
                           <m:t>𝑅</m:t>
@@ -8003,7 +10564,7 @@
                       </m:e>
                       <m:sub>
                         <m:r>
-                          <a:rPr lang="en-US" b="0" i="1" smtClean="0">
+                          <a:rPr lang="en-US" i="1">
                             <a:latin typeface="Cambria Math" panose="02040503050406030204" pitchFamily="18" charset="0"/>
                           </a:rPr>
                           <m:t>0</m:t>
@@ -8011,19 +10572,19 @@
                       </m:sub>
                     </m:sSub>
                     <m:r>
-                      <a:rPr lang="en-US" b="0" i="1" smtClean="0">
+                      <a:rPr lang="en-US" i="1">
                         <a:latin typeface="Cambria Math" panose="02040503050406030204" pitchFamily="18" charset="0"/>
                       </a:rPr>
                       <m:t>, </m:t>
                     </m:r>
                     <m:r>
-                      <a:rPr lang="en-US" b="0" i="1" smtClean="0">
+                      <a:rPr lang="en-US" i="1">
                         <a:latin typeface="Cambria Math" panose="02040503050406030204" pitchFamily="18" charset="0"/>
                       </a:rPr>
                       <m:t>𝒫</m:t>
                     </m:r>
                     <m:r>
-                      <a:rPr lang="en-US" b="0" i="1" smtClean="0">
+                      <a:rPr lang="en-US" i="1">
                         <a:latin typeface="Cambria Math" panose="02040503050406030204" pitchFamily="18" charset="0"/>
                       </a:rPr>
                       <m:t>}</m:t>
@@ -8031,8 +10592,8 @@
                   </m:oMath>
                 </a14:m>
                 <a:r>
-                  <a:rPr lang="en-US" dirty="0" smtClean="0"/>
-                  <a:t> parameter space and across </a:t>
+                  <a:rPr lang="en-US" dirty="0"/>
+                  <a:t> parameter space; across </a:t>
                 </a:r>
                 <a:r>
                   <a:rPr lang="en-US" dirty="0"/>
@@ -8050,17 +10611,34 @@
                 </a14:m>
                 <a:r>
                   <a:rPr lang="en-US" dirty="0"/>
-                  <a:t>, of 5, 10, 20, </a:t>
-                </a:r>
-                <a:r>
-                  <a:rPr lang="en-US" dirty="0" err="1"/>
-                  <a:t>Inf</a:t>
+                  <a:t>, of </a:t>
                 </a:r>
                 <a:r>
                   <a:rPr lang="en-US" dirty="0"/>
-                  <a:t> </a:t>
+                  <a:t>2, </a:t>
                 </a:r>
-                <a:endParaRPr lang="en-US" dirty="0" smtClean="0"/>
+                <a:r>
+                  <a:rPr lang="en-US" dirty="0"/>
+                  <a:t>10, </a:t>
+                </a:r>
+                <a:r>
+                  <a:rPr lang="en-US" dirty="0"/>
+                  <a:t>20 years; and across different levels of available capital, </a:t>
+                </a:r>
+                <a14:m>
+                  <m:oMath xmlns:m="http://schemas.openxmlformats.org/officeDocument/2006/math">
+                    <m:r>
+                      <a:rPr lang="en-US" i="1">
+                        <a:latin typeface="Cambria Math" panose="02040503050406030204" pitchFamily="18" charset="0"/>
+                      </a:rPr>
+                      <m:t>𝐶</m:t>
+                    </m:r>
+                  </m:oMath>
+                </a14:m>
+                <a:r>
+                  <a:rPr lang="en-US" dirty="0"/>
+                  <a:t>, of 0.5, 1.00, 1.50 per person</a:t>
+                </a:r>
               </a:p>
               <a:p>
                 <a:r>
@@ -8150,7 +10728,7 @@
               <a:blipFill rotWithShape="0">
                 <a:blip r:embed="rId2"/>
                 <a:stretch>
-                  <a:fillRect l="-667" t="-812"/>
+                  <a:fillRect l="-667" t="-812" r="-963"/>
                 </a:stretch>
               </a:blipFill>
             </p:spPr>
@@ -8192,6 +10770,7 @@
               </a:bodyPr>
               <a:lstStyle/>
               <a:p>
+                <a:pPr/>
                 <a14:m>
                   <m:oMathPara xmlns:m="http://schemas.openxmlformats.org/officeDocument/2006/math">
                     <m:oMathParaPr>
@@ -8298,85 +10877,6 @@
                           </m:r>
                         </m:sub>
                       </m:sSub>
-                      <m:sSub>
-                        <m:sSubPr>
-                          <m:ctrlPr>
-                            <a:rPr lang="en-US" b="0" i="1" dirty="0" smtClean="0">
-                              <a:solidFill>
-                                <a:schemeClr val="tx1">
-                                  <a:lumMod val="60000"/>
-                                  <a:lumOff val="40000"/>
-                                </a:schemeClr>
-                              </a:solidFill>
-                              <a:latin typeface="Cambria Math" panose="02040503050406030204" pitchFamily="18" charset="0"/>
-                            </a:rPr>
-                          </m:ctrlPr>
-                        </m:sSubPr>
-                        <m:e>
-                          <m:r>
-                            <a:rPr lang="en-US" b="0" i="1" dirty="0" smtClean="0">
-                              <a:solidFill>
-                                <a:schemeClr val="tx1">
-                                  <a:lumMod val="60000"/>
-                                  <a:lumOff val="40000"/>
-                                </a:schemeClr>
-                              </a:solidFill>
-                              <a:latin typeface="Cambria Math" panose="02040503050406030204" pitchFamily="18" charset="0"/>
-                            </a:rPr>
-                            <m:t>𝑓</m:t>
-                          </m:r>
-                        </m:e>
-                        <m:sub>
-                          <m:r>
-                            <a:rPr lang="en-US" b="0" i="1" dirty="0" smtClean="0">
-                              <a:solidFill>
-                                <a:schemeClr val="tx1">
-                                  <a:lumMod val="60000"/>
-                                  <a:lumOff val="40000"/>
-                                </a:schemeClr>
-                              </a:solidFill>
-                              <a:latin typeface="Cambria Math" panose="02040503050406030204" pitchFamily="18" charset="0"/>
-                            </a:rPr>
-                            <m:t>1</m:t>
-                          </m:r>
-                        </m:sub>
-                      </m:sSub>
-                      <m:r>
-                        <a:rPr lang="en-US" b="0" i="1" dirty="0" smtClean="0">
-                          <a:solidFill>
-                            <a:schemeClr val="tx1">
-                              <a:lumMod val="60000"/>
-                              <a:lumOff val="40000"/>
-                            </a:schemeClr>
-                          </a:solidFill>
-                          <a:latin typeface="Cambria Math" panose="02040503050406030204" pitchFamily="18" charset="0"/>
-                        </a:rPr>
-                        <m:t>(</m:t>
-                      </m:r>
-                      <m:r>
-                        <a:rPr lang="en-US" b="0" i="1" dirty="0" smtClean="0">
-                          <a:solidFill>
-                            <a:schemeClr val="tx1">
-                              <a:lumMod val="60000"/>
-                              <a:lumOff val="40000"/>
-                            </a:schemeClr>
-                          </a:solidFill>
-                          <a:latin typeface="Cambria Math" panose="02040503050406030204" pitchFamily="18" charset="0"/>
-                        </a:rPr>
-                        <m:t>𝑊</m:t>
-                      </m:r>
-                      <m:r>
-                        <a:rPr lang="en-US" b="0" i="1" dirty="0" smtClean="0">
-                          <a:solidFill>
-                            <a:schemeClr val="tx1">
-                              <a:lumMod val="60000"/>
-                              <a:lumOff val="40000"/>
-                            </a:schemeClr>
-                          </a:solidFill>
-                          <a:latin typeface="Cambria Math" panose="02040503050406030204" pitchFamily="18" charset="0"/>
-                        </a:rPr>
-                        <m:t>)</m:t>
-                      </m:r>
                       <m:r>
                         <a:rPr lang="en-US" i="1" dirty="0">
                           <a:solidFill>
@@ -8546,6 +11046,49 @@
                         </a:rPr>
                         <m:t>𝐼</m:t>
                       </m:r>
+                      <m:sSub>
+                        <m:sSubPr>
+                          <m:ctrlPr>
+                            <a:rPr lang="en-US" i="1" dirty="0">
+                              <a:solidFill>
+                                <a:schemeClr val="tx1">
+                                  <a:lumMod val="60000"/>
+                                  <a:lumOff val="40000"/>
+                                </a:schemeClr>
+                              </a:solidFill>
+                              <a:latin typeface="Cambria Math" panose="02040503050406030204" pitchFamily="18" charset="0"/>
+                            </a:rPr>
+                          </m:ctrlPr>
+                        </m:sSubPr>
+                        <m:e>
+                          <m:r>
+                            <a:rPr lang="en-US" i="1" dirty="0">
+                              <a:solidFill>
+                                <a:schemeClr val="tx1">
+                                  <a:lumMod val="60000"/>
+                                  <a:lumOff val="40000"/>
+                                </a:schemeClr>
+                              </a:solidFill>
+                              <a:latin typeface="Cambria Math" panose="02040503050406030204" pitchFamily="18" charset="0"/>
+                            </a:rPr>
+                            <m:t>𝑓</m:t>
+                          </m:r>
+                        </m:e>
+                        <m:sub>
+                          <m:r>
+                            <a:rPr lang="en-US" i="1" dirty="0">
+                              <a:solidFill>
+                                <a:schemeClr val="tx1">
+                                  <a:lumMod val="60000"/>
+                                  <a:lumOff val="40000"/>
+                                </a:schemeClr>
+                              </a:solidFill>
+                              <a:latin typeface="Cambria Math" panose="02040503050406030204" pitchFamily="18" charset="0"/>
+                            </a:rPr>
+                            <m:t>1</m:t>
+                          </m:r>
+                        </m:sub>
+                      </m:sSub>
                       <m:r>
                         <a:rPr lang="en-US" i="1" dirty="0">
                           <a:solidFill>
@@ -8556,7 +11099,31 @@
                           </a:solidFill>
                           <a:latin typeface="Cambria Math" panose="02040503050406030204" pitchFamily="18" charset="0"/>
                         </a:rPr>
-                        <m:t>−</m:t>
+                        <m:t>(</m:t>
+                      </m:r>
+                      <m:r>
+                        <a:rPr lang="en-US" i="1" dirty="0">
+                          <a:solidFill>
+                            <a:schemeClr val="tx1">
+                              <a:lumMod val="60000"/>
+                              <a:lumOff val="40000"/>
+                            </a:schemeClr>
+                          </a:solidFill>
+                          <a:latin typeface="Cambria Math" panose="02040503050406030204" pitchFamily="18" charset="0"/>
+                        </a:rPr>
+                        <m:t>𝑊</m:t>
+                      </m:r>
+                      <m:r>
+                        <a:rPr lang="en-US" i="1" dirty="0">
+                          <a:solidFill>
+                            <a:schemeClr val="tx1">
+                              <a:lumMod val="60000"/>
+                              <a:lumOff val="40000"/>
+                            </a:schemeClr>
+                          </a:solidFill>
+                          <a:latin typeface="Cambria Math" panose="02040503050406030204" pitchFamily="18" charset="0"/>
+                        </a:rPr>
+                        <m:t>)−</m:t>
                       </m:r>
                       <m:r>
                         <a:rPr lang="en-US" i="1" dirty="0">
@@ -8605,6 +11172,7 @@
                 </a:endParaRPr>
               </a:p>
               <a:p>
+                <a:pPr/>
                 <a14:m>
                   <m:oMathPara xmlns:m="http://schemas.openxmlformats.org/officeDocument/2006/math">
                     <m:oMathParaPr>
@@ -8773,6 +11341,7 @@
                 <a:endParaRPr lang="en-US" dirty="0" smtClean="0"/>
               </a:p>
               <a:p>
+                <a:pPr/>
                 <a14:m>
                   <m:oMathPara xmlns:m="http://schemas.openxmlformats.org/officeDocument/2006/math">
                     <m:oMathParaPr>
@@ -9074,7 +11643,7 @@
 </p:sld>
 </file>
 
-<file path=ppt/slides/slide19.xml><?xml version="1.0" encoding="utf-8"?>
+<file path=ppt/slides/slide26.xml><?xml version="1.0" encoding="utf-8"?>
 <p:sld xmlns:a="http://schemas.openxmlformats.org/drawingml/2006/main" xmlns:r="http://schemas.openxmlformats.org/officeDocument/2006/relationships" xmlns:p="http://schemas.openxmlformats.org/presentationml/2006/main">
   <p:cSld>
     <p:spTree>
@@ -9164,13 +11733,46 @@
               <a:lstStyle/>
               <a:p>
                 <a:r>
-                  <a:rPr lang="en-US" dirty="0" smtClean="0"/>
-                  <a:t>Identify optimal solutions in </a:t>
+                  <a:rPr lang="en-US" dirty="0"/>
+                  <a:t>Identify optimal intervention strategy, </a:t>
+                </a:r>
+                <a14:m>
+                  <m:oMath xmlns:m="http://schemas.openxmlformats.org/officeDocument/2006/math">
+                    <m:sSub>
+                      <m:sSubPr>
+                        <m:ctrlPr>
+                          <a:rPr lang="en-US" i="1">
+                            <a:latin typeface="Cambria Math" panose="02040503050406030204" pitchFamily="18" charset="0"/>
+                          </a:rPr>
+                        </m:ctrlPr>
+                      </m:sSubPr>
+                      <m:e>
+                        <m:r>
+                          <a:rPr lang="en-US" i="1">
+                            <a:latin typeface="Cambria Math" panose="02040503050406030204" pitchFamily="18" charset="0"/>
+                          </a:rPr>
+                          <m:t>𝐴</m:t>
+                        </m:r>
+                      </m:e>
+                      <m:sub>
+                        <m:r>
+                          <a:rPr lang="en-US" i="1">
+                            <a:latin typeface="Cambria Math" panose="02040503050406030204" pitchFamily="18" charset="0"/>
+                          </a:rPr>
+                          <m:t>𝑡</m:t>
+                        </m:r>
+                      </m:sub>
+                    </m:sSub>
+                  </m:oMath>
+                </a14:m>
+                <a:r>
+                  <a:rPr lang="en-US" dirty="0"/>
+                  <a:t>, in </a:t>
                 </a:r>
                 <a14:m>
                   <m:oMath xmlns:m="http://schemas.openxmlformats.org/officeDocument/2006/math">
                     <m:r>
-                      <a:rPr lang="en-US" b="0" i="1" smtClean="0">
+                      <a:rPr lang="en-US" i="1">
                         <a:latin typeface="Cambria Math" panose="02040503050406030204" pitchFamily="18" charset="0"/>
                       </a:rPr>
                       <m:t>{</m:t>
@@ -9178,14 +11780,14 @@
                     <m:sSub>
                       <m:sSubPr>
                         <m:ctrlPr>
-                          <a:rPr lang="en-US" b="0" i="1" smtClean="0">
+                          <a:rPr lang="en-US" i="1">
                             <a:latin typeface="Cambria Math" panose="02040503050406030204" pitchFamily="18" charset="0"/>
                           </a:rPr>
                         </m:ctrlPr>
                       </m:sSubPr>
                       <m:e>
                         <m:r>
-                          <a:rPr lang="en-US" b="0" i="1" smtClean="0">
+                          <a:rPr lang="en-US" i="1">
                             <a:latin typeface="Cambria Math" panose="02040503050406030204" pitchFamily="18" charset="0"/>
                           </a:rPr>
                           <m:t>𝑅</m:t>
@@ -9193,7 +11795,7 @@
                       </m:e>
                       <m:sub>
                         <m:r>
-                          <a:rPr lang="en-US" b="0" i="1" smtClean="0">
+                          <a:rPr lang="en-US" i="1">
                             <a:latin typeface="Cambria Math" panose="02040503050406030204" pitchFamily="18" charset="0"/>
                           </a:rPr>
                           <m:t>0</m:t>
@@ -9201,19 +11803,19 @@
                       </m:sub>
                     </m:sSub>
                     <m:r>
-                      <a:rPr lang="en-US" b="0" i="1" smtClean="0">
+                      <a:rPr lang="en-US" i="1">
                         <a:latin typeface="Cambria Math" panose="02040503050406030204" pitchFamily="18" charset="0"/>
                       </a:rPr>
                       <m:t>, </m:t>
                     </m:r>
                     <m:r>
-                      <a:rPr lang="en-US" b="0" i="1" smtClean="0">
+                      <a:rPr lang="en-US" i="1">
                         <a:latin typeface="Cambria Math" panose="02040503050406030204" pitchFamily="18" charset="0"/>
                       </a:rPr>
                       <m:t>𝒫</m:t>
                     </m:r>
                     <m:r>
-                      <a:rPr lang="en-US" b="0" i="1" smtClean="0">
+                      <a:rPr lang="en-US" i="1">
                         <a:latin typeface="Cambria Math" panose="02040503050406030204" pitchFamily="18" charset="0"/>
                       </a:rPr>
                       <m:t>}</m:t>
@@ -9221,8 +11823,8 @@
                   </m:oMath>
                 </a14:m>
                 <a:r>
-                  <a:rPr lang="en-US" dirty="0" smtClean="0"/>
-                  <a:t> parameter space and across </a:t>
+                  <a:rPr lang="en-US" dirty="0"/>
+                  <a:t> parameter space; across </a:t>
                 </a:r>
                 <a:r>
                   <a:rPr lang="en-US" dirty="0"/>
@@ -9240,17 +11842,34 @@
                 </a14:m>
                 <a:r>
                   <a:rPr lang="en-US" dirty="0"/>
-                  <a:t>, of 5, 10, 20, </a:t>
-                </a:r>
-                <a:r>
-                  <a:rPr lang="en-US" dirty="0" err="1"/>
-                  <a:t>Inf</a:t>
+                  <a:t>, of </a:t>
                 </a:r>
                 <a:r>
                   <a:rPr lang="en-US" dirty="0"/>
-                  <a:t> </a:t>
+                  <a:t>2, </a:t>
                 </a:r>
-                <a:endParaRPr lang="en-US" dirty="0" smtClean="0"/>
+                <a:r>
+                  <a:rPr lang="en-US" dirty="0"/>
+                  <a:t>10, </a:t>
+                </a:r>
+                <a:r>
+                  <a:rPr lang="en-US" dirty="0"/>
+                  <a:t>20 years; and across different levels of available capital, </a:t>
+                </a:r>
+                <a14:m>
+                  <m:oMath xmlns:m="http://schemas.openxmlformats.org/officeDocument/2006/math">
+                    <m:r>
+                      <a:rPr lang="en-US" i="1">
+                        <a:latin typeface="Cambria Math" panose="02040503050406030204" pitchFamily="18" charset="0"/>
+                      </a:rPr>
+                      <m:t>𝐶</m:t>
+                    </m:r>
+                  </m:oMath>
+                </a14:m>
+                <a:r>
+                  <a:rPr lang="en-US" dirty="0"/>
+                  <a:t>, of 0.5, 1.00, 1.50 per person</a:t>
+                </a:r>
               </a:p>
               <a:p>
                 <a:r>
@@ -9340,7 +11959,7 @@
               <a:blipFill rotWithShape="0">
                 <a:blip r:embed="rId2"/>
                 <a:stretch>
-                  <a:fillRect l="-667" t="-812"/>
+                  <a:fillRect l="-667" t="-812" r="-963"/>
                 </a:stretch>
               </a:blipFill>
             </p:spPr>
@@ -9359,16 +11978,585 @@
           </p:sp>
         </mc:Fallback>
       </mc:AlternateContent>
+      <p:pic>
+        <p:nvPicPr>
+          <p:cNvPr id="3" name="Picture 2"/>
+          <p:cNvPicPr>
+            <a:picLocks noChangeAspect="1"/>
+          </p:cNvPicPr>
+          <p:nvPr/>
+        </p:nvPicPr>
+        <p:blipFill>
+          <a:blip r:embed="rId3"/>
+          <a:stretch>
+            <a:fillRect/>
+          </a:stretch>
+        </p:blipFill>
+        <p:spPr>
+          <a:xfrm>
+            <a:off x="2047874" y="2842107"/>
+            <a:ext cx="4714875" cy="2909752"/>
+          </a:xfrm>
+          <a:prstGeom prst="rect">
+            <a:avLst/>
+          </a:prstGeom>
+        </p:spPr>
+      </p:pic>
+    </p:spTree>
+    <p:extLst>
+      <p:ext uri="{BB962C8B-B14F-4D97-AF65-F5344CB8AC3E}">
+        <p14:creationId xmlns:p14="http://schemas.microsoft.com/office/powerpoint/2010/main" val="1590771810"/>
+      </p:ext>
+    </p:extLst>
+  </p:cSld>
+  <p:clrMapOvr>
+    <a:masterClrMapping/>
+  </p:clrMapOvr>
+</p:sld>
+</file>
+
+<file path=ppt/slides/slide27.xml><?xml version="1.0" encoding="utf-8"?>
+<p:sld xmlns:a="http://schemas.openxmlformats.org/drawingml/2006/main" xmlns:r="http://schemas.openxmlformats.org/officeDocument/2006/relationships" xmlns:p="http://schemas.openxmlformats.org/presentationml/2006/main">
+  <p:cSld>
+    <p:spTree>
+      <p:nvGrpSpPr>
+        <p:cNvPr id="1" name=""/>
+        <p:cNvGrpSpPr/>
+        <p:nvPr/>
+      </p:nvGrpSpPr>
+      <p:grpSpPr>
+        <a:xfrm>
+          <a:off x="0" y="0"/>
+          <a:ext cx="0" cy="0"/>
+          <a:chOff x="0" y="0"/>
+          <a:chExt cx="0" cy="0"/>
+        </a:xfrm>
+      </p:grpSpPr>
       <p:sp>
         <p:nvSpPr>
-          <p:cNvPr id="2" name="Rectangle 1"/>
+          <p:cNvPr id="4" name="Content Placeholder 3"/>
+          <p:cNvSpPr>
+            <a:spLocks noGrp="1"/>
+          </p:cNvSpPr>
+          <p:nvPr>
+            <p:ph idx="13"/>
+          </p:nvPr>
+        </p:nvSpPr>
+        <p:spPr>
+          <a:xfrm>
+            <a:off x="457199" y="316782"/>
+            <a:ext cx="8229601" cy="488017"/>
+          </a:xfrm>
+        </p:spPr>
+        <p:txBody>
+          <a:bodyPr>
+            <a:noAutofit/>
+          </a:bodyPr>
+          <a:lstStyle/>
+          <a:p>
+            <a:r>
+              <a:rPr lang="en-US" sz="2000" dirty="0" smtClean="0"/>
+              <a:t>Implementation| </a:t>
+            </a:r>
+            <a:r>
+              <a:rPr lang="en-US" sz="2000" dirty="0" err="1" smtClean="0">
+                <a:solidFill>
+                  <a:schemeClr val="bg1"/>
+                </a:solidFill>
+              </a:rPr>
+              <a:t>Garchitorena</a:t>
+            </a:r>
+            <a:r>
+              <a:rPr lang="en-US" sz="2000" dirty="0" smtClean="0">
+                <a:solidFill>
+                  <a:schemeClr val="bg1"/>
+                </a:solidFill>
+              </a:rPr>
+              <a:t> et al + Density Dependence</a:t>
+            </a:r>
+            <a:endParaRPr lang="en-US" sz="2000" dirty="0">
+              <a:solidFill>
+                <a:schemeClr val="bg1"/>
+              </a:solidFill>
+            </a:endParaRPr>
+          </a:p>
+        </p:txBody>
+      </p:sp>
+      <mc:AlternateContent xmlns:mc="http://schemas.openxmlformats.org/markup-compatibility/2006">
+        <mc:Choice xmlns:a14="http://schemas.microsoft.com/office/drawing/2010/main" Requires="a14">
+          <p:sp>
+            <p:nvSpPr>
+              <p:cNvPr id="6" name="Content Placeholder 2"/>
+              <p:cNvSpPr>
+                <a:spLocks noGrp="1"/>
+              </p:cNvSpPr>
+              <p:nvPr>
+                <p:ph idx="1"/>
+              </p:nvPr>
+            </p:nvSpPr>
+            <p:spPr>
+              <a:xfrm>
+                <a:off x="457200" y="1223010"/>
+                <a:ext cx="8229600" cy="3758213"/>
+              </a:xfrm>
+            </p:spPr>
+            <p:txBody>
+              <a:bodyPr/>
+              <a:lstStyle/>
+              <a:p>
+                <a:r>
+                  <a:rPr lang="en-US" dirty="0"/>
+                  <a:t>Identify optimal intervention strategy, </a:t>
+                </a:r>
+                <a14:m>
+                  <m:oMath xmlns:m="http://schemas.openxmlformats.org/officeDocument/2006/math">
+                    <m:sSub>
+                      <m:sSubPr>
+                        <m:ctrlPr>
+                          <a:rPr lang="en-US" i="1">
+                            <a:latin typeface="Cambria Math" panose="02040503050406030204" pitchFamily="18" charset="0"/>
+                          </a:rPr>
+                        </m:ctrlPr>
+                      </m:sSubPr>
+                      <m:e>
+                        <m:r>
+                          <a:rPr lang="en-US" i="1">
+                            <a:latin typeface="Cambria Math" panose="02040503050406030204" pitchFamily="18" charset="0"/>
+                          </a:rPr>
+                          <m:t>𝐴</m:t>
+                        </m:r>
+                      </m:e>
+                      <m:sub>
+                        <m:r>
+                          <a:rPr lang="en-US" i="1">
+                            <a:latin typeface="Cambria Math" panose="02040503050406030204" pitchFamily="18" charset="0"/>
+                          </a:rPr>
+                          <m:t>𝑡</m:t>
+                        </m:r>
+                      </m:sub>
+                    </m:sSub>
+                  </m:oMath>
+                </a14:m>
+                <a:r>
+                  <a:rPr lang="en-US" dirty="0"/>
+                  <a:t>, in </a:t>
+                </a:r>
+                <a14:m>
+                  <m:oMath xmlns:m="http://schemas.openxmlformats.org/officeDocument/2006/math">
+                    <m:r>
+                      <a:rPr lang="en-US" i="1">
+                        <a:latin typeface="Cambria Math" panose="02040503050406030204" pitchFamily="18" charset="0"/>
+                      </a:rPr>
+                      <m:t>{</m:t>
+                    </m:r>
+                    <m:sSub>
+                      <m:sSubPr>
+                        <m:ctrlPr>
+                          <a:rPr lang="en-US" i="1">
+                            <a:latin typeface="Cambria Math" panose="02040503050406030204" pitchFamily="18" charset="0"/>
+                          </a:rPr>
+                        </m:ctrlPr>
+                      </m:sSubPr>
+                      <m:e>
+                        <m:r>
+                          <a:rPr lang="en-US" i="1">
+                            <a:latin typeface="Cambria Math" panose="02040503050406030204" pitchFamily="18" charset="0"/>
+                          </a:rPr>
+                          <m:t>𝑅</m:t>
+                        </m:r>
+                      </m:e>
+                      <m:sub>
+                        <m:r>
+                          <a:rPr lang="en-US" i="1">
+                            <a:latin typeface="Cambria Math" panose="02040503050406030204" pitchFamily="18" charset="0"/>
+                          </a:rPr>
+                          <m:t>0</m:t>
+                        </m:r>
+                      </m:sub>
+                    </m:sSub>
+                    <m:r>
+                      <a:rPr lang="en-US" i="1">
+                        <a:latin typeface="Cambria Math" panose="02040503050406030204" pitchFamily="18" charset="0"/>
+                      </a:rPr>
+                      <m:t>, </m:t>
+                    </m:r>
+                    <m:r>
+                      <a:rPr lang="en-US" i="1">
+                        <a:latin typeface="Cambria Math" panose="02040503050406030204" pitchFamily="18" charset="0"/>
+                      </a:rPr>
+                      <m:t>𝒫</m:t>
+                    </m:r>
+                    <m:r>
+                      <a:rPr lang="en-US" i="1">
+                        <a:latin typeface="Cambria Math" panose="02040503050406030204" pitchFamily="18" charset="0"/>
+                      </a:rPr>
+                      <m:t>}</m:t>
+                    </m:r>
+                  </m:oMath>
+                </a14:m>
+                <a:r>
+                  <a:rPr lang="en-US" dirty="0"/>
+                  <a:t> parameter space; across </a:t>
+                </a:r>
+                <a:r>
+                  <a:rPr lang="en-US" dirty="0"/>
+                  <a:t>time horizons, </a:t>
+                </a:r>
+                <a14:m>
+                  <m:oMath xmlns:m="http://schemas.openxmlformats.org/officeDocument/2006/math">
+                    <m:r>
+                      <a:rPr lang="en-US" i="1">
+                        <a:latin typeface="Cambria Math" panose="02040503050406030204" pitchFamily="18" charset="0"/>
+                      </a:rPr>
+                      <m:t>𝑇</m:t>
+                    </m:r>
+                  </m:oMath>
+                </a14:m>
+                <a:r>
+                  <a:rPr lang="en-US" dirty="0"/>
+                  <a:t>, of </a:t>
+                </a:r>
+                <a:r>
+                  <a:rPr lang="en-US" dirty="0"/>
+                  <a:t>2, </a:t>
+                </a:r>
+                <a:r>
+                  <a:rPr lang="en-US" dirty="0"/>
+                  <a:t>10, </a:t>
+                </a:r>
+                <a:r>
+                  <a:rPr lang="en-US" dirty="0"/>
+                  <a:t>20 years; and across different levels of available capital, </a:t>
+                </a:r>
+                <a14:m>
+                  <m:oMath xmlns:m="http://schemas.openxmlformats.org/officeDocument/2006/math">
+                    <m:r>
+                      <a:rPr lang="en-US" i="1">
+                        <a:latin typeface="Cambria Math" panose="02040503050406030204" pitchFamily="18" charset="0"/>
+                      </a:rPr>
+                      <m:t>𝐶</m:t>
+                    </m:r>
+                  </m:oMath>
+                </a14:m>
+                <a:r>
+                  <a:rPr lang="en-US" dirty="0"/>
+                  <a:t>, of 0.5, 1.00, 1.50 per person</a:t>
+                </a:r>
+              </a:p>
+              <a:p>
+                <a:r>
+                  <a:rPr lang="en-US" dirty="0" smtClean="0"/>
+                  <a:t>Include density dependence, </a:t>
+                </a:r>
+                <a14:m>
+                  <m:oMath xmlns:m="http://schemas.openxmlformats.org/officeDocument/2006/math">
+                    <m:sSub>
+                      <m:sSubPr>
+                        <m:ctrlPr>
+                          <a:rPr lang="en-US" b="0" i="1" smtClean="0">
+                            <a:latin typeface="Cambria Math" panose="02040503050406030204" pitchFamily="18" charset="0"/>
+                          </a:rPr>
+                        </m:ctrlPr>
+                      </m:sSubPr>
+                      <m:e>
+                        <m:r>
+                          <a:rPr lang="en-US" b="0" i="1" smtClean="0">
+                            <a:latin typeface="Cambria Math" panose="02040503050406030204" pitchFamily="18" charset="0"/>
+                          </a:rPr>
+                          <m:t>𝑓</m:t>
+                        </m:r>
+                      </m:e>
+                      <m:sub>
+                        <m:r>
+                          <a:rPr lang="en-US" b="0" i="1" smtClean="0">
+                            <a:latin typeface="Cambria Math" panose="02040503050406030204" pitchFamily="18" charset="0"/>
+                          </a:rPr>
+                          <m:t>1</m:t>
+                        </m:r>
+                      </m:sub>
+                    </m:sSub>
+                    <m:r>
+                      <a:rPr lang="en-US" b="0" i="1" smtClean="0">
+                        <a:latin typeface="Cambria Math" panose="02040503050406030204" pitchFamily="18" charset="0"/>
+                      </a:rPr>
+                      <m:t>(</m:t>
+                    </m:r>
+                    <m:r>
+                      <a:rPr lang="en-US" b="0" i="1" smtClean="0">
+                        <a:latin typeface="Cambria Math" panose="02040503050406030204" pitchFamily="18" charset="0"/>
+                      </a:rPr>
+                      <m:t>𝑊</m:t>
+                    </m:r>
+                    <m:r>
+                      <a:rPr lang="en-US" b="0" i="1" smtClean="0">
+                        <a:latin typeface="Cambria Math" panose="02040503050406030204" pitchFamily="18" charset="0"/>
+                      </a:rPr>
+                      <m:t>)</m:t>
+                    </m:r>
+                  </m:oMath>
+                </a14:m>
+                <a:r>
+                  <a:rPr lang="en-US" dirty="0" smtClean="0"/>
+                  <a:t>, that gives rise to a breakpoint</a:t>
+                </a:r>
+              </a:p>
+              <a:p>
+                <a:endParaRPr lang="en-US" dirty="0" smtClean="0"/>
+              </a:p>
+              <a:p>
+                <a:endParaRPr lang="en-US" dirty="0"/>
+              </a:p>
+              <a:p>
+                <a:endParaRPr lang="en-US" dirty="0"/>
+              </a:p>
+            </p:txBody>
+          </p:sp>
+        </mc:Choice>
+        <mc:Fallback>
+          <p:sp>
+            <p:nvSpPr>
+              <p:cNvPr id="6" name="Content Placeholder 2"/>
+              <p:cNvSpPr>
+                <a:spLocks noGrp="1" noRot="1" noChangeAspect="1" noMove="1" noResize="1" noEditPoints="1" noAdjustHandles="1" noChangeArrowheads="1" noChangeShapeType="1" noTextEdit="1"/>
+              </p:cNvSpPr>
+              <p:nvPr>
+                <p:ph idx="1"/>
+              </p:nvPr>
+            </p:nvSpPr>
+            <p:spPr>
+              <a:xfrm>
+                <a:off x="457200" y="1223010"/>
+                <a:ext cx="8229600" cy="3758213"/>
+              </a:xfrm>
+              <a:blipFill rotWithShape="0">
+                <a:blip r:embed="rId2"/>
+                <a:stretch>
+                  <a:fillRect l="-667" t="-812" r="-963"/>
+                </a:stretch>
+              </a:blipFill>
+            </p:spPr>
+            <p:txBody>
+              <a:bodyPr/>
+              <a:lstStyle/>
+              <a:p>
+                <a:r>
+                  <a:rPr lang="en-US">
+                    <a:noFill/>
+                  </a:rPr>
+                  <a:t> </a:t>
+                </a:r>
+              </a:p>
+            </p:txBody>
+          </p:sp>
+        </mc:Fallback>
+      </mc:AlternateContent>
+      <mc:AlternateContent xmlns:mc="http://schemas.openxmlformats.org/markup-compatibility/2006">
+        <mc:Choice xmlns:a14="http://schemas.microsoft.com/office/drawing/2010/main" Requires="a14">
+          <p:sp>
+            <p:nvSpPr>
+              <p:cNvPr id="2" name="Rectangle 1"/>
+              <p:cNvSpPr/>
+              <p:nvPr/>
+            </p:nvSpPr>
+            <p:spPr>
+              <a:xfrm>
+                <a:off x="457199" y="2672255"/>
+                <a:ext cx="8229601" cy="369332"/>
+              </a:xfrm>
+              <a:prstGeom prst="rect">
+                <a:avLst/>
+              </a:prstGeom>
+            </p:spPr>
+            <p:txBody>
+              <a:bodyPr wrap="square">
+                <a:spAutoFit/>
+              </a:bodyPr>
+              <a:lstStyle/>
+              <a:p>
+                <a:pPr/>
+                <a14:m>
+                  <m:oMathPara xmlns:m="http://schemas.openxmlformats.org/officeDocument/2006/math">
+                    <m:oMathParaPr>
+                      <m:jc m:val="centerGroup"/>
+                    </m:oMathParaPr>
+                    <m:oMath xmlns:m="http://schemas.openxmlformats.org/officeDocument/2006/math">
+                      <m:r>
+                        <a:rPr lang="en-US" b="0" i="1" smtClean="0">
+                          <a:solidFill>
+                            <a:schemeClr val="tx1">
+                              <a:lumMod val="60000"/>
+                              <a:lumOff val="40000"/>
+                            </a:schemeClr>
+                          </a:solidFill>
+                          <a:latin typeface="Cambria Math" panose="02040503050406030204" pitchFamily="18" charset="0"/>
+                        </a:rPr>
+                        <m:t>[</m:t>
+                      </m:r>
+                      <m:r>
+                        <a:rPr lang="en-US" i="1" smtClean="0">
+                          <a:solidFill>
+                            <a:schemeClr val="tx1">
+                              <a:lumMod val="60000"/>
+                              <a:lumOff val="40000"/>
+                            </a:schemeClr>
+                          </a:solidFill>
+                          <a:latin typeface="Cambria Math" panose="02040503050406030204" pitchFamily="18" charset="0"/>
+                        </a:rPr>
+                        <m:t>𝑅</m:t>
+                      </m:r>
+                      <m:r>
+                        <a:rPr lang="en-US" b="0" i="1" smtClean="0">
+                          <a:solidFill>
+                            <a:schemeClr val="tx1">
+                              <a:lumMod val="60000"/>
+                              <a:lumOff val="40000"/>
+                            </a:schemeClr>
+                          </a:solidFill>
+                          <a:latin typeface="Cambria Math" panose="02040503050406030204" pitchFamily="18" charset="0"/>
+                        </a:rPr>
+                        <m:t>𝐸𝑆𝑈𝐿𝑇𝑆</m:t>
+                      </m:r>
+                      <m:r>
+                        <a:rPr lang="en-US" b="0" i="1" smtClean="0">
+                          <a:solidFill>
+                            <a:schemeClr val="tx1">
+                              <a:lumMod val="60000"/>
+                              <a:lumOff val="40000"/>
+                            </a:schemeClr>
+                          </a:solidFill>
+                          <a:latin typeface="Cambria Math" panose="02040503050406030204" pitchFamily="18" charset="0"/>
+                        </a:rPr>
+                        <m:t>]</m:t>
+                      </m:r>
+                    </m:oMath>
+                  </m:oMathPara>
+                </a14:m>
+                <a:endParaRPr lang="en-US" dirty="0"/>
+              </a:p>
+            </p:txBody>
+          </p:sp>
+        </mc:Choice>
+        <mc:Fallback>
+          <p:sp>
+            <p:nvSpPr>
+              <p:cNvPr id="2" name="Rectangle 1"/>
+              <p:cNvSpPr>
+                <a:spLocks noRot="1" noChangeAspect="1" noMove="1" noResize="1" noEditPoints="1" noAdjustHandles="1" noChangeArrowheads="1" noChangeShapeType="1" noTextEdit="1"/>
+              </p:cNvSpPr>
+              <p:nvPr/>
+            </p:nvSpPr>
+            <p:spPr>
+              <a:xfrm>
+                <a:off x="457199" y="2672255"/>
+                <a:ext cx="8229601" cy="369332"/>
+              </a:xfrm>
+              <a:prstGeom prst="rect">
+                <a:avLst/>
+              </a:prstGeom>
+              <a:blipFill rotWithShape="0">
+                <a:blip r:embed="rId3"/>
+                <a:stretch>
+                  <a:fillRect b="-14754"/>
+                </a:stretch>
+              </a:blipFill>
+            </p:spPr>
+            <p:txBody>
+              <a:bodyPr/>
+              <a:lstStyle/>
+              <a:p>
+                <a:r>
+                  <a:rPr lang="en-US">
+                    <a:noFill/>
+                  </a:rPr>
+                  <a:t> </a:t>
+                </a:r>
+              </a:p>
+            </p:txBody>
+          </p:sp>
+        </mc:Fallback>
+      </mc:AlternateContent>
+    </p:spTree>
+    <p:extLst>
+      <p:ext uri="{BB962C8B-B14F-4D97-AF65-F5344CB8AC3E}">
+        <p14:creationId xmlns:p14="http://schemas.microsoft.com/office/powerpoint/2010/main" val="678677700"/>
+      </p:ext>
+    </p:extLst>
+  </p:cSld>
+  <p:clrMapOvr>
+    <a:masterClrMapping/>
+  </p:clrMapOvr>
+</p:sld>
+</file>
+
+<file path=ppt/slides/slide28.xml><?xml version="1.0" encoding="utf-8"?>
+<p:sld xmlns:a="http://schemas.openxmlformats.org/drawingml/2006/main" xmlns:r="http://schemas.openxmlformats.org/officeDocument/2006/relationships" xmlns:p="http://schemas.openxmlformats.org/presentationml/2006/main">
+  <p:cSld>
+    <p:spTree>
+      <p:nvGrpSpPr>
+        <p:cNvPr id="1" name=""/>
+        <p:cNvGrpSpPr/>
+        <p:nvPr/>
+      </p:nvGrpSpPr>
+      <p:grpSpPr>
+        <a:xfrm>
+          <a:off x="0" y="0"/>
+          <a:ext cx="0" cy="0"/>
+          <a:chOff x="0" y="0"/>
+          <a:chExt cx="0" cy="0"/>
+        </a:xfrm>
+      </p:grpSpPr>
+      <p:sp>
+        <p:nvSpPr>
+          <p:cNvPr id="4" name="Content Placeholder 3"/>
+          <p:cNvSpPr>
+            <a:spLocks noGrp="1"/>
+          </p:cNvSpPr>
+          <p:nvPr>
+            <p:ph idx="13"/>
+          </p:nvPr>
+        </p:nvSpPr>
+        <p:spPr>
+          <a:xfrm>
+            <a:off x="457199" y="316782"/>
+            <a:ext cx="8229601" cy="488017"/>
+          </a:xfrm>
+        </p:spPr>
+        <p:txBody>
+          <a:bodyPr>
+            <a:noAutofit/>
+          </a:bodyPr>
+          <a:lstStyle/>
+          <a:p>
+            <a:r>
+              <a:rPr lang="en-US" sz="2000" dirty="0" smtClean="0"/>
+              <a:t>Implementation| </a:t>
+            </a:r>
+            <a:r>
+              <a:rPr lang="en-US" sz="2000" dirty="0" smtClean="0">
+                <a:solidFill>
+                  <a:schemeClr val="bg1"/>
+                </a:solidFill>
+              </a:rPr>
+              <a:t>Schistosomiasis model</a:t>
+            </a:r>
+            <a:endParaRPr lang="en-US" sz="2000" dirty="0">
+              <a:solidFill>
+                <a:schemeClr val="bg1"/>
+              </a:solidFill>
+            </a:endParaRPr>
+          </a:p>
+        </p:txBody>
+      </p:sp>
+      <p:sp>
+        <p:nvSpPr>
+          <p:cNvPr id="5" name="Rectangle 4"/>
           <p:cNvSpPr/>
           <p:nvPr/>
         </p:nvSpPr>
         <p:spPr>
           <a:xfrm>
-            <a:off x="457199" y="2672255"/>
-            <a:ext cx="8229601" cy="646331"/>
+            <a:off x="2325732" y="6169564"/>
+            <a:ext cx="5725885" cy="461665"/>
           </a:xfrm>
           <a:prstGeom prst="rect">
             <a:avLst/>
@@ -9381,30 +12569,401 @@
           <a:lstStyle/>
           <a:p>
             <a:r>
-              <a:rPr lang="en-US" smtClean="0"/>
-              <a:t>[RESULTS]</a:t>
-            </a:r>
-            <a:endParaRPr lang="en-US" dirty="0" smtClean="0"/>
-          </a:p>
-          <a:p>
-            <a:endParaRPr lang="en-US" dirty="0"/>
+              <a:rPr lang="en-US" sz="800" dirty="0" err="1">
+                <a:solidFill>
+                  <a:schemeClr val="bg1"/>
+                </a:solidFill>
+                <a:latin typeface="Helvetica" panose="020B0604020202020204" pitchFamily="34" charset="0"/>
+              </a:rPr>
+              <a:t>Arakala</a:t>
+            </a:r>
+            <a:r>
+              <a:rPr lang="en-US" sz="800" dirty="0">
+                <a:solidFill>
+                  <a:schemeClr val="bg1"/>
+                </a:solidFill>
+                <a:latin typeface="Helvetica" panose="020B0604020202020204" pitchFamily="34" charset="0"/>
+              </a:rPr>
+              <a:t> A, Hoover CM, Marshall JM, </a:t>
+            </a:r>
+            <a:r>
+              <a:rPr lang="en-US" sz="800" dirty="0" err="1">
+                <a:solidFill>
+                  <a:schemeClr val="bg1"/>
+                </a:solidFill>
+                <a:latin typeface="Helvetica" panose="020B0604020202020204" pitchFamily="34" charset="0"/>
+              </a:rPr>
+              <a:t>Sokolow</a:t>
+            </a:r>
+            <a:r>
+              <a:rPr lang="en-US" sz="800" dirty="0">
+                <a:solidFill>
+                  <a:schemeClr val="bg1"/>
+                </a:solidFill>
+                <a:latin typeface="Helvetica" panose="020B0604020202020204" pitchFamily="34" charset="0"/>
+              </a:rPr>
+              <a:t> SH, De Leo GA, Rohr JR, et al. (2018) Estimating the elimination feasibility in the 'end game' of control efforts for parasites subjected to regular mass drug administration: Methods and their application to schistosomiasis. </a:t>
+            </a:r>
+            <a:r>
+              <a:rPr lang="en-US" sz="800" dirty="0" err="1">
+                <a:solidFill>
+                  <a:schemeClr val="bg1"/>
+                </a:solidFill>
+                <a:latin typeface="Helvetica" panose="020B0604020202020204" pitchFamily="34" charset="0"/>
+              </a:rPr>
+              <a:t>PLoS</a:t>
+            </a:r>
+            <a:r>
+              <a:rPr lang="en-US" sz="800" dirty="0">
+                <a:solidFill>
+                  <a:schemeClr val="bg1"/>
+                </a:solidFill>
+                <a:latin typeface="Helvetica" panose="020B0604020202020204" pitchFamily="34" charset="0"/>
+              </a:rPr>
+              <a:t> </a:t>
+            </a:r>
+            <a:r>
+              <a:rPr lang="en-US" sz="800" dirty="0" err="1">
+                <a:solidFill>
+                  <a:schemeClr val="bg1"/>
+                </a:solidFill>
+                <a:latin typeface="Helvetica" panose="020B0604020202020204" pitchFamily="34" charset="0"/>
+              </a:rPr>
+              <a:t>Negl</a:t>
+            </a:r>
+            <a:r>
+              <a:rPr lang="en-US" sz="800" dirty="0">
+                <a:solidFill>
+                  <a:schemeClr val="bg1"/>
+                </a:solidFill>
+                <a:latin typeface="Helvetica" panose="020B0604020202020204" pitchFamily="34" charset="0"/>
+              </a:rPr>
+              <a:t> Trop Dis 12(11): e0006794. https://doi.org/10.1371/journal.pntd.0006794</a:t>
+            </a:r>
+            <a:endParaRPr lang="en-US" sz="800" dirty="0">
+              <a:solidFill>
+                <a:schemeClr val="bg1"/>
+              </a:solidFill>
+            </a:endParaRPr>
           </a:p>
         </p:txBody>
       </p:sp>
+      <p:pic>
+        <p:nvPicPr>
+          <p:cNvPr id="2" name="Picture 1"/>
+          <p:cNvPicPr>
+            <a:picLocks noChangeAspect="1"/>
+          </p:cNvPicPr>
+          <p:nvPr/>
+        </p:nvPicPr>
+        <p:blipFill rotWithShape="1">
+          <a:blip r:embed="rId2"/>
+          <a:srcRect l="18925" t="42672" r="34516" b="40579"/>
+          <a:stretch/>
+        </p:blipFill>
+        <p:spPr>
+          <a:xfrm>
+            <a:off x="275705" y="924232"/>
+            <a:ext cx="4597954" cy="1061883"/>
+          </a:xfrm>
+          <a:prstGeom prst="rect">
+            <a:avLst/>
+          </a:prstGeom>
+        </p:spPr>
+      </p:pic>
+      <p:pic>
+        <p:nvPicPr>
+          <p:cNvPr id="3" name="Picture 2"/>
+          <p:cNvPicPr>
+            <a:picLocks noChangeAspect="1"/>
+          </p:cNvPicPr>
+          <p:nvPr/>
+        </p:nvPicPr>
+        <p:blipFill rotWithShape="1">
+          <a:blip r:embed="rId3"/>
+          <a:srcRect l="25104" t="17733" r="27604" b="7134"/>
+          <a:stretch/>
+        </p:blipFill>
+        <p:spPr>
+          <a:xfrm>
+            <a:off x="4095749" y="1455173"/>
+            <a:ext cx="4324351" cy="4657726"/>
+          </a:xfrm>
+          <a:prstGeom prst="rect">
+            <a:avLst/>
+          </a:prstGeom>
+          <a:ln>
+            <a:solidFill>
+              <a:schemeClr val="accent1"/>
+            </a:solidFill>
+          </a:ln>
+        </p:spPr>
+      </p:pic>
     </p:spTree>
     <p:extLst>
       <p:ext uri="{BB962C8B-B14F-4D97-AF65-F5344CB8AC3E}">
-        <p14:creationId xmlns:p14="http://schemas.microsoft.com/office/powerpoint/2010/main" val="2099269572"/>
+        <p14:creationId xmlns:p14="http://schemas.microsoft.com/office/powerpoint/2010/main" val="3695476463"/>
       </p:ext>
     </p:extLst>
   </p:cSld>
   <p:clrMapOvr>
     <a:masterClrMapping/>
   </p:clrMapOvr>
+  <p:timing>
+    <p:tnLst>
+      <p:par>
+        <p:cTn id="1" dur="indefinite" restart="never" nodeType="tmRoot"/>
+      </p:par>
+    </p:tnLst>
+  </p:timing>
 </p:sld>
 </file>
 
-<file path=ppt/slides/slide2.xml><?xml version="1.0" encoding="utf-8"?>
+<file path=ppt/slides/slide29.xml><?xml version="1.0" encoding="utf-8"?>
+<p:sld xmlns:a="http://schemas.openxmlformats.org/drawingml/2006/main" xmlns:r="http://schemas.openxmlformats.org/officeDocument/2006/relationships" xmlns:p="http://schemas.openxmlformats.org/presentationml/2006/main">
+  <p:cSld>
+    <p:spTree>
+      <p:nvGrpSpPr>
+        <p:cNvPr id="1" name=""/>
+        <p:cNvGrpSpPr/>
+        <p:nvPr/>
+      </p:nvGrpSpPr>
+      <p:grpSpPr>
+        <a:xfrm>
+          <a:off x="0" y="0"/>
+          <a:ext cx="0" cy="0"/>
+          <a:chOff x="0" y="0"/>
+          <a:chExt cx="0" cy="0"/>
+        </a:xfrm>
+      </p:grpSpPr>
+      <p:sp>
+        <p:nvSpPr>
+          <p:cNvPr id="4" name="Content Placeholder 3"/>
+          <p:cNvSpPr>
+            <a:spLocks noGrp="1"/>
+          </p:cNvSpPr>
+          <p:nvPr>
+            <p:ph idx="13"/>
+          </p:nvPr>
+        </p:nvSpPr>
+        <p:spPr>
+          <a:xfrm>
+            <a:off x="457199" y="316782"/>
+            <a:ext cx="8229601" cy="488017"/>
+          </a:xfrm>
+        </p:spPr>
+        <p:txBody>
+          <a:bodyPr>
+            <a:noAutofit/>
+          </a:bodyPr>
+          <a:lstStyle/>
+          <a:p>
+            <a:r>
+              <a:rPr lang="en-US" sz="2000" dirty="0" smtClean="0"/>
+              <a:t>Implementation| </a:t>
+            </a:r>
+            <a:r>
+              <a:rPr lang="en-US" sz="2000" dirty="0" smtClean="0">
+                <a:solidFill>
+                  <a:schemeClr val="bg1"/>
+                </a:solidFill>
+              </a:rPr>
+              <a:t>Schistosomiasis model</a:t>
+            </a:r>
+            <a:endParaRPr lang="en-US" sz="2000" dirty="0">
+              <a:solidFill>
+                <a:schemeClr val="bg1"/>
+              </a:solidFill>
+            </a:endParaRPr>
+          </a:p>
+        </p:txBody>
+      </p:sp>
+      <p:sp>
+        <p:nvSpPr>
+          <p:cNvPr id="5" name="Rectangle 4"/>
+          <p:cNvSpPr/>
+          <p:nvPr/>
+        </p:nvSpPr>
+        <p:spPr>
+          <a:xfrm>
+            <a:off x="2325732" y="6169564"/>
+            <a:ext cx="5725885" cy="461665"/>
+          </a:xfrm>
+          <a:prstGeom prst="rect">
+            <a:avLst/>
+          </a:prstGeom>
+        </p:spPr>
+        <p:txBody>
+          <a:bodyPr wrap="square">
+            <a:spAutoFit/>
+          </a:bodyPr>
+          <a:lstStyle/>
+          <a:p>
+            <a:r>
+              <a:rPr lang="en-US" sz="800" dirty="0" err="1">
+                <a:solidFill>
+                  <a:schemeClr val="bg1"/>
+                </a:solidFill>
+                <a:latin typeface="Helvetica" panose="020B0604020202020204" pitchFamily="34" charset="0"/>
+              </a:rPr>
+              <a:t>Arakala</a:t>
+            </a:r>
+            <a:r>
+              <a:rPr lang="en-US" sz="800" dirty="0">
+                <a:solidFill>
+                  <a:schemeClr val="bg1"/>
+                </a:solidFill>
+                <a:latin typeface="Helvetica" panose="020B0604020202020204" pitchFamily="34" charset="0"/>
+              </a:rPr>
+              <a:t> A, Hoover CM, Marshall JM, </a:t>
+            </a:r>
+            <a:r>
+              <a:rPr lang="en-US" sz="800" dirty="0" err="1">
+                <a:solidFill>
+                  <a:schemeClr val="bg1"/>
+                </a:solidFill>
+                <a:latin typeface="Helvetica" panose="020B0604020202020204" pitchFamily="34" charset="0"/>
+              </a:rPr>
+              <a:t>Sokolow</a:t>
+            </a:r>
+            <a:r>
+              <a:rPr lang="en-US" sz="800" dirty="0">
+                <a:solidFill>
+                  <a:schemeClr val="bg1"/>
+                </a:solidFill>
+                <a:latin typeface="Helvetica" panose="020B0604020202020204" pitchFamily="34" charset="0"/>
+              </a:rPr>
+              <a:t> SH, De Leo GA, Rohr JR, et al. (2018) Estimating the elimination feasibility in the 'end game' of control efforts for parasites subjected to regular mass drug administration: Methods and their application to schistosomiasis. </a:t>
+            </a:r>
+            <a:r>
+              <a:rPr lang="en-US" sz="800" dirty="0" err="1">
+                <a:solidFill>
+                  <a:schemeClr val="bg1"/>
+                </a:solidFill>
+                <a:latin typeface="Helvetica" panose="020B0604020202020204" pitchFamily="34" charset="0"/>
+              </a:rPr>
+              <a:t>PLoS</a:t>
+            </a:r>
+            <a:r>
+              <a:rPr lang="en-US" sz="800" dirty="0">
+                <a:solidFill>
+                  <a:schemeClr val="bg1"/>
+                </a:solidFill>
+                <a:latin typeface="Helvetica" panose="020B0604020202020204" pitchFamily="34" charset="0"/>
+              </a:rPr>
+              <a:t> </a:t>
+            </a:r>
+            <a:r>
+              <a:rPr lang="en-US" sz="800" dirty="0" err="1">
+                <a:solidFill>
+                  <a:schemeClr val="bg1"/>
+                </a:solidFill>
+                <a:latin typeface="Helvetica" panose="020B0604020202020204" pitchFamily="34" charset="0"/>
+              </a:rPr>
+              <a:t>Negl</a:t>
+            </a:r>
+            <a:r>
+              <a:rPr lang="en-US" sz="800" dirty="0">
+                <a:solidFill>
+                  <a:schemeClr val="bg1"/>
+                </a:solidFill>
+                <a:latin typeface="Helvetica" panose="020B0604020202020204" pitchFamily="34" charset="0"/>
+              </a:rPr>
+              <a:t> Trop Dis 12(11): e0006794. https://doi.org/10.1371/journal.pntd.0006794</a:t>
+            </a:r>
+            <a:endParaRPr lang="en-US" sz="800" dirty="0">
+              <a:solidFill>
+                <a:schemeClr val="bg1"/>
+              </a:solidFill>
+            </a:endParaRPr>
+          </a:p>
+        </p:txBody>
+      </p:sp>
+      <p:pic>
+        <p:nvPicPr>
+          <p:cNvPr id="2" name="Picture 1"/>
+          <p:cNvPicPr>
+            <a:picLocks noChangeAspect="1"/>
+          </p:cNvPicPr>
+          <p:nvPr/>
+        </p:nvPicPr>
+        <p:blipFill rotWithShape="1">
+          <a:blip r:embed="rId2"/>
+          <a:srcRect l="18925" t="42672" r="34516" b="40579"/>
+          <a:stretch/>
+        </p:blipFill>
+        <p:spPr>
+          <a:xfrm>
+            <a:off x="275705" y="924232"/>
+            <a:ext cx="4597954" cy="1061883"/>
+          </a:xfrm>
+          <a:prstGeom prst="rect">
+            <a:avLst/>
+          </a:prstGeom>
+        </p:spPr>
+      </p:pic>
+      <p:pic>
+        <p:nvPicPr>
+          <p:cNvPr id="3074" name="Picture 2" descr="https://journals.plos.org/plosntds/article/figure/image?size=large&amp;id=10.1371/journal.pntd.0006794.g003"/>
+          <p:cNvPicPr>
+            <a:picLocks noChangeAspect="1" noChangeArrowheads="1"/>
+          </p:cNvPicPr>
+          <p:nvPr/>
+        </p:nvPicPr>
+        <p:blipFill>
+          <a:blip r:embed="rId3">
+            <a:extLst>
+              <a:ext uri="{28A0092B-C50C-407E-A947-70E740481C1C}">
+                <a14:useLocalDpi xmlns:a14="http://schemas.microsoft.com/office/drawing/2010/main" val="0"/>
+              </a:ext>
+            </a:extLst>
+          </a:blip>
+          <a:srcRect/>
+          <a:stretch>
+            <a:fillRect/>
+          </a:stretch>
+        </p:blipFill>
+        <p:spPr bwMode="auto">
+          <a:xfrm>
+            <a:off x="2739452" y="2075720"/>
+            <a:ext cx="5493894" cy="4004238"/>
+          </a:xfrm>
+          <a:prstGeom prst="rect">
+            <a:avLst/>
+          </a:prstGeom>
+          <a:noFill/>
+          <a:extLst>
+            <a:ext uri="{909E8E84-426E-40DD-AFC4-6F175D3DCCD1}">
+              <a14:hiddenFill xmlns:a14="http://schemas.microsoft.com/office/drawing/2010/main">
+                <a:solidFill>
+                  <a:srgbClr val="FFFFFF"/>
+                </a:solidFill>
+              </a14:hiddenFill>
+            </a:ext>
+          </a:extLst>
+        </p:spPr>
+      </p:pic>
+    </p:spTree>
+    <p:extLst>
+      <p:ext uri="{BB962C8B-B14F-4D97-AF65-F5344CB8AC3E}">
+        <p14:creationId xmlns:p14="http://schemas.microsoft.com/office/powerpoint/2010/main" val="4087284639"/>
+      </p:ext>
+    </p:extLst>
+  </p:cSld>
+  <p:clrMapOvr>
+    <a:masterClrMapping/>
+  </p:clrMapOvr>
+  <p:timing>
+    <p:tnLst>
+      <p:par>
+        <p:cTn id="1" dur="indefinite" restart="never" nodeType="tmRoot"/>
+      </p:par>
+    </p:tnLst>
+  </p:timing>
+</p:sld>
+</file>
+
+<file path=ppt/slides/slide3.xml><?xml version="1.0" encoding="utf-8"?>
 <p:sld xmlns:a="http://schemas.openxmlformats.org/drawingml/2006/main" xmlns:r="http://schemas.openxmlformats.org/officeDocument/2006/relationships" xmlns:p="http://schemas.openxmlformats.org/presentationml/2006/main">
   <p:cSld>
     <p:spTree>
@@ -9453,9 +13012,16 @@
             <p:ph idx="1"/>
           </p:nvPr>
         </p:nvSpPr>
-        <p:spPr/>
+        <p:spPr>
+          <a:xfrm>
+            <a:off x="457200" y="2454804"/>
+            <a:ext cx="8229600" cy="3204315"/>
+          </a:xfrm>
+        </p:spPr>
         <p:txBody>
-          <a:bodyPr/>
+          <a:bodyPr>
+            <a:normAutofit/>
+          </a:bodyPr>
           <a:lstStyle/>
           <a:p>
             <a:pPr>
@@ -9514,8 +13080,19 @@
               <a:buChar char="•"/>
             </a:pPr>
             <a:r>
-              <a:rPr lang="en-US" dirty="0"/>
-              <a:t>Systems, decisions, and utility</a:t>
+              <a:rPr lang="en-US" dirty="0" smtClean="0"/>
+              <a:t>Stochastic Dynamic Programming</a:t>
+            </a:r>
+            <a:endParaRPr lang="en-US" dirty="0"/>
+          </a:p>
+          <a:p>
+            <a:pPr marL="576263" lvl="1" indent="-228600">
+              <a:buFont typeface="Arial" panose="020B0604020202020204" pitchFamily="34" charset="0"/>
+              <a:buChar char="•"/>
+            </a:pPr>
+            <a:r>
+              <a:rPr lang="en-US" dirty="0" smtClean="0"/>
+              <a:t>Interventions and their translation into models</a:t>
             </a:r>
           </a:p>
           <a:p>
@@ -9524,12 +13101,20 @@
               <a:buChar char="•"/>
             </a:pPr>
             <a:r>
+              <a:rPr lang="en-US" b="1" dirty="0" smtClean="0">
+                <a:solidFill>
+                  <a:srgbClr val="FDB515"/>
+                </a:solidFill>
+              </a:rPr>
+              <a:t>Implementation </a:t>
+            </a:r>
+            <a:r>
               <a:rPr lang="en-US" b="1" dirty="0">
                 <a:solidFill>
                   <a:srgbClr val="FDB515"/>
                 </a:solidFill>
               </a:rPr>
-              <a:t>Implementation examples</a:t>
+              <a:t>examples</a:t>
             </a:r>
             <a:endParaRPr lang="en-US" sz="1800" b="1" dirty="0">
               <a:solidFill>
@@ -9607,7 +13192,7 @@
     </p:spTree>
     <p:extLst>
       <p:ext uri="{BB962C8B-B14F-4D97-AF65-F5344CB8AC3E}">
-        <p14:creationId xmlns:p14="http://schemas.microsoft.com/office/powerpoint/2010/main" val="3184446357"/>
+        <p14:creationId xmlns:p14="http://schemas.microsoft.com/office/powerpoint/2010/main" val="496030387"/>
       </p:ext>
     </p:extLst>
   </p:cSld>
@@ -9617,7 +13202,1112 @@
 </p:sld>
 </file>
 
-<file path=ppt/slides/slide20.xml><?xml version="1.0" encoding="utf-8"?>
+<file path=ppt/slides/slide30.xml><?xml version="1.0" encoding="utf-8"?>
+<p:sld xmlns:a="http://schemas.openxmlformats.org/drawingml/2006/main" xmlns:r="http://schemas.openxmlformats.org/officeDocument/2006/relationships" xmlns:p="http://schemas.openxmlformats.org/presentationml/2006/main">
+  <p:cSld>
+    <p:spTree>
+      <p:nvGrpSpPr>
+        <p:cNvPr id="1" name=""/>
+        <p:cNvGrpSpPr/>
+        <p:nvPr/>
+      </p:nvGrpSpPr>
+      <p:grpSpPr>
+        <a:xfrm>
+          <a:off x="0" y="0"/>
+          <a:ext cx="0" cy="0"/>
+          <a:chOff x="0" y="0"/>
+          <a:chExt cx="0" cy="0"/>
+        </a:xfrm>
+      </p:grpSpPr>
+      <p:sp>
+        <p:nvSpPr>
+          <p:cNvPr id="4" name="Content Placeholder 3"/>
+          <p:cNvSpPr>
+            <a:spLocks noGrp="1"/>
+          </p:cNvSpPr>
+          <p:nvPr>
+            <p:ph idx="13"/>
+          </p:nvPr>
+        </p:nvSpPr>
+        <p:spPr>
+          <a:xfrm>
+            <a:off x="457199" y="316782"/>
+            <a:ext cx="8229601" cy="488017"/>
+          </a:xfrm>
+        </p:spPr>
+        <p:txBody>
+          <a:bodyPr>
+            <a:noAutofit/>
+          </a:bodyPr>
+          <a:lstStyle/>
+          <a:p>
+            <a:r>
+              <a:rPr lang="en-US" sz="2000" dirty="0" smtClean="0"/>
+              <a:t>Implementation| </a:t>
+            </a:r>
+            <a:r>
+              <a:rPr lang="en-US" sz="2000" dirty="0" smtClean="0">
+                <a:solidFill>
+                  <a:schemeClr val="bg1"/>
+                </a:solidFill>
+              </a:rPr>
+              <a:t>Schistosomiasis model</a:t>
+            </a:r>
+            <a:endParaRPr lang="en-US" sz="2000" dirty="0">
+              <a:solidFill>
+                <a:schemeClr val="bg1"/>
+              </a:solidFill>
+            </a:endParaRPr>
+          </a:p>
+        </p:txBody>
+      </p:sp>
+      <p:sp>
+        <p:nvSpPr>
+          <p:cNvPr id="5" name="Rectangle 4"/>
+          <p:cNvSpPr/>
+          <p:nvPr/>
+        </p:nvSpPr>
+        <p:spPr>
+          <a:xfrm>
+            <a:off x="2325732" y="6169564"/>
+            <a:ext cx="5725885" cy="461665"/>
+          </a:xfrm>
+          <a:prstGeom prst="rect">
+            <a:avLst/>
+          </a:prstGeom>
+        </p:spPr>
+        <p:txBody>
+          <a:bodyPr wrap="square">
+            <a:spAutoFit/>
+          </a:bodyPr>
+          <a:lstStyle/>
+          <a:p>
+            <a:r>
+              <a:rPr lang="en-US" sz="800" dirty="0" err="1">
+                <a:solidFill>
+                  <a:schemeClr val="bg1"/>
+                </a:solidFill>
+                <a:latin typeface="Helvetica" panose="020B0604020202020204" pitchFamily="34" charset="0"/>
+              </a:rPr>
+              <a:t>Arakala</a:t>
+            </a:r>
+            <a:r>
+              <a:rPr lang="en-US" sz="800" dirty="0">
+                <a:solidFill>
+                  <a:schemeClr val="bg1"/>
+                </a:solidFill>
+                <a:latin typeface="Helvetica" panose="020B0604020202020204" pitchFamily="34" charset="0"/>
+              </a:rPr>
+              <a:t> A, Hoover CM, Marshall JM, </a:t>
+            </a:r>
+            <a:r>
+              <a:rPr lang="en-US" sz="800" dirty="0" err="1">
+                <a:solidFill>
+                  <a:schemeClr val="bg1"/>
+                </a:solidFill>
+                <a:latin typeface="Helvetica" panose="020B0604020202020204" pitchFamily="34" charset="0"/>
+              </a:rPr>
+              <a:t>Sokolow</a:t>
+            </a:r>
+            <a:r>
+              <a:rPr lang="en-US" sz="800" dirty="0">
+                <a:solidFill>
+                  <a:schemeClr val="bg1"/>
+                </a:solidFill>
+                <a:latin typeface="Helvetica" panose="020B0604020202020204" pitchFamily="34" charset="0"/>
+              </a:rPr>
+              <a:t> SH, De Leo GA, Rohr JR, et al. (2018) Estimating the elimination feasibility in the 'end game' of control efforts for parasites subjected to regular mass drug administration: Methods and their application to schistosomiasis. </a:t>
+            </a:r>
+            <a:r>
+              <a:rPr lang="en-US" sz="800" dirty="0" err="1">
+                <a:solidFill>
+                  <a:schemeClr val="bg1"/>
+                </a:solidFill>
+                <a:latin typeface="Helvetica" panose="020B0604020202020204" pitchFamily="34" charset="0"/>
+              </a:rPr>
+              <a:t>PLoS</a:t>
+            </a:r>
+            <a:r>
+              <a:rPr lang="en-US" sz="800" dirty="0">
+                <a:solidFill>
+                  <a:schemeClr val="bg1"/>
+                </a:solidFill>
+                <a:latin typeface="Helvetica" panose="020B0604020202020204" pitchFamily="34" charset="0"/>
+              </a:rPr>
+              <a:t> </a:t>
+            </a:r>
+            <a:r>
+              <a:rPr lang="en-US" sz="800" dirty="0" err="1">
+                <a:solidFill>
+                  <a:schemeClr val="bg1"/>
+                </a:solidFill>
+                <a:latin typeface="Helvetica" panose="020B0604020202020204" pitchFamily="34" charset="0"/>
+              </a:rPr>
+              <a:t>Negl</a:t>
+            </a:r>
+            <a:r>
+              <a:rPr lang="en-US" sz="800" dirty="0">
+                <a:solidFill>
+                  <a:schemeClr val="bg1"/>
+                </a:solidFill>
+                <a:latin typeface="Helvetica" panose="020B0604020202020204" pitchFamily="34" charset="0"/>
+              </a:rPr>
+              <a:t> Trop Dis 12(11): e0006794. https://doi.org/10.1371/journal.pntd.0006794</a:t>
+            </a:r>
+            <a:endParaRPr lang="en-US" sz="800" dirty="0">
+              <a:solidFill>
+                <a:schemeClr val="bg1"/>
+              </a:solidFill>
+            </a:endParaRPr>
+          </a:p>
+        </p:txBody>
+      </p:sp>
+      <p:pic>
+        <p:nvPicPr>
+          <p:cNvPr id="2050" name="Picture 2" descr="https://github.com/cmhoove14/DDNTD/raw/master/Analysis/Model_animations_files/figure-markdown_github/stoch_schisto-1.gif"/>
+          <p:cNvPicPr>
+            <a:picLocks noChangeAspect="1" noChangeArrowheads="1" noCrop="1"/>
+          </p:cNvPicPr>
+          <p:nvPr/>
+        </p:nvPicPr>
+        <p:blipFill>
+          <a:blip r:embed="rId2">
+            <a:extLst>
+              <a:ext uri="{28A0092B-C50C-407E-A947-70E740481C1C}">
+                <a14:useLocalDpi xmlns:a14="http://schemas.microsoft.com/office/drawing/2010/main" val="0"/>
+              </a:ext>
+            </a:extLst>
+          </a:blip>
+          <a:srcRect/>
+          <a:stretch>
+            <a:fillRect/>
+          </a:stretch>
+        </p:blipFill>
+        <p:spPr bwMode="auto">
+          <a:xfrm>
+            <a:off x="0" y="804799"/>
+            <a:ext cx="4550595" cy="3250425"/>
+          </a:xfrm>
+          <a:prstGeom prst="rect">
+            <a:avLst/>
+          </a:prstGeom>
+          <a:noFill/>
+          <a:extLst>
+            <a:ext uri="{909E8E84-426E-40DD-AFC4-6F175D3DCCD1}">
+              <a14:hiddenFill xmlns:a14="http://schemas.microsoft.com/office/drawing/2010/main">
+                <a:solidFill>
+                  <a:srgbClr val="FFFFFF"/>
+                </a:solidFill>
+              </a14:hiddenFill>
+            </a:ext>
+          </a:extLst>
+        </p:spPr>
+      </p:pic>
+      <p:pic>
+        <p:nvPicPr>
+          <p:cNvPr id="2052" name="Picture 4" descr="https://github.com/cmhoove14/DDNTD/raw/master/Analysis/Model_animations_files/figure-markdown_github/reff_stoch-1.gif"/>
+          <p:cNvPicPr>
+            <a:picLocks noChangeAspect="1" noChangeArrowheads="1" noCrop="1"/>
+          </p:cNvPicPr>
+          <p:nvPr/>
+        </p:nvPicPr>
+        <p:blipFill>
+          <a:blip r:embed="rId3">
+            <a:extLst>
+              <a:ext uri="{28A0092B-C50C-407E-A947-70E740481C1C}">
+                <a14:useLocalDpi xmlns:a14="http://schemas.microsoft.com/office/drawing/2010/main" val="0"/>
+              </a:ext>
+            </a:extLst>
+          </a:blip>
+          <a:srcRect/>
+          <a:stretch>
+            <a:fillRect/>
+          </a:stretch>
+        </p:blipFill>
+        <p:spPr bwMode="auto">
+          <a:xfrm>
+            <a:off x="4593405" y="804799"/>
+            <a:ext cx="4550595" cy="3250425"/>
+          </a:xfrm>
+          <a:prstGeom prst="rect">
+            <a:avLst/>
+          </a:prstGeom>
+          <a:noFill/>
+          <a:extLst>
+            <a:ext uri="{909E8E84-426E-40DD-AFC4-6F175D3DCCD1}">
+              <a14:hiddenFill xmlns:a14="http://schemas.microsoft.com/office/drawing/2010/main">
+                <a:solidFill>
+                  <a:srgbClr val="FFFFFF"/>
+                </a:solidFill>
+              </a14:hiddenFill>
+            </a:ext>
+          </a:extLst>
+        </p:spPr>
+      </p:pic>
+    </p:spTree>
+    <p:extLst>
+      <p:ext uri="{BB962C8B-B14F-4D97-AF65-F5344CB8AC3E}">
+        <p14:creationId xmlns:p14="http://schemas.microsoft.com/office/powerpoint/2010/main" val="3177853334"/>
+      </p:ext>
+    </p:extLst>
+  </p:cSld>
+  <p:clrMapOvr>
+    <a:masterClrMapping/>
+  </p:clrMapOvr>
+  <p:timing>
+    <p:tnLst>
+      <p:par>
+        <p:cTn id="1" dur="indefinite" restart="never" nodeType="tmRoot"/>
+      </p:par>
+    </p:tnLst>
+  </p:timing>
+</p:sld>
+</file>
+
+<file path=ppt/slides/slide31.xml><?xml version="1.0" encoding="utf-8"?>
+<p:sld xmlns:a="http://schemas.openxmlformats.org/drawingml/2006/main" xmlns:r="http://schemas.openxmlformats.org/officeDocument/2006/relationships" xmlns:p="http://schemas.openxmlformats.org/presentationml/2006/main">
+  <p:cSld>
+    <p:spTree>
+      <p:nvGrpSpPr>
+        <p:cNvPr id="1" name=""/>
+        <p:cNvGrpSpPr/>
+        <p:nvPr/>
+      </p:nvGrpSpPr>
+      <p:grpSpPr>
+        <a:xfrm>
+          <a:off x="0" y="0"/>
+          <a:ext cx="0" cy="0"/>
+          <a:chOff x="0" y="0"/>
+          <a:chExt cx="0" cy="0"/>
+        </a:xfrm>
+      </p:grpSpPr>
+      <p:sp>
+        <p:nvSpPr>
+          <p:cNvPr id="4" name="Content Placeholder 3"/>
+          <p:cNvSpPr>
+            <a:spLocks noGrp="1"/>
+          </p:cNvSpPr>
+          <p:nvPr>
+            <p:ph idx="13"/>
+          </p:nvPr>
+        </p:nvSpPr>
+        <p:spPr>
+          <a:xfrm>
+            <a:off x="457199" y="316782"/>
+            <a:ext cx="8229601" cy="488017"/>
+          </a:xfrm>
+        </p:spPr>
+        <p:txBody>
+          <a:bodyPr>
+            <a:noAutofit/>
+          </a:bodyPr>
+          <a:lstStyle/>
+          <a:p>
+            <a:r>
+              <a:rPr lang="en-US" sz="2000" dirty="0" smtClean="0"/>
+              <a:t>Implementation| </a:t>
+            </a:r>
+            <a:r>
+              <a:rPr lang="en-US" sz="2000" dirty="0" smtClean="0">
+                <a:solidFill>
+                  <a:schemeClr val="bg1"/>
+                </a:solidFill>
+              </a:rPr>
+              <a:t>Schistosomiasis model</a:t>
+            </a:r>
+            <a:endParaRPr lang="en-US" sz="2000" dirty="0">
+              <a:solidFill>
+                <a:schemeClr val="bg1"/>
+              </a:solidFill>
+            </a:endParaRPr>
+          </a:p>
+        </p:txBody>
+      </p:sp>
+      <p:sp>
+        <p:nvSpPr>
+          <p:cNvPr id="5" name="Rectangle 4"/>
+          <p:cNvSpPr/>
+          <p:nvPr/>
+        </p:nvSpPr>
+        <p:spPr>
+          <a:xfrm>
+            <a:off x="2325732" y="6169564"/>
+            <a:ext cx="5725885" cy="461665"/>
+          </a:xfrm>
+          <a:prstGeom prst="rect">
+            <a:avLst/>
+          </a:prstGeom>
+        </p:spPr>
+        <p:txBody>
+          <a:bodyPr wrap="square">
+            <a:spAutoFit/>
+          </a:bodyPr>
+          <a:lstStyle/>
+          <a:p>
+            <a:r>
+              <a:rPr lang="en-US" sz="800" dirty="0" err="1">
+                <a:solidFill>
+                  <a:schemeClr val="bg1"/>
+                </a:solidFill>
+                <a:latin typeface="Helvetica" panose="020B0604020202020204" pitchFamily="34" charset="0"/>
+              </a:rPr>
+              <a:t>Arakala</a:t>
+            </a:r>
+            <a:r>
+              <a:rPr lang="en-US" sz="800" dirty="0">
+                <a:solidFill>
+                  <a:schemeClr val="bg1"/>
+                </a:solidFill>
+                <a:latin typeface="Helvetica" panose="020B0604020202020204" pitchFamily="34" charset="0"/>
+              </a:rPr>
+              <a:t> A, Hoover CM, Marshall JM, </a:t>
+            </a:r>
+            <a:r>
+              <a:rPr lang="en-US" sz="800" dirty="0" err="1">
+                <a:solidFill>
+                  <a:schemeClr val="bg1"/>
+                </a:solidFill>
+                <a:latin typeface="Helvetica" panose="020B0604020202020204" pitchFamily="34" charset="0"/>
+              </a:rPr>
+              <a:t>Sokolow</a:t>
+            </a:r>
+            <a:r>
+              <a:rPr lang="en-US" sz="800" dirty="0">
+                <a:solidFill>
+                  <a:schemeClr val="bg1"/>
+                </a:solidFill>
+                <a:latin typeface="Helvetica" panose="020B0604020202020204" pitchFamily="34" charset="0"/>
+              </a:rPr>
+              <a:t> SH, De Leo GA, Rohr JR, et al. (2018) Estimating the elimination feasibility in the 'end game' of control efforts for parasites subjected to regular mass drug administration: Methods and their application to schistosomiasis. </a:t>
+            </a:r>
+            <a:r>
+              <a:rPr lang="en-US" sz="800" dirty="0" err="1">
+                <a:solidFill>
+                  <a:schemeClr val="bg1"/>
+                </a:solidFill>
+                <a:latin typeface="Helvetica" panose="020B0604020202020204" pitchFamily="34" charset="0"/>
+              </a:rPr>
+              <a:t>PLoS</a:t>
+            </a:r>
+            <a:r>
+              <a:rPr lang="en-US" sz="800" dirty="0">
+                <a:solidFill>
+                  <a:schemeClr val="bg1"/>
+                </a:solidFill>
+                <a:latin typeface="Helvetica" panose="020B0604020202020204" pitchFamily="34" charset="0"/>
+              </a:rPr>
+              <a:t> </a:t>
+            </a:r>
+            <a:r>
+              <a:rPr lang="en-US" sz="800" dirty="0" err="1">
+                <a:solidFill>
+                  <a:schemeClr val="bg1"/>
+                </a:solidFill>
+                <a:latin typeface="Helvetica" panose="020B0604020202020204" pitchFamily="34" charset="0"/>
+              </a:rPr>
+              <a:t>Negl</a:t>
+            </a:r>
+            <a:r>
+              <a:rPr lang="en-US" sz="800" dirty="0">
+                <a:solidFill>
+                  <a:schemeClr val="bg1"/>
+                </a:solidFill>
+                <a:latin typeface="Helvetica" panose="020B0604020202020204" pitchFamily="34" charset="0"/>
+              </a:rPr>
+              <a:t> Trop Dis 12(11): e0006794. https://doi.org/10.1371/journal.pntd.0006794</a:t>
+            </a:r>
+            <a:endParaRPr lang="en-US" sz="800" dirty="0">
+              <a:solidFill>
+                <a:schemeClr val="bg1"/>
+              </a:solidFill>
+            </a:endParaRPr>
+          </a:p>
+        </p:txBody>
+      </p:sp>
+      <p:pic>
+        <p:nvPicPr>
+          <p:cNvPr id="2" name="Picture 1"/>
+          <p:cNvPicPr>
+            <a:picLocks noChangeAspect="1"/>
+          </p:cNvPicPr>
+          <p:nvPr/>
+        </p:nvPicPr>
+        <p:blipFill rotWithShape="1">
+          <a:blip r:embed="rId2"/>
+          <a:srcRect l="18925" t="42672" r="34516" b="40579"/>
+          <a:stretch/>
+        </p:blipFill>
+        <p:spPr>
+          <a:xfrm>
+            <a:off x="275705" y="924232"/>
+            <a:ext cx="4597954" cy="1061883"/>
+          </a:xfrm>
+          <a:prstGeom prst="rect">
+            <a:avLst/>
+          </a:prstGeom>
+        </p:spPr>
+      </p:pic>
+      <p:pic>
+        <p:nvPicPr>
+          <p:cNvPr id="4098" name="Picture 2" descr="https://journals.plos.org/plosntds/article/figure/image?size=large&amp;id=10.1371/journal.pntd.0006794.g005"/>
+          <p:cNvPicPr>
+            <a:picLocks noChangeAspect="1" noChangeArrowheads="1"/>
+          </p:cNvPicPr>
+          <p:nvPr/>
+        </p:nvPicPr>
+        <p:blipFill>
+          <a:blip r:embed="rId3">
+            <a:extLst>
+              <a:ext uri="{28A0092B-C50C-407E-A947-70E740481C1C}">
+                <a14:useLocalDpi xmlns:a14="http://schemas.microsoft.com/office/drawing/2010/main" val="0"/>
+              </a:ext>
+            </a:extLst>
+          </a:blip>
+          <a:srcRect/>
+          <a:stretch>
+            <a:fillRect/>
+          </a:stretch>
+        </p:blipFill>
+        <p:spPr bwMode="auto">
+          <a:xfrm>
+            <a:off x="4130026" y="1438276"/>
+            <a:ext cx="4556774" cy="4529686"/>
+          </a:xfrm>
+          <a:prstGeom prst="rect">
+            <a:avLst/>
+          </a:prstGeom>
+          <a:noFill/>
+          <a:ln>
+            <a:solidFill>
+              <a:schemeClr val="accent1"/>
+            </a:solidFill>
+          </a:ln>
+          <a:extLst>
+            <a:ext uri="{909E8E84-426E-40DD-AFC4-6F175D3DCCD1}">
+              <a14:hiddenFill xmlns:a14="http://schemas.microsoft.com/office/drawing/2010/main">
+                <a:solidFill>
+                  <a:srgbClr val="FFFFFF"/>
+                </a:solidFill>
+              </a14:hiddenFill>
+            </a:ext>
+          </a:extLst>
+        </p:spPr>
+      </p:pic>
+    </p:spTree>
+    <p:extLst>
+      <p:ext uri="{BB962C8B-B14F-4D97-AF65-F5344CB8AC3E}">
+        <p14:creationId xmlns:p14="http://schemas.microsoft.com/office/powerpoint/2010/main" val="1741575040"/>
+      </p:ext>
+    </p:extLst>
+  </p:cSld>
+  <p:clrMapOvr>
+    <a:masterClrMapping/>
+  </p:clrMapOvr>
+  <p:timing>
+    <p:tnLst>
+      <p:par>
+        <p:cTn id="1" dur="indefinite" restart="never" nodeType="tmRoot"/>
+      </p:par>
+    </p:tnLst>
+  </p:timing>
+</p:sld>
+</file>
+
+<file path=ppt/slides/slide32.xml><?xml version="1.0" encoding="utf-8"?>
+<p:sld xmlns:a="http://schemas.openxmlformats.org/drawingml/2006/main" xmlns:r="http://schemas.openxmlformats.org/officeDocument/2006/relationships" xmlns:p="http://schemas.openxmlformats.org/presentationml/2006/main">
+  <p:cSld>
+    <p:spTree>
+      <p:nvGrpSpPr>
+        <p:cNvPr id="1" name=""/>
+        <p:cNvGrpSpPr/>
+        <p:nvPr/>
+      </p:nvGrpSpPr>
+      <p:grpSpPr>
+        <a:xfrm>
+          <a:off x="0" y="0"/>
+          <a:ext cx="0" cy="0"/>
+          <a:chOff x="0" y="0"/>
+          <a:chExt cx="0" cy="0"/>
+        </a:xfrm>
+      </p:grpSpPr>
+      <p:sp>
+        <p:nvSpPr>
+          <p:cNvPr id="4" name="Content Placeholder 3"/>
+          <p:cNvSpPr>
+            <a:spLocks noGrp="1"/>
+          </p:cNvSpPr>
+          <p:nvPr>
+            <p:ph idx="13"/>
+          </p:nvPr>
+        </p:nvSpPr>
+        <p:spPr>
+          <a:xfrm>
+            <a:off x="457199" y="316782"/>
+            <a:ext cx="8229601" cy="488017"/>
+          </a:xfrm>
+        </p:spPr>
+        <p:txBody>
+          <a:bodyPr>
+            <a:noAutofit/>
+          </a:bodyPr>
+          <a:lstStyle/>
+          <a:p>
+            <a:r>
+              <a:rPr lang="en-US" sz="2000" dirty="0" smtClean="0"/>
+              <a:t>Implementation| </a:t>
+            </a:r>
+            <a:r>
+              <a:rPr lang="en-US" sz="2000" dirty="0" smtClean="0">
+                <a:solidFill>
+                  <a:schemeClr val="bg1"/>
+                </a:solidFill>
+              </a:rPr>
+              <a:t>Schistosomiasis model</a:t>
+            </a:r>
+            <a:endParaRPr lang="en-US" sz="2000" dirty="0">
+              <a:solidFill>
+                <a:schemeClr val="bg1"/>
+              </a:solidFill>
+            </a:endParaRPr>
+          </a:p>
+        </p:txBody>
+      </p:sp>
+      <p:sp>
+        <p:nvSpPr>
+          <p:cNvPr id="5" name="Rectangle 4"/>
+          <p:cNvSpPr/>
+          <p:nvPr/>
+        </p:nvSpPr>
+        <p:spPr>
+          <a:xfrm>
+            <a:off x="2325732" y="6169564"/>
+            <a:ext cx="5725885" cy="461665"/>
+          </a:xfrm>
+          <a:prstGeom prst="rect">
+            <a:avLst/>
+          </a:prstGeom>
+        </p:spPr>
+        <p:txBody>
+          <a:bodyPr wrap="square">
+            <a:spAutoFit/>
+          </a:bodyPr>
+          <a:lstStyle/>
+          <a:p>
+            <a:r>
+              <a:rPr lang="en-US" sz="800" dirty="0" err="1">
+                <a:solidFill>
+                  <a:schemeClr val="bg1"/>
+                </a:solidFill>
+                <a:latin typeface="Helvetica" panose="020B0604020202020204" pitchFamily="34" charset="0"/>
+              </a:rPr>
+              <a:t>Arakala</a:t>
+            </a:r>
+            <a:r>
+              <a:rPr lang="en-US" sz="800" dirty="0">
+                <a:solidFill>
+                  <a:schemeClr val="bg1"/>
+                </a:solidFill>
+                <a:latin typeface="Helvetica" panose="020B0604020202020204" pitchFamily="34" charset="0"/>
+              </a:rPr>
+              <a:t> A, Hoover CM, Marshall JM, </a:t>
+            </a:r>
+            <a:r>
+              <a:rPr lang="en-US" sz="800" dirty="0" err="1">
+                <a:solidFill>
+                  <a:schemeClr val="bg1"/>
+                </a:solidFill>
+                <a:latin typeface="Helvetica" panose="020B0604020202020204" pitchFamily="34" charset="0"/>
+              </a:rPr>
+              <a:t>Sokolow</a:t>
+            </a:r>
+            <a:r>
+              <a:rPr lang="en-US" sz="800" dirty="0">
+                <a:solidFill>
+                  <a:schemeClr val="bg1"/>
+                </a:solidFill>
+                <a:latin typeface="Helvetica" panose="020B0604020202020204" pitchFamily="34" charset="0"/>
+              </a:rPr>
+              <a:t> SH, De Leo GA, Rohr JR, et al. (2018) Estimating the elimination feasibility in the 'end game' of control efforts for parasites subjected to regular mass drug administration: Methods and their application to schistosomiasis. </a:t>
+            </a:r>
+            <a:r>
+              <a:rPr lang="en-US" sz="800" dirty="0" err="1">
+                <a:solidFill>
+                  <a:schemeClr val="bg1"/>
+                </a:solidFill>
+                <a:latin typeface="Helvetica" panose="020B0604020202020204" pitchFamily="34" charset="0"/>
+              </a:rPr>
+              <a:t>PLoS</a:t>
+            </a:r>
+            <a:r>
+              <a:rPr lang="en-US" sz="800" dirty="0">
+                <a:solidFill>
+                  <a:schemeClr val="bg1"/>
+                </a:solidFill>
+                <a:latin typeface="Helvetica" panose="020B0604020202020204" pitchFamily="34" charset="0"/>
+              </a:rPr>
+              <a:t> </a:t>
+            </a:r>
+            <a:r>
+              <a:rPr lang="en-US" sz="800" dirty="0" err="1">
+                <a:solidFill>
+                  <a:schemeClr val="bg1"/>
+                </a:solidFill>
+                <a:latin typeface="Helvetica" panose="020B0604020202020204" pitchFamily="34" charset="0"/>
+              </a:rPr>
+              <a:t>Negl</a:t>
+            </a:r>
+            <a:r>
+              <a:rPr lang="en-US" sz="800" dirty="0">
+                <a:solidFill>
+                  <a:schemeClr val="bg1"/>
+                </a:solidFill>
+                <a:latin typeface="Helvetica" panose="020B0604020202020204" pitchFamily="34" charset="0"/>
+              </a:rPr>
+              <a:t> Trop Dis 12(11): e0006794. https://doi.org/10.1371/journal.pntd.0006794</a:t>
+            </a:r>
+            <a:endParaRPr lang="en-US" sz="800" dirty="0">
+              <a:solidFill>
+                <a:schemeClr val="bg1"/>
+              </a:solidFill>
+            </a:endParaRPr>
+          </a:p>
+        </p:txBody>
+      </p:sp>
+      <p:pic>
+        <p:nvPicPr>
+          <p:cNvPr id="6" name="Picture 5"/>
+          <p:cNvPicPr>
+            <a:picLocks noChangeAspect="1"/>
+          </p:cNvPicPr>
+          <p:nvPr/>
+        </p:nvPicPr>
+        <p:blipFill rotWithShape="1">
+          <a:blip r:embed="rId2"/>
+          <a:srcRect l="33488" t="34652" r="42020" b="37304"/>
+          <a:stretch/>
+        </p:blipFill>
+        <p:spPr>
+          <a:xfrm>
+            <a:off x="2238374" y="1838325"/>
+            <a:ext cx="4111027" cy="2905126"/>
+          </a:xfrm>
+          <a:prstGeom prst="rect">
+            <a:avLst/>
+          </a:prstGeom>
+        </p:spPr>
+      </p:pic>
+      <p:sp>
+        <p:nvSpPr>
+          <p:cNvPr id="2" name="TextBox 1"/>
+          <p:cNvSpPr txBox="1"/>
+          <p:nvPr/>
+        </p:nvSpPr>
+        <p:spPr>
+          <a:xfrm>
+            <a:off x="3458660" y="4743451"/>
+            <a:ext cx="1670457" cy="369332"/>
+          </a:xfrm>
+          <a:prstGeom prst="rect">
+            <a:avLst/>
+          </a:prstGeom>
+          <a:noFill/>
+        </p:spPr>
+        <p:txBody>
+          <a:bodyPr wrap="none" rtlCol="0">
+            <a:spAutoFit/>
+          </a:bodyPr>
+          <a:lstStyle/>
+          <a:p>
+            <a:pPr algn="ctr"/>
+            <a:r>
+              <a:rPr lang="en-US" dirty="0" smtClean="0"/>
+              <a:t>[Other variable]</a:t>
+            </a:r>
+            <a:endParaRPr lang="en-US" dirty="0"/>
+          </a:p>
+        </p:txBody>
+      </p:sp>
+      <p:sp>
+        <p:nvSpPr>
+          <p:cNvPr id="8" name="TextBox 7"/>
+          <p:cNvSpPr txBox="1"/>
+          <p:nvPr/>
+        </p:nvSpPr>
+        <p:spPr>
+          <a:xfrm rot="16200000">
+            <a:off x="1356000" y="3034397"/>
+            <a:ext cx="1213666" cy="646331"/>
+          </a:xfrm>
+          <a:prstGeom prst="rect">
+            <a:avLst/>
+          </a:prstGeom>
+          <a:noFill/>
+        </p:spPr>
+        <p:txBody>
+          <a:bodyPr wrap="none" rtlCol="0">
+            <a:spAutoFit/>
+          </a:bodyPr>
+          <a:lstStyle/>
+          <a:p>
+            <a:pPr algn="ctr"/>
+            <a:r>
+              <a:rPr lang="en-US" dirty="0" smtClean="0"/>
+              <a:t>MDA</a:t>
+            </a:r>
+          </a:p>
+          <a:p>
+            <a:pPr algn="ctr"/>
+            <a:r>
+              <a:rPr lang="en-US" dirty="0" smtClean="0"/>
+              <a:t>COVERAGE</a:t>
+            </a:r>
+            <a:endParaRPr lang="en-US" dirty="0"/>
+          </a:p>
+        </p:txBody>
+      </p:sp>
+      <p:pic>
+        <p:nvPicPr>
+          <p:cNvPr id="9" name="Picture 8"/>
+          <p:cNvPicPr>
+            <a:picLocks noChangeAspect="1"/>
+          </p:cNvPicPr>
+          <p:nvPr/>
+        </p:nvPicPr>
+        <p:blipFill rotWithShape="1">
+          <a:blip r:embed="rId2"/>
+          <a:srcRect l="89492" t="35975" r="1364" b="33335"/>
+          <a:stretch/>
+        </p:blipFill>
+        <p:spPr>
+          <a:xfrm>
+            <a:off x="6605208" y="2805112"/>
+            <a:ext cx="533400" cy="1104900"/>
+          </a:xfrm>
+          <a:prstGeom prst="rect">
+            <a:avLst/>
+          </a:prstGeom>
+        </p:spPr>
+      </p:pic>
+      <mc:AlternateContent xmlns:mc="http://schemas.openxmlformats.org/markup-compatibility/2006">
+        <mc:Choice xmlns:a14="http://schemas.microsoft.com/office/drawing/2010/main" Requires="a14">
+          <p:sp>
+            <p:nvSpPr>
+              <p:cNvPr id="10" name="TextBox 9"/>
+              <p:cNvSpPr txBox="1"/>
+              <p:nvPr/>
+            </p:nvSpPr>
+            <p:spPr>
+              <a:xfrm>
+                <a:off x="6270239" y="2381397"/>
+                <a:ext cx="1203343" cy="394852"/>
+              </a:xfrm>
+              <a:prstGeom prst="rect">
+                <a:avLst/>
+              </a:prstGeom>
+              <a:noFill/>
+            </p:spPr>
+            <p:txBody>
+              <a:bodyPr wrap="none" rtlCol="0">
+                <a:spAutoFit/>
+              </a:bodyPr>
+              <a:lstStyle/>
+              <a:p>
+                <a:pPr algn="ctr"/>
+                <a14:m>
+                  <m:oMathPara xmlns:m="http://schemas.openxmlformats.org/officeDocument/2006/math">
+                    <m:oMathParaPr>
+                      <m:jc m:val="centerGroup"/>
+                    </m:oMathParaPr>
+                    <m:oMath xmlns:m="http://schemas.openxmlformats.org/officeDocument/2006/math">
+                      <m:sSub>
+                        <m:sSubPr>
+                          <m:ctrlPr>
+                            <a:rPr lang="en-US" b="0" i="1" smtClean="0">
+                              <a:latin typeface="Cambria Math" panose="02040503050406030204" pitchFamily="18" charset="0"/>
+                            </a:rPr>
+                          </m:ctrlPr>
+                        </m:sSubPr>
+                        <m:e>
+                          <m:r>
+                            <a:rPr lang="en-US" b="0" i="1" smtClean="0">
+                              <a:latin typeface="Cambria Math" panose="02040503050406030204" pitchFamily="18" charset="0"/>
+                            </a:rPr>
+                            <m:t>𝑃</m:t>
+                          </m:r>
+                        </m:e>
+                        <m:sub>
+                          <m:r>
+                            <a:rPr lang="en-US" b="0" i="1" smtClean="0">
+                              <a:latin typeface="Cambria Math" panose="02040503050406030204" pitchFamily="18" charset="0"/>
+                            </a:rPr>
+                            <m:t>𝑒</m:t>
+                          </m:r>
+                        </m:sub>
+                      </m:sSub>
+                      <m:r>
+                        <a:rPr lang="en-US" b="0" i="0" smtClean="0">
+                          <a:latin typeface="Cambria Math" panose="02040503050406030204" pitchFamily="18" charset="0"/>
+                        </a:rPr>
+                        <m:t>(</m:t>
+                      </m:r>
+                      <m:sSub>
+                        <m:sSubPr>
+                          <m:ctrlPr>
+                            <a:rPr lang="en-US" b="0" i="0" smtClean="0">
+                              <a:latin typeface="Cambria Math" panose="02040503050406030204" pitchFamily="18" charset="0"/>
+                            </a:rPr>
+                          </m:ctrlPr>
+                        </m:sSubPr>
+                        <m:e>
+                          <m:r>
+                            <m:rPr>
+                              <m:sty m:val="p"/>
+                            </m:rPr>
+                            <a:rPr lang="en-US" b="0" i="0" smtClean="0">
+                              <a:latin typeface="Cambria Math" panose="02040503050406030204" pitchFamily="18" charset="0"/>
+                            </a:rPr>
+                            <m:t>T</m:t>
+                          </m:r>
+                        </m:e>
+                        <m:sub>
+                          <m:r>
+                            <m:rPr>
+                              <m:sty m:val="p"/>
+                            </m:rPr>
+                            <a:rPr lang="en-US" b="0" i="0" smtClean="0">
+                              <a:latin typeface="Cambria Math" panose="02040503050406030204" pitchFamily="18" charset="0"/>
+                            </a:rPr>
+                            <m:t>years</m:t>
+                          </m:r>
+                        </m:sub>
+                      </m:sSub>
+                      <m:r>
+                        <a:rPr lang="en-US" b="0" i="0" smtClean="0">
+                          <a:latin typeface="Cambria Math" panose="02040503050406030204" pitchFamily="18" charset="0"/>
+                        </a:rPr>
+                        <m:t>)</m:t>
+                      </m:r>
+                    </m:oMath>
+                  </m:oMathPara>
+                </a14:m>
+                <a:endParaRPr lang="en-US" dirty="0"/>
+              </a:p>
+            </p:txBody>
+          </p:sp>
+        </mc:Choice>
+        <mc:Fallback>
+          <p:sp>
+            <p:nvSpPr>
+              <p:cNvPr id="10" name="TextBox 9"/>
+              <p:cNvSpPr txBox="1">
+                <a:spLocks noRot="1" noChangeAspect="1" noMove="1" noResize="1" noEditPoints="1" noAdjustHandles="1" noChangeArrowheads="1" noChangeShapeType="1" noTextEdit="1"/>
+              </p:cNvSpPr>
+              <p:nvPr/>
+            </p:nvSpPr>
+            <p:spPr>
+              <a:xfrm>
+                <a:off x="6270239" y="2381397"/>
+                <a:ext cx="1203343" cy="394852"/>
+              </a:xfrm>
+              <a:prstGeom prst="rect">
+                <a:avLst/>
+              </a:prstGeom>
+              <a:blipFill rotWithShape="0">
+                <a:blip r:embed="rId3"/>
+                <a:stretch>
+                  <a:fillRect b="-7813"/>
+                </a:stretch>
+              </a:blipFill>
+            </p:spPr>
+            <p:txBody>
+              <a:bodyPr/>
+              <a:lstStyle/>
+              <a:p>
+                <a:r>
+                  <a:rPr lang="en-US">
+                    <a:noFill/>
+                  </a:rPr>
+                  <a:t> </a:t>
+                </a:r>
+              </a:p>
+            </p:txBody>
+          </p:sp>
+        </mc:Fallback>
+      </mc:AlternateContent>
+    </p:spTree>
+    <p:extLst>
+      <p:ext uri="{BB962C8B-B14F-4D97-AF65-F5344CB8AC3E}">
+        <p14:creationId xmlns:p14="http://schemas.microsoft.com/office/powerpoint/2010/main" val="1693637385"/>
+      </p:ext>
+    </p:extLst>
+  </p:cSld>
+  <p:clrMapOvr>
+    <a:masterClrMapping/>
+  </p:clrMapOvr>
+  <p:timing>
+    <p:tnLst>
+      <p:par>
+        <p:cTn id="1" dur="indefinite" restart="never" nodeType="tmRoot"/>
+      </p:par>
+    </p:tnLst>
+  </p:timing>
+</p:sld>
+</file>
+
+<file path=ppt/slides/slide33.xml><?xml version="1.0" encoding="utf-8"?>
+<p:sld xmlns:a="http://schemas.openxmlformats.org/drawingml/2006/main" xmlns:r="http://schemas.openxmlformats.org/officeDocument/2006/relationships" xmlns:p="http://schemas.openxmlformats.org/presentationml/2006/main">
+  <p:cSld>
+    <p:spTree>
+      <p:nvGrpSpPr>
+        <p:cNvPr id="1" name=""/>
+        <p:cNvGrpSpPr/>
+        <p:nvPr/>
+      </p:nvGrpSpPr>
+      <p:grpSpPr>
+        <a:xfrm>
+          <a:off x="0" y="0"/>
+          <a:ext cx="0" cy="0"/>
+          <a:chOff x="0" y="0"/>
+          <a:chExt cx="0" cy="0"/>
+        </a:xfrm>
+      </p:grpSpPr>
+      <p:sp>
+        <p:nvSpPr>
+          <p:cNvPr id="4" name="Content Placeholder 3"/>
+          <p:cNvSpPr>
+            <a:spLocks noGrp="1"/>
+          </p:cNvSpPr>
+          <p:nvPr>
+            <p:ph idx="13"/>
+          </p:nvPr>
+        </p:nvSpPr>
+        <p:spPr>
+          <a:xfrm>
+            <a:off x="457199" y="316782"/>
+            <a:ext cx="8229601" cy="488017"/>
+          </a:xfrm>
+        </p:spPr>
+        <p:txBody>
+          <a:bodyPr>
+            <a:noAutofit/>
+          </a:bodyPr>
+          <a:lstStyle/>
+          <a:p>
+            <a:r>
+              <a:rPr lang="en-US" sz="2000" dirty="0" smtClean="0"/>
+              <a:t>Implementation| </a:t>
+            </a:r>
+            <a:r>
+              <a:rPr lang="en-US" sz="2000" dirty="0" smtClean="0">
+                <a:solidFill>
+                  <a:schemeClr val="bg1"/>
+                </a:solidFill>
+              </a:rPr>
+              <a:t>Schistosomiasis model, next steps</a:t>
+            </a:r>
+            <a:endParaRPr lang="en-US" sz="2000" dirty="0">
+              <a:solidFill>
+                <a:schemeClr val="bg1"/>
+              </a:solidFill>
+            </a:endParaRPr>
+          </a:p>
+        </p:txBody>
+      </p:sp>
+      <p:sp>
+        <p:nvSpPr>
+          <p:cNvPr id="6" name="Content Placeholder 2"/>
+          <p:cNvSpPr>
+            <a:spLocks noGrp="1"/>
+          </p:cNvSpPr>
+          <p:nvPr>
+            <p:ph idx="1"/>
+          </p:nvPr>
+        </p:nvSpPr>
+        <p:spPr>
+          <a:xfrm>
+            <a:off x="457200" y="1223010"/>
+            <a:ext cx="8229600" cy="3758213"/>
+          </a:xfrm>
+        </p:spPr>
+        <p:txBody>
+          <a:bodyPr/>
+          <a:lstStyle/>
+          <a:p>
+            <a:r>
+              <a:rPr lang="en-US" dirty="0" smtClean="0"/>
+              <a:t>Analytic solutions to determining transmission probabilities</a:t>
+            </a:r>
+          </a:p>
+          <a:p>
+            <a:r>
+              <a:rPr lang="en-US" dirty="0" smtClean="0"/>
+              <a:t>Optimal interventions within and across transmission networks</a:t>
+            </a:r>
+          </a:p>
+          <a:p>
+            <a:r>
+              <a:rPr lang="en-US" dirty="0" smtClean="0"/>
+              <a:t>Agent-based human component of schistosomiasis model?</a:t>
+            </a:r>
+          </a:p>
+          <a:p>
+            <a:r>
+              <a:rPr lang="en-US" dirty="0" smtClean="0"/>
+              <a:t>Accurate costing information for interventions</a:t>
+            </a:r>
+          </a:p>
+          <a:p>
+            <a:r>
+              <a:rPr lang="en-US" dirty="0" smtClean="0"/>
+              <a:t>Data for model fitting</a:t>
+            </a:r>
+          </a:p>
+          <a:p>
+            <a:r>
+              <a:rPr lang="en-US" dirty="0" smtClean="0"/>
+              <a:t>SDP vs other methods?</a:t>
+            </a:r>
+          </a:p>
+          <a:p>
+            <a:pPr lvl="1"/>
+            <a:r>
+              <a:rPr lang="en-US" dirty="0" smtClean="0"/>
+              <a:t>Lo et al PNAS</a:t>
+            </a:r>
+            <a:endParaRPr lang="en-US" dirty="0" smtClean="0"/>
+          </a:p>
+          <a:p>
+            <a:endParaRPr lang="en-US" dirty="0" smtClean="0"/>
+          </a:p>
+          <a:p>
+            <a:endParaRPr lang="en-US" dirty="0"/>
+          </a:p>
+          <a:p>
+            <a:endParaRPr lang="en-US" dirty="0"/>
+          </a:p>
+        </p:txBody>
+      </p:sp>
+    </p:spTree>
+    <p:extLst>
+      <p:ext uri="{BB962C8B-B14F-4D97-AF65-F5344CB8AC3E}">
+        <p14:creationId xmlns:p14="http://schemas.microsoft.com/office/powerpoint/2010/main" val="285927683"/>
+      </p:ext>
+    </p:extLst>
+  </p:cSld>
+  <p:clrMapOvr>
+    <a:masterClrMapping/>
+  </p:clrMapOvr>
+  <p:timing>
+    <p:tnLst>
+      <p:par>
+        <p:cTn id="1" dur="indefinite" restart="never" nodeType="tmRoot"/>
+      </p:par>
+    </p:tnLst>
+  </p:timing>
+</p:sld>
+</file>
+
+<file path=ppt/slides/slide34.xml><?xml version="1.0" encoding="utf-8"?>
 <p:sld xmlns:a="http://schemas.openxmlformats.org/drawingml/2006/main" xmlns:r="http://schemas.openxmlformats.org/officeDocument/2006/relationships" xmlns:p="http://schemas.openxmlformats.org/presentationml/2006/main">
   <p:cSld>
     <p:spTree>
@@ -9684,8 +14374,8 @@
           </a:p>
         </p:txBody>
       </p:sp>
-      <mc:AlternateContent xmlns:mc="http://schemas.openxmlformats.org/markup-compatibility/2006">
-        <mc:Choice xmlns:a14="http://schemas.microsoft.com/office/drawing/2010/main" Requires="a14">
+      <mc:AlternateContent xmlns:mc="http://schemas.openxmlformats.org/markup-compatibility/2006" xmlns:a14="http://schemas.microsoft.com/office/drawing/2010/main">
+        <mc:Choice Requires="a14">
           <p:sp>
             <p:nvSpPr>
               <p:cNvPr id="7" name="Content Placeholder 6"/>
@@ -10115,7 +14805,7 @@
             </p:txBody>
           </p:sp>
         </mc:Choice>
-        <mc:Fallback>
+        <mc:Fallback xmlns="">
           <p:sp>
             <p:nvSpPr>
               <p:cNvPr id="7" name="Content Placeholder 6"/>
@@ -10166,10 +14856,17 @@
   <p:clrMapOvr>
     <a:masterClrMapping/>
   </p:clrMapOvr>
+  <p:timing>
+    <p:tnLst>
+      <p:par>
+        <p:cTn id="1" dur="indefinite" restart="never" nodeType="tmRoot"/>
+      </p:par>
+    </p:tnLst>
+  </p:timing>
 </p:sld>
 </file>
 
-<file path=ppt/slides/slide3.xml><?xml version="1.0" encoding="utf-8"?>
+<file path=ppt/slides/slide4.xml><?xml version="1.0" encoding="utf-8"?>
 <p:sld xmlns:a="http://schemas.openxmlformats.org/drawingml/2006/main" xmlns:r="http://schemas.openxmlformats.org/officeDocument/2006/relationships" xmlns:p="http://schemas.openxmlformats.org/presentationml/2006/main">
   <p:cSld>
     <p:spTree>
@@ -10301,7 +14998,139 @@
 </p:sld>
 </file>
 
-<file path=ppt/slides/slide4.xml><?xml version="1.0" encoding="utf-8"?>
+<file path=ppt/slides/slide5.xml><?xml version="1.0" encoding="utf-8"?>
+<p:sld xmlns:a="http://schemas.openxmlformats.org/drawingml/2006/main" xmlns:r="http://schemas.openxmlformats.org/officeDocument/2006/relationships" xmlns:p="http://schemas.openxmlformats.org/presentationml/2006/main">
+  <p:cSld>
+    <p:spTree>
+      <p:nvGrpSpPr>
+        <p:cNvPr id="1" name=""/>
+        <p:cNvGrpSpPr/>
+        <p:nvPr/>
+      </p:nvGrpSpPr>
+      <p:grpSpPr>
+        <a:xfrm>
+          <a:off x="0" y="0"/>
+          <a:ext cx="0" cy="0"/>
+          <a:chOff x="0" y="0"/>
+          <a:chExt cx="0" cy="0"/>
+        </a:xfrm>
+      </p:grpSpPr>
+      <p:sp>
+        <p:nvSpPr>
+          <p:cNvPr id="4" name="Content Placeholder 3"/>
+          <p:cNvSpPr>
+            <a:spLocks noGrp="1"/>
+          </p:cNvSpPr>
+          <p:nvPr>
+            <p:ph idx="13"/>
+          </p:nvPr>
+        </p:nvSpPr>
+        <p:spPr>
+          <a:xfrm>
+            <a:off x="457200" y="316782"/>
+            <a:ext cx="4503420" cy="488017"/>
+          </a:xfrm>
+        </p:spPr>
+        <p:txBody>
+          <a:bodyPr>
+            <a:noAutofit/>
+          </a:bodyPr>
+          <a:lstStyle/>
+          <a:p>
+            <a:r>
+              <a:rPr lang="en-US" sz="2000" dirty="0" smtClean="0"/>
+              <a:t>Theory | </a:t>
+            </a:r>
+            <a:r>
+              <a:rPr lang="en-US" sz="2000" dirty="0" smtClean="0">
+                <a:solidFill>
+                  <a:schemeClr val="bg1"/>
+                </a:solidFill>
+              </a:rPr>
+              <a:t>Density Dependence</a:t>
+            </a:r>
+            <a:endParaRPr lang="en-US" sz="2000" dirty="0">
+              <a:solidFill>
+                <a:schemeClr val="bg1"/>
+              </a:solidFill>
+            </a:endParaRPr>
+          </a:p>
+        </p:txBody>
+      </p:sp>
+      <p:sp>
+        <p:nvSpPr>
+          <p:cNvPr id="7" name="Content Placeholder 6"/>
+          <p:cNvSpPr>
+            <a:spLocks noGrp="1"/>
+          </p:cNvSpPr>
+          <p:nvPr>
+            <p:ph idx="1"/>
+          </p:nvPr>
+        </p:nvSpPr>
+        <p:spPr/>
+        <p:txBody>
+          <a:bodyPr/>
+          <a:lstStyle/>
+          <a:p>
+            <a:endParaRPr lang="en-US"/>
+          </a:p>
+        </p:txBody>
+      </p:sp>
+      <p:pic>
+        <p:nvPicPr>
+          <p:cNvPr id="1026" name="Picture 2" descr="https://github.com/cmhoove14/DDNTD/raw/master/Analysis/Model_Sims_files/figure-markdown_github/Reff_curves-1.png"/>
+          <p:cNvPicPr>
+            <a:picLocks noChangeAspect="1" noChangeArrowheads="1"/>
+          </p:cNvPicPr>
+          <p:nvPr/>
+        </p:nvPicPr>
+        <p:blipFill>
+          <a:blip r:embed="rId2">
+            <a:extLst>
+              <a:ext uri="{28A0092B-C50C-407E-A947-70E740481C1C}">
+                <a14:useLocalDpi xmlns:a14="http://schemas.microsoft.com/office/drawing/2010/main" val="0"/>
+              </a:ext>
+            </a:extLst>
+          </a:blip>
+          <a:srcRect/>
+          <a:stretch>
+            <a:fillRect/>
+          </a:stretch>
+        </p:blipFill>
+        <p:spPr bwMode="auto">
+          <a:xfrm>
+            <a:off x="1120775" y="1240155"/>
+            <a:ext cx="6400800" cy="4572000"/>
+          </a:xfrm>
+          <a:prstGeom prst="rect">
+            <a:avLst/>
+          </a:prstGeom>
+          <a:noFill/>
+          <a:extLst>
+            <a:ext uri="{909E8E84-426E-40DD-AFC4-6F175D3DCCD1}">
+              <a14:hiddenFill xmlns:a14="http://schemas.microsoft.com/office/drawing/2010/main">
+                <a:solidFill>
+                  <a:srgbClr val="FFFFFF"/>
+                </a:solidFill>
+              </a14:hiddenFill>
+            </a:ext>
+          </a:extLst>
+        </p:spPr>
+      </p:pic>
+    </p:spTree>
+    <p:extLst>
+      <p:ext uri="{BB962C8B-B14F-4D97-AF65-F5344CB8AC3E}">
+        <p14:creationId xmlns:p14="http://schemas.microsoft.com/office/powerpoint/2010/main" val="1541471476"/>
+      </p:ext>
+    </p:extLst>
+  </p:cSld>
+  <p:clrMapOvr>
+    <a:masterClrMapping/>
+  </p:clrMapOvr>
+</p:sld>
+</file>
+
+<file path=ppt/slides/slide6.xml><?xml version="1.0" encoding="utf-8"?>
 <p:sld xmlns:a="http://schemas.openxmlformats.org/drawingml/2006/main" xmlns:r="http://schemas.openxmlformats.org/officeDocument/2006/relationships" xmlns:p="http://schemas.openxmlformats.org/presentationml/2006/main">
   <p:cSld>
     <p:spTree>
@@ -10534,7 +15363,7 @@
 </p:sld>
 </file>
 
-<file path=ppt/slides/slide5.xml><?xml version="1.0" encoding="utf-8"?>
+<file path=ppt/slides/slide7.xml><?xml version="1.0" encoding="utf-8"?>
 <p:sld xmlns:a="http://schemas.openxmlformats.org/drawingml/2006/main" xmlns:r="http://schemas.openxmlformats.org/officeDocument/2006/relationships" xmlns:p="http://schemas.openxmlformats.org/presentationml/2006/main">
   <p:cSld>
     <p:spTree>
@@ -10615,7 +15444,7 @@
           <a:p>
             <a:r>
               <a:rPr lang="en-US" dirty="0" smtClean="0"/>
-              <a:t>Annual MDA fails to achieve elimination except at extremely ambitious levels of coverage (&gt;90%)</a:t>
+              <a:t>Dynamics of annual MDA</a:t>
             </a:r>
             <a:endParaRPr lang="en-US" dirty="0"/>
           </a:p>
@@ -10682,7 +15511,7 @@
 </p:sld>
 </file>
 
-<file path=ppt/slides/slide6.xml><?xml version="1.0" encoding="utf-8"?>
+<file path=ppt/slides/slide8.xml><?xml version="1.0" encoding="utf-8"?>
 <p:sld xmlns:a="http://schemas.openxmlformats.org/drawingml/2006/main" xmlns:r="http://schemas.openxmlformats.org/officeDocument/2006/relationships" xmlns:p="http://schemas.openxmlformats.org/presentationml/2006/main">
   <p:cSld>
     <p:spTree>
@@ -10767,7 +15596,31 @@
               <a:p>
                 <a:r>
                   <a:rPr lang="en-US" dirty="0" smtClean="0"/>
-                  <a:t>Interventions that affect model parameters (snail habitat suitability, sanitation, education) suppress </a:t>
+                  <a:t>Interventions </a:t>
+                </a:r>
+                <a:r>
+                  <a:rPr lang="en-US" dirty="0" smtClean="0"/>
+                  <a:t>such as snail </a:t>
+                </a:r>
+                <a:r>
+                  <a:rPr lang="en-US" dirty="0" smtClean="0"/>
+                  <a:t>habitat </a:t>
+                </a:r>
+                <a:r>
+                  <a:rPr lang="en-US" dirty="0" smtClean="0"/>
+                  <a:t>reduction, </a:t>
+                </a:r>
+                <a:r>
+                  <a:rPr lang="en-US" dirty="0" smtClean="0"/>
+                  <a:t>sanitation, </a:t>
+                </a:r>
+                <a:r>
+                  <a:rPr lang="en-US" dirty="0" smtClean="0"/>
+                  <a:t>education </a:t>
+                </a:r>
+                <a:r>
+                  <a:rPr lang="en-US" dirty="0" smtClean="0"/>
+                  <a:t>suppress </a:t>
                 </a:r>
                 <a14:m>
                   <m:oMath xmlns:m="http://schemas.openxmlformats.org/officeDocument/2006/math">
@@ -10850,7 +15703,7 @@
               <a:blipFill rotWithShape="0">
                 <a:blip r:embed="rId2"/>
                 <a:stretch>
-                  <a:fillRect l="-1528" t="-774"/>
+                  <a:fillRect l="-1528" t="-774" r="-1698"/>
                 </a:stretch>
               </a:blipFill>
             </p:spPr>
@@ -10930,7 +15783,7 @@
 </p:sld>
 </file>
 
-<file path=ppt/slides/slide7.xml><?xml version="1.0" encoding="utf-8"?>
+<file path=ppt/slides/slide9.xml><?xml version="1.0" encoding="utf-8"?>
 <p:sld xmlns:a="http://schemas.openxmlformats.org/drawingml/2006/main" xmlns:r="http://schemas.openxmlformats.org/officeDocument/2006/relationships" xmlns:p="http://schemas.openxmlformats.org/presentationml/2006/main">
   <p:cSld>
     <p:spTree>
@@ -11001,7 +15854,7 @@
         </p:nvSpPr>
         <p:spPr>
           <a:xfrm>
-            <a:off x="457200" y="1245870"/>
+            <a:off x="457200" y="974937"/>
             <a:ext cx="8229600" cy="3735353"/>
           </a:xfrm>
         </p:spPr>
@@ -11010,9 +15863,33 @@
           <a:lstStyle/>
           <a:p>
             <a:r>
+              <a:rPr lang="en-US" dirty="0"/>
+              <a:t>MDA has unquestionable benefits in terms of achieving transmission and morbidity reduction, but may never suppress the parasite population below the </a:t>
+            </a:r>
+            <a:r>
               <a:rPr lang="en-US" dirty="0" smtClean="0"/>
-              <a:t>Cannot question the benefits of MDA in terms of transmission reduction and most importantly reductions in morbidity, but MDA falls short in some areas due to high transmission, reservoirs of infection (missed segments of the population, environmental reservoirs)</a:t>
-            </a:r>
+              <a:t>breakpoint in areas: </a:t>
+            </a:r>
+          </a:p>
+          <a:p>
+            <a:pPr lvl="1"/>
+            <a:r>
+              <a:rPr lang="en-US" dirty="0" smtClean="0"/>
+              <a:t>Where </a:t>
+            </a:r>
+            <a:r>
+              <a:rPr lang="en-US" dirty="0"/>
+              <a:t>high transmission leads to bounce back to endemic levels before the next round of MDA (insufficient frequency) </a:t>
+            </a:r>
+            <a:endParaRPr lang="en-US" dirty="0" smtClean="0"/>
+          </a:p>
+          <a:p>
+            <a:pPr lvl="1"/>
+            <a:r>
+              <a:rPr lang="en-US" dirty="0" smtClean="0"/>
+              <a:t>Where reservoirs of infection are sufficient to maintain parasite populations above the breakpoint (insufficient coverage)</a:t>
+            </a:r>
+            <a:endParaRPr lang="en-US" dirty="0" smtClean="0"/>
           </a:p>
         </p:txBody>
       </p:sp>
@@ -11025,14 +15902,14 @@
           <p:nvPr/>
         </p:nvPicPr>
         <p:blipFill>
-          <a:blip r:embed="rId2"/>
+          <a:blip r:embed="rId3"/>
           <a:stretch>
             <a:fillRect/>
           </a:stretch>
         </p:blipFill>
         <p:spPr>
           <a:xfrm>
-            <a:off x="2148840" y="2716943"/>
+            <a:off x="2521373" y="3356593"/>
             <a:ext cx="5265003" cy="3249259"/>
           </a:xfrm>
           <a:prstGeom prst="rect">
@@ -11044,759 +15921,6 @@
     <p:extLst>
       <p:ext uri="{BB962C8B-B14F-4D97-AF65-F5344CB8AC3E}">
         <p14:creationId xmlns:p14="http://schemas.microsoft.com/office/powerpoint/2010/main" val="1448128578"/>
-      </p:ext>
-    </p:extLst>
-  </p:cSld>
-  <p:clrMapOvr>
-    <a:masterClrMapping/>
-  </p:clrMapOvr>
-</p:sld>
-</file>
-
-<file path=ppt/slides/slide8.xml><?xml version="1.0" encoding="utf-8"?>
-<p:sld xmlns:a="http://schemas.openxmlformats.org/drawingml/2006/main" xmlns:r="http://schemas.openxmlformats.org/officeDocument/2006/relationships" xmlns:p="http://schemas.openxmlformats.org/presentationml/2006/main">
-  <p:cSld>
-    <p:spTree>
-      <p:nvGrpSpPr>
-        <p:cNvPr id="1" name=""/>
-        <p:cNvGrpSpPr/>
-        <p:nvPr/>
-      </p:nvGrpSpPr>
-      <p:grpSpPr>
-        <a:xfrm>
-          <a:off x="0" y="0"/>
-          <a:ext cx="0" cy="0"/>
-          <a:chOff x="0" y="0"/>
-          <a:chExt cx="0" cy="0"/>
-        </a:xfrm>
-      </p:grpSpPr>
-      <p:sp>
-        <p:nvSpPr>
-          <p:cNvPr id="4" name="Content Placeholder 3"/>
-          <p:cNvSpPr>
-            <a:spLocks noGrp="1"/>
-          </p:cNvSpPr>
-          <p:nvPr>
-            <p:ph idx="13"/>
-          </p:nvPr>
-        </p:nvSpPr>
-        <p:spPr>
-          <a:xfrm>
-            <a:off x="457200" y="1825542"/>
-            <a:ext cx="7440930" cy="2815038"/>
-          </a:xfrm>
-        </p:spPr>
-        <p:txBody>
-          <a:bodyPr>
-            <a:noAutofit/>
-          </a:bodyPr>
-          <a:lstStyle/>
-          <a:p>
-            <a:r>
-              <a:rPr lang="en-US" sz="2400" dirty="0" smtClean="0"/>
-              <a:t>How do we optimally allocate resources given:</a:t>
-            </a:r>
-          </a:p>
-          <a:p>
-            <a:pPr marL="342900" indent="-342900">
-              <a:buFont typeface="Arial" panose="020B0604020202020204" pitchFamily="34" charset="0"/>
-              <a:buChar char="•"/>
-            </a:pPr>
-            <a:r>
-              <a:rPr lang="en-US" sz="2000" dirty="0" smtClean="0">
-                <a:solidFill>
-                  <a:schemeClr val="bg1"/>
-                </a:solidFill>
-              </a:rPr>
-              <a:t>Transmission intensity</a:t>
-            </a:r>
-          </a:p>
-          <a:p>
-            <a:pPr marL="342900" indent="-342900">
-              <a:buFont typeface="Arial" panose="020B0604020202020204" pitchFamily="34" charset="0"/>
-              <a:buChar char="•"/>
-            </a:pPr>
-            <a:r>
-              <a:rPr lang="en-US" sz="2000" dirty="0" smtClean="0">
-                <a:solidFill>
-                  <a:schemeClr val="bg1"/>
-                </a:solidFill>
-              </a:rPr>
-              <a:t>Transmission network</a:t>
-            </a:r>
-          </a:p>
-          <a:p>
-            <a:pPr marL="342900" indent="-342900">
-              <a:buFont typeface="Arial" panose="020B0604020202020204" pitchFamily="34" charset="0"/>
-              <a:buChar char="•"/>
-            </a:pPr>
-            <a:r>
-              <a:rPr lang="en-US" sz="2000" dirty="0" smtClean="0">
-                <a:solidFill>
-                  <a:schemeClr val="bg1"/>
-                </a:solidFill>
-              </a:rPr>
-              <a:t>Rate of development</a:t>
-            </a:r>
-          </a:p>
-          <a:p>
-            <a:pPr marL="342900" indent="-342900">
-              <a:buFont typeface="Arial" panose="020B0604020202020204" pitchFamily="34" charset="0"/>
-              <a:buChar char="•"/>
-            </a:pPr>
-            <a:r>
-              <a:rPr lang="en-US" sz="2000" dirty="0" smtClean="0">
-                <a:solidFill>
-                  <a:schemeClr val="bg1"/>
-                </a:solidFill>
-              </a:rPr>
-              <a:t>Time frame and goal</a:t>
-            </a:r>
-          </a:p>
-          <a:p>
-            <a:pPr marL="342900" indent="-342900">
-              <a:buFont typeface="Arial" panose="020B0604020202020204" pitchFamily="34" charset="0"/>
-              <a:buChar char="•"/>
-            </a:pPr>
-            <a:r>
-              <a:rPr lang="en-US" sz="2000" dirty="0" smtClean="0">
-                <a:solidFill>
-                  <a:schemeClr val="bg1"/>
-                </a:solidFill>
-              </a:rPr>
-              <a:t>Uncertainty</a:t>
-            </a:r>
-          </a:p>
-          <a:p>
-            <a:pPr marL="342900" indent="-342900">
-              <a:buFont typeface="Arial" panose="020B0604020202020204" pitchFamily="34" charset="0"/>
-              <a:buChar char="•"/>
-            </a:pPr>
-            <a:endParaRPr lang="en-US" sz="2000" dirty="0">
-              <a:solidFill>
-                <a:schemeClr val="bg1"/>
-              </a:solidFill>
-            </a:endParaRPr>
-          </a:p>
-        </p:txBody>
-      </p:sp>
-    </p:spTree>
-    <p:extLst>
-      <p:ext uri="{BB962C8B-B14F-4D97-AF65-F5344CB8AC3E}">
-        <p14:creationId xmlns:p14="http://schemas.microsoft.com/office/powerpoint/2010/main" val="2508750540"/>
-      </p:ext>
-    </p:extLst>
-  </p:cSld>
-  <p:clrMapOvr>
-    <a:masterClrMapping/>
-  </p:clrMapOvr>
-</p:sld>
-</file>
-
-<file path=ppt/slides/slide9.xml><?xml version="1.0" encoding="utf-8"?>
-<p:sld xmlns:a="http://schemas.openxmlformats.org/drawingml/2006/main" xmlns:r="http://schemas.openxmlformats.org/officeDocument/2006/relationships" xmlns:p="http://schemas.openxmlformats.org/presentationml/2006/main">
-  <p:cSld>
-    <p:spTree>
-      <p:nvGrpSpPr>
-        <p:cNvPr id="1" name=""/>
-        <p:cNvGrpSpPr/>
-        <p:nvPr/>
-      </p:nvGrpSpPr>
-      <p:grpSpPr>
-        <a:xfrm>
-          <a:off x="0" y="0"/>
-          <a:ext cx="0" cy="0"/>
-          <a:chOff x="0" y="0"/>
-          <a:chExt cx="0" cy="0"/>
-        </a:xfrm>
-      </p:grpSpPr>
-      <p:sp>
-        <p:nvSpPr>
-          <p:cNvPr id="4" name="Content Placeholder 3"/>
-          <p:cNvSpPr>
-            <a:spLocks noGrp="1"/>
-          </p:cNvSpPr>
-          <p:nvPr>
-            <p:ph idx="13"/>
-          </p:nvPr>
-        </p:nvSpPr>
-        <p:spPr>
-          <a:xfrm>
-            <a:off x="457199" y="316782"/>
-            <a:ext cx="6956643" cy="488017"/>
-          </a:xfrm>
-        </p:spPr>
-        <p:txBody>
-          <a:bodyPr>
-            <a:noAutofit/>
-          </a:bodyPr>
-          <a:lstStyle/>
-          <a:p>
-            <a:r>
-              <a:rPr lang="en-US" sz="2000" dirty="0" smtClean="0"/>
-              <a:t>Framework| </a:t>
-            </a:r>
-            <a:r>
-              <a:rPr lang="en-US" sz="2000" dirty="0" smtClean="0">
-                <a:solidFill>
-                  <a:schemeClr val="bg1"/>
-                </a:solidFill>
-              </a:rPr>
-              <a:t>Stochastic Dynamic Programming</a:t>
-            </a:r>
-            <a:endParaRPr lang="en-US" sz="2000" dirty="0">
-              <a:solidFill>
-                <a:schemeClr val="bg1"/>
-              </a:solidFill>
-            </a:endParaRPr>
-          </a:p>
-        </p:txBody>
-      </p:sp>
-      <mc:AlternateContent xmlns:mc="http://schemas.openxmlformats.org/markup-compatibility/2006">
-        <mc:Choice xmlns:a14="http://schemas.microsoft.com/office/drawing/2010/main" Requires="a14">
-          <p:sp>
-            <p:nvSpPr>
-              <p:cNvPr id="3" name="Content Placeholder 2"/>
-              <p:cNvSpPr>
-                <a:spLocks noGrp="1"/>
-              </p:cNvSpPr>
-              <p:nvPr>
-                <p:ph idx="1"/>
-              </p:nvPr>
-            </p:nvSpPr>
-            <p:spPr>
-              <a:xfrm>
-                <a:off x="457200" y="1223010"/>
-                <a:ext cx="8229600" cy="3758213"/>
-              </a:xfrm>
-            </p:spPr>
-            <p:txBody>
-              <a:bodyPr/>
-              <a:lstStyle/>
-              <a:p>
-                <a:r>
-                  <a:rPr lang="en-US" dirty="0" smtClean="0"/>
-                  <a:t>State at time </a:t>
-                </a:r>
-                <a14:m>
-                  <m:oMath xmlns:m="http://schemas.openxmlformats.org/officeDocument/2006/math">
-                    <m:r>
-                      <a:rPr lang="en-US" b="0" i="1" smtClean="0">
-                        <a:latin typeface="Cambria Math" panose="02040503050406030204" pitchFamily="18" charset="0"/>
-                      </a:rPr>
-                      <m:t>𝑡</m:t>
-                    </m:r>
-                  </m:oMath>
-                </a14:m>
-                <a:r>
-                  <a:rPr lang="en-US" dirty="0" smtClean="0"/>
-                  <a:t>, </a:t>
-                </a:r>
-                <a14:m>
-                  <m:oMath xmlns:m="http://schemas.openxmlformats.org/officeDocument/2006/math">
-                    <m:sSub>
-                      <m:sSubPr>
-                        <m:ctrlPr>
-                          <a:rPr lang="en-US" b="0" i="1" smtClean="0">
-                            <a:latin typeface="Cambria Math" panose="02040503050406030204" pitchFamily="18" charset="0"/>
-                          </a:rPr>
-                        </m:ctrlPr>
-                      </m:sSubPr>
-                      <m:e>
-                        <m:r>
-                          <a:rPr lang="en-US" b="0" i="1" smtClean="0">
-                            <a:latin typeface="Cambria Math" panose="02040503050406030204" pitchFamily="18" charset="0"/>
-                          </a:rPr>
-                          <m:t>𝑆</m:t>
-                        </m:r>
-                      </m:e>
-                      <m:sub>
-                        <m:r>
-                          <a:rPr lang="en-US" b="0" i="1" smtClean="0">
-                            <a:latin typeface="Cambria Math" panose="02040503050406030204" pitchFamily="18" charset="0"/>
-                          </a:rPr>
-                          <m:t>𝑡</m:t>
-                        </m:r>
-                      </m:sub>
-                    </m:sSub>
-                  </m:oMath>
-                </a14:m>
-                <a:endParaRPr lang="en-US" dirty="0" smtClean="0"/>
-              </a:p>
-              <a:p>
-                <a:r>
-                  <a:rPr lang="en-US" dirty="0" smtClean="0"/>
-                  <a:t>Decision at time </a:t>
-                </a:r>
-                <a14:m>
-                  <m:oMath xmlns:m="http://schemas.openxmlformats.org/officeDocument/2006/math">
-                    <m:r>
-                      <a:rPr lang="en-US" b="0" i="1" smtClean="0">
-                        <a:latin typeface="Cambria Math" panose="02040503050406030204" pitchFamily="18" charset="0"/>
-                      </a:rPr>
-                      <m:t>𝑡</m:t>
-                    </m:r>
-                  </m:oMath>
-                </a14:m>
-                <a:r>
-                  <a:rPr lang="en-US" dirty="0" smtClean="0"/>
-                  <a:t>, </a:t>
-                </a:r>
-                <a14:m>
-                  <m:oMath xmlns:m="http://schemas.openxmlformats.org/officeDocument/2006/math">
-                    <m:sSub>
-                      <m:sSubPr>
-                        <m:ctrlPr>
-                          <a:rPr lang="en-US" b="0" i="1" smtClean="0">
-                            <a:latin typeface="Cambria Math" panose="02040503050406030204" pitchFamily="18" charset="0"/>
-                          </a:rPr>
-                        </m:ctrlPr>
-                      </m:sSubPr>
-                      <m:e>
-                        <m:r>
-                          <a:rPr lang="en-US" b="0" i="1" smtClean="0">
-                            <a:latin typeface="Cambria Math" panose="02040503050406030204" pitchFamily="18" charset="0"/>
-                          </a:rPr>
-                          <m:t>𝐴</m:t>
-                        </m:r>
-                      </m:e>
-                      <m:sub>
-                        <m:r>
-                          <a:rPr lang="en-US" b="0" i="1" smtClean="0">
-                            <a:latin typeface="Cambria Math" panose="02040503050406030204" pitchFamily="18" charset="0"/>
-                          </a:rPr>
-                          <m:t>𝑡</m:t>
-                        </m:r>
-                      </m:sub>
-                    </m:sSub>
-                  </m:oMath>
-                </a14:m>
-                <a:endParaRPr lang="en-US" dirty="0" smtClean="0"/>
-              </a:p>
-              <a:p>
-                <a:r>
-                  <a:rPr lang="en-US" dirty="0" smtClean="0"/>
-                  <a:t>Transition model, </a:t>
-                </a:r>
-                <a14:m>
-                  <m:oMath xmlns:m="http://schemas.openxmlformats.org/officeDocument/2006/math">
-                    <m:r>
-                      <a:rPr lang="en-US" b="0" i="1" smtClean="0">
-                        <a:latin typeface="Cambria Math" panose="02040503050406030204" pitchFamily="18" charset="0"/>
-                      </a:rPr>
-                      <m:t>ℳ</m:t>
-                    </m:r>
-                  </m:oMath>
-                </a14:m>
-                <a:r>
-                  <a:rPr lang="en-US" dirty="0" smtClean="0"/>
-                  <a:t>, that gives </a:t>
-                </a:r>
-                <a14:m>
-                  <m:oMath xmlns:m="http://schemas.openxmlformats.org/officeDocument/2006/math">
-                    <m:sSub>
-                      <m:sSubPr>
-                        <m:ctrlPr>
-                          <a:rPr lang="en-US" b="0" i="1" smtClean="0">
-                            <a:latin typeface="Cambria Math" panose="02040503050406030204" pitchFamily="18" charset="0"/>
-                          </a:rPr>
-                        </m:ctrlPr>
-                      </m:sSubPr>
-                      <m:e>
-                        <m:r>
-                          <a:rPr lang="en-US" b="0" i="1" smtClean="0">
-                            <a:latin typeface="Cambria Math" panose="02040503050406030204" pitchFamily="18" charset="0"/>
-                          </a:rPr>
-                          <m:t>𝑆</m:t>
-                        </m:r>
-                      </m:e>
-                      <m:sub>
-                        <m:r>
-                          <a:rPr lang="en-US" b="0" i="1" smtClean="0">
-                            <a:latin typeface="Cambria Math" panose="02040503050406030204" pitchFamily="18" charset="0"/>
-                          </a:rPr>
-                          <m:t>𝑡</m:t>
-                        </m:r>
-                        <m:r>
-                          <a:rPr lang="en-US" b="0" i="1" smtClean="0">
-                            <a:latin typeface="Cambria Math" panose="02040503050406030204" pitchFamily="18" charset="0"/>
-                          </a:rPr>
-                          <m:t>+1</m:t>
-                        </m:r>
-                      </m:sub>
-                    </m:sSub>
-                    <m:r>
-                      <a:rPr lang="en-US" b="0" i="1" smtClean="0">
-                        <a:latin typeface="Cambria Math" panose="02040503050406030204" pitchFamily="18" charset="0"/>
-                      </a:rPr>
-                      <m:t>|</m:t>
-                    </m:r>
-                    <m:sSub>
-                      <m:sSubPr>
-                        <m:ctrlPr>
-                          <a:rPr lang="en-US" b="0" i="1" smtClean="0">
-                            <a:latin typeface="Cambria Math" panose="02040503050406030204" pitchFamily="18" charset="0"/>
-                          </a:rPr>
-                        </m:ctrlPr>
-                      </m:sSubPr>
-                      <m:e>
-                        <m:r>
-                          <a:rPr lang="en-US" b="0" i="1" smtClean="0">
-                            <a:latin typeface="Cambria Math" panose="02040503050406030204" pitchFamily="18" charset="0"/>
-                          </a:rPr>
-                          <m:t>𝑆</m:t>
-                        </m:r>
-                      </m:e>
-                      <m:sub>
-                        <m:r>
-                          <a:rPr lang="en-US" b="0" i="1" smtClean="0">
-                            <a:latin typeface="Cambria Math" panose="02040503050406030204" pitchFamily="18" charset="0"/>
-                          </a:rPr>
-                          <m:t>𝑡</m:t>
-                        </m:r>
-                      </m:sub>
-                    </m:sSub>
-                    <m:r>
-                      <a:rPr lang="en-US" b="0" i="1" smtClean="0">
-                        <a:latin typeface="Cambria Math" panose="02040503050406030204" pitchFamily="18" charset="0"/>
-                      </a:rPr>
-                      <m:t>,</m:t>
-                    </m:r>
-                    <m:sSub>
-                      <m:sSubPr>
-                        <m:ctrlPr>
-                          <a:rPr lang="en-US" b="0" i="1" smtClean="0">
-                            <a:latin typeface="Cambria Math" panose="02040503050406030204" pitchFamily="18" charset="0"/>
-                          </a:rPr>
-                        </m:ctrlPr>
-                      </m:sSubPr>
-                      <m:e>
-                        <m:r>
-                          <a:rPr lang="en-US" b="0" i="1" smtClean="0">
-                            <a:latin typeface="Cambria Math" panose="02040503050406030204" pitchFamily="18" charset="0"/>
-                          </a:rPr>
-                          <m:t>𝐴</m:t>
-                        </m:r>
-                      </m:e>
-                      <m:sub>
-                        <m:r>
-                          <a:rPr lang="en-US" b="0" i="1" smtClean="0">
-                            <a:latin typeface="Cambria Math" panose="02040503050406030204" pitchFamily="18" charset="0"/>
-                          </a:rPr>
-                          <m:t>𝑡</m:t>
-                        </m:r>
-                      </m:sub>
-                    </m:sSub>
-                  </m:oMath>
-                </a14:m>
-                <a:endParaRPr lang="en-US" dirty="0" smtClean="0"/>
-              </a:p>
-              <a:p>
-                <a:r>
-                  <a:rPr lang="en-US" dirty="0" smtClean="0"/>
-                  <a:t>Utility function, </a:t>
-                </a:r>
-                <a14:m>
-                  <m:oMath xmlns:m="http://schemas.openxmlformats.org/officeDocument/2006/math">
-                    <m:r>
-                      <a:rPr lang="en-US" b="0" i="1" smtClean="0">
-                        <a:latin typeface="Cambria Math" panose="02040503050406030204" pitchFamily="18" charset="0"/>
-                      </a:rPr>
-                      <m:t>𝑈</m:t>
-                    </m:r>
-                  </m:oMath>
-                </a14:m>
-                <a:r>
-                  <a:rPr lang="en-US" dirty="0" smtClean="0"/>
-                  <a:t>, that gives “reward” of </a:t>
-                </a:r>
-                <a14:m>
-                  <m:oMath xmlns:m="http://schemas.openxmlformats.org/officeDocument/2006/math">
-                    <m:sSub>
-                      <m:sSubPr>
-                        <m:ctrlPr>
-                          <a:rPr lang="en-US" b="0" i="1" smtClean="0">
-                            <a:latin typeface="Cambria Math" panose="02040503050406030204" pitchFamily="18" charset="0"/>
-                          </a:rPr>
-                        </m:ctrlPr>
-                      </m:sSubPr>
-                      <m:e>
-                        <m:r>
-                          <a:rPr lang="en-US" b="0" i="1" smtClean="0">
-                            <a:latin typeface="Cambria Math" panose="02040503050406030204" pitchFamily="18" charset="0"/>
-                          </a:rPr>
-                          <m:t>𝐴</m:t>
-                        </m:r>
-                      </m:e>
-                      <m:sub>
-                        <m:r>
-                          <a:rPr lang="en-US" b="0" i="1" smtClean="0">
-                            <a:latin typeface="Cambria Math" panose="02040503050406030204" pitchFamily="18" charset="0"/>
-                          </a:rPr>
-                          <m:t>𝑡</m:t>
-                        </m:r>
-                      </m:sub>
-                    </m:sSub>
-                    <m:r>
-                      <a:rPr lang="en-US" b="0" i="1" smtClean="0">
-                        <a:latin typeface="Cambria Math" panose="02040503050406030204" pitchFamily="18" charset="0"/>
-                      </a:rPr>
-                      <m:t>|</m:t>
-                    </m:r>
-                    <m:sSub>
-                      <m:sSubPr>
-                        <m:ctrlPr>
-                          <a:rPr lang="en-US" b="0" i="1" smtClean="0">
-                            <a:latin typeface="Cambria Math" panose="02040503050406030204" pitchFamily="18" charset="0"/>
-                          </a:rPr>
-                        </m:ctrlPr>
-                      </m:sSubPr>
-                      <m:e>
-                        <m:r>
-                          <a:rPr lang="en-US" b="0" i="1" smtClean="0">
-                            <a:latin typeface="Cambria Math" panose="02040503050406030204" pitchFamily="18" charset="0"/>
-                          </a:rPr>
-                          <m:t>𝑆</m:t>
-                        </m:r>
-                      </m:e>
-                      <m:sub>
-                        <m:r>
-                          <a:rPr lang="en-US" b="0" i="1" smtClean="0">
-                            <a:latin typeface="Cambria Math" panose="02040503050406030204" pitchFamily="18" charset="0"/>
-                          </a:rPr>
-                          <m:t>𝑡</m:t>
-                        </m:r>
-                      </m:sub>
-                    </m:sSub>
-                  </m:oMath>
-                </a14:m>
-                <a:endParaRPr lang="en-US" dirty="0" smtClean="0"/>
-              </a:p>
-              <a:p>
-                <a:r>
-                  <a:rPr lang="en-US" dirty="0" smtClean="0"/>
-                  <a:t>Optimal solution over desired time horizon</a:t>
-                </a:r>
-                <a:endParaRPr lang="en-US" dirty="0"/>
-              </a:p>
-            </p:txBody>
-          </p:sp>
-        </mc:Choice>
-        <mc:Fallback>
-          <p:sp>
-            <p:nvSpPr>
-              <p:cNvPr id="3" name="Content Placeholder 2"/>
-              <p:cNvSpPr>
-                <a:spLocks noGrp="1" noRot="1" noChangeAspect="1" noMove="1" noResize="1" noEditPoints="1" noAdjustHandles="1" noChangeArrowheads="1" noChangeShapeType="1" noTextEdit="1"/>
-              </p:cNvSpPr>
-              <p:nvPr>
-                <p:ph idx="1"/>
-              </p:nvPr>
-            </p:nvSpPr>
-            <p:spPr>
-              <a:xfrm>
-                <a:off x="457200" y="1223010"/>
-                <a:ext cx="8229600" cy="3758213"/>
-              </a:xfrm>
-              <a:blipFill rotWithShape="0">
-                <a:blip r:embed="rId2"/>
-                <a:stretch>
-                  <a:fillRect l="-667" t="-812"/>
-                </a:stretch>
-              </a:blipFill>
-            </p:spPr>
-            <p:txBody>
-              <a:bodyPr/>
-              <a:lstStyle/>
-              <a:p>
-                <a:r>
-                  <a:rPr lang="en-US">
-                    <a:noFill/>
-                  </a:rPr>
-                  <a:t> </a:t>
-                </a:r>
-              </a:p>
-            </p:txBody>
-          </p:sp>
-        </mc:Fallback>
-      </mc:AlternateContent>
-      <p:sp>
-        <p:nvSpPr>
-          <p:cNvPr id="5" name="Rectangle 4"/>
-          <p:cNvSpPr/>
-          <p:nvPr/>
-        </p:nvSpPr>
-        <p:spPr>
-          <a:xfrm>
-            <a:off x="2434590" y="6123398"/>
-            <a:ext cx="4572000" cy="507831"/>
-          </a:xfrm>
-          <a:prstGeom prst="rect">
-            <a:avLst/>
-          </a:prstGeom>
-        </p:spPr>
-        <p:txBody>
-          <a:bodyPr>
-            <a:spAutoFit/>
-          </a:bodyPr>
-          <a:lstStyle/>
-          <a:p>
-            <a:r>
-              <a:rPr lang="en-US" sz="900" dirty="0" err="1">
-                <a:solidFill>
-                  <a:schemeClr val="bg1"/>
-                </a:solidFill>
-                <a:latin typeface="Arial" panose="020B0604020202020204" pitchFamily="34" charset="0"/>
-              </a:rPr>
-              <a:t>Marescot</a:t>
-            </a:r>
-            <a:r>
-              <a:rPr lang="en-US" sz="900" dirty="0">
-                <a:solidFill>
-                  <a:schemeClr val="bg1"/>
-                </a:solidFill>
-                <a:latin typeface="Arial" panose="020B0604020202020204" pitchFamily="34" charset="0"/>
-              </a:rPr>
-              <a:t>, L., </a:t>
-            </a:r>
-            <a:r>
-              <a:rPr lang="en-US" sz="900" dirty="0" err="1">
-                <a:solidFill>
-                  <a:schemeClr val="bg1"/>
-                </a:solidFill>
-                <a:latin typeface="Arial" panose="020B0604020202020204" pitchFamily="34" charset="0"/>
-              </a:rPr>
-              <a:t>Chapron</a:t>
-            </a:r>
-            <a:r>
-              <a:rPr lang="en-US" sz="900" dirty="0">
-                <a:solidFill>
-                  <a:schemeClr val="bg1"/>
-                </a:solidFill>
-                <a:latin typeface="Arial" panose="020B0604020202020204" pitchFamily="34" charset="0"/>
-              </a:rPr>
-              <a:t>, G., </a:t>
-            </a:r>
-            <a:r>
-              <a:rPr lang="en-US" sz="900" dirty="0" err="1">
-                <a:solidFill>
-                  <a:schemeClr val="bg1"/>
-                </a:solidFill>
-                <a:latin typeface="Arial" panose="020B0604020202020204" pitchFamily="34" charset="0"/>
-              </a:rPr>
-              <a:t>Chadès</a:t>
-            </a:r>
-            <a:r>
-              <a:rPr lang="en-US" sz="900" dirty="0">
-                <a:solidFill>
-                  <a:schemeClr val="bg1"/>
-                </a:solidFill>
-                <a:latin typeface="Arial" panose="020B0604020202020204" pitchFamily="34" charset="0"/>
-              </a:rPr>
-              <a:t>, I., </a:t>
-            </a:r>
-            <a:r>
-              <a:rPr lang="en-US" sz="900" dirty="0" err="1">
-                <a:solidFill>
-                  <a:schemeClr val="bg1"/>
-                </a:solidFill>
-                <a:latin typeface="Arial" panose="020B0604020202020204" pitchFamily="34" charset="0"/>
-              </a:rPr>
-              <a:t>Fackler</a:t>
-            </a:r>
-            <a:r>
-              <a:rPr lang="en-US" sz="900" dirty="0">
-                <a:solidFill>
-                  <a:schemeClr val="bg1"/>
-                </a:solidFill>
-                <a:latin typeface="Arial" panose="020B0604020202020204" pitchFamily="34" charset="0"/>
-              </a:rPr>
-              <a:t>, P. L., Duchamp, C., </a:t>
-            </a:r>
-            <a:r>
-              <a:rPr lang="en-US" sz="900" dirty="0" err="1">
-                <a:solidFill>
-                  <a:schemeClr val="bg1"/>
-                </a:solidFill>
-                <a:latin typeface="Arial" panose="020B0604020202020204" pitchFamily="34" charset="0"/>
-              </a:rPr>
-              <a:t>Marboutin</a:t>
-            </a:r>
-            <a:r>
-              <a:rPr lang="en-US" sz="900" dirty="0">
-                <a:solidFill>
-                  <a:schemeClr val="bg1"/>
-                </a:solidFill>
-                <a:latin typeface="Arial" panose="020B0604020202020204" pitchFamily="34" charset="0"/>
-              </a:rPr>
-              <a:t>, E., &amp; </a:t>
-            </a:r>
-            <a:r>
-              <a:rPr lang="en-US" sz="900" dirty="0" err="1">
-                <a:solidFill>
-                  <a:schemeClr val="bg1"/>
-                </a:solidFill>
-                <a:latin typeface="Arial" panose="020B0604020202020204" pitchFamily="34" charset="0"/>
-              </a:rPr>
-              <a:t>Gimenez</a:t>
-            </a:r>
-            <a:r>
-              <a:rPr lang="en-US" sz="900" dirty="0">
-                <a:solidFill>
-                  <a:schemeClr val="bg1"/>
-                </a:solidFill>
-                <a:latin typeface="Arial" panose="020B0604020202020204" pitchFamily="34" charset="0"/>
-              </a:rPr>
-              <a:t>, O. (2013). Complex decisions made simple: a primer on stochastic dynamic programming. </a:t>
-            </a:r>
-            <a:r>
-              <a:rPr lang="en-US" sz="900" i="1" dirty="0">
-                <a:solidFill>
-                  <a:schemeClr val="bg1"/>
-                </a:solidFill>
-                <a:latin typeface="Arial" panose="020B0604020202020204" pitchFamily="34" charset="0"/>
-              </a:rPr>
-              <a:t>Methods in Ecology and Evolution</a:t>
-            </a:r>
-            <a:r>
-              <a:rPr lang="en-US" sz="900" dirty="0">
-                <a:solidFill>
-                  <a:schemeClr val="bg1"/>
-                </a:solidFill>
-                <a:latin typeface="Arial" panose="020B0604020202020204" pitchFamily="34" charset="0"/>
-              </a:rPr>
-              <a:t>, </a:t>
-            </a:r>
-            <a:r>
-              <a:rPr lang="en-US" sz="900" i="1" dirty="0">
-                <a:solidFill>
-                  <a:schemeClr val="bg1"/>
-                </a:solidFill>
-                <a:latin typeface="Arial" panose="020B0604020202020204" pitchFamily="34" charset="0"/>
-              </a:rPr>
-              <a:t>4</a:t>
-            </a:r>
-            <a:r>
-              <a:rPr lang="en-US" sz="900" dirty="0">
-                <a:solidFill>
-                  <a:schemeClr val="bg1"/>
-                </a:solidFill>
-                <a:latin typeface="Arial" panose="020B0604020202020204" pitchFamily="34" charset="0"/>
-              </a:rPr>
-              <a:t>(9), 872-884.</a:t>
-            </a:r>
-            <a:endParaRPr lang="en-US" sz="900" dirty="0">
-              <a:solidFill>
-                <a:schemeClr val="bg1"/>
-              </a:solidFill>
-            </a:endParaRPr>
-          </a:p>
-        </p:txBody>
-      </p:sp>
-    </p:spTree>
-    <p:extLst>
-      <p:ext uri="{BB962C8B-B14F-4D97-AF65-F5344CB8AC3E}">
-        <p14:creationId xmlns:p14="http://schemas.microsoft.com/office/powerpoint/2010/main" val="1318385924"/>
       </p:ext>
     </p:extLst>
   </p:cSld>

--- a/Other/NIMBioS_2019.pptx
+++ b/Other/NIMBioS_2019.pptx
@@ -302,7 +302,7 @@
           <a:p>
             <a:fld id="{180B0447-16F7-234F-A67A-00B099208B6B}" type="datetimeFigureOut">
               <a:rPr lang="en-US" smtClean="0"/>
-              <a:t>7/8/2019</a:t>
+              <a:t>7/10/2019</a:t>
             </a:fld>
             <a:endParaRPr lang="en-US"/>
           </a:p>
@@ -468,7 +468,7 @@
           <a:p>
             <a:fld id="{1DBC1458-292F-3847-8603-B82856C6141D}" type="datetimeFigureOut">
               <a:rPr lang="en-US" smtClean="0"/>
-              <a:t>7/8/2019</a:t>
+              <a:t>7/10/2019</a:t>
             </a:fld>
             <a:endParaRPr lang="en-US"/>
           </a:p>
@@ -822,6 +822,90 @@
 </file>
 
 <file path=ppt/notesSlides/notesSlide2.xml><?xml version="1.0" encoding="utf-8"?>
+<p:notes xmlns:a="http://schemas.openxmlformats.org/drawingml/2006/main" xmlns:r="http://schemas.openxmlformats.org/officeDocument/2006/relationships" xmlns:p="http://schemas.openxmlformats.org/presentationml/2006/main">
+  <p:cSld>
+    <p:spTree>
+      <p:nvGrpSpPr>
+        <p:cNvPr id="1" name=""/>
+        <p:cNvGrpSpPr/>
+        <p:nvPr/>
+      </p:nvGrpSpPr>
+      <p:grpSpPr>
+        <a:xfrm>
+          <a:off x="0" y="0"/>
+          <a:ext cx="0" cy="0"/>
+          <a:chOff x="0" y="0"/>
+          <a:chExt cx="0" cy="0"/>
+        </a:xfrm>
+      </p:grpSpPr>
+      <p:sp>
+        <p:nvSpPr>
+          <p:cNvPr id="2" name="Slide Image Placeholder 1"/>
+          <p:cNvSpPr>
+            <a:spLocks noGrp="1" noRot="1" noChangeAspect="1"/>
+          </p:cNvSpPr>
+          <p:nvPr>
+            <p:ph type="sldImg"/>
+          </p:nvPr>
+        </p:nvSpPr>
+        <p:spPr/>
+      </p:sp>
+      <p:sp>
+        <p:nvSpPr>
+          <p:cNvPr id="3" name="Notes Placeholder 2"/>
+          <p:cNvSpPr>
+            <a:spLocks noGrp="1"/>
+          </p:cNvSpPr>
+          <p:nvPr>
+            <p:ph type="body" idx="1"/>
+          </p:nvPr>
+        </p:nvSpPr>
+        <p:spPr/>
+        <p:txBody>
+          <a:bodyPr/>
+          <a:lstStyle/>
+          <a:p>
+            <a:endParaRPr lang="en-US" dirty="0"/>
+          </a:p>
+        </p:txBody>
+      </p:sp>
+      <p:sp>
+        <p:nvSpPr>
+          <p:cNvPr id="4" name="Slide Number Placeholder 3"/>
+          <p:cNvSpPr>
+            <a:spLocks noGrp="1"/>
+          </p:cNvSpPr>
+          <p:nvPr>
+            <p:ph type="sldNum" sz="quarter" idx="10"/>
+          </p:nvPr>
+        </p:nvSpPr>
+        <p:spPr/>
+        <p:txBody>
+          <a:bodyPr/>
+          <a:lstStyle/>
+          <a:p>
+            <a:fld id="{B73E644B-9D12-D440-B002-B1721AD7B1C7}" type="slidenum">
+              <a:rPr lang="en-US" smtClean="0"/>
+              <a:t>4</a:t>
+            </a:fld>
+            <a:endParaRPr lang="en-US"/>
+          </a:p>
+        </p:txBody>
+      </p:sp>
+    </p:spTree>
+    <p:extLst>
+      <p:ext uri="{BB962C8B-B14F-4D97-AF65-F5344CB8AC3E}">
+        <p14:creationId xmlns:p14="http://schemas.microsoft.com/office/powerpoint/2010/main" val="3001177837"/>
+      </p:ext>
+    </p:extLst>
+  </p:cSld>
+  <p:clrMapOvr>
+    <a:masterClrMapping/>
+  </p:clrMapOvr>
+</p:notes>
+</file>
+
+<file path=ppt/notesSlides/notesSlide3.xml><?xml version="1.0" encoding="utf-8"?>
 <p:notes xmlns:a="http://schemas.openxmlformats.org/drawingml/2006/main" xmlns:r="http://schemas.openxmlformats.org/officeDocument/2006/relationships" xmlns:p="http://schemas.openxmlformats.org/presentationml/2006/main">
   <p:cSld>
     <p:spTree>
@@ -2921,7 +3005,7 @@
         </p:nvSpPr>
         <p:spPr>
           <a:xfrm>
-            <a:off x="-1" y="804799"/>
+            <a:off x="209549" y="1652524"/>
             <a:ext cx="3533775" cy="2443226"/>
           </a:xfrm>
         </p:spPr>
@@ -3403,6 +3487,13 @@
   <p:clrMapOvr>
     <a:masterClrMapping/>
   </p:clrMapOvr>
+  <p:timing>
+    <p:tnLst>
+      <p:par>
+        <p:cTn id="1" dur="indefinite" restart="never" nodeType="tmRoot"/>
+      </p:par>
+    </p:tnLst>
+  </p:timing>
 </p:sld>
 </file>
 
@@ -3465,8 +3556,8 @@
           </a:p>
         </p:txBody>
       </p:sp>
-      <mc:AlternateContent xmlns:mc="http://schemas.openxmlformats.org/markup-compatibility/2006">
-        <mc:Choice xmlns:a14="http://schemas.microsoft.com/office/drawing/2010/main" Requires="a14">
+      <mc:AlternateContent xmlns:mc="http://schemas.openxmlformats.org/markup-compatibility/2006" xmlns:a14="http://schemas.microsoft.com/office/drawing/2010/main">
+        <mc:Choice Requires="a14">
           <p:sp>
             <p:nvSpPr>
               <p:cNvPr id="3" name="Content Placeholder 2"/>
@@ -3882,7 +3973,7 @@
             </p:txBody>
           </p:sp>
         </mc:Choice>
-        <mc:Fallback>
+        <mc:Fallback xmlns="">
           <p:sp>
             <p:nvSpPr>
               <p:cNvPr id="3" name="Content Placeholder 2"/>
@@ -4103,6 +4194,13 @@
   <p:clrMapOvr>
     <a:masterClrMapping/>
   </p:clrMapOvr>
+  <p:timing>
+    <p:tnLst>
+      <p:par>
+        <p:cTn id="1" dur="indefinite" restart="never" nodeType="tmRoot"/>
+      </p:par>
+    </p:tnLst>
+  </p:timing>
 </p:sld>
 </file>
 
@@ -4242,6 +4340,13 @@
   <p:clrMapOvr>
     <a:masterClrMapping/>
   </p:clrMapOvr>
+  <p:timing>
+    <p:tnLst>
+      <p:par>
+        <p:cTn id="1" dur="indefinite" restart="never" nodeType="tmRoot"/>
+      </p:par>
+    </p:tnLst>
+  </p:timing>
 </p:sld>
 </file>
 
@@ -4855,6 +4960,13 @@
   <p:clrMapOvr>
     <a:masterClrMapping/>
   </p:clrMapOvr>
+  <p:timing>
+    <p:tnLst>
+      <p:par>
+        <p:cTn id="1" dur="indefinite" restart="never" nodeType="tmRoot"/>
+      </p:par>
+    </p:tnLst>
+  </p:timing>
 </p:sld>
 </file>
 
@@ -5234,6 +5346,13 @@
   <p:clrMapOvr>
     <a:masterClrMapping/>
   </p:clrMapOvr>
+  <p:timing>
+    <p:tnLst>
+      <p:par>
+        <p:cTn id="1" dur="indefinite" restart="never" nodeType="tmRoot"/>
+      </p:par>
+    </p:tnLst>
+  </p:timing>
 </p:sld>
 </file>
 
@@ -5616,6 +5735,13 @@
   <p:clrMapOvr>
     <a:masterClrMapping/>
   </p:clrMapOvr>
+  <p:timing>
+    <p:tnLst>
+      <p:par>
+        <p:cTn id="1" dur="indefinite" restart="never" nodeType="tmRoot"/>
+      </p:par>
+    </p:tnLst>
+  </p:timing>
 </p:sld>
 </file>
 
@@ -6055,6 +6181,13 @@
   <p:clrMapOvr>
     <a:masterClrMapping/>
   </p:clrMapOvr>
+  <p:timing>
+    <p:tnLst>
+      <p:par>
+        <p:cTn id="1" dur="indefinite" restart="never" nodeType="tmRoot"/>
+      </p:par>
+    </p:tnLst>
+  </p:timing>
 </p:sld>
 </file>
 
@@ -6496,6 +6629,13 @@
   <p:clrMapOvr>
     <a:masterClrMapping/>
   </p:clrMapOvr>
+  <p:timing>
+    <p:tnLst>
+      <p:par>
+        <p:cTn id="1" dur="indefinite" restart="never" nodeType="tmRoot"/>
+      </p:par>
+    </p:tnLst>
+  </p:timing>
 </p:sld>
 </file>
 
@@ -6668,6 +6808,13 @@
   <p:clrMapOvr>
     <a:masterClrMapping/>
   </p:clrMapOvr>
+  <p:timing>
+    <p:tnLst>
+      <p:par>
+        <p:cTn id="1" dur="indefinite" restart="never" nodeType="tmRoot"/>
+      </p:par>
+    </p:tnLst>
+  </p:timing>
 </p:sld>
 </file>
 
@@ -6978,6 +7125,13 @@
   <p:clrMapOvr>
     <a:masterClrMapping/>
   </p:clrMapOvr>
+  <p:timing>
+    <p:tnLst>
+      <p:par>
+        <p:cTn id="1" dur="indefinite" restart="never" nodeType="tmRoot"/>
+      </p:par>
+    </p:tnLst>
+  </p:timing>
 </p:sld>
 </file>
 
@@ -7048,8 +7202,8 @@
           </a:p>
         </p:txBody>
       </p:sp>
-      <mc:AlternateContent xmlns:mc="http://schemas.openxmlformats.org/markup-compatibility/2006">
-        <mc:Choice xmlns:a14="http://schemas.microsoft.com/office/drawing/2010/main" Requires="a14">
+      <mc:AlternateContent xmlns:mc="http://schemas.openxmlformats.org/markup-compatibility/2006" xmlns:a14="http://schemas.microsoft.com/office/drawing/2010/main">
+        <mc:Choice Requires="a14">
           <p:sp>
             <p:nvSpPr>
               <p:cNvPr id="7" name="Rectangle 6"/>
@@ -7480,7 +7634,7 @@
             </p:txBody>
           </p:sp>
         </mc:Choice>
-        <mc:Fallback>
+        <mc:Fallback xmlns="">
           <p:sp>
             <p:nvSpPr>
               <p:cNvPr id="7" name="Rectangle 6"/>
@@ -7658,7 +7812,7 @@
       </p:sp>
       <p:sp>
         <p:nvSpPr>
-          <p:cNvPr id="9" name="Content Placeholder 8"/>
+          <p:cNvPr id="2" name="Content Placeholder 1"/>
           <p:cNvSpPr>
             <a:spLocks noGrp="1"/>
           </p:cNvSpPr>
@@ -7671,14 +7825,33 @@
           <a:bodyPr/>
           <a:lstStyle/>
           <a:p>
-            <a:r>
-              <a:rPr lang="en-US" dirty="0" smtClean="0"/>
-              <a:t>PARAMETER TABLE</a:t>
-            </a:r>
-            <a:endParaRPr lang="en-US" dirty="0"/>
+            <a:endParaRPr lang="en-US"/>
           </a:p>
         </p:txBody>
       </p:sp>
+      <p:pic>
+        <p:nvPicPr>
+          <p:cNvPr id="3" name="Picture 2"/>
+          <p:cNvPicPr>
+            <a:picLocks noChangeAspect="1"/>
+          </p:cNvPicPr>
+          <p:nvPr/>
+        </p:nvPicPr>
+        <p:blipFill rotWithShape="1">
+          <a:blip r:embed="rId3"/>
+          <a:srcRect l="21146" t="32485" r="37917" b="34635"/>
+          <a:stretch/>
+        </p:blipFill>
+        <p:spPr>
+          <a:xfrm>
+            <a:off x="457199" y="2454803"/>
+            <a:ext cx="5124450" cy="2790414"/>
+          </a:xfrm>
+          <a:prstGeom prst="rect">
+            <a:avLst/>
+          </a:prstGeom>
+        </p:spPr>
+      </p:pic>
     </p:spTree>
     <p:extLst>
       <p:ext uri="{BB962C8B-B14F-4D97-AF65-F5344CB8AC3E}">
@@ -7689,6 +7862,13 @@
   <p:clrMapOvr>
     <a:masterClrMapping/>
   </p:clrMapOvr>
+  <p:timing>
+    <p:tnLst>
+      <p:par>
+        <p:cTn id="1" dur="indefinite" restart="never" nodeType="tmRoot"/>
+      </p:par>
+    </p:tnLst>
+  </p:timing>
 </p:sld>
 </file>
 
@@ -7751,16 +7931,11 @@
               </a:rPr>
               <a:t> et al model</a:t>
             </a:r>
-            <a:endParaRPr lang="en-US" sz="2000" dirty="0">
-              <a:solidFill>
-                <a:schemeClr val="bg1"/>
-              </a:solidFill>
-            </a:endParaRPr>
           </a:p>
         </p:txBody>
       </p:sp>
-      <mc:AlternateContent xmlns:mc="http://schemas.openxmlformats.org/markup-compatibility/2006">
-        <mc:Choice xmlns:a14="http://schemas.microsoft.com/office/drawing/2010/main" Requires="a14">
+      <mc:AlternateContent xmlns:mc="http://schemas.openxmlformats.org/markup-compatibility/2006" xmlns:a14="http://schemas.microsoft.com/office/drawing/2010/main">
+        <mc:Choice Requires="a14">
           <p:sp>
             <p:nvSpPr>
               <p:cNvPr id="7" name="Rectangle 6"/>
@@ -8191,7 +8366,7 @@
             </p:txBody>
           </p:sp>
         </mc:Choice>
-        <mc:Fallback>
+        <mc:Fallback xmlns="">
           <p:sp>
             <p:nvSpPr>
               <p:cNvPr id="7" name="Rectangle 6"/>
@@ -8367,29 +8542,170 @@
           </a:p>
         </p:txBody>
       </p:sp>
-      <p:sp>
-        <p:nvSpPr>
-          <p:cNvPr id="2" name="Content Placeholder 1"/>
-          <p:cNvSpPr>
-            <a:spLocks noGrp="1"/>
-          </p:cNvSpPr>
-          <p:nvPr>
-            <p:ph idx="1"/>
-          </p:nvPr>
-        </p:nvSpPr>
-        <p:spPr/>
-        <p:txBody>
-          <a:bodyPr/>
-          <a:lstStyle/>
-          <a:p>
-            <a:r>
-              <a:rPr lang="en-US" dirty="0" smtClean="0"/>
-              <a:t>PARAMETER TABLE INTERVENTIONS</a:t>
-            </a:r>
-            <a:endParaRPr lang="en-US" dirty="0"/>
-          </a:p>
-        </p:txBody>
-      </p:sp>
+      <mc:AlternateContent xmlns:mc="http://schemas.openxmlformats.org/markup-compatibility/2006">
+        <mc:Choice xmlns:a14="http://schemas.microsoft.com/office/drawing/2010/main" Requires="a14">
+          <p:sp>
+            <p:nvSpPr>
+              <p:cNvPr id="2" name="Content Placeholder 1"/>
+              <p:cNvSpPr>
+                <a:spLocks noGrp="1"/>
+              </p:cNvSpPr>
+              <p:nvPr>
+                <p:ph idx="1"/>
+              </p:nvPr>
+            </p:nvSpPr>
+            <p:spPr/>
+            <p:txBody>
+              <a:bodyPr/>
+              <a:lstStyle/>
+              <a:p>
+                <a:r>
+                  <a:rPr lang="en-US" dirty="0" smtClean="0"/>
+                  <a:t>Potential interventions:</a:t>
+                </a:r>
+              </a:p>
+              <a:p>
+                <a:pPr lvl="1"/>
+                <a:r>
+                  <a:rPr lang="en-US" i="1" dirty="0" smtClean="0">
+                    <a:latin typeface="Cambria Math" panose="02040503050406030204" pitchFamily="18" charset="0"/>
+                  </a:rPr>
+                  <a:t>I </a:t>
+                </a:r>
+                <a:r>
+                  <a:rPr lang="en-US" dirty="0"/>
+                  <a:t>– </a:t>
+                </a:r>
+                <a:r>
+                  <a:rPr lang="en-US" dirty="0" smtClean="0"/>
+                  <a:t>MDA</a:t>
+                </a:r>
+                <a:r>
+                  <a:rPr lang="en-US" i="1" dirty="0" smtClean="0"/>
+                  <a:t> </a:t>
+                </a:r>
+                <a:endParaRPr lang="en-US" b="0" i="1" dirty="0" smtClean="0"/>
+              </a:p>
+              <a:p>
+                <a:pPr lvl="1"/>
+                <a14:m>
+                  <m:oMath xmlns:m="http://schemas.openxmlformats.org/officeDocument/2006/math">
+                    <m:r>
+                      <a:rPr lang="en-US" b="0" i="1" smtClean="0">
+                        <a:latin typeface="Cambria Math" panose="02040503050406030204" pitchFamily="18" charset="0"/>
+                      </a:rPr>
+                      <m:t>𝑊</m:t>
+                    </m:r>
+                    <m:r>
+                      <a:rPr lang="en-US" b="0" i="1" smtClean="0">
+                        <a:latin typeface="Cambria Math" panose="02040503050406030204" pitchFamily="18" charset="0"/>
+                      </a:rPr>
+                      <m:t>/</m:t>
+                    </m:r>
+                    <m:r>
+                      <a:rPr lang="en-US" b="0" i="1" smtClean="0">
+                        <a:latin typeface="Cambria Math" panose="02040503050406030204" pitchFamily="18" charset="0"/>
+                      </a:rPr>
+                      <m:t>𝑉</m:t>
+                    </m:r>
+                  </m:oMath>
+                </a14:m>
+                <a:r>
+                  <a:rPr lang="en-US" dirty="0" smtClean="0"/>
+                  <a:t> – Vector or intermediate host control</a:t>
+                </a:r>
+              </a:p>
+              <a:p>
+                <a:pPr lvl="1"/>
+                <a14:m>
+                  <m:oMath xmlns:m="http://schemas.openxmlformats.org/officeDocument/2006/math">
+                    <m:r>
+                      <a:rPr lang="en-US" b="0" i="1" smtClean="0">
+                        <a:latin typeface="Cambria Math" panose="02040503050406030204" pitchFamily="18" charset="0"/>
+                      </a:rPr>
+                      <m:t>𝜎</m:t>
+                    </m:r>
+                  </m:oMath>
+                </a14:m>
+                <a:r>
+                  <a:rPr lang="en-US" dirty="0" smtClean="0"/>
+                  <a:t> – Sanitation or education campaign</a:t>
+                </a:r>
+              </a:p>
+              <a:p>
+                <a:pPr lvl="1"/>
+                <a14:m>
+                  <m:oMath xmlns:m="http://schemas.openxmlformats.org/officeDocument/2006/math">
+                    <m:sSub>
+                      <m:sSubPr>
+                        <m:ctrlPr>
+                          <a:rPr lang="en-US" b="0" i="1" smtClean="0">
+                            <a:latin typeface="Cambria Math" panose="02040503050406030204" pitchFamily="18" charset="0"/>
+                          </a:rPr>
+                        </m:ctrlPr>
+                      </m:sSubPr>
+                      <m:e>
+                        <m:r>
+                          <a:rPr lang="en-US" b="0" i="1" smtClean="0">
+                            <a:latin typeface="Cambria Math" panose="02040503050406030204" pitchFamily="18" charset="0"/>
+                          </a:rPr>
+                          <m:t>𝛽</m:t>
+                        </m:r>
+                      </m:e>
+                      <m:sub>
+                        <m:r>
+                          <a:rPr lang="en-US" b="0" i="1" smtClean="0">
+                            <a:latin typeface="Cambria Math" panose="02040503050406030204" pitchFamily="18" charset="0"/>
+                          </a:rPr>
+                          <m:t>𝐸</m:t>
+                        </m:r>
+                      </m:sub>
+                    </m:sSub>
+                  </m:oMath>
+                </a14:m>
+                <a:r>
+                  <a:rPr lang="en-US" dirty="0"/>
+                  <a:t> – Education campaign (exposure avoidance)</a:t>
+                </a:r>
+                <a:endParaRPr lang="en-US" dirty="0"/>
+              </a:p>
+            </p:txBody>
+          </p:sp>
+        </mc:Choice>
+        <mc:Fallback>
+          <p:sp>
+            <p:nvSpPr>
+              <p:cNvPr id="2" name="Content Placeholder 1"/>
+              <p:cNvSpPr>
+                <a:spLocks noGrp="1" noRot="1" noChangeAspect="1" noMove="1" noResize="1" noEditPoints="1" noAdjustHandles="1" noChangeArrowheads="1" noChangeShapeType="1" noTextEdit="1"/>
+              </p:cNvSpPr>
+              <p:nvPr>
+                <p:ph idx="1"/>
+              </p:nvPr>
+            </p:nvSpPr>
+            <p:spPr>
+              <a:blipFill rotWithShape="0">
+                <a:blip r:embed="rId3"/>
+                <a:stretch>
+                  <a:fillRect l="-667" t="-1208"/>
+                </a:stretch>
+              </a:blipFill>
+            </p:spPr>
+            <p:txBody>
+              <a:bodyPr/>
+              <a:lstStyle/>
+              <a:p>
+                <a:r>
+                  <a:rPr lang="en-US">
+                    <a:noFill/>
+                  </a:rPr>
+                  <a:t> </a:t>
+                </a:r>
+              </a:p>
+            </p:txBody>
+          </p:sp>
+        </mc:Fallback>
+      </mc:AlternateContent>
     </p:spTree>
     <p:extLst>
       <p:ext uri="{BB962C8B-B14F-4D97-AF65-F5344CB8AC3E}">
@@ -8400,6 +8716,13 @@
   <p:clrMapOvr>
     <a:masterClrMapping/>
   </p:clrMapOvr>
+  <p:timing>
+    <p:tnLst>
+      <p:par>
+        <p:cTn id="1" dur="indefinite" restart="never" nodeType="tmRoot"/>
+      </p:par>
+    </p:tnLst>
+  </p:timing>
 </p:sld>
 </file>
 
@@ -8470,8 +8793,8 @@
           </a:p>
         </p:txBody>
       </p:sp>
-      <mc:AlternateContent xmlns:mc="http://schemas.openxmlformats.org/markup-compatibility/2006">
-        <mc:Choice xmlns:a14="http://schemas.microsoft.com/office/drawing/2010/main" Requires="a14">
+      <mc:AlternateContent xmlns:mc="http://schemas.openxmlformats.org/markup-compatibility/2006" xmlns:a14="http://schemas.microsoft.com/office/drawing/2010/main">
+        <mc:Choice Requires="a14">
           <p:sp>
             <p:nvSpPr>
               <p:cNvPr id="6" name="Content Placeholder 2"/>
@@ -10044,7 +10367,7 @@
             </p:txBody>
           </p:sp>
         </mc:Choice>
-        <mc:Fallback>
+        <mc:Fallback xmlns="">
           <p:sp>
             <p:nvSpPr>
               <p:cNvPr id="6" name="Content Placeholder 2"/>
@@ -10092,6 +10415,13 @@
   <p:clrMapOvr>
     <a:masterClrMapping/>
   </p:clrMapOvr>
+  <p:timing>
+    <p:tnLst>
+      <p:par>
+        <p:cTn id="1" dur="indefinite" restart="never" nodeType="tmRoot"/>
+      </p:par>
+    </p:tnLst>
+  </p:timing>
 </p:sld>
 </file>
 
@@ -10162,8 +10492,8 @@
           </a:p>
         </p:txBody>
       </p:sp>
-      <mc:AlternateContent xmlns:mc="http://schemas.openxmlformats.org/markup-compatibility/2006">
-        <mc:Choice xmlns:a14="http://schemas.microsoft.com/office/drawing/2010/main" Requires="a14">
+      <mc:AlternateContent xmlns:mc="http://schemas.openxmlformats.org/markup-compatibility/2006" xmlns:a14="http://schemas.microsoft.com/office/drawing/2010/main">
+        <mc:Choice Requires="a14">
           <p:sp>
             <p:nvSpPr>
               <p:cNvPr id="6" name="Content Placeholder 2"/>
@@ -10276,11 +10606,7 @@
                 </a14:m>
                 <a:r>
                   <a:rPr lang="en-US" dirty="0" smtClean="0"/>
-                  <a:t> parameter </a:t>
-                </a:r>
-                <a:r>
-                  <a:rPr lang="en-US" dirty="0" smtClean="0"/>
-                  <a:t>space; across </a:t>
+                  <a:t> parameter space; across </a:t>
                 </a:r>
                 <a:r>
                   <a:rPr lang="en-US" dirty="0"/>
@@ -10326,7 +10652,6 @@
                   <a:rPr lang="en-US" dirty="0" smtClean="0"/>
                   <a:t>, of 0.5, 1.00, 1.50 per person</a:t>
                 </a:r>
-                <a:endParaRPr lang="en-US" dirty="0" smtClean="0"/>
               </a:p>
               <a:p>
                 <a:pPr marL="0" indent="0">
@@ -10337,7 +10662,7 @@
             </p:txBody>
           </p:sp>
         </mc:Choice>
-        <mc:Fallback>
+        <mc:Fallback xmlns="">
           <p:sp>
             <p:nvSpPr>
               <p:cNvPr id="6" name="Content Placeholder 2"/>
@@ -10409,6 +10734,13 @@
   <p:clrMapOvr>
     <a:masterClrMapping/>
   </p:clrMapOvr>
+  <p:timing>
+    <p:tnLst>
+      <p:par>
+        <p:cTn id="1" dur="indefinite" restart="never" nodeType="tmRoot"/>
+      </p:par>
+    </p:tnLst>
+  </p:timing>
 </p:sld>
 </file>
 
@@ -10479,8 +10811,8 @@
           </a:p>
         </p:txBody>
       </p:sp>
-      <mc:AlternateContent xmlns:mc="http://schemas.openxmlformats.org/markup-compatibility/2006">
-        <mc:Choice xmlns:a14="http://schemas.microsoft.com/office/drawing/2010/main" Requires="a14">
+      <mc:AlternateContent xmlns:mc="http://schemas.openxmlformats.org/markup-compatibility/2006" xmlns:a14="http://schemas.microsoft.com/office/drawing/2010/main">
+        <mc:Choice Requires="a14">
           <p:sp>
             <p:nvSpPr>
               <p:cNvPr id="6" name="Content Placeholder 2"/>
@@ -10593,11 +10925,7 @@
                 </a14:m>
                 <a:r>
                   <a:rPr lang="en-US" dirty="0"/>
-                  <a:t> parameter space; across </a:t>
-                </a:r>
-                <a:r>
-                  <a:rPr lang="en-US" dirty="0"/>
-                  <a:t>time horizons, </a:t>
+                  <a:t> parameter space; across time horizons, </a:t>
                 </a:r>
                 <a14:m>
                   <m:oMath xmlns:m="http://schemas.openxmlformats.org/officeDocument/2006/math">
@@ -10611,19 +10939,7 @@
                 </a14:m>
                 <a:r>
                   <a:rPr lang="en-US" dirty="0"/>
-                  <a:t>, of </a:t>
-                </a:r>
-                <a:r>
-                  <a:rPr lang="en-US" dirty="0"/>
-                  <a:t>2, </a:t>
-                </a:r>
-                <a:r>
-                  <a:rPr lang="en-US" dirty="0"/>
-                  <a:t>10, </a:t>
-                </a:r>
-                <a:r>
-                  <a:rPr lang="en-US" dirty="0"/>
-                  <a:t>20 years; and across different levels of available capital, </a:t>
+                  <a:t>, of 2, 10, 20 years; and across different levels of available capital, </a:t>
                 </a:r>
                 <a14:m>
                   <m:oMath xmlns:m="http://schemas.openxmlformats.org/officeDocument/2006/math">
@@ -10709,7 +11025,7 @@
             </p:txBody>
           </p:sp>
         </mc:Choice>
-        <mc:Fallback>
+        <mc:Fallback xmlns="">
           <p:sp>
             <p:nvSpPr>
               <p:cNvPr id="6" name="Content Placeholder 2"/>
@@ -10747,8 +11063,8 @@
           </p:sp>
         </mc:Fallback>
       </mc:AlternateContent>
-      <mc:AlternateContent xmlns:mc="http://schemas.openxmlformats.org/markup-compatibility/2006">
-        <mc:Choice xmlns:a14="http://schemas.microsoft.com/office/drawing/2010/main" Requires="a14">
+      <mc:AlternateContent xmlns:mc="http://schemas.openxmlformats.org/markup-compatibility/2006" xmlns:a14="http://schemas.microsoft.com/office/drawing/2010/main">
+        <mc:Choice Requires="a14">
           <p:sp>
             <p:nvSpPr>
               <p:cNvPr id="2" name="Rectangle 1"/>
@@ -11591,7 +11907,7 @@
             </p:txBody>
           </p:sp>
         </mc:Choice>
-        <mc:Fallback>
+        <mc:Fallback xmlns="">
           <p:sp>
             <p:nvSpPr>
               <p:cNvPr id="2" name="Rectangle 1"/>
@@ -11640,6 +11956,13 @@
   <p:clrMapOvr>
     <a:masterClrMapping/>
   </p:clrMapOvr>
+  <p:timing>
+    <p:tnLst>
+      <p:par>
+        <p:cTn id="1" dur="indefinite" restart="never" nodeType="tmRoot"/>
+      </p:par>
+    </p:tnLst>
+  </p:timing>
 </p:sld>
 </file>
 
@@ -11710,8 +12033,8 @@
           </a:p>
         </p:txBody>
       </p:sp>
-      <mc:AlternateContent xmlns:mc="http://schemas.openxmlformats.org/markup-compatibility/2006">
-        <mc:Choice xmlns:a14="http://schemas.microsoft.com/office/drawing/2010/main" Requires="a14">
+      <mc:AlternateContent xmlns:mc="http://schemas.openxmlformats.org/markup-compatibility/2006" xmlns:a14="http://schemas.microsoft.com/office/drawing/2010/main">
+        <mc:Choice Requires="a14">
           <p:sp>
             <p:nvSpPr>
               <p:cNvPr id="6" name="Content Placeholder 2"/>
@@ -11824,11 +12147,7 @@
                 </a14:m>
                 <a:r>
                   <a:rPr lang="en-US" dirty="0"/>
-                  <a:t> parameter space; across </a:t>
-                </a:r>
-                <a:r>
-                  <a:rPr lang="en-US" dirty="0"/>
-                  <a:t>time horizons, </a:t>
+                  <a:t> parameter space; across time horizons, </a:t>
                 </a:r>
                 <a14:m>
                   <m:oMath xmlns:m="http://schemas.openxmlformats.org/officeDocument/2006/math">
@@ -11842,19 +12161,7 @@
                 </a14:m>
                 <a:r>
                   <a:rPr lang="en-US" dirty="0"/>
-                  <a:t>, of </a:t>
-                </a:r>
-                <a:r>
-                  <a:rPr lang="en-US" dirty="0"/>
-                  <a:t>2, </a:t>
-                </a:r>
-                <a:r>
-                  <a:rPr lang="en-US" dirty="0"/>
-                  <a:t>10, </a:t>
-                </a:r>
-                <a:r>
-                  <a:rPr lang="en-US" dirty="0"/>
-                  <a:t>20 years; and across different levels of available capital, </a:t>
+                  <a:t>, of 2, 10, 20 years; and across different levels of available capital, </a:t>
                 </a:r>
                 <a14:m>
                   <m:oMath xmlns:m="http://schemas.openxmlformats.org/officeDocument/2006/math">
@@ -11940,7 +12247,7 @@
             </p:txBody>
           </p:sp>
         </mc:Choice>
-        <mc:Fallback>
+        <mc:Fallback xmlns="">
           <p:sp>
             <p:nvSpPr>
               <p:cNvPr id="6" name="Content Placeholder 2"/>
@@ -12012,6 +12319,13 @@
   <p:clrMapOvr>
     <a:masterClrMapping/>
   </p:clrMapOvr>
+  <p:timing>
+    <p:tnLst>
+      <p:par>
+        <p:cTn id="1" dur="indefinite" restart="never" nodeType="tmRoot"/>
+      </p:par>
+    </p:tnLst>
+  </p:timing>
 </p:sld>
 </file>
 
@@ -12082,8 +12396,8 @@
           </a:p>
         </p:txBody>
       </p:sp>
-      <mc:AlternateContent xmlns:mc="http://schemas.openxmlformats.org/markup-compatibility/2006">
-        <mc:Choice xmlns:a14="http://schemas.microsoft.com/office/drawing/2010/main" Requires="a14">
+      <mc:AlternateContent xmlns:mc="http://schemas.openxmlformats.org/markup-compatibility/2006" xmlns:a14="http://schemas.microsoft.com/office/drawing/2010/main">
+        <mc:Choice Requires="a14">
           <p:sp>
             <p:nvSpPr>
               <p:cNvPr id="6" name="Content Placeholder 2"/>
@@ -12196,11 +12510,7 @@
                 </a14:m>
                 <a:r>
                   <a:rPr lang="en-US" dirty="0"/>
-                  <a:t> parameter space; across </a:t>
-                </a:r>
-                <a:r>
-                  <a:rPr lang="en-US" dirty="0"/>
-                  <a:t>time horizons, </a:t>
+                  <a:t> parameter space; across time horizons, </a:t>
                 </a:r>
                 <a14:m>
                   <m:oMath xmlns:m="http://schemas.openxmlformats.org/officeDocument/2006/math">
@@ -12214,19 +12524,7 @@
                 </a14:m>
                 <a:r>
                   <a:rPr lang="en-US" dirty="0"/>
-                  <a:t>, of </a:t>
-                </a:r>
-                <a:r>
-                  <a:rPr lang="en-US" dirty="0"/>
-                  <a:t>2, </a:t>
-                </a:r>
-                <a:r>
-                  <a:rPr lang="en-US" dirty="0"/>
-                  <a:t>10, </a:t>
-                </a:r>
-                <a:r>
-                  <a:rPr lang="en-US" dirty="0"/>
-                  <a:t>20 years; and across different levels of available capital, </a:t>
+                  <a:t>, of 2, 10, 20 years; and across different levels of available capital, </a:t>
                 </a:r>
                 <a14:m>
                   <m:oMath xmlns:m="http://schemas.openxmlformats.org/officeDocument/2006/math">
@@ -12312,7 +12610,7 @@
             </p:txBody>
           </p:sp>
         </mc:Choice>
-        <mc:Fallback>
+        <mc:Fallback xmlns="">
           <p:sp>
             <p:nvSpPr>
               <p:cNvPr id="6" name="Content Placeholder 2"/>
@@ -12350,8 +12648,8 @@
           </p:sp>
         </mc:Fallback>
       </mc:AlternateContent>
-      <mc:AlternateContent xmlns:mc="http://schemas.openxmlformats.org/markup-compatibility/2006">
-        <mc:Choice xmlns:a14="http://schemas.microsoft.com/office/drawing/2010/main" Requires="a14">
+      <mc:AlternateContent xmlns:mc="http://schemas.openxmlformats.org/markup-compatibility/2006" xmlns:a14="http://schemas.microsoft.com/office/drawing/2010/main">
+        <mc:Choice Requires="a14">
           <p:sp>
             <p:nvSpPr>
               <p:cNvPr id="2" name="Rectangle 1"/>
@@ -12436,7 +12734,7 @@
             </p:txBody>
           </p:sp>
         </mc:Choice>
-        <mc:Fallback>
+        <mc:Fallback xmlns="">
           <p:sp>
             <p:nvSpPr>
               <p:cNvPr id="2" name="Rectangle 1"/>
@@ -12485,6 +12783,13 @@
   <p:clrMapOvr>
     <a:masterClrMapping/>
   </p:clrMapOvr>
+  <p:timing>
+    <p:tnLst>
+      <p:par>
+        <p:cTn id="1" dur="indefinite" restart="never" nodeType="tmRoot"/>
+      </p:par>
+    </p:tnLst>
+  </p:timing>
 </p:sld>
 </file>
 
@@ -13199,6 +13504,13 @@
   <p:clrMapOvr>
     <a:masterClrMapping/>
   </p:clrMapOvr>
+  <p:timing>
+    <p:tnLst>
+      <p:par>
+        <p:cTn id="1" dur="indefinite" restart="never" nodeType="tmRoot"/>
+      </p:par>
+    </p:tnLst>
+  </p:timing>
 </p:sld>
 </file>
 
@@ -13988,8 +14300,8 @@
           </a:prstGeom>
         </p:spPr>
       </p:pic>
-      <mc:AlternateContent xmlns:mc="http://schemas.openxmlformats.org/markup-compatibility/2006">
-        <mc:Choice xmlns:a14="http://schemas.microsoft.com/office/drawing/2010/main" Requires="a14">
+      <mc:AlternateContent xmlns:mc="http://schemas.openxmlformats.org/markup-compatibility/2006" xmlns:a14="http://schemas.microsoft.com/office/drawing/2010/main">
+        <mc:Choice Requires="a14">
           <p:sp>
             <p:nvSpPr>
               <p:cNvPr id="10" name="TextBox 9"/>
@@ -14053,7 +14365,7 @@
                       <m:sSub>
                         <m:sSubPr>
                           <m:ctrlPr>
-                            <a:rPr lang="en-US" b="0" i="0" smtClean="0">
+                            <a:rPr lang="en-US" b="0" i="1" smtClean="0">
                               <a:latin typeface="Cambria Math" panose="02040503050406030204" pitchFamily="18" charset="0"/>
                             </a:rPr>
                           </m:ctrlPr>
@@ -14095,7 +14407,7 @@
             </p:txBody>
           </p:sp>
         </mc:Choice>
-        <mc:Fallback>
+        <mc:Fallback xmlns="">
           <p:sp>
             <p:nvSpPr>
               <p:cNvPr id="10" name="TextBox 9"/>
@@ -14274,7 +14586,6 @@
               <a:rPr lang="en-US" dirty="0" smtClean="0"/>
               <a:t>Lo et al PNAS</a:t>
             </a:r>
-            <a:endParaRPr lang="en-US" dirty="0" smtClean="0"/>
           </a:p>
           <a:p>
             <a:endParaRPr lang="en-US" dirty="0" smtClean="0"/>
@@ -14308,7 +14619,7 @@
 </file>
 
 <file path=ppt/slides/slide34.xml><?xml version="1.0" encoding="utf-8"?>
-<p:sld xmlns:a="http://schemas.openxmlformats.org/drawingml/2006/main" xmlns:r="http://schemas.openxmlformats.org/officeDocument/2006/relationships" xmlns:p="http://schemas.openxmlformats.org/presentationml/2006/main">
+<p:sld xmlns:a="http://schemas.openxmlformats.org/drawingml/2006/main" xmlns:r="http://schemas.openxmlformats.org/officeDocument/2006/relationships" xmlns:p="http://schemas.openxmlformats.org/presentationml/2006/main" show="0">
   <p:cSld>
     <p:spTree>
       <p:nvGrpSpPr>
@@ -14856,6 +15167,14 @@
   <p:clrMapOvr>
     <a:masterClrMapping/>
   </p:clrMapOvr>
+  <mc:AlternateContent xmlns:mc="http://schemas.openxmlformats.org/markup-compatibility/2006">
+    <mc:Choice xmlns:p14="http://schemas.microsoft.com/office/powerpoint/2010/main" Requires="p14">
+      <p:transition spd="slow" p14:dur="2000"/>
+    </mc:Choice>
+    <mc:Fallback>
+      <p:transition spd="slow"/>
+    </mc:Fallback>
+  </mc:AlternateContent>
   <p:timing>
     <p:tnLst>
       <p:par>
@@ -14925,25 +15244,101 @@
           </a:p>
         </p:txBody>
       </p:sp>
-      <p:sp>
-        <p:nvSpPr>
-          <p:cNvPr id="7" name="Content Placeholder 6"/>
-          <p:cNvSpPr>
-            <a:spLocks noGrp="1"/>
-          </p:cNvSpPr>
-          <p:nvPr>
-            <p:ph idx="1"/>
-          </p:nvPr>
-        </p:nvSpPr>
-        <p:spPr/>
-        <p:txBody>
-          <a:bodyPr/>
-          <a:lstStyle/>
-          <a:p>
-            <a:endParaRPr lang="en-US"/>
-          </a:p>
-        </p:txBody>
-      </p:sp>
+      <mc:AlternateContent xmlns:mc="http://schemas.openxmlformats.org/markup-compatibility/2006">
+        <mc:Choice xmlns:a14="http://schemas.microsoft.com/office/drawing/2010/main" Requires="a14">
+          <p:sp>
+            <p:nvSpPr>
+              <p:cNvPr id="7" name="Content Placeholder 6"/>
+              <p:cNvSpPr>
+                <a:spLocks noGrp="1"/>
+              </p:cNvSpPr>
+              <p:nvPr>
+                <p:ph idx="1"/>
+              </p:nvPr>
+            </p:nvSpPr>
+            <p:spPr>
+              <a:xfrm>
+                <a:off x="0" y="1187980"/>
+                <a:ext cx="2343150" cy="2526418"/>
+              </a:xfrm>
+            </p:spPr>
+            <p:txBody>
+              <a:bodyPr/>
+              <a:lstStyle/>
+              <a:p>
+                <a:r>
+                  <a:rPr lang="en-US" dirty="0" smtClean="0"/>
+                  <a:t>Functions </a:t>
+                </a:r>
+                <a14:m>
+                  <m:oMath xmlns:m="http://schemas.openxmlformats.org/officeDocument/2006/math">
+                    <m:r>
+                      <a:rPr lang="en-US" b="0" i="0" smtClean="0">
+                        <a:latin typeface="Cambria Math" panose="02040503050406030204" pitchFamily="18" charset="0"/>
+                      </a:rPr>
+                      <m:t>(</m:t>
+                    </m:r>
+                    <m:r>
+                      <a:rPr lang="en-US" b="0" i="1" smtClean="0">
+                        <a:latin typeface="Cambria Math" panose="02040503050406030204" pitchFamily="18" charset="0"/>
+                      </a:rPr>
+                      <m:t>𝑓</m:t>
+                    </m:r>
+                    <m:r>
+                      <a:rPr lang="en-US" b="0" i="1" smtClean="0">
+                        <a:latin typeface="Cambria Math" panose="02040503050406030204" pitchFamily="18" charset="0"/>
+                      </a:rPr>
+                      <m:t>)</m:t>
+                    </m:r>
+                  </m:oMath>
+                </a14:m>
+                <a:r>
+                  <a:rPr lang="en-US" dirty="0" smtClean="0"/>
+                  <a:t> of disease prevalence or infection intensity </a:t>
+                </a:r>
+                <a:endParaRPr lang="en-US" dirty="0"/>
+              </a:p>
+            </p:txBody>
+          </p:sp>
+        </mc:Choice>
+        <mc:Fallback>
+          <p:sp>
+            <p:nvSpPr>
+              <p:cNvPr id="7" name="Content Placeholder 6"/>
+              <p:cNvSpPr>
+                <a:spLocks noGrp="1" noRot="1" noChangeAspect="1" noMove="1" noResize="1" noEditPoints="1" noAdjustHandles="1" noChangeArrowheads="1" noChangeShapeType="1" noTextEdit="1"/>
+              </p:cNvSpPr>
+              <p:nvPr>
+                <p:ph idx="1"/>
+              </p:nvPr>
+            </p:nvSpPr>
+            <p:spPr>
+              <a:xfrm>
+                <a:off x="0" y="1187980"/>
+                <a:ext cx="2343150" cy="2526418"/>
+              </a:xfrm>
+              <a:blipFill rotWithShape="0">
+                <a:blip r:embed="rId3"/>
+                <a:stretch>
+                  <a:fillRect l="-2344" t="-1208" r="-5208"/>
+                </a:stretch>
+              </a:blipFill>
+            </p:spPr>
+            <p:txBody>
+              <a:bodyPr/>
+              <a:lstStyle/>
+              <a:p>
+                <a:r>
+                  <a:rPr lang="en-US">
+                    <a:noFill/>
+                  </a:rPr>
+                  <a:t> </a:t>
+                </a:r>
+              </a:p>
+            </p:txBody>
+          </p:sp>
+        </mc:Fallback>
+      </mc:AlternateContent>
       <p:pic>
         <p:nvPicPr>
           <p:cNvPr id="7170" name="Picture 2" descr="https://github.com/cmhoove14/DDNTD/raw/master/Analysis/Model_Sims_files/figure-markdown_github/mate_prob_across_W-1.png"/>
@@ -14953,7 +15348,7 @@
           <p:nvPr/>
         </p:nvPicPr>
         <p:blipFill>
-          <a:blip r:embed="rId2">
+          <a:blip r:embed="rId4">
             <a:extLst>
               <a:ext uri="{28A0092B-C50C-407E-A947-70E740481C1C}">
                 <a14:useLocalDpi xmlns:a14="http://schemas.microsoft.com/office/drawing/2010/main" val="0"/>
@@ -14967,7 +15362,7 @@
         </p:blipFill>
         <p:spPr bwMode="auto">
           <a:xfrm>
-            <a:off x="1371600" y="1120775"/>
+            <a:off x="2428875" y="1082675"/>
             <a:ext cx="6400800" cy="4572000"/>
           </a:xfrm>
           <a:prstGeom prst="rect">
@@ -14995,6 +15390,13 @@
   <p:clrMapOvr>
     <a:masterClrMapping/>
   </p:clrMapOvr>
+  <p:timing>
+    <p:tnLst>
+      <p:par>
+        <p:cTn id="1" dur="indefinite" restart="never" nodeType="tmRoot"/>
+      </p:par>
+    </p:tnLst>
+  </p:timing>
 </p:sld>
 </file>
 
@@ -15057,25 +15459,6 @@
           </a:p>
         </p:txBody>
       </p:sp>
-      <p:sp>
-        <p:nvSpPr>
-          <p:cNvPr id="7" name="Content Placeholder 6"/>
-          <p:cNvSpPr>
-            <a:spLocks noGrp="1"/>
-          </p:cNvSpPr>
-          <p:nvPr>
-            <p:ph idx="1"/>
-          </p:nvPr>
-        </p:nvSpPr>
-        <p:spPr/>
-        <p:txBody>
-          <a:bodyPr/>
-          <a:lstStyle/>
-          <a:p>
-            <a:endParaRPr lang="en-US"/>
-          </a:p>
-        </p:txBody>
-      </p:sp>
       <p:pic>
         <p:nvPicPr>
           <p:cNvPr id="1026" name="Picture 2" descr="https://github.com/cmhoove14/DDNTD/raw/master/Analysis/Model_Sims_files/figure-markdown_github/Reff_curves-1.png"/>
@@ -15099,7 +15482,7 @@
         </p:blipFill>
         <p:spPr bwMode="auto">
           <a:xfrm>
-            <a:off x="1120775" y="1240155"/>
+            <a:off x="2708910" y="1192530"/>
             <a:ext cx="6400800" cy="4572000"/>
           </a:xfrm>
           <a:prstGeom prst="rect">
@@ -15117,6 +15500,162 @@
           </a:extLst>
         </p:spPr>
       </p:pic>
+      <mc:AlternateContent xmlns:mc="http://schemas.openxmlformats.org/markup-compatibility/2006">
+        <mc:Choice xmlns:a14="http://schemas.microsoft.com/office/drawing/2010/main" Requires="a14">
+          <p:sp>
+            <p:nvSpPr>
+              <p:cNvPr id="5" name="Content Placeholder 6"/>
+              <p:cNvSpPr>
+                <a:spLocks noGrp="1"/>
+              </p:cNvSpPr>
+              <p:nvPr>
+                <p:ph idx="1"/>
+              </p:nvPr>
+            </p:nvSpPr>
+            <p:spPr>
+              <a:xfrm>
+                <a:off x="-1" y="1187980"/>
+                <a:ext cx="2581275" cy="2526418"/>
+              </a:xfrm>
+            </p:spPr>
+            <p:txBody>
+              <a:bodyPr/>
+              <a:lstStyle/>
+              <a:p>
+                <a14:m>
+                  <m:oMath xmlns:m="http://schemas.openxmlformats.org/officeDocument/2006/math">
+                    <m:sSub>
+                      <m:sSubPr>
+                        <m:ctrlPr>
+                          <a:rPr lang="en-US" b="0" i="1" smtClean="0">
+                            <a:latin typeface="Cambria Math" panose="02040503050406030204" pitchFamily="18" charset="0"/>
+                          </a:rPr>
+                        </m:ctrlPr>
+                      </m:sSubPr>
+                      <m:e>
+                        <m:r>
+                          <a:rPr lang="en-US" b="0" i="1" smtClean="0">
+                            <a:latin typeface="Cambria Math" panose="02040503050406030204" pitchFamily="18" charset="0"/>
+                          </a:rPr>
+                          <m:t>𝑅</m:t>
+                        </m:r>
+                      </m:e>
+                      <m:sub>
+                        <m:r>
+                          <a:rPr lang="en-US" b="0" i="1" smtClean="0">
+                            <a:latin typeface="Cambria Math" panose="02040503050406030204" pitchFamily="18" charset="0"/>
+                          </a:rPr>
+                          <m:t>𝑒𝑓𝑓</m:t>
+                        </m:r>
+                      </m:sub>
+                    </m:sSub>
+                    <m:r>
+                      <a:rPr lang="en-US" b="0" i="1" smtClean="0">
+                        <a:latin typeface="Cambria Math" panose="02040503050406030204" pitchFamily="18" charset="0"/>
+                        <a:ea typeface="Cambria Math" panose="02040503050406030204" pitchFamily="18" charset="0"/>
+                      </a:rPr>
+                      <m:t>≈</m:t>
+                    </m:r>
+                    <m:sSub>
+                      <m:sSubPr>
+                        <m:ctrlPr>
+                          <a:rPr lang="en-US" b="0" i="1" smtClean="0">
+                            <a:latin typeface="Cambria Math" panose="02040503050406030204" pitchFamily="18" charset="0"/>
+                          </a:rPr>
+                        </m:ctrlPr>
+                      </m:sSubPr>
+                      <m:e>
+                        <m:r>
+                          <a:rPr lang="en-US" b="0" i="1" smtClean="0">
+                            <a:latin typeface="Cambria Math" panose="02040503050406030204" pitchFamily="18" charset="0"/>
+                          </a:rPr>
+                          <m:t>𝑅</m:t>
+                        </m:r>
+                      </m:e>
+                      <m:sub>
+                        <m:r>
+                          <a:rPr lang="en-US" b="0" i="1" smtClean="0">
+                            <a:latin typeface="Cambria Math" panose="02040503050406030204" pitchFamily="18" charset="0"/>
+                          </a:rPr>
+                          <m:t>0</m:t>
+                        </m:r>
+                      </m:sub>
+                    </m:sSub>
+                    <m:r>
+                      <a:rPr lang="en-US" b="0" i="1" smtClean="0">
+                        <a:latin typeface="Cambria Math" panose="02040503050406030204" pitchFamily="18" charset="0"/>
+                      </a:rPr>
+                      <m:t>∗</m:t>
+                    </m:r>
+                    <m:r>
+                      <a:rPr lang="en-US" b="1" i="1" smtClean="0">
+                        <a:latin typeface="Cambria Math" panose="02040503050406030204" pitchFamily="18" charset="0"/>
+                      </a:rPr>
+                      <m:t>𝒇</m:t>
+                    </m:r>
+                    <m:r>
+                      <a:rPr lang="en-US" b="0" i="1" smtClean="0">
+                        <a:latin typeface="Cambria Math" panose="02040503050406030204" pitchFamily="18" charset="0"/>
+                      </a:rPr>
+                      <m:t>(</m:t>
+                    </m:r>
+                    <m:r>
+                      <a:rPr lang="en-US" b="0" i="1" smtClean="0">
+                        <a:latin typeface="Cambria Math" panose="02040503050406030204" pitchFamily="18" charset="0"/>
+                      </a:rPr>
+                      <m:t>𝑊</m:t>
+                    </m:r>
+                    <m:r>
+                      <a:rPr lang="en-US" b="0" i="1" smtClean="0">
+                        <a:latin typeface="Cambria Math" panose="02040503050406030204" pitchFamily="18" charset="0"/>
+                      </a:rPr>
+                      <m:t>)</m:t>
+                    </m:r>
+                  </m:oMath>
+                </a14:m>
+                <a:endParaRPr lang="en-US" dirty="0"/>
+              </a:p>
+            </p:txBody>
+          </p:sp>
+        </mc:Choice>
+        <mc:Fallback>
+          <p:sp>
+            <p:nvSpPr>
+              <p:cNvPr id="5" name="Content Placeholder 6"/>
+              <p:cNvSpPr>
+                <a:spLocks noGrp="1" noRot="1" noChangeAspect="1" noMove="1" noResize="1" noEditPoints="1" noAdjustHandles="1" noChangeArrowheads="1" noChangeShapeType="1" noTextEdit="1"/>
+              </p:cNvSpPr>
+              <p:nvPr>
+                <p:ph idx="1"/>
+              </p:nvPr>
+            </p:nvSpPr>
+            <p:spPr>
+              <a:xfrm>
+                <a:off x="-1" y="1187980"/>
+                <a:ext cx="2581275" cy="2526418"/>
+              </a:xfrm>
+              <a:blipFill rotWithShape="0">
+                <a:blip r:embed="rId3"/>
+                <a:stretch>
+                  <a:fillRect l="-2128" t="-725"/>
+                </a:stretch>
+              </a:blipFill>
+            </p:spPr>
+            <p:txBody>
+              <a:bodyPr/>
+              <a:lstStyle/>
+              <a:p>
+                <a:r>
+                  <a:rPr lang="en-US">
+                    <a:noFill/>
+                  </a:rPr>
+                  <a:t> </a:t>
+                </a:r>
+              </a:p>
+            </p:txBody>
+          </p:sp>
+        </mc:Fallback>
+      </mc:AlternateContent>
     </p:spTree>
     <p:extLst>
       <p:ext uri="{BB962C8B-B14F-4D97-AF65-F5344CB8AC3E}">
@@ -15127,6 +15666,13 @@
   <p:clrMapOvr>
     <a:masterClrMapping/>
   </p:clrMapOvr>
+  <p:timing>
+    <p:tnLst>
+      <p:par>
+        <p:cTn id="1" dur="indefinite" restart="never" nodeType="tmRoot"/>
+      </p:par>
+    </p:tnLst>
+  </p:timing>
 </p:sld>
 </file>
 
@@ -15360,6 +15906,13 @@
   <p:clrMapOvr>
     <a:masterClrMapping/>
   </p:clrMapOvr>
+  <p:timing>
+    <p:tnLst>
+      <p:par>
+        <p:cTn id="1" dur="indefinite" restart="never" nodeType="tmRoot"/>
+      </p:par>
+    </p:tnLst>
+  </p:timing>
 </p:sld>
 </file>
 
@@ -15570,8 +16123,8 @@
           </a:p>
         </p:txBody>
       </p:sp>
-      <mc:AlternateContent xmlns:mc="http://schemas.openxmlformats.org/markup-compatibility/2006">
-        <mc:Choice xmlns:a14="http://schemas.microsoft.com/office/drawing/2010/main" Requires="a14">
+      <mc:AlternateContent xmlns:mc="http://schemas.openxmlformats.org/markup-compatibility/2006" xmlns:a14="http://schemas.microsoft.com/office/drawing/2010/main">
+        <mc:Choice Requires="a14">
           <p:sp>
             <p:nvSpPr>
               <p:cNvPr id="7" name="Content Placeholder 6"/>
@@ -15596,31 +16149,7 @@
               <a:p>
                 <a:r>
                   <a:rPr lang="en-US" dirty="0" smtClean="0"/>
-                  <a:t>Interventions </a:t>
-                </a:r>
-                <a:r>
-                  <a:rPr lang="en-US" dirty="0" smtClean="0"/>
-                  <a:t>such as snail </a:t>
-                </a:r>
-                <a:r>
-                  <a:rPr lang="en-US" dirty="0" smtClean="0"/>
-                  <a:t>habitat </a:t>
-                </a:r>
-                <a:r>
-                  <a:rPr lang="en-US" dirty="0" smtClean="0"/>
-                  <a:t>reduction, </a:t>
-                </a:r>
-                <a:r>
-                  <a:rPr lang="en-US" dirty="0" smtClean="0"/>
-                  <a:t>sanitation, </a:t>
-                </a:r>
-                <a:r>
-                  <a:rPr lang="en-US" dirty="0" smtClean="0"/>
-                  <a:t>education </a:t>
-                </a:r>
-                <a:r>
-                  <a:rPr lang="en-US" dirty="0" smtClean="0"/>
-                  <a:t>suppress </a:t>
+                  <a:t>Interventions such as snail habitat reduction, sanitation, education suppress </a:t>
                 </a:r>
                 <a14:m>
                   <m:oMath xmlns:m="http://schemas.openxmlformats.org/officeDocument/2006/math">
@@ -15684,7 +16213,7 @@
             </p:txBody>
           </p:sp>
         </mc:Choice>
-        <mc:Fallback>
+        <mc:Fallback xmlns="">
           <p:sp>
             <p:nvSpPr>
               <p:cNvPr id="7" name="Content Placeholder 6"/>
@@ -15889,7 +16418,6 @@
               <a:rPr lang="en-US" dirty="0" smtClean="0"/>
               <a:t>Where reservoirs of infection are sufficient to maintain parasite populations above the breakpoint (insufficient coverage)</a:t>
             </a:r>
-            <a:endParaRPr lang="en-US" dirty="0" smtClean="0"/>
           </a:p>
         </p:txBody>
       </p:sp>
@@ -15927,6 +16455,13 @@
   <p:clrMapOvr>
     <a:masterClrMapping/>
   </p:clrMapOvr>
+  <p:timing>
+    <p:tnLst>
+      <p:par>
+        <p:cTn id="1" dur="indefinite" restart="never" nodeType="tmRoot"/>
+      </p:par>
+    </p:tnLst>
+  </p:timing>
 </p:sld>
 </file>
 
